--- a/Präsentation.pptx
+++ b/Präsentation.pptx
@@ -7,10 +7,15 @@
   <p:sldIdLst>
     <p:sldId id="256" r:id="rId2"/>
     <p:sldId id="257" r:id="rId3"/>
-    <p:sldId id="258" r:id="rId4"/>
-    <p:sldId id="259" r:id="rId5"/>
-    <p:sldId id="260" r:id="rId6"/>
-    <p:sldId id="261" r:id="rId7"/>
+    <p:sldId id="266" r:id="rId4"/>
+    <p:sldId id="258" r:id="rId5"/>
+    <p:sldId id="267" r:id="rId6"/>
+    <p:sldId id="268" r:id="rId7"/>
+    <p:sldId id="259" r:id="rId8"/>
+    <p:sldId id="260" r:id="rId9"/>
+    <p:sldId id="261" r:id="rId10"/>
+    <p:sldId id="264" r:id="rId11"/>
+    <p:sldId id="265" r:id="rId12"/>
   </p:sldIdLst>
   <p:sldSz cx="12192000" cy="6858000"/>
   <p:notesSz cx="6858000" cy="9144000"/>
@@ -3406,6 +3411,1312 @@
 </p:sld>
 </file>
 
+<file path=ppt/slides/slide10.xml><?xml version="1.0" encoding="utf-8"?>
+<p:sld xmlns:a="http://schemas.openxmlformats.org/drawingml/2006/main" xmlns:r="http://schemas.openxmlformats.org/officeDocument/2006/relationships" xmlns:p="http://schemas.openxmlformats.org/presentationml/2006/main">
+  <p:cSld>
+    <p:spTree>
+      <p:nvGrpSpPr>
+        <p:cNvPr id="1" name=""/>
+        <p:cNvGrpSpPr/>
+        <p:nvPr/>
+      </p:nvGrpSpPr>
+      <p:grpSpPr>
+        <a:xfrm>
+          <a:off x="0" y="0"/>
+          <a:ext cx="0" cy="0"/>
+          <a:chOff x="0" y="0"/>
+          <a:chExt cx="0" cy="0"/>
+        </a:xfrm>
+      </p:grpSpPr>
+      <p:sp>
+        <p:nvSpPr>
+          <p:cNvPr id="2" name="Titel 1">
+            <a:extLst>
+              <a:ext uri="{FF2B5EF4-FFF2-40B4-BE49-F238E27FC236}">
+                <a16:creationId xmlns:a16="http://schemas.microsoft.com/office/drawing/2014/main" id="{329661AE-AE3A-ED41-8526-830974868C9C}"/>
+              </a:ext>
+            </a:extLst>
+          </p:cNvPr>
+          <p:cNvSpPr>
+            <a:spLocks noGrp="1"/>
+          </p:cNvSpPr>
+          <p:nvPr>
+            <p:ph type="title"/>
+          </p:nvPr>
+        </p:nvSpPr>
+        <p:spPr/>
+        <p:txBody>
+          <a:bodyPr/>
+          <a:lstStyle/>
+          <a:p>
+            <a:r>
+              <a:rPr lang="de-DE" dirty="0"/>
+              <a:t>Entwicklungen bis Checkpoint II</a:t>
+            </a:r>
+          </a:p>
+        </p:txBody>
+      </p:sp>
+      <p:graphicFrame>
+        <p:nvGraphicFramePr>
+          <p:cNvPr id="4" name="Tabelle 4">
+            <a:extLst>
+              <a:ext uri="{FF2B5EF4-FFF2-40B4-BE49-F238E27FC236}">
+                <a16:creationId xmlns:a16="http://schemas.microsoft.com/office/drawing/2014/main" id="{A22D4C1B-333B-5A40-AC92-658022E1C285}"/>
+              </a:ext>
+            </a:extLst>
+          </p:cNvPr>
+          <p:cNvGraphicFramePr>
+            <a:graphicFrameLocks noGrp="1"/>
+          </p:cNvGraphicFramePr>
+          <p:nvPr>
+            <p:extLst>
+              <p:ext uri="{D42A27DB-BD31-4B8C-83A1-F6EECF244321}">
+                <p14:modId xmlns:p14="http://schemas.microsoft.com/office/powerpoint/2010/main" val="2454393007"/>
+              </p:ext>
+            </p:extLst>
+          </p:nvPr>
+        </p:nvGraphicFramePr>
+        <p:xfrm>
+          <a:off x="949960" y="1685924"/>
+          <a:ext cx="10403840" cy="3828098"/>
+        </p:xfrm>
+        <a:graphic>
+          <a:graphicData uri="http://schemas.openxmlformats.org/drawingml/2006/table">
+            <a:tbl>
+              <a:tblPr firstRow="1" bandRow="1">
+                <a:tableStyleId>{5940675A-B579-460E-94D1-54222C63F5DA}</a:tableStyleId>
+              </a:tblPr>
+              <a:tblGrid>
+                <a:gridCol w="5201920">
+                  <a:extLst>
+                    <a:ext uri="{9D8B030D-6E8A-4147-A177-3AD203B41FA5}">
+                      <a16:colId xmlns:a16="http://schemas.microsoft.com/office/drawing/2014/main" val="1087203503"/>
+                    </a:ext>
+                  </a:extLst>
+                </a:gridCol>
+                <a:gridCol w="5201920">
+                  <a:extLst>
+                    <a:ext uri="{9D8B030D-6E8A-4147-A177-3AD203B41FA5}">
+                      <a16:colId xmlns:a16="http://schemas.microsoft.com/office/drawing/2014/main" val="2791348744"/>
+                    </a:ext>
+                  </a:extLst>
+                </a:gridCol>
+              </a:tblGrid>
+              <a:tr h="444818">
+                <a:tc>
+                  <a:txBody>
+                    <a:bodyPr/>
+                    <a:lstStyle/>
+                    <a:p>
+                      <a:r>
+                        <a:rPr lang="de-DE" sz="2000" dirty="0"/>
+                        <a:t>Layout</a:t>
+                      </a:r>
+                    </a:p>
+                  </a:txBody>
+                  <a:tcPr>
+                    <a:lnL w="12700" cap="flat" cmpd="sng" algn="ctr">
+                      <a:noFill/>
+                      <a:prstDash val="solid"/>
+                      <a:round/>
+                      <a:headEnd type="none" w="med" len="med"/>
+                      <a:tailEnd type="none" w="med" len="med"/>
+                    </a:lnL>
+                    <a:lnR w="12700" cap="flat" cmpd="sng" algn="ctr">
+                      <a:solidFill>
+                        <a:schemeClr val="tx1"/>
+                      </a:solidFill>
+                      <a:prstDash val="solid"/>
+                      <a:round/>
+                      <a:headEnd type="none" w="med" len="med"/>
+                      <a:tailEnd type="none" w="med" len="med"/>
+                    </a:lnR>
+                    <a:lnT w="12700" cap="flat" cmpd="sng" algn="ctr">
+                      <a:noFill/>
+                      <a:prstDash val="solid"/>
+                      <a:round/>
+                      <a:headEnd type="none" w="med" len="med"/>
+                      <a:tailEnd type="none" w="med" len="med"/>
+                    </a:lnT>
+                    <a:lnB w="12700" cap="flat" cmpd="sng" algn="ctr">
+                      <a:solidFill>
+                        <a:schemeClr val="tx1"/>
+                      </a:solidFill>
+                      <a:prstDash val="solid"/>
+                      <a:round/>
+                      <a:headEnd type="none" w="med" len="med"/>
+                      <a:tailEnd type="none" w="med" len="med"/>
+                    </a:lnB>
+                    <a:lnTlToBr w="12700" cmpd="sng">
+                      <a:noFill/>
+                      <a:prstDash val="solid"/>
+                    </a:lnTlToBr>
+                    <a:lnBlToTr w="12700" cmpd="sng">
+                      <a:noFill/>
+                      <a:prstDash val="solid"/>
+                    </a:lnBlToTr>
+                  </a:tcPr>
+                </a:tc>
+                <a:tc>
+                  <a:txBody>
+                    <a:bodyPr/>
+                    <a:lstStyle/>
+                    <a:p>
+                      <a:r>
+                        <a:rPr lang="de-DE" sz="2000" dirty="0"/>
+                        <a:t>Code</a:t>
+                      </a:r>
+                    </a:p>
+                  </a:txBody>
+                  <a:tcPr>
+                    <a:lnL w="12700" cap="flat" cmpd="sng" algn="ctr">
+                      <a:solidFill>
+                        <a:schemeClr val="tx1"/>
+                      </a:solidFill>
+                      <a:prstDash val="solid"/>
+                      <a:round/>
+                      <a:headEnd type="none" w="med" len="med"/>
+                      <a:tailEnd type="none" w="med" len="med"/>
+                    </a:lnL>
+                    <a:lnR w="12700" cap="flat" cmpd="sng" algn="ctr">
+                      <a:noFill/>
+                      <a:prstDash val="solid"/>
+                      <a:round/>
+                      <a:headEnd type="none" w="med" len="med"/>
+                      <a:tailEnd type="none" w="med" len="med"/>
+                    </a:lnR>
+                    <a:lnT w="12700" cap="flat" cmpd="sng" algn="ctr">
+                      <a:noFill/>
+                      <a:prstDash val="solid"/>
+                      <a:round/>
+                      <a:headEnd type="none" w="med" len="med"/>
+                      <a:tailEnd type="none" w="med" len="med"/>
+                    </a:lnT>
+                    <a:lnB w="12700" cap="flat" cmpd="sng" algn="ctr">
+                      <a:solidFill>
+                        <a:schemeClr val="tx1"/>
+                      </a:solidFill>
+                      <a:prstDash val="solid"/>
+                      <a:round/>
+                      <a:headEnd type="none" w="med" len="med"/>
+                      <a:tailEnd type="none" w="med" len="med"/>
+                    </a:lnB>
+                    <a:lnTlToBr w="12700" cmpd="sng">
+                      <a:noFill/>
+                      <a:prstDash val="solid"/>
+                    </a:lnTlToBr>
+                    <a:lnBlToTr w="12700" cmpd="sng">
+                      <a:noFill/>
+                      <a:prstDash val="solid"/>
+                    </a:lnBlToTr>
+                  </a:tcPr>
+                </a:tc>
+                <a:extLst>
+                  <a:ext uri="{0D108BD9-81ED-4DB2-BD59-A6C34878D82A}">
+                    <a16:rowId xmlns:a16="http://schemas.microsoft.com/office/drawing/2014/main" val="3316209001"/>
+                  </a:ext>
+                </a:extLst>
+              </a:tr>
+              <a:tr h="444818">
+                <a:tc>
+                  <a:txBody>
+                    <a:bodyPr/>
+                    <a:lstStyle/>
+                    <a:p>
+                      <a:pPr marL="342900" indent="-342900">
+                        <a:buFont typeface="Arial" panose="020B0604020202020204" pitchFamily="34" charset="0"/>
+                        <a:buChar char="•"/>
+                      </a:pPr>
+                      <a:r>
+                        <a:rPr lang="de-CH" sz="2000" b="0" dirty="0">
+                          <a:latin typeface="Helvetica Neue" panose="02000503000000020004" pitchFamily="2" charset="0"/>
+                          <a:ea typeface="Helvetica Neue" panose="02000503000000020004" pitchFamily="2" charset="0"/>
+                          <a:cs typeface="Helvetica Neue" panose="02000503000000020004" pitchFamily="2" charset="0"/>
+                        </a:rPr>
+                        <a:t>Bahn der Erde</a:t>
+                      </a:r>
+                    </a:p>
+                    <a:p>
+                      <a:pPr marL="361950" marR="0" lvl="0" indent="0" algn="l" defTabSz="914400" rtl="0" eaLnBrk="1" fontAlgn="auto" latinLnBrk="0" hangingPunct="1">
+                        <a:lnSpc>
+                          <a:spcPct val="100000"/>
+                        </a:lnSpc>
+                        <a:spcBef>
+                          <a:spcPts val="0"/>
+                        </a:spcBef>
+                        <a:spcAft>
+                          <a:spcPts val="0"/>
+                        </a:spcAft>
+                        <a:buClrTx/>
+                        <a:buSzTx/>
+                        <a:buFont typeface="Arial" panose="020B0604020202020204" pitchFamily="34" charset="0"/>
+                        <a:buNone/>
+                        <a:tabLst/>
+                        <a:defRPr/>
+                      </a:pPr>
+                      <a:r>
+                        <a:rPr lang="de-CH" sz="1600" dirty="0">
+                          <a:latin typeface="Helvetica Neue" panose="02000503000000020004" pitchFamily="2" charset="0"/>
+                          <a:ea typeface="Helvetica Neue" panose="02000503000000020004" pitchFamily="2" charset="0"/>
+                          <a:cs typeface="Helvetica Neue" panose="02000503000000020004" pitchFamily="2" charset="0"/>
+                        </a:rPr>
+                        <a:t>Sollte nicht ersichtlich sein und wurde bei Checkpoint II korrigiert</a:t>
+                      </a:r>
+                      <a:endParaRPr lang="de-CH" sz="2000" b="0" dirty="0">
+                        <a:latin typeface="Helvetica Neue" panose="02000503000000020004" pitchFamily="2" charset="0"/>
+                        <a:ea typeface="Helvetica Neue" panose="02000503000000020004" pitchFamily="2" charset="0"/>
+                        <a:cs typeface="Helvetica Neue" panose="02000503000000020004" pitchFamily="2" charset="0"/>
+                      </a:endParaRPr>
+                    </a:p>
+                    <a:p>
+                      <a:pPr marL="361950" marR="0" lvl="0" indent="0" algn="l" defTabSz="914400" rtl="0" eaLnBrk="1" fontAlgn="auto" latinLnBrk="0" hangingPunct="1">
+                        <a:lnSpc>
+                          <a:spcPct val="100000"/>
+                        </a:lnSpc>
+                        <a:spcBef>
+                          <a:spcPts val="0"/>
+                        </a:spcBef>
+                        <a:spcAft>
+                          <a:spcPts val="0"/>
+                        </a:spcAft>
+                        <a:buClrTx/>
+                        <a:buSzTx/>
+                        <a:buFont typeface="Arial" panose="020B0604020202020204" pitchFamily="34" charset="0"/>
+                        <a:buNone/>
+                        <a:tabLst/>
+                        <a:defRPr/>
+                      </a:pPr>
+                      <a:r>
+                        <a:rPr lang="de-CH" sz="1600" dirty="0">
+                          <a:latin typeface="Helvetica Neue" panose="02000503000000020004" pitchFamily="2" charset="0"/>
+                          <a:ea typeface="Helvetica Neue" panose="02000503000000020004" pitchFamily="2" charset="0"/>
+                          <a:cs typeface="Helvetica Neue" panose="02000503000000020004" pitchFamily="2" charset="0"/>
+                        </a:rPr>
+                        <a:t> </a:t>
+                      </a:r>
+                    </a:p>
+                  </a:txBody>
+                  <a:tcPr>
+                    <a:lnL w="12700" cap="flat" cmpd="sng" algn="ctr">
+                      <a:noFill/>
+                      <a:prstDash val="solid"/>
+                      <a:round/>
+                      <a:headEnd type="none" w="med" len="med"/>
+                      <a:tailEnd type="none" w="med" len="med"/>
+                    </a:lnL>
+                    <a:lnR w="12700" cap="flat" cmpd="sng" algn="ctr">
+                      <a:solidFill>
+                        <a:schemeClr val="tx1"/>
+                      </a:solidFill>
+                      <a:prstDash val="solid"/>
+                      <a:round/>
+                      <a:headEnd type="none" w="med" len="med"/>
+                      <a:tailEnd type="none" w="med" len="med"/>
+                    </a:lnR>
+                    <a:lnT w="12700" cap="flat" cmpd="sng" algn="ctr">
+                      <a:solidFill>
+                        <a:schemeClr val="tx1"/>
+                      </a:solidFill>
+                      <a:prstDash val="solid"/>
+                      <a:round/>
+                      <a:headEnd type="none" w="med" len="med"/>
+                      <a:tailEnd type="none" w="med" len="med"/>
+                    </a:lnT>
+                    <a:lnB w="12700" cap="flat" cmpd="sng" algn="ctr">
+                      <a:noFill/>
+                      <a:prstDash val="solid"/>
+                      <a:round/>
+                      <a:headEnd type="none" w="med" len="med"/>
+                      <a:tailEnd type="none" w="med" len="med"/>
+                    </a:lnB>
+                    <a:lnTlToBr w="12700" cmpd="sng">
+                      <a:noFill/>
+                      <a:prstDash val="solid"/>
+                    </a:lnTlToBr>
+                    <a:lnBlToTr w="12700" cmpd="sng">
+                      <a:noFill/>
+                      <a:prstDash val="solid"/>
+                    </a:lnBlToTr>
+                  </a:tcPr>
+                </a:tc>
+                <a:tc>
+                  <a:txBody>
+                    <a:bodyPr/>
+                    <a:lstStyle/>
+                    <a:p>
+                      <a:pPr marL="342900" marR="0" lvl="0" indent="-342900" algn="l" defTabSz="914400" rtl="0" eaLnBrk="1" fontAlgn="auto" latinLnBrk="0" hangingPunct="1">
+                        <a:lnSpc>
+                          <a:spcPct val="100000"/>
+                        </a:lnSpc>
+                        <a:spcBef>
+                          <a:spcPts val="0"/>
+                        </a:spcBef>
+                        <a:spcAft>
+                          <a:spcPts val="0"/>
+                        </a:spcAft>
+                        <a:buClrTx/>
+                        <a:buSzTx/>
+                        <a:buFont typeface="Arial" panose="020B0604020202020204" pitchFamily="34" charset="0"/>
+                        <a:buChar char="•"/>
+                        <a:tabLst/>
+                        <a:defRPr/>
+                      </a:pPr>
+                      <a:r>
+                        <a:rPr lang="de-DE" sz="2000" dirty="0"/>
+                        <a:t>Änderung der Interaktivität</a:t>
+                      </a:r>
+                    </a:p>
+                    <a:p>
+                      <a:pPr marL="317500" marR="0" lvl="0" indent="0" algn="l" defTabSz="914400" rtl="0" eaLnBrk="1" fontAlgn="auto" latinLnBrk="0" hangingPunct="1">
+                        <a:lnSpc>
+                          <a:spcPct val="100000"/>
+                        </a:lnSpc>
+                        <a:spcBef>
+                          <a:spcPts val="0"/>
+                        </a:spcBef>
+                        <a:spcAft>
+                          <a:spcPts val="0"/>
+                        </a:spcAft>
+                        <a:buClrTx/>
+                        <a:buSzTx/>
+                        <a:buFont typeface="Arial" panose="020B0604020202020204" pitchFamily="34" charset="0"/>
+                        <a:buNone/>
+                        <a:tabLst/>
+                        <a:defRPr/>
+                      </a:pPr>
+                      <a:r>
+                        <a:rPr lang="de-CH" sz="1600" dirty="0">
+                          <a:latin typeface="Helvetica Neue" panose="02000503000000020004" pitchFamily="2" charset="0"/>
+                          <a:ea typeface="Helvetica Neue" panose="02000503000000020004" pitchFamily="2" charset="0"/>
+                          <a:cs typeface="Helvetica Neue" panose="02000503000000020004" pitchFamily="2" charset="0"/>
+                        </a:rPr>
+                        <a:t>Erde wird nicht per Maus gesteuert, sondern dreht eigenständig auf der Umlaufbahn, Maus soll für weitere Steuerungen zur Verfügung stehen</a:t>
+                      </a:r>
+                    </a:p>
+                    <a:p>
+                      <a:pPr marL="342900" indent="-342900">
+                        <a:buFont typeface="Arial" panose="020B0604020202020204" pitchFamily="34" charset="0"/>
+                        <a:buChar char="•"/>
+                      </a:pPr>
+                      <a:endParaRPr lang="de-DE" sz="2000" dirty="0"/>
+                    </a:p>
+                    <a:p>
+                      <a:pPr marL="342900" marR="0" lvl="0" indent="-342900" algn="l" defTabSz="914400" rtl="0" eaLnBrk="1" fontAlgn="auto" latinLnBrk="0" hangingPunct="1">
+                        <a:lnSpc>
+                          <a:spcPct val="100000"/>
+                        </a:lnSpc>
+                        <a:spcBef>
+                          <a:spcPts val="0"/>
+                        </a:spcBef>
+                        <a:spcAft>
+                          <a:spcPts val="0"/>
+                        </a:spcAft>
+                        <a:buClrTx/>
+                        <a:buSzTx/>
+                        <a:buFont typeface="Arial" panose="020B0604020202020204" pitchFamily="34" charset="0"/>
+                        <a:buChar char="•"/>
+                        <a:tabLst/>
+                        <a:defRPr/>
+                      </a:pPr>
+                      <a:r>
+                        <a:rPr lang="de-CH" sz="2000" b="0" dirty="0">
+                          <a:latin typeface="Helvetica Neue" panose="02000503000000020004" pitchFamily="2" charset="0"/>
+                          <a:ea typeface="Helvetica Neue" panose="02000503000000020004" pitchFamily="2" charset="0"/>
+                          <a:cs typeface="Helvetica Neue" panose="02000503000000020004" pitchFamily="2" charset="0"/>
+                        </a:rPr>
+                        <a:t>Einbau Start-Stopp-Button</a:t>
+                      </a:r>
+                    </a:p>
+                    <a:p>
+                      <a:pPr marL="317500" marR="0" lvl="0" indent="0" algn="l" defTabSz="914400" rtl="0" eaLnBrk="1" fontAlgn="auto" latinLnBrk="0" hangingPunct="1">
+                        <a:lnSpc>
+                          <a:spcPct val="100000"/>
+                        </a:lnSpc>
+                        <a:spcBef>
+                          <a:spcPts val="0"/>
+                        </a:spcBef>
+                        <a:spcAft>
+                          <a:spcPts val="0"/>
+                        </a:spcAft>
+                        <a:buClrTx/>
+                        <a:buSzTx/>
+                        <a:buFont typeface="Arial" panose="020B0604020202020204" pitchFamily="34" charset="0"/>
+                        <a:buNone/>
+                        <a:tabLst/>
+                        <a:defRPr/>
+                      </a:pPr>
+                      <a:r>
+                        <a:rPr lang="de-CH" sz="1600" b="0" dirty="0">
+                          <a:latin typeface="Helvetica Neue" panose="02000503000000020004" pitchFamily="2" charset="0"/>
+                          <a:ea typeface="Helvetica Neue" panose="02000503000000020004" pitchFamily="2" charset="0"/>
+                          <a:cs typeface="Helvetica Neue" panose="02000503000000020004" pitchFamily="2" charset="0"/>
+                        </a:rPr>
+                        <a:t>Einbau eines Buttons, um die Erde an gewünschter Position zu stoppen </a:t>
+                      </a:r>
+                      <a:r>
+                        <a:rPr lang="de-CH" sz="1600" b="0" dirty="0">
+                          <a:latin typeface="Helvetica Neue" panose="02000503000000020004" pitchFamily="2" charset="0"/>
+                          <a:ea typeface="Helvetica Neue" panose="02000503000000020004" pitchFamily="2" charset="0"/>
+                          <a:cs typeface="Helvetica Neue" panose="02000503000000020004" pitchFamily="2" charset="0"/>
+                          <a:sym typeface="Wingdings" pitchFamily="2" charset="2"/>
+                        </a:rPr>
+                        <a:t> hat bis dahin noch nicht funktioniert</a:t>
+                      </a:r>
+                      <a:endParaRPr lang="de-CH" sz="1600" b="0" dirty="0">
+                        <a:latin typeface="Helvetica Neue" panose="02000503000000020004" pitchFamily="2" charset="0"/>
+                        <a:ea typeface="Helvetica Neue" panose="02000503000000020004" pitchFamily="2" charset="0"/>
+                        <a:cs typeface="Helvetica Neue" panose="02000503000000020004" pitchFamily="2" charset="0"/>
+                      </a:endParaRPr>
+                    </a:p>
+                    <a:p>
+                      <a:pPr marL="342900" indent="-342900">
+                        <a:buFont typeface="Arial" panose="020B0604020202020204" pitchFamily="34" charset="0"/>
+                        <a:buChar char="•"/>
+                      </a:pPr>
+                      <a:endParaRPr lang="de-DE" sz="2000" dirty="0"/>
+                    </a:p>
+                    <a:p>
+                      <a:pPr marL="342900" indent="-342900">
+                        <a:buFont typeface="Arial" panose="020B0604020202020204" pitchFamily="34" charset="0"/>
+                        <a:buChar char="•"/>
+                      </a:pPr>
+                      <a:endParaRPr lang="de-DE" sz="2000" dirty="0"/>
+                    </a:p>
+                    <a:p>
+                      <a:pPr marL="342900" indent="-342900">
+                        <a:buFont typeface="Arial" panose="020B0604020202020204" pitchFamily="34" charset="0"/>
+                        <a:buChar char="•"/>
+                      </a:pPr>
+                      <a:endParaRPr lang="de-DE" sz="2000" dirty="0"/>
+                    </a:p>
+                  </a:txBody>
+                  <a:tcPr>
+                    <a:lnL w="12700" cap="flat" cmpd="sng" algn="ctr">
+                      <a:solidFill>
+                        <a:schemeClr val="tx1"/>
+                      </a:solidFill>
+                      <a:prstDash val="solid"/>
+                      <a:round/>
+                      <a:headEnd type="none" w="med" len="med"/>
+                      <a:tailEnd type="none" w="med" len="med"/>
+                    </a:lnL>
+                    <a:lnR w="12700" cap="flat" cmpd="sng" algn="ctr">
+                      <a:noFill/>
+                      <a:prstDash val="solid"/>
+                      <a:round/>
+                      <a:headEnd type="none" w="med" len="med"/>
+                      <a:tailEnd type="none" w="med" len="med"/>
+                    </a:lnR>
+                    <a:lnT w="12700" cap="flat" cmpd="sng" algn="ctr">
+                      <a:solidFill>
+                        <a:schemeClr val="tx1"/>
+                      </a:solidFill>
+                      <a:prstDash val="solid"/>
+                      <a:round/>
+                      <a:headEnd type="none" w="med" len="med"/>
+                      <a:tailEnd type="none" w="med" len="med"/>
+                    </a:lnT>
+                    <a:lnB w="12700" cap="flat" cmpd="sng" algn="ctr">
+                      <a:noFill/>
+                      <a:prstDash val="solid"/>
+                      <a:round/>
+                      <a:headEnd type="none" w="med" len="med"/>
+                      <a:tailEnd type="none" w="med" len="med"/>
+                    </a:lnB>
+                    <a:lnTlToBr w="12700" cmpd="sng">
+                      <a:noFill/>
+                      <a:prstDash val="solid"/>
+                    </a:lnTlToBr>
+                    <a:lnBlToTr w="12700" cmpd="sng">
+                      <a:noFill/>
+                      <a:prstDash val="solid"/>
+                    </a:lnBlToTr>
+                  </a:tcPr>
+                </a:tc>
+                <a:extLst>
+                  <a:ext uri="{0D108BD9-81ED-4DB2-BD59-A6C34878D82A}">
+                    <a16:rowId xmlns:a16="http://schemas.microsoft.com/office/drawing/2014/main" val="792890267"/>
+                  </a:ext>
+                </a:extLst>
+              </a:tr>
+            </a:tbl>
+          </a:graphicData>
+        </a:graphic>
+      </p:graphicFrame>
+      <p:pic>
+        <p:nvPicPr>
+          <p:cNvPr id="5" name="Grafik 4">
+            <a:extLst>
+              <a:ext uri="{FF2B5EF4-FFF2-40B4-BE49-F238E27FC236}">
+                <a16:creationId xmlns:a16="http://schemas.microsoft.com/office/drawing/2014/main" id="{5EC09808-F3C6-AB45-91DC-240DF3AC1685}"/>
+              </a:ext>
+            </a:extLst>
+          </p:cNvPr>
+          <p:cNvPicPr>
+            <a:picLocks noChangeAspect="1"/>
+          </p:cNvPicPr>
+          <p:nvPr/>
+        </p:nvPicPr>
+        <p:blipFill>
+          <a:blip r:embed="rId2"/>
+          <a:stretch>
+            <a:fillRect/>
+          </a:stretch>
+        </p:blipFill>
+        <p:spPr>
+          <a:xfrm>
+            <a:off x="1362972" y="3231634"/>
+            <a:ext cx="4492753" cy="2202330"/>
+          </a:xfrm>
+          <a:prstGeom prst="rect">
+            <a:avLst/>
+          </a:prstGeom>
+        </p:spPr>
+      </p:pic>
+    </p:spTree>
+    <p:extLst>
+      <p:ext uri="{BB962C8B-B14F-4D97-AF65-F5344CB8AC3E}">
+        <p14:creationId xmlns:p14="http://schemas.microsoft.com/office/powerpoint/2010/main" val="3283609911"/>
+      </p:ext>
+    </p:extLst>
+  </p:cSld>
+  <p:clrMapOvr>
+    <a:masterClrMapping/>
+  </p:clrMapOvr>
+</p:sld>
+</file>
+
+<file path=ppt/slides/slide11.xml><?xml version="1.0" encoding="utf-8"?>
+<p:sld xmlns:a="http://schemas.openxmlformats.org/drawingml/2006/main" xmlns:r="http://schemas.openxmlformats.org/officeDocument/2006/relationships" xmlns:p="http://schemas.openxmlformats.org/presentationml/2006/main">
+  <p:cSld>
+    <p:spTree>
+      <p:nvGrpSpPr>
+        <p:cNvPr id="1" name=""/>
+        <p:cNvGrpSpPr/>
+        <p:nvPr/>
+      </p:nvGrpSpPr>
+      <p:grpSpPr>
+        <a:xfrm>
+          <a:off x="0" y="0"/>
+          <a:ext cx="0" cy="0"/>
+          <a:chOff x="0" y="0"/>
+          <a:chExt cx="0" cy="0"/>
+        </a:xfrm>
+      </p:grpSpPr>
+      <p:sp>
+        <p:nvSpPr>
+          <p:cNvPr id="2" name="Titel 1">
+            <a:extLst>
+              <a:ext uri="{FF2B5EF4-FFF2-40B4-BE49-F238E27FC236}">
+                <a16:creationId xmlns:a16="http://schemas.microsoft.com/office/drawing/2014/main" id="{329661AE-AE3A-ED41-8526-830974868C9C}"/>
+              </a:ext>
+            </a:extLst>
+          </p:cNvPr>
+          <p:cNvSpPr>
+            <a:spLocks noGrp="1"/>
+          </p:cNvSpPr>
+          <p:nvPr>
+            <p:ph type="title"/>
+          </p:nvPr>
+        </p:nvSpPr>
+        <p:spPr/>
+        <p:txBody>
+          <a:bodyPr/>
+          <a:lstStyle/>
+          <a:p>
+            <a:r>
+              <a:rPr lang="de-DE" dirty="0"/>
+              <a:t>Entwicklungen bis zur Abgabe</a:t>
+            </a:r>
+          </a:p>
+        </p:txBody>
+      </p:sp>
+      <p:graphicFrame>
+        <p:nvGraphicFramePr>
+          <p:cNvPr id="4" name="Tabelle 4">
+            <a:extLst>
+              <a:ext uri="{FF2B5EF4-FFF2-40B4-BE49-F238E27FC236}">
+                <a16:creationId xmlns:a16="http://schemas.microsoft.com/office/drawing/2014/main" id="{A22D4C1B-333B-5A40-AC92-658022E1C285}"/>
+              </a:ext>
+            </a:extLst>
+          </p:cNvPr>
+          <p:cNvGraphicFramePr>
+            <a:graphicFrameLocks noGrp="1"/>
+          </p:cNvGraphicFramePr>
+          <p:nvPr>
+            <p:extLst>
+              <p:ext uri="{D42A27DB-BD31-4B8C-83A1-F6EECF244321}">
+                <p14:modId xmlns:p14="http://schemas.microsoft.com/office/powerpoint/2010/main" val="3589863955"/>
+              </p:ext>
+            </p:extLst>
+          </p:nvPr>
+        </p:nvGraphicFramePr>
+        <p:xfrm>
+          <a:off x="949960" y="1685924"/>
+          <a:ext cx="10403840" cy="4620578"/>
+        </p:xfrm>
+        <a:graphic>
+          <a:graphicData uri="http://schemas.openxmlformats.org/drawingml/2006/table">
+            <a:tbl>
+              <a:tblPr firstRow="1" bandRow="1">
+                <a:tableStyleId>{5940675A-B579-460E-94D1-54222C63F5DA}</a:tableStyleId>
+              </a:tblPr>
+              <a:tblGrid>
+                <a:gridCol w="5201920">
+                  <a:extLst>
+                    <a:ext uri="{9D8B030D-6E8A-4147-A177-3AD203B41FA5}">
+                      <a16:colId xmlns:a16="http://schemas.microsoft.com/office/drawing/2014/main" val="1087203503"/>
+                    </a:ext>
+                  </a:extLst>
+                </a:gridCol>
+                <a:gridCol w="5201920">
+                  <a:extLst>
+                    <a:ext uri="{9D8B030D-6E8A-4147-A177-3AD203B41FA5}">
+                      <a16:colId xmlns:a16="http://schemas.microsoft.com/office/drawing/2014/main" val="2791348744"/>
+                    </a:ext>
+                  </a:extLst>
+                </a:gridCol>
+              </a:tblGrid>
+              <a:tr h="444818">
+                <a:tc>
+                  <a:txBody>
+                    <a:bodyPr/>
+                    <a:lstStyle/>
+                    <a:p>
+                      <a:r>
+                        <a:rPr lang="de-DE" sz="2000" dirty="0"/>
+                        <a:t>Layout</a:t>
+                      </a:r>
+                    </a:p>
+                  </a:txBody>
+                  <a:tcPr>
+                    <a:lnL w="12700" cap="flat" cmpd="sng" algn="ctr">
+                      <a:noFill/>
+                      <a:prstDash val="solid"/>
+                      <a:round/>
+                      <a:headEnd type="none" w="med" len="med"/>
+                      <a:tailEnd type="none" w="med" len="med"/>
+                    </a:lnL>
+                    <a:lnR w="12700" cap="flat" cmpd="sng" algn="ctr">
+                      <a:solidFill>
+                        <a:schemeClr val="tx1"/>
+                      </a:solidFill>
+                      <a:prstDash val="solid"/>
+                      <a:round/>
+                      <a:headEnd type="none" w="med" len="med"/>
+                      <a:tailEnd type="none" w="med" len="med"/>
+                    </a:lnR>
+                    <a:lnT w="12700" cap="flat" cmpd="sng" algn="ctr">
+                      <a:noFill/>
+                      <a:prstDash val="solid"/>
+                      <a:round/>
+                      <a:headEnd type="none" w="med" len="med"/>
+                      <a:tailEnd type="none" w="med" len="med"/>
+                    </a:lnT>
+                    <a:lnB w="12700" cap="flat" cmpd="sng" algn="ctr">
+                      <a:solidFill>
+                        <a:schemeClr val="tx1"/>
+                      </a:solidFill>
+                      <a:prstDash val="solid"/>
+                      <a:round/>
+                      <a:headEnd type="none" w="med" len="med"/>
+                      <a:tailEnd type="none" w="med" len="med"/>
+                    </a:lnB>
+                    <a:lnTlToBr w="12700" cmpd="sng">
+                      <a:noFill/>
+                      <a:prstDash val="solid"/>
+                    </a:lnTlToBr>
+                    <a:lnBlToTr w="12700" cmpd="sng">
+                      <a:noFill/>
+                      <a:prstDash val="solid"/>
+                    </a:lnBlToTr>
+                  </a:tcPr>
+                </a:tc>
+                <a:tc>
+                  <a:txBody>
+                    <a:bodyPr/>
+                    <a:lstStyle/>
+                    <a:p>
+                      <a:r>
+                        <a:rPr lang="de-DE" sz="2000" dirty="0"/>
+                        <a:t>Code</a:t>
+                      </a:r>
+                    </a:p>
+                  </a:txBody>
+                  <a:tcPr>
+                    <a:lnL w="12700" cap="flat" cmpd="sng" algn="ctr">
+                      <a:solidFill>
+                        <a:schemeClr val="tx1"/>
+                      </a:solidFill>
+                      <a:prstDash val="solid"/>
+                      <a:round/>
+                      <a:headEnd type="none" w="med" len="med"/>
+                      <a:tailEnd type="none" w="med" len="med"/>
+                    </a:lnL>
+                    <a:lnR w="12700" cap="flat" cmpd="sng" algn="ctr">
+                      <a:noFill/>
+                      <a:prstDash val="solid"/>
+                      <a:round/>
+                      <a:headEnd type="none" w="med" len="med"/>
+                      <a:tailEnd type="none" w="med" len="med"/>
+                    </a:lnR>
+                    <a:lnT w="12700" cap="flat" cmpd="sng" algn="ctr">
+                      <a:noFill/>
+                      <a:prstDash val="solid"/>
+                      <a:round/>
+                      <a:headEnd type="none" w="med" len="med"/>
+                      <a:tailEnd type="none" w="med" len="med"/>
+                    </a:lnT>
+                    <a:lnB w="12700" cap="flat" cmpd="sng" algn="ctr">
+                      <a:solidFill>
+                        <a:schemeClr val="tx1"/>
+                      </a:solidFill>
+                      <a:prstDash val="solid"/>
+                      <a:round/>
+                      <a:headEnd type="none" w="med" len="med"/>
+                      <a:tailEnd type="none" w="med" len="med"/>
+                    </a:lnB>
+                    <a:lnTlToBr w="12700" cmpd="sng">
+                      <a:noFill/>
+                      <a:prstDash val="solid"/>
+                    </a:lnTlToBr>
+                    <a:lnBlToTr w="12700" cmpd="sng">
+                      <a:noFill/>
+                      <a:prstDash val="solid"/>
+                    </a:lnBlToTr>
+                  </a:tcPr>
+                </a:tc>
+                <a:extLst>
+                  <a:ext uri="{0D108BD9-81ED-4DB2-BD59-A6C34878D82A}">
+                    <a16:rowId xmlns:a16="http://schemas.microsoft.com/office/drawing/2014/main" val="3316209001"/>
+                  </a:ext>
+                </a:extLst>
+              </a:tr>
+              <a:tr h="444818">
+                <a:tc>
+                  <a:txBody>
+                    <a:bodyPr/>
+                    <a:lstStyle/>
+                    <a:p>
+                      <a:pPr marL="342900" indent="-342900">
+                        <a:buFont typeface="Arial" panose="020B0604020202020204" pitchFamily="34" charset="0"/>
+                        <a:buChar char="•"/>
+                      </a:pPr>
+                      <a:r>
+                        <a:rPr lang="de-CH" sz="2000" b="0" dirty="0">
+                          <a:latin typeface="Helvetica Neue" panose="02000503000000020004" pitchFamily="2" charset="0"/>
+                          <a:ea typeface="Helvetica Neue" panose="02000503000000020004" pitchFamily="2" charset="0"/>
+                          <a:cs typeface="Helvetica Neue" panose="02000503000000020004" pitchFamily="2" charset="0"/>
+                        </a:rPr>
+                        <a:t>Interaktion</a:t>
+                      </a:r>
+                    </a:p>
+                    <a:p>
+                      <a:pPr marL="361950" marR="0" lvl="0" indent="0" algn="l" defTabSz="914400" rtl="0" eaLnBrk="1" fontAlgn="auto" latinLnBrk="0" hangingPunct="1">
+                        <a:lnSpc>
+                          <a:spcPct val="100000"/>
+                        </a:lnSpc>
+                        <a:spcBef>
+                          <a:spcPts val="0"/>
+                        </a:spcBef>
+                        <a:spcAft>
+                          <a:spcPts val="0"/>
+                        </a:spcAft>
+                        <a:buClrTx/>
+                        <a:buSzTx/>
+                        <a:buFont typeface="Arial" panose="020B0604020202020204" pitchFamily="34" charset="0"/>
+                        <a:buNone/>
+                        <a:tabLst/>
+                        <a:defRPr/>
+                      </a:pPr>
+                      <a:r>
+                        <a:rPr lang="de-CH" sz="1600" dirty="0">
+                          <a:latin typeface="Helvetica Neue" panose="02000503000000020004" pitchFamily="2" charset="0"/>
+                          <a:ea typeface="Helvetica Neue" panose="02000503000000020004" pitchFamily="2" charset="0"/>
+                          <a:cs typeface="Helvetica Neue" panose="02000503000000020004" pitchFamily="2" charset="0"/>
+                        </a:rPr>
+                        <a:t>Bedienung der Simulation besser beschriftet</a:t>
+                      </a:r>
+                    </a:p>
+                    <a:p>
+                      <a:pPr marL="361950" marR="0" lvl="0" indent="0" algn="l" defTabSz="914400" rtl="0" eaLnBrk="1" fontAlgn="auto" latinLnBrk="0" hangingPunct="1">
+                        <a:lnSpc>
+                          <a:spcPct val="100000"/>
+                        </a:lnSpc>
+                        <a:spcBef>
+                          <a:spcPts val="0"/>
+                        </a:spcBef>
+                        <a:spcAft>
+                          <a:spcPts val="0"/>
+                        </a:spcAft>
+                        <a:buClrTx/>
+                        <a:buSzTx/>
+                        <a:buFont typeface="Arial" panose="020B0604020202020204" pitchFamily="34" charset="0"/>
+                        <a:buNone/>
+                        <a:tabLst/>
+                        <a:defRPr/>
+                      </a:pPr>
+                      <a:endParaRPr lang="de-CH" sz="1600" b="0" dirty="0">
+                        <a:latin typeface="Helvetica Neue" panose="02000503000000020004" pitchFamily="2" charset="0"/>
+                        <a:ea typeface="Helvetica Neue" panose="02000503000000020004" pitchFamily="2" charset="0"/>
+                        <a:cs typeface="Helvetica Neue" panose="02000503000000020004" pitchFamily="2" charset="0"/>
+                      </a:endParaRPr>
+                    </a:p>
+                    <a:p>
+                      <a:pPr marL="342900" indent="-342900">
+                        <a:buFont typeface="Arial" panose="020B0604020202020204" pitchFamily="34" charset="0"/>
+                        <a:buChar char="•"/>
+                      </a:pPr>
+                      <a:r>
+                        <a:rPr lang="de-CH" sz="2000" b="0" dirty="0">
+                          <a:latin typeface="Helvetica Neue" panose="02000503000000020004" pitchFamily="2" charset="0"/>
+                          <a:ea typeface="Helvetica Neue" panose="02000503000000020004" pitchFamily="2" charset="0"/>
+                          <a:cs typeface="Helvetica Neue" panose="02000503000000020004" pitchFamily="2" charset="0"/>
+                        </a:rPr>
+                        <a:t>Jahreszeiten</a:t>
+                      </a:r>
+                    </a:p>
+                    <a:p>
+                      <a:pPr marL="361950" marR="0" lvl="0" indent="0" algn="l" defTabSz="914400" rtl="0" eaLnBrk="1" fontAlgn="auto" latinLnBrk="0" hangingPunct="1">
+                        <a:lnSpc>
+                          <a:spcPct val="100000"/>
+                        </a:lnSpc>
+                        <a:spcBef>
+                          <a:spcPts val="0"/>
+                        </a:spcBef>
+                        <a:spcAft>
+                          <a:spcPts val="0"/>
+                        </a:spcAft>
+                        <a:buClrTx/>
+                        <a:buSzTx/>
+                        <a:buFont typeface="Arial" panose="020B0604020202020204" pitchFamily="34" charset="0"/>
+                        <a:buNone/>
+                        <a:tabLst/>
+                        <a:defRPr/>
+                      </a:pPr>
+                      <a:r>
+                        <a:rPr lang="de-CH" sz="1600" dirty="0">
+                          <a:latin typeface="Helvetica Neue" panose="02000503000000020004" pitchFamily="2" charset="0"/>
+                          <a:ea typeface="Helvetica Neue" panose="02000503000000020004" pitchFamily="2" charset="0"/>
+                          <a:cs typeface="Helvetica Neue" panose="02000503000000020004" pitchFamily="2" charset="0"/>
+                        </a:rPr>
+                        <a:t>Nur für Nordhalbkugel gültig, bildlich schöner dargestellt</a:t>
+                      </a:r>
+                    </a:p>
+                    <a:p>
+                      <a:pPr marL="361950" marR="0" lvl="0" indent="0" algn="l" defTabSz="914400" rtl="0" eaLnBrk="1" fontAlgn="auto" latinLnBrk="0" hangingPunct="1">
+                        <a:lnSpc>
+                          <a:spcPct val="100000"/>
+                        </a:lnSpc>
+                        <a:spcBef>
+                          <a:spcPts val="0"/>
+                        </a:spcBef>
+                        <a:spcAft>
+                          <a:spcPts val="0"/>
+                        </a:spcAft>
+                        <a:buClrTx/>
+                        <a:buSzTx/>
+                        <a:buFont typeface="Arial" panose="020B0604020202020204" pitchFamily="34" charset="0"/>
+                        <a:buNone/>
+                        <a:tabLst/>
+                        <a:defRPr/>
+                      </a:pPr>
+                      <a:endParaRPr lang="de-CH" sz="2000" b="0" dirty="0">
+                        <a:latin typeface="Helvetica Neue" panose="02000503000000020004" pitchFamily="2" charset="0"/>
+                        <a:ea typeface="Helvetica Neue" panose="02000503000000020004" pitchFamily="2" charset="0"/>
+                        <a:cs typeface="Helvetica Neue" panose="02000503000000020004" pitchFamily="2" charset="0"/>
+                      </a:endParaRPr>
+                    </a:p>
+                    <a:p>
+                      <a:pPr marL="361950" marR="0" lvl="0" indent="0" algn="l" defTabSz="914400" rtl="0" eaLnBrk="1" fontAlgn="auto" latinLnBrk="0" hangingPunct="1">
+                        <a:lnSpc>
+                          <a:spcPct val="100000"/>
+                        </a:lnSpc>
+                        <a:spcBef>
+                          <a:spcPts val="0"/>
+                        </a:spcBef>
+                        <a:spcAft>
+                          <a:spcPts val="0"/>
+                        </a:spcAft>
+                        <a:buClrTx/>
+                        <a:buSzTx/>
+                        <a:buFont typeface="Arial" panose="020B0604020202020204" pitchFamily="34" charset="0"/>
+                        <a:buNone/>
+                        <a:tabLst/>
+                        <a:defRPr/>
+                      </a:pPr>
+                      <a:r>
+                        <a:rPr lang="de-CH" sz="1600" dirty="0">
+                          <a:latin typeface="Helvetica Neue" panose="02000503000000020004" pitchFamily="2" charset="0"/>
+                          <a:ea typeface="Helvetica Neue" panose="02000503000000020004" pitchFamily="2" charset="0"/>
+                          <a:cs typeface="Helvetica Neue" panose="02000503000000020004" pitchFamily="2" charset="0"/>
+                        </a:rPr>
+                        <a:t> </a:t>
+                      </a:r>
+                    </a:p>
+                    <a:p>
+                      <a:pPr marL="361950" marR="0" lvl="0" indent="0" algn="l" defTabSz="914400" rtl="0" eaLnBrk="1" fontAlgn="auto" latinLnBrk="0" hangingPunct="1">
+                        <a:lnSpc>
+                          <a:spcPct val="100000"/>
+                        </a:lnSpc>
+                        <a:spcBef>
+                          <a:spcPts val="0"/>
+                        </a:spcBef>
+                        <a:spcAft>
+                          <a:spcPts val="0"/>
+                        </a:spcAft>
+                        <a:buClrTx/>
+                        <a:buSzTx/>
+                        <a:buFont typeface="Arial" panose="020B0604020202020204" pitchFamily="34" charset="0"/>
+                        <a:buNone/>
+                        <a:tabLst/>
+                        <a:defRPr/>
+                      </a:pPr>
+                      <a:endParaRPr lang="de-CH" sz="1600" dirty="0">
+                        <a:latin typeface="Helvetica Neue" panose="02000503000000020004" pitchFamily="2" charset="0"/>
+                        <a:ea typeface="Helvetica Neue" panose="02000503000000020004" pitchFamily="2" charset="0"/>
+                        <a:cs typeface="Helvetica Neue" panose="02000503000000020004" pitchFamily="2" charset="0"/>
+                      </a:endParaRPr>
+                    </a:p>
+                    <a:p>
+                      <a:pPr marL="361950" marR="0" lvl="0" indent="0" algn="l" defTabSz="914400" rtl="0" eaLnBrk="1" fontAlgn="auto" latinLnBrk="0" hangingPunct="1">
+                        <a:lnSpc>
+                          <a:spcPct val="100000"/>
+                        </a:lnSpc>
+                        <a:spcBef>
+                          <a:spcPts val="0"/>
+                        </a:spcBef>
+                        <a:spcAft>
+                          <a:spcPts val="0"/>
+                        </a:spcAft>
+                        <a:buClrTx/>
+                        <a:buSzTx/>
+                        <a:buFont typeface="Arial" panose="020B0604020202020204" pitchFamily="34" charset="0"/>
+                        <a:buNone/>
+                        <a:tabLst/>
+                        <a:defRPr/>
+                      </a:pPr>
+                      <a:endParaRPr lang="de-CH" sz="1600" dirty="0">
+                        <a:latin typeface="Helvetica Neue" panose="02000503000000020004" pitchFamily="2" charset="0"/>
+                        <a:ea typeface="Helvetica Neue" panose="02000503000000020004" pitchFamily="2" charset="0"/>
+                        <a:cs typeface="Helvetica Neue" panose="02000503000000020004" pitchFamily="2" charset="0"/>
+                      </a:endParaRPr>
+                    </a:p>
+                  </a:txBody>
+                  <a:tcPr>
+                    <a:lnL w="12700" cap="flat" cmpd="sng" algn="ctr">
+                      <a:noFill/>
+                      <a:prstDash val="solid"/>
+                      <a:round/>
+                      <a:headEnd type="none" w="med" len="med"/>
+                      <a:tailEnd type="none" w="med" len="med"/>
+                    </a:lnL>
+                    <a:lnR w="12700" cap="flat" cmpd="sng" algn="ctr">
+                      <a:solidFill>
+                        <a:schemeClr val="tx1"/>
+                      </a:solidFill>
+                      <a:prstDash val="solid"/>
+                      <a:round/>
+                      <a:headEnd type="none" w="med" len="med"/>
+                      <a:tailEnd type="none" w="med" len="med"/>
+                    </a:lnR>
+                    <a:lnT w="12700" cap="flat" cmpd="sng" algn="ctr">
+                      <a:solidFill>
+                        <a:schemeClr val="tx1"/>
+                      </a:solidFill>
+                      <a:prstDash val="solid"/>
+                      <a:round/>
+                      <a:headEnd type="none" w="med" len="med"/>
+                      <a:tailEnd type="none" w="med" len="med"/>
+                    </a:lnT>
+                    <a:lnB w="12700" cap="flat" cmpd="sng" algn="ctr">
+                      <a:noFill/>
+                      <a:prstDash val="solid"/>
+                      <a:round/>
+                      <a:headEnd type="none" w="med" len="med"/>
+                      <a:tailEnd type="none" w="med" len="med"/>
+                    </a:lnB>
+                    <a:lnTlToBr w="12700" cmpd="sng">
+                      <a:noFill/>
+                      <a:prstDash val="solid"/>
+                    </a:lnTlToBr>
+                    <a:lnBlToTr w="12700" cmpd="sng">
+                      <a:noFill/>
+                      <a:prstDash val="solid"/>
+                    </a:lnBlToTr>
+                  </a:tcPr>
+                </a:tc>
+                <a:tc>
+                  <a:txBody>
+                    <a:bodyPr/>
+                    <a:lstStyle/>
+                    <a:p>
+                      <a:pPr marL="342900" marR="0" lvl="0" indent="-342900" algn="l" defTabSz="914400" rtl="0" eaLnBrk="1" fontAlgn="auto" latinLnBrk="0" hangingPunct="1">
+                        <a:lnSpc>
+                          <a:spcPct val="100000"/>
+                        </a:lnSpc>
+                        <a:spcBef>
+                          <a:spcPts val="0"/>
+                        </a:spcBef>
+                        <a:spcAft>
+                          <a:spcPts val="0"/>
+                        </a:spcAft>
+                        <a:buClrTx/>
+                        <a:buSzTx/>
+                        <a:buFont typeface="Arial" panose="020B0604020202020204" pitchFamily="34" charset="0"/>
+                        <a:buChar char="•"/>
+                        <a:tabLst/>
+                        <a:defRPr/>
+                      </a:pPr>
+                      <a:r>
+                        <a:rPr lang="de-CH" sz="2000" b="0" dirty="0">
+                          <a:latin typeface="Helvetica Neue" panose="02000503000000020004" pitchFamily="2" charset="0"/>
+                          <a:ea typeface="Helvetica Neue" panose="02000503000000020004" pitchFamily="2" charset="0"/>
+                          <a:cs typeface="Helvetica Neue" panose="02000503000000020004" pitchFamily="2" charset="0"/>
+                        </a:rPr>
+                        <a:t>Ausweitung der Interaktivität</a:t>
+                      </a:r>
+                    </a:p>
+                    <a:p>
+                      <a:pPr marL="325438" marR="0" lvl="0" indent="0" algn="l" defTabSz="914400" rtl="0" eaLnBrk="1" fontAlgn="auto" latinLnBrk="0" hangingPunct="1">
+                        <a:lnSpc>
+                          <a:spcPct val="100000"/>
+                        </a:lnSpc>
+                        <a:spcBef>
+                          <a:spcPts val="0"/>
+                        </a:spcBef>
+                        <a:spcAft>
+                          <a:spcPts val="0"/>
+                        </a:spcAft>
+                        <a:buClrTx/>
+                        <a:buSzTx/>
+                        <a:buFont typeface="Arial" panose="020B0604020202020204" pitchFamily="34" charset="0"/>
+                        <a:buNone/>
+                        <a:tabLst/>
+                        <a:defRPr/>
+                      </a:pPr>
+                      <a:r>
+                        <a:rPr lang="de-CH" sz="1600" b="0" dirty="0">
+                          <a:latin typeface="Helvetica Neue" panose="02000503000000020004" pitchFamily="2" charset="0"/>
+                          <a:ea typeface="Helvetica Neue" panose="02000503000000020004" pitchFamily="2" charset="0"/>
+                          <a:cs typeface="Helvetica Neue" panose="02000503000000020004" pitchFamily="2" charset="0"/>
+                        </a:rPr>
+                        <a:t>Ergänzung der Simulation mit Schieberegler, um Geschwindigkeit der Erde zu ändern</a:t>
+                      </a:r>
+                    </a:p>
+                    <a:p>
+                      <a:pPr marL="325438" marR="0" lvl="0" indent="0" algn="l" defTabSz="914400" rtl="0" eaLnBrk="1" fontAlgn="auto" latinLnBrk="0" hangingPunct="1">
+                        <a:lnSpc>
+                          <a:spcPct val="100000"/>
+                        </a:lnSpc>
+                        <a:spcBef>
+                          <a:spcPts val="0"/>
+                        </a:spcBef>
+                        <a:spcAft>
+                          <a:spcPts val="0"/>
+                        </a:spcAft>
+                        <a:buClrTx/>
+                        <a:buSzTx/>
+                        <a:buFont typeface="Arial" panose="020B0604020202020204" pitchFamily="34" charset="0"/>
+                        <a:buNone/>
+                        <a:tabLst/>
+                        <a:defRPr/>
+                      </a:pPr>
+                      <a:endParaRPr lang="de-DE" sz="2000" dirty="0"/>
+                    </a:p>
+                    <a:p>
+                      <a:pPr marL="342900" marR="0" lvl="0" indent="-342900" algn="l" defTabSz="914400" rtl="0" eaLnBrk="1" fontAlgn="auto" latinLnBrk="0" hangingPunct="1">
+                        <a:lnSpc>
+                          <a:spcPct val="100000"/>
+                        </a:lnSpc>
+                        <a:spcBef>
+                          <a:spcPts val="0"/>
+                        </a:spcBef>
+                        <a:spcAft>
+                          <a:spcPts val="0"/>
+                        </a:spcAft>
+                        <a:buClrTx/>
+                        <a:buSzTx/>
+                        <a:buFont typeface="Arial" panose="020B0604020202020204" pitchFamily="34" charset="0"/>
+                        <a:buChar char="•"/>
+                        <a:tabLst/>
+                        <a:defRPr/>
+                      </a:pPr>
+                      <a:r>
+                        <a:rPr lang="de-CH" sz="2000" b="0" dirty="0">
+                          <a:latin typeface="Helvetica Neue" panose="02000503000000020004" pitchFamily="2" charset="0"/>
+                          <a:ea typeface="Helvetica Neue" panose="02000503000000020004" pitchFamily="2" charset="0"/>
+                          <a:cs typeface="Helvetica Neue" panose="02000503000000020004" pitchFamily="2" charset="0"/>
+                        </a:rPr>
+                        <a:t>Start-Stopp-Button</a:t>
+                      </a:r>
+                    </a:p>
+                    <a:p>
+                      <a:pPr marL="0" indent="360363">
+                        <a:tabLst/>
+                      </a:pPr>
+                      <a:r>
+                        <a:rPr lang="de-CH" sz="1600" dirty="0">
+                          <a:latin typeface="Helvetica Neue" panose="02000503000000020004" pitchFamily="2" charset="0"/>
+                          <a:ea typeface="Helvetica Neue" panose="02000503000000020004" pitchFamily="2" charset="0"/>
+                          <a:cs typeface="Helvetica Neue" panose="02000503000000020004" pitchFamily="2" charset="0"/>
+                        </a:rPr>
+                        <a:t>Funktionalität des Buttons korrigiert</a:t>
+                      </a:r>
+                    </a:p>
+                    <a:p>
+                      <a:pPr marL="342900" indent="-342900">
+                        <a:buFont typeface="Arial" panose="020B0604020202020204" pitchFamily="34" charset="0"/>
+                        <a:buChar char="•"/>
+                      </a:pPr>
+                      <a:endParaRPr lang="de-DE" sz="2000" dirty="0"/>
+                    </a:p>
+                    <a:p>
+                      <a:pPr marL="342900" indent="-342900">
+                        <a:buFont typeface="Arial" panose="020B0604020202020204" pitchFamily="34" charset="0"/>
+                        <a:buChar char="•"/>
+                      </a:pPr>
+                      <a:endParaRPr lang="de-DE" sz="2000" dirty="0"/>
+                    </a:p>
+                    <a:p>
+                      <a:pPr marL="342900" indent="-342900">
+                        <a:buFont typeface="Arial" panose="020B0604020202020204" pitchFamily="34" charset="0"/>
+                        <a:buChar char="•"/>
+                      </a:pPr>
+                      <a:endParaRPr lang="de-DE" sz="2000" dirty="0"/>
+                    </a:p>
+                    <a:p>
+                      <a:pPr marL="342900" indent="-342900">
+                        <a:buFont typeface="Arial" panose="020B0604020202020204" pitchFamily="34" charset="0"/>
+                        <a:buChar char="•"/>
+                      </a:pPr>
+                      <a:endParaRPr lang="de-DE" sz="2000" dirty="0"/>
+                    </a:p>
+                    <a:p>
+                      <a:pPr marL="342900" indent="-342900">
+                        <a:buFont typeface="Arial" panose="020B0604020202020204" pitchFamily="34" charset="0"/>
+                        <a:buChar char="•"/>
+                      </a:pPr>
+                      <a:endParaRPr lang="de-DE" sz="2000" dirty="0"/>
+                    </a:p>
+                    <a:p>
+                      <a:pPr marL="342900" indent="-342900">
+                        <a:buFont typeface="Arial" panose="020B0604020202020204" pitchFamily="34" charset="0"/>
+                        <a:buChar char="•"/>
+                      </a:pPr>
+                      <a:endParaRPr lang="de-DE" sz="2000" dirty="0"/>
+                    </a:p>
+                    <a:p>
+                      <a:pPr marL="342900" indent="-342900">
+                        <a:buFont typeface="Arial" panose="020B0604020202020204" pitchFamily="34" charset="0"/>
+                        <a:buChar char="•"/>
+                      </a:pPr>
+                      <a:endParaRPr lang="de-DE" sz="2000" dirty="0"/>
+                    </a:p>
+                    <a:p>
+                      <a:pPr marL="342900" indent="-342900">
+                        <a:buFont typeface="Arial" panose="020B0604020202020204" pitchFamily="34" charset="0"/>
+                        <a:buChar char="•"/>
+                      </a:pPr>
+                      <a:endParaRPr lang="de-DE" sz="2000" dirty="0"/>
+                    </a:p>
+                  </a:txBody>
+                  <a:tcPr>
+                    <a:lnL w="12700" cap="flat" cmpd="sng" algn="ctr">
+                      <a:solidFill>
+                        <a:schemeClr val="tx1"/>
+                      </a:solidFill>
+                      <a:prstDash val="solid"/>
+                      <a:round/>
+                      <a:headEnd type="none" w="med" len="med"/>
+                      <a:tailEnd type="none" w="med" len="med"/>
+                    </a:lnL>
+                    <a:lnR w="12700" cap="flat" cmpd="sng" algn="ctr">
+                      <a:noFill/>
+                      <a:prstDash val="solid"/>
+                      <a:round/>
+                      <a:headEnd type="none" w="med" len="med"/>
+                      <a:tailEnd type="none" w="med" len="med"/>
+                    </a:lnR>
+                    <a:lnT w="12700" cap="flat" cmpd="sng" algn="ctr">
+                      <a:solidFill>
+                        <a:schemeClr val="tx1"/>
+                      </a:solidFill>
+                      <a:prstDash val="solid"/>
+                      <a:round/>
+                      <a:headEnd type="none" w="med" len="med"/>
+                      <a:tailEnd type="none" w="med" len="med"/>
+                    </a:lnT>
+                    <a:lnB w="12700" cap="flat" cmpd="sng" algn="ctr">
+                      <a:noFill/>
+                      <a:prstDash val="solid"/>
+                      <a:round/>
+                      <a:headEnd type="none" w="med" len="med"/>
+                      <a:tailEnd type="none" w="med" len="med"/>
+                    </a:lnB>
+                    <a:lnTlToBr w="12700" cmpd="sng">
+                      <a:noFill/>
+                      <a:prstDash val="solid"/>
+                    </a:lnTlToBr>
+                    <a:lnBlToTr w="12700" cmpd="sng">
+                      <a:noFill/>
+                      <a:prstDash val="solid"/>
+                    </a:lnBlToTr>
+                  </a:tcPr>
+                </a:tc>
+                <a:extLst>
+                  <a:ext uri="{0D108BD9-81ED-4DB2-BD59-A6C34878D82A}">
+                    <a16:rowId xmlns:a16="http://schemas.microsoft.com/office/drawing/2014/main" val="792890267"/>
+                  </a:ext>
+                </a:extLst>
+              </a:tr>
+            </a:tbl>
+          </a:graphicData>
+        </a:graphic>
+      </p:graphicFrame>
+      <p:pic>
+        <p:nvPicPr>
+          <p:cNvPr id="6" name="Grafik 5">
+            <a:extLst>
+              <a:ext uri="{FF2B5EF4-FFF2-40B4-BE49-F238E27FC236}">
+                <a16:creationId xmlns:a16="http://schemas.microsoft.com/office/drawing/2014/main" id="{27D682ED-959F-974D-97F5-AB82436B84C8}"/>
+              </a:ext>
+            </a:extLst>
+          </p:cNvPr>
+          <p:cNvPicPr>
+            <a:picLocks noChangeAspect="1"/>
+          </p:cNvPicPr>
+          <p:nvPr/>
+        </p:nvPicPr>
+        <p:blipFill>
+          <a:blip r:embed="rId2"/>
+          <a:stretch>
+            <a:fillRect/>
+          </a:stretch>
+        </p:blipFill>
+        <p:spPr>
+          <a:xfrm>
+            <a:off x="1139741" y="3934167"/>
+            <a:ext cx="4760727" cy="2372335"/>
+          </a:xfrm>
+          <a:prstGeom prst="rect">
+            <a:avLst/>
+          </a:prstGeom>
+        </p:spPr>
+      </p:pic>
+    </p:spTree>
+    <p:extLst>
+      <p:ext uri="{BB962C8B-B14F-4D97-AF65-F5344CB8AC3E}">
+        <p14:creationId xmlns:p14="http://schemas.microsoft.com/office/powerpoint/2010/main" val="460724772"/>
+      </p:ext>
+    </p:extLst>
+  </p:cSld>
+  <p:clrMapOvr>
+    <a:masterClrMapping/>
+  </p:clrMapOvr>
+</p:sld>
+</file>
+
 <file path=ppt/slides/slide2.xml><?xml version="1.0" encoding="utf-8"?>
 <p:sld xmlns:a="http://schemas.openxmlformats.org/drawingml/2006/main" xmlns:r="http://schemas.openxmlformats.org/officeDocument/2006/relationships" xmlns:p="http://schemas.openxmlformats.org/presentationml/2006/main">
   <p:cSld>
@@ -3469,10 +4780,15 @@
         </p:nvSpPr>
         <p:spPr/>
         <p:txBody>
-          <a:bodyPr/>
+          <a:bodyPr>
+            <a:normAutofit/>
+          </a:bodyPr>
           <a:lstStyle/>
           <a:p>
-            <a:endParaRPr lang="de-DE" dirty="0"/>
+            <a:pPr marL="0" indent="0">
+              <a:buNone/>
+            </a:pPr>
+            <a:endParaRPr lang="de-DE" sz="2000" dirty="0"/>
           </a:p>
         </p:txBody>
       </p:sp>
@@ -3511,7 +4827,7 @@
           <p:cNvPr id="2" name="Titel 1">
             <a:extLst>
               <a:ext uri="{FF2B5EF4-FFF2-40B4-BE49-F238E27FC236}">
-                <a16:creationId xmlns:a16="http://schemas.microsoft.com/office/drawing/2014/main" id="{B61D4C68-8835-4C43-B1F7-5AB0BCB6DFC9}"/>
+                <a16:creationId xmlns:a16="http://schemas.microsoft.com/office/drawing/2014/main" id="{3B7BBE55-43E2-3E4A-A3E8-7B8A83ABC50B}"/>
               </a:ext>
             </a:extLst>
           </p:cNvPr>
@@ -3529,40 +4845,45 @@
           <a:p>
             <a:r>
               <a:rPr lang="de-DE" dirty="0"/>
-              <a:t>Entwicklungsbezogene Perspektive</a:t>
-            </a:r>
-          </a:p>
-        </p:txBody>
-      </p:sp>
-      <p:sp>
-        <p:nvSpPr>
-          <p:cNvPr id="3" name="Inhaltsplatzhalter 2">
-            <a:extLst>
-              <a:ext uri="{FF2B5EF4-FFF2-40B4-BE49-F238E27FC236}">
-                <a16:creationId xmlns:a16="http://schemas.microsoft.com/office/drawing/2014/main" id="{129F58C5-5B88-F944-BEE8-0E5694361B90}"/>
-              </a:ext>
-            </a:extLst>
-          </p:cNvPr>
-          <p:cNvSpPr>
-            <a:spLocks noGrp="1"/>
-          </p:cNvSpPr>
-          <p:nvPr>
-            <p:ph idx="1"/>
-          </p:nvPr>
-        </p:nvSpPr>
-        <p:spPr/>
-        <p:txBody>
-          <a:bodyPr/>
-          <a:lstStyle/>
-          <a:p>
-            <a:endParaRPr lang="de-DE"/>
-          </a:p>
-        </p:txBody>
-      </p:sp>
+              <a:t>Demo in Processing</a:t>
+            </a:r>
+          </a:p>
+        </p:txBody>
+      </p:sp>
+      <p:pic>
+        <p:nvPicPr>
+          <p:cNvPr id="3" name="Grafik 2">
+            <a:extLst>
+              <a:ext uri="{FF2B5EF4-FFF2-40B4-BE49-F238E27FC236}">
+                <a16:creationId xmlns:a16="http://schemas.microsoft.com/office/drawing/2014/main" id="{5E5376DA-4F0D-F440-B8DF-2C667E25CDF7}"/>
+              </a:ext>
+            </a:extLst>
+          </p:cNvPr>
+          <p:cNvPicPr>
+            <a:picLocks noChangeAspect="1"/>
+          </p:cNvPicPr>
+          <p:nvPr/>
+        </p:nvPicPr>
+        <p:blipFill>
+          <a:blip r:embed="rId2"/>
+          <a:stretch>
+            <a:fillRect/>
+          </a:stretch>
+        </p:blipFill>
+        <p:spPr>
+          <a:xfrm>
+            <a:off x="960120" y="1690688"/>
+            <a:ext cx="8991600" cy="4480637"/>
+          </a:xfrm>
+          <a:prstGeom prst="rect">
+            <a:avLst/>
+          </a:prstGeom>
+        </p:spPr>
+      </p:pic>
     </p:spTree>
     <p:extLst>
       <p:ext uri="{BB962C8B-B14F-4D97-AF65-F5344CB8AC3E}">
-        <p14:creationId xmlns:p14="http://schemas.microsoft.com/office/powerpoint/2010/main" val="3991594193"/>
+        <p14:creationId xmlns:p14="http://schemas.microsoft.com/office/powerpoint/2010/main" val="3305184524"/>
       </p:ext>
     </p:extLst>
   </p:cSld>
@@ -3594,7 +4915,7 @@
           <p:cNvPr id="2" name="Titel 1">
             <a:extLst>
               <a:ext uri="{FF2B5EF4-FFF2-40B4-BE49-F238E27FC236}">
-                <a16:creationId xmlns:a16="http://schemas.microsoft.com/office/drawing/2014/main" id="{07ECA07E-62EB-B144-B024-B64E66049EC4}"/>
+                <a16:creationId xmlns:a16="http://schemas.microsoft.com/office/drawing/2014/main" id="{B61D4C68-8835-4C43-B1F7-5AB0BCB6DFC9}"/>
               </a:ext>
             </a:extLst>
           </p:cNvPr>
@@ -3612,7 +4933,7 @@
           <a:p>
             <a:r>
               <a:rPr lang="de-DE" dirty="0"/>
-              <a:t>Prozessbezogene Perspektive</a:t>
+              <a:t>Entwicklungsbezogene Perspektive</a:t>
             </a:r>
           </a:p>
         </p:txBody>
@@ -3622,7 +4943,7 @@
           <p:cNvPr id="3" name="Inhaltsplatzhalter 2">
             <a:extLst>
               <a:ext uri="{FF2B5EF4-FFF2-40B4-BE49-F238E27FC236}">
-                <a16:creationId xmlns:a16="http://schemas.microsoft.com/office/drawing/2014/main" id="{ADDD01E1-F0A4-454D-A7CE-90290F264EAA}"/>
+                <a16:creationId xmlns:a16="http://schemas.microsoft.com/office/drawing/2014/main" id="{129F58C5-5B88-F944-BEE8-0E5694361B90}"/>
               </a:ext>
             </a:extLst>
           </p:cNvPr>
@@ -3645,7 +4966,7 @@
     </p:spTree>
     <p:extLst>
       <p:ext uri="{BB962C8B-B14F-4D97-AF65-F5344CB8AC3E}">
-        <p14:creationId xmlns:p14="http://schemas.microsoft.com/office/powerpoint/2010/main" val="1380823161"/>
+        <p14:creationId xmlns:p14="http://schemas.microsoft.com/office/powerpoint/2010/main" val="3991594193"/>
       </p:ext>
     </p:extLst>
   </p:cSld>
@@ -3677,7 +4998,7 @@
           <p:cNvPr id="2" name="Titel 1">
             <a:extLst>
               <a:ext uri="{FF2B5EF4-FFF2-40B4-BE49-F238E27FC236}">
-                <a16:creationId xmlns:a16="http://schemas.microsoft.com/office/drawing/2014/main" id="{329661AE-AE3A-ED41-8526-830974868C9C}"/>
+                <a16:creationId xmlns:a16="http://schemas.microsoft.com/office/drawing/2014/main" id="{B03C5958-F8DE-C34C-8F50-660AFC579162}"/>
               </a:ext>
             </a:extLst>
           </p:cNvPr>
@@ -3694,10 +5015,9 @@
           <a:lstStyle/>
           <a:p>
             <a:r>
-              <a:rPr lang="de-DE"/>
-              <a:t>Projektvorhaben</a:t>
-            </a:r>
-            <a:endParaRPr lang="de-DE" dirty="0"/>
+              <a:rPr lang="de-DE" dirty="0"/>
+              <a:t>Struktur des Programms</a:t>
+            </a:r>
           </a:p>
         </p:txBody>
       </p:sp>
@@ -3706,7 +5026,7 @@
           <p:cNvPr id="3" name="Inhaltsplatzhalter 2">
             <a:extLst>
               <a:ext uri="{FF2B5EF4-FFF2-40B4-BE49-F238E27FC236}">
-                <a16:creationId xmlns:a16="http://schemas.microsoft.com/office/drawing/2014/main" id="{DBC179A3-FA57-6941-8067-ABC9ED6135E5}"/>
+                <a16:creationId xmlns:a16="http://schemas.microsoft.com/office/drawing/2014/main" id="{9E89B515-D5F3-6A4B-B163-9E1734A9DE26}"/>
               </a:ext>
             </a:extLst>
           </p:cNvPr>
@@ -3720,123 +5040,141 @@
         <p:spPr/>
         <p:txBody>
           <a:bodyPr>
-            <a:normAutofit/>
+            <a:normAutofit lnSpcReduction="10000"/>
           </a:bodyPr>
           <a:lstStyle/>
           <a:p>
             <a:r>
-              <a:rPr lang="de-CH" sz="2000" b="1" dirty="0">
-                <a:latin typeface="Helvetica Neue" panose="02000503000000020004" pitchFamily="2" charset="0"/>
-                <a:ea typeface="Helvetica Neue" panose="02000503000000020004" pitchFamily="2" charset="0"/>
-                <a:cs typeface="Helvetica Neue" panose="02000503000000020004" pitchFamily="2" charset="0"/>
-              </a:rPr>
-              <a:t>Thema: </a:t>
-            </a:r>
-            <a:r>
-              <a:rPr lang="de-CH" sz="2000" dirty="0">
-                <a:latin typeface="Helvetica Neue" panose="02000503000000020004" pitchFamily="2" charset="0"/>
-                <a:ea typeface="Helvetica Neue" panose="02000503000000020004" pitchFamily="2" charset="0"/>
-                <a:cs typeface="Helvetica Neue" panose="02000503000000020004" pitchFamily="2" charset="0"/>
-              </a:rPr>
-              <a:t>Simulation der Erdrevolution</a:t>
-            </a:r>
-          </a:p>
-          <a:p>
-            <a:pPr marL="0" indent="0">
-              <a:buNone/>
+              <a:rPr lang="de-DE" sz="1800" dirty="0"/>
+              <a:t>Deklaration globaler Variablen</a:t>
+            </a:r>
+          </a:p>
+          <a:p>
+            <a:r>
+              <a:rPr lang="de-DE" sz="1800" dirty="0"/>
+              <a:t>Setup:</a:t>
+            </a:r>
+          </a:p>
+          <a:p>
+            <a:pPr>
+              <a:buFont typeface="Wingdings" pitchFamily="2" charset="2"/>
+              <a:buChar char="Ø"/>
             </a:pPr>
-            <a:endParaRPr lang="de-CH" sz="2000" dirty="0">
-              <a:latin typeface="Helvetica Neue" panose="02000503000000020004" pitchFamily="2" charset="0"/>
-              <a:ea typeface="Helvetica Neue" panose="02000503000000020004" pitchFamily="2" charset="0"/>
-              <a:cs typeface="Helvetica Neue" panose="02000503000000020004" pitchFamily="2" charset="0"/>
-            </a:endParaRPr>
-          </a:p>
-          <a:p>
-            <a:r>
-              <a:rPr lang="de-CH" sz="2000" b="1" dirty="0">
-                <a:latin typeface="Helvetica Neue" panose="02000503000000020004" pitchFamily="2" charset="0"/>
-                <a:ea typeface="Helvetica Neue" panose="02000503000000020004" pitchFamily="2" charset="0"/>
-                <a:cs typeface="Helvetica Neue" panose="02000503000000020004" pitchFamily="2" charset="0"/>
-              </a:rPr>
-              <a:t>Umschreibung der Idee &amp; Interaktion: </a:t>
-            </a:r>
-            <a:r>
-              <a:rPr lang="de-CH" sz="2000" dirty="0">
-                <a:latin typeface="Helvetica Neue" panose="02000503000000020004" pitchFamily="2" charset="0"/>
-                <a:ea typeface="Helvetica Neue" panose="02000503000000020004" pitchFamily="2" charset="0"/>
-                <a:cs typeface="Helvetica Neue" panose="02000503000000020004" pitchFamily="2" charset="0"/>
-              </a:rPr>
-              <a:t>Die Erde befindet sich auf ihrer Umlaufbahn um die Sonne. Mit der Maus wird die Erde auf ihrer Bahn bewegt. Je nach Einfallswinkel der Sonne werden die unterschiedlichen Jahreszeiten auf der Erde simuliert.</a:t>
-            </a:r>
-          </a:p>
-          <a:p>
-            <a:pPr marL="0" indent="0">
-              <a:buNone/>
+            <a:r>
+              <a:rPr lang="de-DE" sz="1800" dirty="0" err="1"/>
+              <a:t>Bildschirmgrösse</a:t>
+            </a:r>
+            <a:r>
+              <a:rPr lang="de-DE" sz="1800" dirty="0"/>
+              <a:t> und Grundfarbe</a:t>
+            </a:r>
+          </a:p>
+          <a:p>
+            <a:pPr>
+              <a:buFont typeface="Wingdings" pitchFamily="2" charset="2"/>
+              <a:buChar char="Ø"/>
             </a:pPr>
-            <a:endParaRPr lang="de-CH" sz="2000" dirty="0">
-              <a:latin typeface="Helvetica Neue" panose="02000503000000020004" pitchFamily="2" charset="0"/>
-              <a:ea typeface="Helvetica Neue" panose="02000503000000020004" pitchFamily="2" charset="0"/>
-              <a:cs typeface="Helvetica Neue" panose="02000503000000020004" pitchFamily="2" charset="0"/>
-            </a:endParaRPr>
-          </a:p>
-          <a:p>
-            <a:r>
-              <a:rPr lang="de-CH" sz="2000" b="1" dirty="0">
-                <a:latin typeface="Helvetica Neue" panose="02000503000000020004" pitchFamily="2" charset="0"/>
-                <a:ea typeface="Helvetica Neue" panose="02000503000000020004" pitchFamily="2" charset="0"/>
-                <a:cs typeface="Helvetica Neue" panose="02000503000000020004" pitchFamily="2" charset="0"/>
-              </a:rPr>
-              <a:t>Erwartete Schwierigkeiten: </a:t>
-            </a:r>
-            <a:r>
-              <a:rPr lang="de-CH" sz="2000" dirty="0">
-                <a:latin typeface="Helvetica Neue" panose="02000503000000020004" pitchFamily="2" charset="0"/>
-                <a:ea typeface="Helvetica Neue" panose="02000503000000020004" pitchFamily="2" charset="0"/>
-                <a:cs typeface="Helvetica Neue" panose="02000503000000020004" pitchFamily="2" charset="0"/>
-              </a:rPr>
-              <a:t>korrekt beleuchtete Erde, Simulation der Bewegung der Erde auf der Umlaufbahn, Zusatzfunktionen wie Beschriftungen, Pfeile, Erdrotation, etc.</a:t>
-            </a:r>
-          </a:p>
-          <a:p>
-            <a:pPr marL="0" indent="0">
-              <a:buNone/>
+            <a:endParaRPr lang="de-DE" sz="1800" dirty="0"/>
+          </a:p>
+          <a:p>
+            <a:r>
+              <a:rPr lang="de-DE" sz="1800" dirty="0"/>
+              <a:t>Draw:</a:t>
+            </a:r>
+          </a:p>
+          <a:p>
+            <a:pPr>
+              <a:buFont typeface="Wingdings" pitchFamily="2" charset="2"/>
+              <a:buChar char="Ø"/>
             </a:pPr>
-            <a:endParaRPr lang="de-CH" sz="2000" b="1" dirty="0">
-              <a:latin typeface="Helvetica Neue" panose="02000503000000020004" pitchFamily="2" charset="0"/>
-              <a:ea typeface="Helvetica Neue" panose="02000503000000020004" pitchFamily="2" charset="0"/>
-              <a:cs typeface="Helvetica Neue" panose="02000503000000020004" pitchFamily="2" charset="0"/>
-            </a:endParaRPr>
-          </a:p>
-          <a:p>
-            <a:r>
-              <a:rPr lang="de-CH" sz="2000" b="1" dirty="0">
-                <a:latin typeface="Helvetica Neue" panose="02000503000000020004" pitchFamily="2" charset="0"/>
-                <a:ea typeface="Helvetica Neue" panose="02000503000000020004" pitchFamily="2" charset="0"/>
-                <a:cs typeface="Helvetica Neue" panose="02000503000000020004" pitchFamily="2" charset="0"/>
-              </a:rPr>
-              <a:t>Team:</a:t>
-            </a:r>
-            <a:r>
-              <a:rPr lang="de-CH" sz="2000" dirty="0">
-                <a:latin typeface="Helvetica Neue" panose="02000503000000020004" pitchFamily="2" charset="0"/>
-                <a:ea typeface="Helvetica Neue" panose="02000503000000020004" pitchFamily="2" charset="0"/>
-                <a:cs typeface="Helvetica Neue" panose="02000503000000020004" pitchFamily="2" charset="0"/>
-              </a:rPr>
-              <a:t> Einzelarbeit</a:t>
-            </a:r>
-          </a:p>
-          <a:p>
-            <a:pPr marL="0" indent="0">
-              <a:buNone/>
+            <a:r>
+              <a:rPr lang="de-DE" sz="1800" dirty="0"/>
+              <a:t>Globale Variablen</a:t>
+            </a:r>
+          </a:p>
+          <a:p>
+            <a:pPr>
+              <a:buFont typeface="Wingdings" pitchFamily="2" charset="2"/>
+              <a:buChar char="Ø"/>
             </a:pPr>
-            <a:endParaRPr lang="de-DE" dirty="0"/>
+            <a:r>
+              <a:rPr lang="de-DE" sz="1800" dirty="0"/>
+              <a:t>Hintergrundbilder Weltraum und Sonne</a:t>
+            </a:r>
+          </a:p>
+          <a:p>
+            <a:pPr>
+              <a:buFont typeface="Wingdings" pitchFamily="2" charset="2"/>
+              <a:buChar char="Ø"/>
+            </a:pPr>
+            <a:r>
+              <a:rPr lang="de-DE" sz="1800" dirty="0"/>
+              <a:t>Titel, Umlaufbahn, Start-Stopp-Button und Schieberegler</a:t>
+            </a:r>
+          </a:p>
+          <a:p>
+            <a:pPr>
+              <a:buFont typeface="Wingdings" pitchFamily="2" charset="2"/>
+              <a:buChar char="Ø"/>
+            </a:pPr>
+            <a:r>
+              <a:rPr lang="de-DE" sz="1800" dirty="0"/>
+              <a:t>Einfügen und Bewegung der Erde um die Sonne</a:t>
+            </a:r>
+          </a:p>
+          <a:p>
+            <a:pPr>
+              <a:buFont typeface="Wingdings" pitchFamily="2" charset="2"/>
+              <a:buChar char="Ø"/>
+            </a:pPr>
+            <a:r>
+              <a:rPr lang="de-DE" sz="1800" dirty="0"/>
+              <a:t>….</a:t>
+            </a:r>
+          </a:p>
+          <a:p>
+            <a:pPr>
+              <a:buFont typeface="Wingdings" pitchFamily="2" charset="2"/>
+              <a:buChar char="Ø"/>
+            </a:pPr>
+            <a:r>
+              <a:rPr lang="de-DE" sz="1800" dirty="0"/>
+              <a:t>Interaktion Start-Stopp-Button</a:t>
+            </a:r>
+          </a:p>
+          <a:p>
+            <a:pPr>
+              <a:buFont typeface="Wingdings" pitchFamily="2" charset="2"/>
+              <a:buChar char="Ø"/>
+            </a:pPr>
+            <a:r>
+              <a:rPr lang="de-DE" sz="1800" dirty="0"/>
+              <a:t>Definitionen: </a:t>
+            </a:r>
+          </a:p>
+          <a:p>
+            <a:pPr>
+              <a:buFont typeface="Wingdings" pitchFamily="2" charset="2"/>
+              <a:buChar char="Ø"/>
+            </a:pPr>
+            <a:endParaRPr lang="de-DE" sz="1800" dirty="0"/>
+          </a:p>
+          <a:p>
+            <a:pPr>
+              <a:buFont typeface="Wingdings" pitchFamily="2" charset="2"/>
+              <a:buChar char="Ø"/>
+            </a:pPr>
+            <a:endParaRPr lang="de-DE" sz="1800" dirty="0"/>
+          </a:p>
+          <a:p>
+            <a:endParaRPr lang="de-DE" sz="1800" dirty="0"/>
           </a:p>
         </p:txBody>
       </p:sp>
     </p:spTree>
     <p:extLst>
       <p:ext uri="{BB962C8B-B14F-4D97-AF65-F5344CB8AC3E}">
-        <p14:creationId xmlns:p14="http://schemas.microsoft.com/office/powerpoint/2010/main" val="2915281141"/>
+        <p14:creationId xmlns:p14="http://schemas.microsoft.com/office/powerpoint/2010/main" val="2850097573"/>
       </p:ext>
     </p:extLst>
   </p:cSld>
@@ -3886,7 +5224,492 @@
           <a:p>
             <a:r>
               <a:rPr lang="de-DE" dirty="0"/>
-              <a:t>Entwicklungen bis Checkpoint I</a:t>
+              <a:t>Struktur des Programms</a:t>
+            </a:r>
+          </a:p>
+        </p:txBody>
+      </p:sp>
+      <p:graphicFrame>
+        <p:nvGraphicFramePr>
+          <p:cNvPr id="4" name="Tabelle 4">
+            <a:extLst>
+              <a:ext uri="{FF2B5EF4-FFF2-40B4-BE49-F238E27FC236}">
+                <a16:creationId xmlns:a16="http://schemas.microsoft.com/office/drawing/2014/main" id="{A22D4C1B-333B-5A40-AC92-658022E1C285}"/>
+              </a:ext>
+            </a:extLst>
+          </p:cNvPr>
+          <p:cNvGraphicFramePr>
+            <a:graphicFrameLocks noGrp="1"/>
+          </p:cNvGraphicFramePr>
+          <p:nvPr>
+            <p:extLst>
+              <p:ext uri="{D42A27DB-BD31-4B8C-83A1-F6EECF244321}">
+                <p14:modId xmlns:p14="http://schemas.microsoft.com/office/powerpoint/2010/main" val="4037293786"/>
+              </p:ext>
+            </p:extLst>
+          </p:nvPr>
+        </p:nvGraphicFramePr>
+        <p:xfrm>
+          <a:off x="949960" y="1685924"/>
+          <a:ext cx="10403840" cy="2322196"/>
+        </p:xfrm>
+        <a:graphic>
+          <a:graphicData uri="http://schemas.openxmlformats.org/drawingml/2006/table">
+            <a:tbl>
+              <a:tblPr firstRow="1" bandRow="1">
+                <a:tableStyleId>{5940675A-B579-460E-94D1-54222C63F5DA}</a:tableStyleId>
+              </a:tblPr>
+              <a:tblGrid>
+                <a:gridCol w="5201920">
+                  <a:extLst>
+                    <a:ext uri="{9D8B030D-6E8A-4147-A177-3AD203B41FA5}">
+                      <a16:colId xmlns:a16="http://schemas.microsoft.com/office/drawing/2014/main" val="1087203503"/>
+                    </a:ext>
+                  </a:extLst>
+                </a:gridCol>
+                <a:gridCol w="5201920">
+                  <a:extLst>
+                    <a:ext uri="{9D8B030D-6E8A-4147-A177-3AD203B41FA5}">
+                      <a16:colId xmlns:a16="http://schemas.microsoft.com/office/drawing/2014/main" val="2791348744"/>
+                    </a:ext>
+                  </a:extLst>
+                </a:gridCol>
+              </a:tblGrid>
+              <a:tr h="444818">
+                <a:tc gridSpan="2">
+                  <a:txBody>
+                    <a:bodyPr/>
+                    <a:lstStyle/>
+                    <a:p>
+                      <a:r>
+                        <a:rPr lang="de-DE" sz="2000" dirty="0"/>
+                        <a:t>Deklaration globaler Variablen</a:t>
+                      </a:r>
+                    </a:p>
+                  </a:txBody>
+                  <a:tcPr>
+                    <a:lnL w="12700" cap="flat" cmpd="sng" algn="ctr">
+                      <a:noFill/>
+                      <a:prstDash val="solid"/>
+                      <a:round/>
+                      <a:headEnd type="none" w="med" len="med"/>
+                      <a:tailEnd type="none" w="med" len="med"/>
+                    </a:lnL>
+                    <a:lnR w="12700" cap="flat" cmpd="sng" algn="ctr">
+                      <a:noFill/>
+                      <a:prstDash val="solid"/>
+                      <a:round/>
+                      <a:headEnd type="none" w="med" len="med"/>
+                      <a:tailEnd type="none" w="med" len="med"/>
+                    </a:lnR>
+                    <a:lnT w="12700" cap="flat" cmpd="sng" algn="ctr">
+                      <a:noFill/>
+                      <a:prstDash val="solid"/>
+                      <a:round/>
+                      <a:headEnd type="none" w="med" len="med"/>
+                      <a:tailEnd type="none" w="med" len="med"/>
+                    </a:lnT>
+                    <a:lnB w="12700" cap="flat" cmpd="sng" algn="ctr">
+                      <a:solidFill>
+                        <a:schemeClr val="tx1"/>
+                      </a:solidFill>
+                      <a:prstDash val="solid"/>
+                      <a:round/>
+                      <a:headEnd type="none" w="med" len="med"/>
+                      <a:tailEnd type="none" w="med" len="med"/>
+                    </a:lnB>
+                  </a:tcPr>
+                </a:tc>
+                <a:tc hMerge="1">
+                  <a:txBody>
+                    <a:bodyPr/>
+                    <a:lstStyle/>
+                    <a:p>
+                      <a:endParaRPr lang="de-DE" sz="2000" dirty="0"/>
+                    </a:p>
+                  </a:txBody>
+                  <a:tcPr>
+                    <a:lnL w="12700" cap="flat" cmpd="sng" algn="ctr">
+                      <a:solidFill>
+                        <a:schemeClr val="tx1"/>
+                      </a:solidFill>
+                      <a:prstDash val="solid"/>
+                      <a:round/>
+                      <a:headEnd type="none" w="med" len="med"/>
+                      <a:tailEnd type="none" w="med" len="med"/>
+                    </a:lnL>
+                    <a:lnR w="12700" cap="flat" cmpd="sng" algn="ctr">
+                      <a:noFill/>
+                      <a:prstDash val="solid"/>
+                      <a:round/>
+                      <a:headEnd type="none" w="med" len="med"/>
+                      <a:tailEnd type="none" w="med" len="med"/>
+                    </a:lnR>
+                    <a:lnT w="12700" cap="flat" cmpd="sng" algn="ctr">
+                      <a:noFill/>
+                      <a:prstDash val="solid"/>
+                      <a:round/>
+                      <a:headEnd type="none" w="med" len="med"/>
+                      <a:tailEnd type="none" w="med" len="med"/>
+                    </a:lnT>
+                    <a:lnB w="12700" cap="flat" cmpd="sng" algn="ctr">
+                      <a:solidFill>
+                        <a:schemeClr val="tx1"/>
+                      </a:solidFill>
+                      <a:prstDash val="solid"/>
+                      <a:round/>
+                      <a:headEnd type="none" w="med" len="med"/>
+                      <a:tailEnd type="none" w="med" len="med"/>
+                    </a:lnB>
+                    <a:lnTlToBr w="12700" cmpd="sng">
+                      <a:noFill/>
+                      <a:prstDash val="solid"/>
+                    </a:lnTlToBr>
+                    <a:lnBlToTr w="12700" cmpd="sng">
+                      <a:noFill/>
+                      <a:prstDash val="solid"/>
+                    </a:lnBlToTr>
+                  </a:tcPr>
+                </a:tc>
+                <a:extLst>
+                  <a:ext uri="{0D108BD9-81ED-4DB2-BD59-A6C34878D82A}">
+                    <a16:rowId xmlns:a16="http://schemas.microsoft.com/office/drawing/2014/main" val="3096459103"/>
+                  </a:ext>
+                </a:extLst>
+              </a:tr>
+              <a:tr h="444818">
+                <a:tc>
+                  <a:txBody>
+                    <a:bodyPr/>
+                    <a:lstStyle/>
+                    <a:p>
+                      <a:r>
+                        <a:rPr lang="de-DE" sz="2000" dirty="0"/>
+                        <a:t>Setup</a:t>
+                      </a:r>
+                    </a:p>
+                  </a:txBody>
+                  <a:tcPr>
+                    <a:lnL w="12700" cap="flat" cmpd="sng" algn="ctr">
+                      <a:noFill/>
+                      <a:prstDash val="solid"/>
+                      <a:round/>
+                      <a:headEnd type="none" w="med" len="med"/>
+                      <a:tailEnd type="none" w="med" len="med"/>
+                    </a:lnL>
+                    <a:lnR w="12700" cap="flat" cmpd="sng" algn="ctr">
+                      <a:solidFill>
+                        <a:schemeClr val="tx1"/>
+                      </a:solidFill>
+                      <a:prstDash val="solid"/>
+                      <a:round/>
+                      <a:headEnd type="none" w="med" len="med"/>
+                      <a:tailEnd type="none" w="med" len="med"/>
+                    </a:lnR>
+                    <a:lnT w="12700" cap="flat" cmpd="sng" algn="ctr">
+                      <a:solidFill>
+                        <a:schemeClr val="tx1"/>
+                      </a:solidFill>
+                      <a:prstDash val="solid"/>
+                      <a:round/>
+                      <a:headEnd type="none" w="med" len="med"/>
+                      <a:tailEnd type="none" w="med" len="med"/>
+                    </a:lnT>
+                    <a:lnB w="12700" cap="flat" cmpd="sng" algn="ctr">
+                      <a:solidFill>
+                        <a:schemeClr val="tx1"/>
+                      </a:solidFill>
+                      <a:prstDash val="solid"/>
+                      <a:round/>
+                      <a:headEnd type="none" w="med" len="med"/>
+                      <a:tailEnd type="none" w="med" len="med"/>
+                    </a:lnB>
+                  </a:tcPr>
+                </a:tc>
+                <a:tc>
+                  <a:txBody>
+                    <a:bodyPr/>
+                    <a:lstStyle/>
+                    <a:p>
+                      <a:r>
+                        <a:rPr lang="de-DE" sz="2000"/>
+                        <a:t>Draw</a:t>
+                      </a:r>
+                      <a:endParaRPr lang="de-DE" sz="2000" dirty="0"/>
+                    </a:p>
+                  </a:txBody>
+                  <a:tcPr>
+                    <a:lnL w="12700" cap="flat" cmpd="sng" algn="ctr">
+                      <a:solidFill>
+                        <a:schemeClr val="tx1"/>
+                      </a:solidFill>
+                      <a:prstDash val="solid"/>
+                      <a:round/>
+                      <a:headEnd type="none" w="med" len="med"/>
+                      <a:tailEnd type="none" w="med" len="med"/>
+                    </a:lnL>
+                    <a:lnR w="12700" cap="flat" cmpd="sng" algn="ctr">
+                      <a:noFill/>
+                      <a:prstDash val="solid"/>
+                      <a:round/>
+                      <a:headEnd type="none" w="med" len="med"/>
+                      <a:tailEnd type="none" w="med" len="med"/>
+                    </a:lnR>
+                    <a:lnT w="12700" cap="flat" cmpd="sng" algn="ctr">
+                      <a:solidFill>
+                        <a:schemeClr val="tx1"/>
+                      </a:solidFill>
+                      <a:prstDash val="solid"/>
+                      <a:round/>
+                      <a:headEnd type="none" w="med" len="med"/>
+                      <a:tailEnd type="none" w="med" len="med"/>
+                    </a:lnT>
+                    <a:lnB w="12700" cap="flat" cmpd="sng" algn="ctr">
+                      <a:solidFill>
+                        <a:schemeClr val="tx1"/>
+                      </a:solidFill>
+                      <a:prstDash val="solid"/>
+                      <a:round/>
+                      <a:headEnd type="none" w="med" len="med"/>
+                      <a:tailEnd type="none" w="med" len="med"/>
+                    </a:lnB>
+                    <a:lnTlToBr w="12700" cmpd="sng">
+                      <a:noFill/>
+                      <a:prstDash val="solid"/>
+                    </a:lnTlToBr>
+                    <a:lnBlToTr w="12700" cmpd="sng">
+                      <a:noFill/>
+                      <a:prstDash val="solid"/>
+                    </a:lnBlToTr>
+                  </a:tcPr>
+                </a:tc>
+                <a:extLst>
+                  <a:ext uri="{0D108BD9-81ED-4DB2-BD59-A6C34878D82A}">
+                    <a16:rowId xmlns:a16="http://schemas.microsoft.com/office/drawing/2014/main" val="3316209001"/>
+                  </a:ext>
+                </a:extLst>
+              </a:tr>
+              <a:tr h="444818">
+                <a:tc>
+                  <a:txBody>
+                    <a:bodyPr/>
+                    <a:lstStyle/>
+                    <a:p>
+                      <a:pPr marL="342900" indent="-342900">
+                        <a:buFont typeface="Arial" panose="020B0604020202020204" pitchFamily="34" charset="0"/>
+                        <a:buChar char="•"/>
+                      </a:pPr>
+                      <a:r>
+                        <a:rPr lang="de-DE" sz="2000" dirty="0" err="1"/>
+                        <a:t>Bildschirmgrösse</a:t>
+                      </a:r>
+                      <a:endParaRPr lang="de-DE" sz="2000" dirty="0"/>
+                    </a:p>
+                    <a:p>
+                      <a:pPr marL="342900" indent="-342900">
+                        <a:buFont typeface="Arial" panose="020B0604020202020204" pitchFamily="34" charset="0"/>
+                        <a:buChar char="•"/>
+                      </a:pPr>
+                      <a:r>
+                        <a:rPr lang="de-DE" sz="2000" dirty="0"/>
+                        <a:t>Grundfarbe</a:t>
+                      </a:r>
+                      <a:endParaRPr lang="de-DE" sz="1600" dirty="0">
+                        <a:sym typeface="Wingdings" pitchFamily="2" charset="2"/>
+                      </a:endParaRPr>
+                    </a:p>
+                    <a:p>
+                      <a:pPr marL="361950" indent="0">
+                        <a:buFontTx/>
+                        <a:buNone/>
+                        <a:tabLst/>
+                      </a:pPr>
+                      <a:endParaRPr lang="de-DE" sz="1600" dirty="0">
+                        <a:sym typeface="Wingdings" pitchFamily="2" charset="2"/>
+                      </a:endParaRPr>
+                    </a:p>
+                    <a:p>
+                      <a:pPr marL="361950" indent="0">
+                        <a:buFontTx/>
+                        <a:buNone/>
+                        <a:tabLst/>
+                      </a:pPr>
+                      <a:endParaRPr lang="de-DE" sz="1600" dirty="0">
+                        <a:sym typeface="Wingdings" pitchFamily="2" charset="2"/>
+                      </a:endParaRPr>
+                    </a:p>
+                    <a:p>
+                      <a:pPr marL="361950" indent="0">
+                        <a:buFontTx/>
+                        <a:buNone/>
+                        <a:tabLst/>
+                      </a:pPr>
+                      <a:endParaRPr lang="de-DE" sz="1600" dirty="0"/>
+                    </a:p>
+                  </a:txBody>
+                  <a:tcPr>
+                    <a:lnL w="12700" cap="flat" cmpd="sng" algn="ctr">
+                      <a:noFill/>
+                      <a:prstDash val="solid"/>
+                      <a:round/>
+                      <a:headEnd type="none" w="med" len="med"/>
+                      <a:tailEnd type="none" w="med" len="med"/>
+                    </a:lnL>
+                    <a:lnR w="12700" cap="flat" cmpd="sng" algn="ctr">
+                      <a:solidFill>
+                        <a:schemeClr val="tx1"/>
+                      </a:solidFill>
+                      <a:prstDash val="solid"/>
+                      <a:round/>
+                      <a:headEnd type="none" w="med" len="med"/>
+                      <a:tailEnd type="none" w="med" len="med"/>
+                    </a:lnR>
+                    <a:lnT w="12700" cap="flat" cmpd="sng" algn="ctr">
+                      <a:solidFill>
+                        <a:schemeClr val="tx1"/>
+                      </a:solidFill>
+                      <a:prstDash val="solid"/>
+                      <a:round/>
+                      <a:headEnd type="none" w="med" len="med"/>
+                      <a:tailEnd type="none" w="med" len="med"/>
+                    </a:lnT>
+                    <a:lnB w="12700" cap="flat" cmpd="sng" algn="ctr">
+                      <a:noFill/>
+                      <a:prstDash val="solid"/>
+                      <a:round/>
+                      <a:headEnd type="none" w="med" len="med"/>
+                      <a:tailEnd type="none" w="med" len="med"/>
+                    </a:lnB>
+                  </a:tcPr>
+                </a:tc>
+                <a:tc>
+                  <a:txBody>
+                    <a:bodyPr/>
+                    <a:lstStyle/>
+                    <a:p>
+                      <a:pPr marL="342900" indent="-342900">
+                        <a:buFont typeface="Arial" panose="020B0604020202020204" pitchFamily="34" charset="0"/>
+                        <a:buChar char="•"/>
+                      </a:pPr>
+                      <a:r>
+                        <a:rPr lang="de-DE" sz="2000" dirty="0"/>
+                        <a:t>Verwendung von Parametern</a:t>
+                      </a:r>
+                    </a:p>
+                    <a:p>
+                      <a:pPr marL="342900" indent="-342900">
+                        <a:buFont typeface="Arial" panose="020B0604020202020204" pitchFamily="34" charset="0"/>
+                        <a:buChar char="•"/>
+                      </a:pPr>
+                      <a:endParaRPr lang="de-DE" sz="2000" dirty="0"/>
+                    </a:p>
+                    <a:p>
+                      <a:pPr marL="342900" indent="-342900">
+                        <a:buFont typeface="Arial" panose="020B0604020202020204" pitchFamily="34" charset="0"/>
+                        <a:buChar char="•"/>
+                      </a:pPr>
+                      <a:endParaRPr lang="de-DE" sz="2000" dirty="0"/>
+                    </a:p>
+                  </a:txBody>
+                  <a:tcPr>
+                    <a:lnL w="12700" cap="flat" cmpd="sng" algn="ctr">
+                      <a:solidFill>
+                        <a:schemeClr val="tx1"/>
+                      </a:solidFill>
+                      <a:prstDash val="solid"/>
+                      <a:round/>
+                      <a:headEnd type="none" w="med" len="med"/>
+                      <a:tailEnd type="none" w="med" len="med"/>
+                    </a:lnL>
+                    <a:lnR w="12700" cap="flat" cmpd="sng" algn="ctr">
+                      <a:noFill/>
+                      <a:prstDash val="solid"/>
+                      <a:round/>
+                      <a:headEnd type="none" w="med" len="med"/>
+                      <a:tailEnd type="none" w="med" len="med"/>
+                    </a:lnR>
+                    <a:lnT w="12700" cap="flat" cmpd="sng" algn="ctr">
+                      <a:solidFill>
+                        <a:schemeClr val="tx1"/>
+                      </a:solidFill>
+                      <a:prstDash val="solid"/>
+                      <a:round/>
+                      <a:headEnd type="none" w="med" len="med"/>
+                      <a:tailEnd type="none" w="med" len="med"/>
+                    </a:lnT>
+                    <a:lnB w="12700" cap="flat" cmpd="sng" algn="ctr">
+                      <a:noFill/>
+                      <a:prstDash val="solid"/>
+                      <a:round/>
+                      <a:headEnd type="none" w="med" len="med"/>
+                      <a:tailEnd type="none" w="med" len="med"/>
+                    </a:lnB>
+                  </a:tcPr>
+                </a:tc>
+                <a:extLst>
+                  <a:ext uri="{0D108BD9-81ED-4DB2-BD59-A6C34878D82A}">
+                    <a16:rowId xmlns:a16="http://schemas.microsoft.com/office/drawing/2014/main" val="792890267"/>
+                  </a:ext>
+                </a:extLst>
+              </a:tr>
+            </a:tbl>
+          </a:graphicData>
+        </a:graphic>
+      </p:graphicFrame>
+    </p:spTree>
+    <p:extLst>
+      <p:ext uri="{BB962C8B-B14F-4D97-AF65-F5344CB8AC3E}">
+        <p14:creationId xmlns:p14="http://schemas.microsoft.com/office/powerpoint/2010/main" val="2390410735"/>
+      </p:ext>
+    </p:extLst>
+  </p:cSld>
+  <p:clrMapOvr>
+    <a:masterClrMapping/>
+  </p:clrMapOvr>
+</p:sld>
+</file>
+
+<file path=ppt/slides/slide7.xml><?xml version="1.0" encoding="utf-8"?>
+<p:sld xmlns:a="http://schemas.openxmlformats.org/drawingml/2006/main" xmlns:r="http://schemas.openxmlformats.org/officeDocument/2006/relationships" xmlns:p="http://schemas.openxmlformats.org/presentationml/2006/main">
+  <p:cSld>
+    <p:spTree>
+      <p:nvGrpSpPr>
+        <p:cNvPr id="1" name=""/>
+        <p:cNvGrpSpPr/>
+        <p:nvPr/>
+      </p:nvGrpSpPr>
+      <p:grpSpPr>
+        <a:xfrm>
+          <a:off x="0" y="0"/>
+          <a:ext cx="0" cy="0"/>
+          <a:chOff x="0" y="0"/>
+          <a:chExt cx="0" cy="0"/>
+        </a:xfrm>
+      </p:grpSpPr>
+      <p:sp>
+        <p:nvSpPr>
+          <p:cNvPr id="2" name="Titel 1">
+            <a:extLst>
+              <a:ext uri="{FF2B5EF4-FFF2-40B4-BE49-F238E27FC236}">
+                <a16:creationId xmlns:a16="http://schemas.microsoft.com/office/drawing/2014/main" id="{07ECA07E-62EB-B144-B024-B64E66049EC4}"/>
+              </a:ext>
+            </a:extLst>
+          </p:cNvPr>
+          <p:cNvSpPr>
+            <a:spLocks noGrp="1"/>
+          </p:cNvSpPr>
+          <p:nvPr>
+            <p:ph type="title"/>
+          </p:nvPr>
+        </p:nvSpPr>
+        <p:spPr/>
+        <p:txBody>
+          <a:bodyPr/>
+          <a:lstStyle/>
+          <a:p>
+            <a:r>
+              <a:rPr lang="de-DE" dirty="0"/>
+              <a:t>Prozessbezogene Perspektive</a:t>
             </a:r>
           </a:p>
         </p:txBody>
@@ -3896,6 +5719,90 @@
           <p:cNvPr id="3" name="Inhaltsplatzhalter 2">
             <a:extLst>
               <a:ext uri="{FF2B5EF4-FFF2-40B4-BE49-F238E27FC236}">
+                <a16:creationId xmlns:a16="http://schemas.microsoft.com/office/drawing/2014/main" id="{ADDD01E1-F0A4-454D-A7CE-90290F264EAA}"/>
+              </a:ext>
+            </a:extLst>
+          </p:cNvPr>
+          <p:cNvSpPr>
+            <a:spLocks noGrp="1"/>
+          </p:cNvSpPr>
+          <p:nvPr>
+            <p:ph idx="1"/>
+          </p:nvPr>
+        </p:nvSpPr>
+        <p:spPr/>
+        <p:txBody>
+          <a:bodyPr/>
+          <a:lstStyle/>
+          <a:p>
+            <a:endParaRPr lang="de-DE"/>
+          </a:p>
+        </p:txBody>
+      </p:sp>
+    </p:spTree>
+    <p:extLst>
+      <p:ext uri="{BB962C8B-B14F-4D97-AF65-F5344CB8AC3E}">
+        <p14:creationId xmlns:p14="http://schemas.microsoft.com/office/powerpoint/2010/main" val="1380823161"/>
+      </p:ext>
+    </p:extLst>
+  </p:cSld>
+  <p:clrMapOvr>
+    <a:masterClrMapping/>
+  </p:clrMapOvr>
+</p:sld>
+</file>
+
+<file path=ppt/slides/slide8.xml><?xml version="1.0" encoding="utf-8"?>
+<p:sld xmlns:a="http://schemas.openxmlformats.org/drawingml/2006/main" xmlns:r="http://schemas.openxmlformats.org/officeDocument/2006/relationships" xmlns:p="http://schemas.openxmlformats.org/presentationml/2006/main">
+  <p:cSld>
+    <p:spTree>
+      <p:nvGrpSpPr>
+        <p:cNvPr id="1" name=""/>
+        <p:cNvGrpSpPr/>
+        <p:nvPr/>
+      </p:nvGrpSpPr>
+      <p:grpSpPr>
+        <a:xfrm>
+          <a:off x="0" y="0"/>
+          <a:ext cx="0" cy="0"/>
+          <a:chOff x="0" y="0"/>
+          <a:chExt cx="0" cy="0"/>
+        </a:xfrm>
+      </p:grpSpPr>
+      <p:sp>
+        <p:nvSpPr>
+          <p:cNvPr id="2" name="Titel 1">
+            <a:extLst>
+              <a:ext uri="{FF2B5EF4-FFF2-40B4-BE49-F238E27FC236}">
+                <a16:creationId xmlns:a16="http://schemas.microsoft.com/office/drawing/2014/main" id="{329661AE-AE3A-ED41-8526-830974868C9C}"/>
+              </a:ext>
+            </a:extLst>
+          </p:cNvPr>
+          <p:cNvSpPr>
+            <a:spLocks noGrp="1"/>
+          </p:cNvSpPr>
+          <p:nvPr>
+            <p:ph type="title"/>
+          </p:nvPr>
+        </p:nvSpPr>
+        <p:spPr/>
+        <p:txBody>
+          <a:bodyPr/>
+          <a:lstStyle/>
+          <a:p>
+            <a:r>
+              <a:rPr lang="de-DE"/>
+              <a:t>Projektvorhaben</a:t>
+            </a:r>
+            <a:endParaRPr lang="de-DE" dirty="0"/>
+          </a:p>
+        </p:txBody>
+      </p:sp>
+      <p:sp>
+        <p:nvSpPr>
+          <p:cNvPr id="3" name="Inhaltsplatzhalter 2">
+            <a:extLst>
+              <a:ext uri="{FF2B5EF4-FFF2-40B4-BE49-F238E27FC236}">
                 <a16:creationId xmlns:a16="http://schemas.microsoft.com/office/drawing/2014/main" id="{DBC179A3-FA57-6941-8067-ABC9ED6135E5}"/>
               </a:ext>
             </a:extLst>
@@ -3910,7 +5817,7 @@
         <p:spPr/>
         <p:txBody>
           <a:bodyPr>
-            <a:normAutofit/>
+            <a:normAutofit lnSpcReduction="10000"/>
           </a:bodyPr>
           <a:lstStyle/>
           <a:p>
@@ -3920,7 +5827,7 @@
                 <a:ea typeface="Helvetica Neue" panose="02000503000000020004" pitchFamily="2" charset="0"/>
                 <a:cs typeface="Helvetica Neue" panose="02000503000000020004" pitchFamily="2" charset="0"/>
               </a:rPr>
-              <a:t>Layout der Simulation: </a:t>
+              <a:t>Thema: </a:t>
             </a:r>
             <a:r>
               <a:rPr lang="de-CH" sz="2000" dirty="0">
@@ -3928,7 +5835,32 @@
                 <a:ea typeface="Helvetica Neue" panose="02000503000000020004" pitchFamily="2" charset="0"/>
                 <a:cs typeface="Helvetica Neue" panose="02000503000000020004" pitchFamily="2" charset="0"/>
               </a:rPr>
-              <a:t>definiert und bis zum Schluss beibehalten, Grösse des Fensters passend zum verwendeten Computer</a:t>
+              <a:t>Simulation der Erdrevolution</a:t>
+            </a:r>
+          </a:p>
+          <a:p>
+            <a:endParaRPr lang="de-CH" sz="2000" dirty="0">
+              <a:latin typeface="Helvetica Neue" panose="02000503000000020004" pitchFamily="2" charset="0"/>
+              <a:ea typeface="Helvetica Neue" panose="02000503000000020004" pitchFamily="2" charset="0"/>
+              <a:cs typeface="Helvetica Neue" panose="02000503000000020004" pitchFamily="2" charset="0"/>
+            </a:endParaRPr>
+          </a:p>
+          <a:p>
+            <a:r>
+              <a:rPr lang="de-CH" sz="2000" b="1" dirty="0">
+                <a:latin typeface="Helvetica Neue" panose="02000503000000020004" pitchFamily="2" charset="0"/>
+                <a:ea typeface="Helvetica Neue" panose="02000503000000020004" pitchFamily="2" charset="0"/>
+                <a:cs typeface="Helvetica Neue" panose="02000503000000020004" pitchFamily="2" charset="0"/>
+              </a:rPr>
+              <a:t>Gründe für Projektwahl: </a:t>
+            </a:r>
+            <a:r>
+              <a:rPr lang="de-CH" sz="2000" dirty="0">
+                <a:latin typeface="Helvetica Neue" panose="02000503000000020004" pitchFamily="2" charset="0"/>
+                <a:ea typeface="Helvetica Neue" panose="02000503000000020004" pitchFamily="2" charset="0"/>
+                <a:cs typeface="Helvetica Neue" panose="02000503000000020004" pitchFamily="2" charset="0"/>
+              </a:rPr>
+              <a:t>Tellurium der Schule oft umständlich zu organisieren, keine passenden Videos oder Interaktionen für Schülerinnen und Schüler</a:t>
             </a:r>
           </a:p>
           <a:p>
@@ -3948,7 +5880,7 @@
                 <a:ea typeface="Helvetica Neue" panose="02000503000000020004" pitchFamily="2" charset="0"/>
                 <a:cs typeface="Helvetica Neue" panose="02000503000000020004" pitchFamily="2" charset="0"/>
               </a:rPr>
-              <a:t>Umlaufbahn: </a:t>
+              <a:t>Umschreibung der Idee &amp; Interaktion: </a:t>
             </a:r>
             <a:r>
               <a:rPr lang="de-CH" sz="2000" dirty="0">
@@ -3956,35 +5888,8 @@
                 <a:ea typeface="Helvetica Neue" panose="02000503000000020004" pitchFamily="2" charset="0"/>
                 <a:cs typeface="Helvetica Neue" panose="02000503000000020004" pitchFamily="2" charset="0"/>
               </a:rPr>
-              <a:t>in Form eines Kreises statt einer Ellipse</a:t>
-            </a:r>
-          </a:p>
-          <a:p>
-            <a:pPr marL="225425" indent="0">
-              <a:buNone/>
-            </a:pPr>
-            <a:r>
-              <a:rPr lang="de-CH" sz="2000" dirty="0">
-                <a:latin typeface="Helvetica Neue" panose="02000503000000020004" pitchFamily="2" charset="0"/>
-                <a:ea typeface="Helvetica Neue" panose="02000503000000020004" pitchFamily="2" charset="0"/>
-                <a:cs typeface="Helvetica Neue" panose="02000503000000020004" pitchFamily="2" charset="0"/>
-              </a:rPr>
-              <a:t>Gründe: Kreis ist einfacher und übersichtlicher, weitere Faktoren wie Neigung der Erdachse, Erdrevolution auf der Südhalbkugel, Grössenverhältnisse des Sonnensystems, etc. ebenfalls vernachlässigt </a:t>
-            </a:r>
-            <a:r>
-              <a:rPr lang="de-CH" sz="2000" dirty="0">
-                <a:latin typeface="Helvetica Neue" panose="02000503000000020004" pitchFamily="2" charset="0"/>
-                <a:ea typeface="Helvetica Neue" panose="02000503000000020004" pitchFamily="2" charset="0"/>
-                <a:cs typeface="Helvetica Neue" panose="02000503000000020004" pitchFamily="2" charset="0"/>
-                <a:sym typeface="Wingdings" pitchFamily="2" charset="2"/>
-              </a:rPr>
-              <a:t> Es ist eine Simulation.</a:t>
-            </a:r>
-            <a:endParaRPr lang="de-CH" sz="2000" dirty="0">
-              <a:latin typeface="Helvetica Neue" panose="02000503000000020004" pitchFamily="2" charset="0"/>
-              <a:ea typeface="Helvetica Neue" panose="02000503000000020004" pitchFamily="2" charset="0"/>
-              <a:cs typeface="Helvetica Neue" panose="02000503000000020004" pitchFamily="2" charset="0"/>
-            </a:endParaRPr>
+              <a:t>Die Erde befindet sich auf ihrer Umlaufbahn um die Sonne. Mit der Maus wird die Erde auf ihrer Bahn bewegt. Je nach Einfallswinkel der Sonne werden die unterschiedlichen Jahreszeiten auf der Erde simuliert.</a:t>
+            </a:r>
           </a:p>
           <a:p>
             <a:pPr marL="0" indent="0">
@@ -4003,7 +5908,7 @@
                 <a:ea typeface="Helvetica Neue" panose="02000503000000020004" pitchFamily="2" charset="0"/>
                 <a:cs typeface="Helvetica Neue" panose="02000503000000020004" pitchFamily="2" charset="0"/>
               </a:rPr>
-              <a:t>Parameter: </a:t>
+              <a:t>Erwartete Schwierigkeiten: </a:t>
             </a:r>
             <a:r>
               <a:rPr lang="de-CH" sz="2000" dirty="0">
@@ -4011,7 +5916,35 @@
                 <a:ea typeface="Helvetica Neue" panose="02000503000000020004" pitchFamily="2" charset="0"/>
                 <a:cs typeface="Helvetica Neue" panose="02000503000000020004" pitchFamily="2" charset="0"/>
               </a:rPr>
-              <a:t>Verwendung von Parametern, um Programm flexibel zu gestalten</a:t>
+              <a:t>korrekt beleuchtete Erde, Simulation der Bewegung der Erde auf der Umlaufbahn, Zusatzfunktionen wie Beschriftungen, Pfeile, Erdrotation, etc.</a:t>
+            </a:r>
+          </a:p>
+          <a:p>
+            <a:pPr marL="0" indent="0">
+              <a:buNone/>
+            </a:pPr>
+            <a:endParaRPr lang="de-CH" sz="2000" b="1" dirty="0">
+              <a:latin typeface="Helvetica Neue" panose="02000503000000020004" pitchFamily="2" charset="0"/>
+              <a:ea typeface="Helvetica Neue" panose="02000503000000020004" pitchFamily="2" charset="0"/>
+              <a:cs typeface="Helvetica Neue" panose="02000503000000020004" pitchFamily="2" charset="0"/>
+            </a:endParaRPr>
+          </a:p>
+          <a:p>
+            <a:r>
+              <a:rPr lang="de-CH" sz="2000" b="1" dirty="0">
+                <a:latin typeface="Helvetica Neue" panose="02000503000000020004" pitchFamily="2" charset="0"/>
+                <a:ea typeface="Helvetica Neue" panose="02000503000000020004" pitchFamily="2" charset="0"/>
+                <a:cs typeface="Helvetica Neue" panose="02000503000000020004" pitchFamily="2" charset="0"/>
+              </a:rPr>
+              <a:t>Team:</a:t>
+            </a:r>
+            <a:r>
+              <a:rPr lang="de-CH" sz="2000" dirty="0">
+                <a:latin typeface="Helvetica Neue" panose="02000503000000020004" pitchFamily="2" charset="0"/>
+                <a:ea typeface="Helvetica Neue" panose="02000503000000020004" pitchFamily="2" charset="0"/>
+                <a:cs typeface="Helvetica Neue" panose="02000503000000020004" pitchFamily="2" charset="0"/>
+              </a:rPr>
+              <a:t> Einzelarbeit</a:t>
             </a:r>
           </a:p>
           <a:p>
@@ -4022,6 +5955,492 @@
           </a:p>
         </p:txBody>
       </p:sp>
+    </p:spTree>
+    <p:extLst>
+      <p:ext uri="{BB962C8B-B14F-4D97-AF65-F5344CB8AC3E}">
+        <p14:creationId xmlns:p14="http://schemas.microsoft.com/office/powerpoint/2010/main" val="2915281141"/>
+      </p:ext>
+    </p:extLst>
+  </p:cSld>
+  <p:clrMapOvr>
+    <a:masterClrMapping/>
+  </p:clrMapOvr>
+</p:sld>
+</file>
+
+<file path=ppt/slides/slide9.xml><?xml version="1.0" encoding="utf-8"?>
+<p:sld xmlns:a="http://schemas.openxmlformats.org/drawingml/2006/main" xmlns:r="http://schemas.openxmlformats.org/officeDocument/2006/relationships" xmlns:p="http://schemas.openxmlformats.org/presentationml/2006/main">
+  <p:cSld>
+    <p:spTree>
+      <p:nvGrpSpPr>
+        <p:cNvPr id="1" name=""/>
+        <p:cNvGrpSpPr/>
+        <p:nvPr/>
+      </p:nvGrpSpPr>
+      <p:grpSpPr>
+        <a:xfrm>
+          <a:off x="0" y="0"/>
+          <a:ext cx="0" cy="0"/>
+          <a:chOff x="0" y="0"/>
+          <a:chExt cx="0" cy="0"/>
+        </a:xfrm>
+      </p:grpSpPr>
+      <p:sp>
+        <p:nvSpPr>
+          <p:cNvPr id="2" name="Titel 1">
+            <a:extLst>
+              <a:ext uri="{FF2B5EF4-FFF2-40B4-BE49-F238E27FC236}">
+                <a16:creationId xmlns:a16="http://schemas.microsoft.com/office/drawing/2014/main" id="{329661AE-AE3A-ED41-8526-830974868C9C}"/>
+              </a:ext>
+            </a:extLst>
+          </p:cNvPr>
+          <p:cNvSpPr>
+            <a:spLocks noGrp="1"/>
+          </p:cNvSpPr>
+          <p:nvPr>
+            <p:ph type="title"/>
+          </p:nvPr>
+        </p:nvSpPr>
+        <p:spPr/>
+        <p:txBody>
+          <a:bodyPr/>
+          <a:lstStyle/>
+          <a:p>
+            <a:r>
+              <a:rPr lang="de-DE" dirty="0"/>
+              <a:t>Entwicklungen bis Checkpoint I</a:t>
+            </a:r>
+          </a:p>
+        </p:txBody>
+      </p:sp>
+      <p:graphicFrame>
+        <p:nvGraphicFramePr>
+          <p:cNvPr id="4" name="Tabelle 4">
+            <a:extLst>
+              <a:ext uri="{FF2B5EF4-FFF2-40B4-BE49-F238E27FC236}">
+                <a16:creationId xmlns:a16="http://schemas.microsoft.com/office/drawing/2014/main" id="{A22D4C1B-333B-5A40-AC92-658022E1C285}"/>
+              </a:ext>
+            </a:extLst>
+          </p:cNvPr>
+          <p:cNvGraphicFramePr>
+            <a:graphicFrameLocks noGrp="1"/>
+          </p:cNvGraphicFramePr>
+          <p:nvPr>
+            <p:extLst>
+              <p:ext uri="{D42A27DB-BD31-4B8C-83A1-F6EECF244321}">
+                <p14:modId xmlns:p14="http://schemas.microsoft.com/office/powerpoint/2010/main" val="1406198109"/>
+              </p:ext>
+            </p:extLst>
+          </p:nvPr>
+        </p:nvGraphicFramePr>
+        <p:xfrm>
+          <a:off x="949960" y="1685924"/>
+          <a:ext cx="10403840" cy="4681538"/>
+        </p:xfrm>
+        <a:graphic>
+          <a:graphicData uri="http://schemas.openxmlformats.org/drawingml/2006/table">
+            <a:tbl>
+              <a:tblPr firstRow="1" bandRow="1">
+                <a:tableStyleId>{5940675A-B579-460E-94D1-54222C63F5DA}</a:tableStyleId>
+              </a:tblPr>
+              <a:tblGrid>
+                <a:gridCol w="5201920">
+                  <a:extLst>
+                    <a:ext uri="{9D8B030D-6E8A-4147-A177-3AD203B41FA5}">
+                      <a16:colId xmlns:a16="http://schemas.microsoft.com/office/drawing/2014/main" val="1087203503"/>
+                    </a:ext>
+                  </a:extLst>
+                </a:gridCol>
+                <a:gridCol w="5201920">
+                  <a:extLst>
+                    <a:ext uri="{9D8B030D-6E8A-4147-A177-3AD203B41FA5}">
+                      <a16:colId xmlns:a16="http://schemas.microsoft.com/office/drawing/2014/main" val="2791348744"/>
+                    </a:ext>
+                  </a:extLst>
+                </a:gridCol>
+              </a:tblGrid>
+              <a:tr h="444818">
+                <a:tc>
+                  <a:txBody>
+                    <a:bodyPr/>
+                    <a:lstStyle/>
+                    <a:p>
+                      <a:r>
+                        <a:rPr lang="de-DE" sz="2000" dirty="0"/>
+                        <a:t>Layout</a:t>
+                      </a:r>
+                    </a:p>
+                  </a:txBody>
+                  <a:tcPr>
+                    <a:lnL w="12700" cap="flat" cmpd="sng" algn="ctr">
+                      <a:noFill/>
+                      <a:prstDash val="solid"/>
+                      <a:round/>
+                      <a:headEnd type="none" w="med" len="med"/>
+                      <a:tailEnd type="none" w="med" len="med"/>
+                    </a:lnL>
+                    <a:lnR w="12700" cap="flat" cmpd="sng" algn="ctr">
+                      <a:solidFill>
+                        <a:schemeClr val="tx1"/>
+                      </a:solidFill>
+                      <a:prstDash val="solid"/>
+                      <a:round/>
+                      <a:headEnd type="none" w="med" len="med"/>
+                      <a:tailEnd type="none" w="med" len="med"/>
+                    </a:lnR>
+                    <a:lnT w="12700" cap="flat" cmpd="sng" algn="ctr">
+                      <a:noFill/>
+                      <a:prstDash val="solid"/>
+                      <a:round/>
+                      <a:headEnd type="none" w="med" len="med"/>
+                      <a:tailEnd type="none" w="med" len="med"/>
+                    </a:lnT>
+                    <a:lnB w="12700" cap="flat" cmpd="sng" algn="ctr">
+                      <a:solidFill>
+                        <a:schemeClr val="tx1"/>
+                      </a:solidFill>
+                      <a:prstDash val="solid"/>
+                      <a:round/>
+                      <a:headEnd type="none" w="med" len="med"/>
+                      <a:tailEnd type="none" w="med" len="med"/>
+                    </a:lnB>
+                  </a:tcPr>
+                </a:tc>
+                <a:tc>
+                  <a:txBody>
+                    <a:bodyPr/>
+                    <a:lstStyle/>
+                    <a:p>
+                      <a:r>
+                        <a:rPr lang="de-DE" sz="2000" dirty="0"/>
+                        <a:t>Code</a:t>
+                      </a:r>
+                    </a:p>
+                  </a:txBody>
+                  <a:tcPr>
+                    <a:lnL w="12700" cap="flat" cmpd="sng" algn="ctr">
+                      <a:solidFill>
+                        <a:schemeClr val="tx1"/>
+                      </a:solidFill>
+                      <a:prstDash val="solid"/>
+                      <a:round/>
+                      <a:headEnd type="none" w="med" len="med"/>
+                      <a:tailEnd type="none" w="med" len="med"/>
+                    </a:lnL>
+                    <a:lnR w="12700" cap="flat" cmpd="sng" algn="ctr">
+                      <a:noFill/>
+                      <a:prstDash val="solid"/>
+                      <a:round/>
+                      <a:headEnd type="none" w="med" len="med"/>
+                      <a:tailEnd type="none" w="med" len="med"/>
+                    </a:lnR>
+                    <a:lnT w="12700" cap="flat" cmpd="sng" algn="ctr">
+                      <a:noFill/>
+                      <a:prstDash val="solid"/>
+                      <a:round/>
+                      <a:headEnd type="none" w="med" len="med"/>
+                      <a:tailEnd type="none" w="med" len="med"/>
+                    </a:lnT>
+                    <a:lnB w="12700" cap="flat" cmpd="sng" algn="ctr">
+                      <a:solidFill>
+                        <a:schemeClr val="tx1"/>
+                      </a:solidFill>
+                      <a:prstDash val="solid"/>
+                      <a:round/>
+                      <a:headEnd type="none" w="med" len="med"/>
+                      <a:tailEnd type="none" w="med" len="med"/>
+                    </a:lnB>
+                    <a:lnTlToBr w="12700" cmpd="sng">
+                      <a:noFill/>
+                      <a:prstDash val="solid"/>
+                    </a:lnTlToBr>
+                    <a:lnBlToTr w="12700" cmpd="sng">
+                      <a:noFill/>
+                      <a:prstDash val="solid"/>
+                    </a:lnBlToTr>
+                  </a:tcPr>
+                </a:tc>
+                <a:extLst>
+                  <a:ext uri="{0D108BD9-81ED-4DB2-BD59-A6C34878D82A}">
+                    <a16:rowId xmlns:a16="http://schemas.microsoft.com/office/drawing/2014/main" val="3316209001"/>
+                  </a:ext>
+                </a:extLst>
+              </a:tr>
+              <a:tr h="444818">
+                <a:tc>
+                  <a:txBody>
+                    <a:bodyPr/>
+                    <a:lstStyle/>
+                    <a:p>
+                      <a:pPr marL="342900" indent="-342900">
+                        <a:buFont typeface="Arial" panose="020B0604020202020204" pitchFamily="34" charset="0"/>
+                        <a:buChar char="•"/>
+                      </a:pPr>
+                      <a:r>
+                        <a:rPr lang="de-DE" sz="2000" dirty="0"/>
+                        <a:t>Definiert und bis zum Schluss beibehalten</a:t>
+                      </a:r>
+                    </a:p>
+                    <a:p>
+                      <a:pPr marL="0" indent="0">
+                        <a:buFontTx/>
+                        <a:buNone/>
+                      </a:pPr>
+                      <a:endParaRPr lang="de-DE" sz="2000" dirty="0"/>
+                    </a:p>
+                    <a:p>
+                      <a:pPr marL="342900" indent="-342900">
+                        <a:buFont typeface="Arial" panose="020B0604020202020204" pitchFamily="34" charset="0"/>
+                        <a:buChar char="•"/>
+                      </a:pPr>
+                      <a:r>
+                        <a:rPr lang="de-DE" sz="2000" dirty="0"/>
+                        <a:t>Umlaufbahn in Form eines Kreises statt einer Ellipse</a:t>
+                      </a:r>
+                      <a:endParaRPr lang="de-DE" sz="1600" dirty="0"/>
+                    </a:p>
+                    <a:p>
+                      <a:pPr marL="361950" indent="0">
+                        <a:buFontTx/>
+                        <a:buNone/>
+                        <a:tabLst/>
+                      </a:pPr>
+                      <a:r>
+                        <a:rPr lang="de-DE" sz="1600" dirty="0"/>
+                        <a:t>Gründe: Kreis ist einfacher und übersichtlicher, weitere Faktoren (Neigung der Erdachse, Nord- und Südhalbkugel, </a:t>
+                      </a:r>
+                      <a:r>
+                        <a:rPr lang="de-DE" sz="1600" dirty="0" err="1"/>
+                        <a:t>Grössenverhältnisse</a:t>
+                      </a:r>
+                      <a:r>
+                        <a:rPr lang="de-DE" sz="1600" dirty="0"/>
+                        <a:t> des Sonnensystems, etc.) wurden ebenfalls vernachlässigt </a:t>
+                      </a:r>
+                      <a:r>
+                        <a:rPr lang="de-DE" sz="1600" dirty="0">
+                          <a:sym typeface="Wingdings" pitchFamily="2" charset="2"/>
+                        </a:rPr>
+                        <a:t> Simulation</a:t>
+                      </a:r>
+                    </a:p>
+                    <a:p>
+                      <a:pPr marL="361950" indent="0">
+                        <a:buFontTx/>
+                        <a:buNone/>
+                        <a:tabLst/>
+                      </a:pPr>
+                      <a:endParaRPr lang="de-DE" sz="1600" dirty="0">
+                        <a:sym typeface="Wingdings" pitchFamily="2" charset="2"/>
+                      </a:endParaRPr>
+                    </a:p>
+                    <a:p>
+                      <a:pPr marL="361950" indent="0">
+                        <a:buFontTx/>
+                        <a:buNone/>
+                        <a:tabLst/>
+                      </a:pPr>
+                      <a:endParaRPr lang="de-DE" sz="1600" dirty="0">
+                        <a:sym typeface="Wingdings" pitchFamily="2" charset="2"/>
+                      </a:endParaRPr>
+                    </a:p>
+                    <a:p>
+                      <a:pPr marL="361950" indent="0">
+                        <a:buFontTx/>
+                        <a:buNone/>
+                        <a:tabLst/>
+                      </a:pPr>
+                      <a:endParaRPr lang="de-DE" sz="1600" dirty="0">
+                        <a:sym typeface="Wingdings" pitchFamily="2" charset="2"/>
+                      </a:endParaRPr>
+                    </a:p>
+                    <a:p>
+                      <a:pPr marL="361950" indent="0">
+                        <a:buFontTx/>
+                        <a:buNone/>
+                        <a:tabLst/>
+                      </a:pPr>
+                      <a:endParaRPr lang="de-DE" sz="1600" dirty="0">
+                        <a:sym typeface="Wingdings" pitchFamily="2" charset="2"/>
+                      </a:endParaRPr>
+                    </a:p>
+                    <a:p>
+                      <a:pPr marL="361950" indent="0">
+                        <a:buFontTx/>
+                        <a:buNone/>
+                        <a:tabLst/>
+                      </a:pPr>
+                      <a:endParaRPr lang="de-DE" sz="1600" dirty="0">
+                        <a:sym typeface="Wingdings" pitchFamily="2" charset="2"/>
+                      </a:endParaRPr>
+                    </a:p>
+                    <a:p>
+                      <a:pPr marL="361950" indent="0">
+                        <a:buFontTx/>
+                        <a:buNone/>
+                        <a:tabLst/>
+                      </a:pPr>
+                      <a:endParaRPr lang="de-DE" sz="1600" dirty="0">
+                        <a:sym typeface="Wingdings" pitchFamily="2" charset="2"/>
+                      </a:endParaRPr>
+                    </a:p>
+                    <a:p>
+                      <a:pPr marL="361950" indent="0">
+                        <a:buFontTx/>
+                        <a:buNone/>
+                        <a:tabLst/>
+                      </a:pPr>
+                      <a:endParaRPr lang="de-DE" sz="1600" dirty="0">
+                        <a:sym typeface="Wingdings" pitchFamily="2" charset="2"/>
+                      </a:endParaRPr>
+                    </a:p>
+                    <a:p>
+                      <a:pPr marL="361950" indent="0">
+                        <a:buFontTx/>
+                        <a:buNone/>
+                        <a:tabLst/>
+                      </a:pPr>
+                      <a:endParaRPr lang="de-DE" sz="1600" dirty="0"/>
+                    </a:p>
+                  </a:txBody>
+                  <a:tcPr>
+                    <a:lnL w="12700" cap="flat" cmpd="sng" algn="ctr">
+                      <a:noFill/>
+                      <a:prstDash val="solid"/>
+                      <a:round/>
+                      <a:headEnd type="none" w="med" len="med"/>
+                      <a:tailEnd type="none" w="med" len="med"/>
+                    </a:lnL>
+                    <a:lnR w="12700" cap="flat" cmpd="sng" algn="ctr">
+                      <a:solidFill>
+                        <a:schemeClr val="tx1"/>
+                      </a:solidFill>
+                      <a:prstDash val="solid"/>
+                      <a:round/>
+                      <a:headEnd type="none" w="med" len="med"/>
+                      <a:tailEnd type="none" w="med" len="med"/>
+                    </a:lnR>
+                    <a:lnT w="12700" cap="flat" cmpd="sng" algn="ctr">
+                      <a:solidFill>
+                        <a:schemeClr val="tx1"/>
+                      </a:solidFill>
+                      <a:prstDash val="solid"/>
+                      <a:round/>
+                      <a:headEnd type="none" w="med" len="med"/>
+                      <a:tailEnd type="none" w="med" len="med"/>
+                    </a:lnT>
+                    <a:lnB w="12700" cap="flat" cmpd="sng" algn="ctr">
+                      <a:noFill/>
+                      <a:prstDash val="solid"/>
+                      <a:round/>
+                      <a:headEnd type="none" w="med" len="med"/>
+                      <a:tailEnd type="none" w="med" len="med"/>
+                    </a:lnB>
+                  </a:tcPr>
+                </a:tc>
+                <a:tc>
+                  <a:txBody>
+                    <a:bodyPr/>
+                    <a:lstStyle/>
+                    <a:p>
+                      <a:pPr marL="342900" indent="-342900">
+                        <a:buFont typeface="Arial" panose="020B0604020202020204" pitchFamily="34" charset="0"/>
+                        <a:buChar char="•"/>
+                      </a:pPr>
+                      <a:r>
+                        <a:rPr lang="de-DE" sz="2000" dirty="0"/>
+                        <a:t>Verwendung von Parametern</a:t>
+                      </a:r>
+                    </a:p>
+                    <a:p>
+                      <a:pPr marL="342900" indent="-342900">
+                        <a:buFont typeface="Arial" panose="020B0604020202020204" pitchFamily="34" charset="0"/>
+                        <a:buChar char="•"/>
+                      </a:pPr>
+                      <a:endParaRPr lang="de-DE" sz="2000" dirty="0"/>
+                    </a:p>
+                    <a:p>
+                      <a:pPr marL="342900" indent="-342900">
+                        <a:buFont typeface="Arial" panose="020B0604020202020204" pitchFamily="34" charset="0"/>
+                        <a:buChar char="•"/>
+                      </a:pPr>
+                      <a:endParaRPr lang="de-DE" sz="2000" dirty="0"/>
+                    </a:p>
+                  </a:txBody>
+                  <a:tcPr>
+                    <a:lnL w="12700" cap="flat" cmpd="sng" algn="ctr">
+                      <a:solidFill>
+                        <a:schemeClr val="tx1"/>
+                      </a:solidFill>
+                      <a:prstDash val="solid"/>
+                      <a:round/>
+                      <a:headEnd type="none" w="med" len="med"/>
+                      <a:tailEnd type="none" w="med" len="med"/>
+                    </a:lnL>
+                    <a:lnR w="12700" cap="flat" cmpd="sng" algn="ctr">
+                      <a:noFill/>
+                      <a:prstDash val="solid"/>
+                      <a:round/>
+                      <a:headEnd type="none" w="med" len="med"/>
+                      <a:tailEnd type="none" w="med" len="med"/>
+                    </a:lnR>
+                    <a:lnT w="12700" cap="flat" cmpd="sng" algn="ctr">
+                      <a:solidFill>
+                        <a:schemeClr val="tx1"/>
+                      </a:solidFill>
+                      <a:prstDash val="solid"/>
+                      <a:round/>
+                      <a:headEnd type="none" w="med" len="med"/>
+                      <a:tailEnd type="none" w="med" len="med"/>
+                    </a:lnT>
+                    <a:lnB w="12700" cap="flat" cmpd="sng" algn="ctr">
+                      <a:noFill/>
+                      <a:prstDash val="solid"/>
+                      <a:round/>
+                      <a:headEnd type="none" w="med" len="med"/>
+                      <a:tailEnd type="none" w="med" len="med"/>
+                    </a:lnB>
+                  </a:tcPr>
+                </a:tc>
+                <a:extLst>
+                  <a:ext uri="{0D108BD9-81ED-4DB2-BD59-A6C34878D82A}">
+                    <a16:rowId xmlns:a16="http://schemas.microsoft.com/office/drawing/2014/main" val="792890267"/>
+                  </a:ext>
+                </a:extLst>
+              </a:tr>
+            </a:tbl>
+          </a:graphicData>
+        </a:graphic>
+      </p:graphicFrame>
+      <p:pic>
+        <p:nvPicPr>
+          <p:cNvPr id="7" name="Grafik 6">
+            <a:extLst>
+              <a:ext uri="{FF2B5EF4-FFF2-40B4-BE49-F238E27FC236}">
+                <a16:creationId xmlns:a16="http://schemas.microsoft.com/office/drawing/2014/main" id="{368F8494-5625-344E-B932-A6CED093628F}"/>
+              </a:ext>
+            </a:extLst>
+          </p:cNvPr>
+          <p:cNvPicPr>
+            <a:picLocks noChangeAspect="1"/>
+          </p:cNvPicPr>
+          <p:nvPr/>
+        </p:nvPicPr>
+        <p:blipFill rotWithShape="1">
+          <a:blip r:embed="rId2"/>
+          <a:srcRect r="37096"/>
+          <a:stretch/>
+        </p:blipFill>
+        <p:spPr>
+          <a:xfrm>
+            <a:off x="6621133" y="2631564"/>
+            <a:ext cx="4092875" cy="3214988"/>
+          </a:xfrm>
+          <a:prstGeom prst="rect">
+            <a:avLst/>
+          </a:prstGeom>
+        </p:spPr>
+      </p:pic>
     </p:spTree>
     <p:extLst>
       <p:ext uri="{BB962C8B-B14F-4D97-AF65-F5344CB8AC3E}">

--- a/Präsentation.pptx
+++ b/Präsentation.pptx
@@ -9,13 +9,12 @@
     <p:sldId id="257" r:id="rId3"/>
     <p:sldId id="266" r:id="rId4"/>
     <p:sldId id="258" r:id="rId5"/>
-    <p:sldId id="267" r:id="rId6"/>
-    <p:sldId id="268" r:id="rId7"/>
-    <p:sldId id="259" r:id="rId8"/>
-    <p:sldId id="260" r:id="rId9"/>
-    <p:sldId id="261" r:id="rId10"/>
-    <p:sldId id="264" r:id="rId11"/>
-    <p:sldId id="265" r:id="rId12"/>
+    <p:sldId id="268" r:id="rId6"/>
+    <p:sldId id="259" r:id="rId7"/>
+    <p:sldId id="260" r:id="rId8"/>
+    <p:sldId id="261" r:id="rId9"/>
+    <p:sldId id="264" r:id="rId10"/>
+    <p:sldId id="265" r:id="rId11"/>
   </p:sldIdLst>
   <p:sldSz cx="12192000" cy="6858000"/>
   <p:notesSz cx="6858000" cy="9144000"/>
@@ -3451,581 +3450,6 @@
           <a:p>
             <a:r>
               <a:rPr lang="de-DE" dirty="0"/>
-              <a:t>Entwicklungen bis Checkpoint II</a:t>
-            </a:r>
-          </a:p>
-        </p:txBody>
-      </p:sp>
-      <p:graphicFrame>
-        <p:nvGraphicFramePr>
-          <p:cNvPr id="4" name="Tabelle 4">
-            <a:extLst>
-              <a:ext uri="{FF2B5EF4-FFF2-40B4-BE49-F238E27FC236}">
-                <a16:creationId xmlns:a16="http://schemas.microsoft.com/office/drawing/2014/main" id="{A22D4C1B-333B-5A40-AC92-658022E1C285}"/>
-              </a:ext>
-            </a:extLst>
-          </p:cNvPr>
-          <p:cNvGraphicFramePr>
-            <a:graphicFrameLocks noGrp="1"/>
-          </p:cNvGraphicFramePr>
-          <p:nvPr>
-            <p:extLst>
-              <p:ext uri="{D42A27DB-BD31-4B8C-83A1-F6EECF244321}">
-                <p14:modId xmlns:p14="http://schemas.microsoft.com/office/powerpoint/2010/main" val="2454393007"/>
-              </p:ext>
-            </p:extLst>
-          </p:nvPr>
-        </p:nvGraphicFramePr>
-        <p:xfrm>
-          <a:off x="949960" y="1685924"/>
-          <a:ext cx="10403840" cy="3828098"/>
-        </p:xfrm>
-        <a:graphic>
-          <a:graphicData uri="http://schemas.openxmlformats.org/drawingml/2006/table">
-            <a:tbl>
-              <a:tblPr firstRow="1" bandRow="1">
-                <a:tableStyleId>{5940675A-B579-460E-94D1-54222C63F5DA}</a:tableStyleId>
-              </a:tblPr>
-              <a:tblGrid>
-                <a:gridCol w="5201920">
-                  <a:extLst>
-                    <a:ext uri="{9D8B030D-6E8A-4147-A177-3AD203B41FA5}">
-                      <a16:colId xmlns:a16="http://schemas.microsoft.com/office/drawing/2014/main" val="1087203503"/>
-                    </a:ext>
-                  </a:extLst>
-                </a:gridCol>
-                <a:gridCol w="5201920">
-                  <a:extLst>
-                    <a:ext uri="{9D8B030D-6E8A-4147-A177-3AD203B41FA5}">
-                      <a16:colId xmlns:a16="http://schemas.microsoft.com/office/drawing/2014/main" val="2791348744"/>
-                    </a:ext>
-                  </a:extLst>
-                </a:gridCol>
-              </a:tblGrid>
-              <a:tr h="444818">
-                <a:tc>
-                  <a:txBody>
-                    <a:bodyPr/>
-                    <a:lstStyle/>
-                    <a:p>
-                      <a:r>
-                        <a:rPr lang="de-DE" sz="2000" dirty="0"/>
-                        <a:t>Layout</a:t>
-                      </a:r>
-                    </a:p>
-                  </a:txBody>
-                  <a:tcPr>
-                    <a:lnL w="12700" cap="flat" cmpd="sng" algn="ctr">
-                      <a:noFill/>
-                      <a:prstDash val="solid"/>
-                      <a:round/>
-                      <a:headEnd type="none" w="med" len="med"/>
-                      <a:tailEnd type="none" w="med" len="med"/>
-                    </a:lnL>
-                    <a:lnR w="12700" cap="flat" cmpd="sng" algn="ctr">
-                      <a:solidFill>
-                        <a:schemeClr val="tx1"/>
-                      </a:solidFill>
-                      <a:prstDash val="solid"/>
-                      <a:round/>
-                      <a:headEnd type="none" w="med" len="med"/>
-                      <a:tailEnd type="none" w="med" len="med"/>
-                    </a:lnR>
-                    <a:lnT w="12700" cap="flat" cmpd="sng" algn="ctr">
-                      <a:noFill/>
-                      <a:prstDash val="solid"/>
-                      <a:round/>
-                      <a:headEnd type="none" w="med" len="med"/>
-                      <a:tailEnd type="none" w="med" len="med"/>
-                    </a:lnT>
-                    <a:lnB w="12700" cap="flat" cmpd="sng" algn="ctr">
-                      <a:solidFill>
-                        <a:schemeClr val="tx1"/>
-                      </a:solidFill>
-                      <a:prstDash val="solid"/>
-                      <a:round/>
-                      <a:headEnd type="none" w="med" len="med"/>
-                      <a:tailEnd type="none" w="med" len="med"/>
-                    </a:lnB>
-                    <a:lnTlToBr w="12700" cmpd="sng">
-                      <a:noFill/>
-                      <a:prstDash val="solid"/>
-                    </a:lnTlToBr>
-                    <a:lnBlToTr w="12700" cmpd="sng">
-                      <a:noFill/>
-                      <a:prstDash val="solid"/>
-                    </a:lnBlToTr>
-                  </a:tcPr>
-                </a:tc>
-                <a:tc>
-                  <a:txBody>
-                    <a:bodyPr/>
-                    <a:lstStyle/>
-                    <a:p>
-                      <a:r>
-                        <a:rPr lang="de-DE" sz="2000" dirty="0"/>
-                        <a:t>Code</a:t>
-                      </a:r>
-                    </a:p>
-                  </a:txBody>
-                  <a:tcPr>
-                    <a:lnL w="12700" cap="flat" cmpd="sng" algn="ctr">
-                      <a:solidFill>
-                        <a:schemeClr val="tx1"/>
-                      </a:solidFill>
-                      <a:prstDash val="solid"/>
-                      <a:round/>
-                      <a:headEnd type="none" w="med" len="med"/>
-                      <a:tailEnd type="none" w="med" len="med"/>
-                    </a:lnL>
-                    <a:lnR w="12700" cap="flat" cmpd="sng" algn="ctr">
-                      <a:noFill/>
-                      <a:prstDash val="solid"/>
-                      <a:round/>
-                      <a:headEnd type="none" w="med" len="med"/>
-                      <a:tailEnd type="none" w="med" len="med"/>
-                    </a:lnR>
-                    <a:lnT w="12700" cap="flat" cmpd="sng" algn="ctr">
-                      <a:noFill/>
-                      <a:prstDash val="solid"/>
-                      <a:round/>
-                      <a:headEnd type="none" w="med" len="med"/>
-                      <a:tailEnd type="none" w="med" len="med"/>
-                    </a:lnT>
-                    <a:lnB w="12700" cap="flat" cmpd="sng" algn="ctr">
-                      <a:solidFill>
-                        <a:schemeClr val="tx1"/>
-                      </a:solidFill>
-                      <a:prstDash val="solid"/>
-                      <a:round/>
-                      <a:headEnd type="none" w="med" len="med"/>
-                      <a:tailEnd type="none" w="med" len="med"/>
-                    </a:lnB>
-                    <a:lnTlToBr w="12700" cmpd="sng">
-                      <a:noFill/>
-                      <a:prstDash val="solid"/>
-                    </a:lnTlToBr>
-                    <a:lnBlToTr w="12700" cmpd="sng">
-                      <a:noFill/>
-                      <a:prstDash val="solid"/>
-                    </a:lnBlToTr>
-                  </a:tcPr>
-                </a:tc>
-                <a:extLst>
-                  <a:ext uri="{0D108BD9-81ED-4DB2-BD59-A6C34878D82A}">
-                    <a16:rowId xmlns:a16="http://schemas.microsoft.com/office/drawing/2014/main" val="3316209001"/>
-                  </a:ext>
-                </a:extLst>
-              </a:tr>
-              <a:tr h="444818">
-                <a:tc>
-                  <a:txBody>
-                    <a:bodyPr/>
-                    <a:lstStyle/>
-                    <a:p>
-                      <a:pPr marL="342900" indent="-342900">
-                        <a:buFont typeface="Arial" panose="020B0604020202020204" pitchFamily="34" charset="0"/>
-                        <a:buChar char="•"/>
-                      </a:pPr>
-                      <a:r>
-                        <a:rPr lang="de-CH" sz="2000" b="0" dirty="0">
-                          <a:latin typeface="Helvetica Neue" panose="02000503000000020004" pitchFamily="2" charset="0"/>
-                          <a:ea typeface="Helvetica Neue" panose="02000503000000020004" pitchFamily="2" charset="0"/>
-                          <a:cs typeface="Helvetica Neue" panose="02000503000000020004" pitchFamily="2" charset="0"/>
-                        </a:rPr>
-                        <a:t>Bahn der Erde</a:t>
-                      </a:r>
-                    </a:p>
-                    <a:p>
-                      <a:pPr marL="361950" marR="0" lvl="0" indent="0" algn="l" defTabSz="914400" rtl="0" eaLnBrk="1" fontAlgn="auto" latinLnBrk="0" hangingPunct="1">
-                        <a:lnSpc>
-                          <a:spcPct val="100000"/>
-                        </a:lnSpc>
-                        <a:spcBef>
-                          <a:spcPts val="0"/>
-                        </a:spcBef>
-                        <a:spcAft>
-                          <a:spcPts val="0"/>
-                        </a:spcAft>
-                        <a:buClrTx/>
-                        <a:buSzTx/>
-                        <a:buFont typeface="Arial" panose="020B0604020202020204" pitchFamily="34" charset="0"/>
-                        <a:buNone/>
-                        <a:tabLst/>
-                        <a:defRPr/>
-                      </a:pPr>
-                      <a:r>
-                        <a:rPr lang="de-CH" sz="1600" dirty="0">
-                          <a:latin typeface="Helvetica Neue" panose="02000503000000020004" pitchFamily="2" charset="0"/>
-                          <a:ea typeface="Helvetica Neue" panose="02000503000000020004" pitchFamily="2" charset="0"/>
-                          <a:cs typeface="Helvetica Neue" panose="02000503000000020004" pitchFamily="2" charset="0"/>
-                        </a:rPr>
-                        <a:t>Sollte nicht ersichtlich sein und wurde bei Checkpoint II korrigiert</a:t>
-                      </a:r>
-                      <a:endParaRPr lang="de-CH" sz="2000" b="0" dirty="0">
-                        <a:latin typeface="Helvetica Neue" panose="02000503000000020004" pitchFamily="2" charset="0"/>
-                        <a:ea typeface="Helvetica Neue" panose="02000503000000020004" pitchFamily="2" charset="0"/>
-                        <a:cs typeface="Helvetica Neue" panose="02000503000000020004" pitchFamily="2" charset="0"/>
-                      </a:endParaRPr>
-                    </a:p>
-                    <a:p>
-                      <a:pPr marL="361950" marR="0" lvl="0" indent="0" algn="l" defTabSz="914400" rtl="0" eaLnBrk="1" fontAlgn="auto" latinLnBrk="0" hangingPunct="1">
-                        <a:lnSpc>
-                          <a:spcPct val="100000"/>
-                        </a:lnSpc>
-                        <a:spcBef>
-                          <a:spcPts val="0"/>
-                        </a:spcBef>
-                        <a:spcAft>
-                          <a:spcPts val="0"/>
-                        </a:spcAft>
-                        <a:buClrTx/>
-                        <a:buSzTx/>
-                        <a:buFont typeface="Arial" panose="020B0604020202020204" pitchFamily="34" charset="0"/>
-                        <a:buNone/>
-                        <a:tabLst/>
-                        <a:defRPr/>
-                      </a:pPr>
-                      <a:r>
-                        <a:rPr lang="de-CH" sz="1600" dirty="0">
-                          <a:latin typeface="Helvetica Neue" panose="02000503000000020004" pitchFamily="2" charset="0"/>
-                          <a:ea typeface="Helvetica Neue" panose="02000503000000020004" pitchFamily="2" charset="0"/>
-                          <a:cs typeface="Helvetica Neue" panose="02000503000000020004" pitchFamily="2" charset="0"/>
-                        </a:rPr>
-                        <a:t> </a:t>
-                      </a:r>
-                    </a:p>
-                  </a:txBody>
-                  <a:tcPr>
-                    <a:lnL w="12700" cap="flat" cmpd="sng" algn="ctr">
-                      <a:noFill/>
-                      <a:prstDash val="solid"/>
-                      <a:round/>
-                      <a:headEnd type="none" w="med" len="med"/>
-                      <a:tailEnd type="none" w="med" len="med"/>
-                    </a:lnL>
-                    <a:lnR w="12700" cap="flat" cmpd="sng" algn="ctr">
-                      <a:solidFill>
-                        <a:schemeClr val="tx1"/>
-                      </a:solidFill>
-                      <a:prstDash val="solid"/>
-                      <a:round/>
-                      <a:headEnd type="none" w="med" len="med"/>
-                      <a:tailEnd type="none" w="med" len="med"/>
-                    </a:lnR>
-                    <a:lnT w="12700" cap="flat" cmpd="sng" algn="ctr">
-                      <a:solidFill>
-                        <a:schemeClr val="tx1"/>
-                      </a:solidFill>
-                      <a:prstDash val="solid"/>
-                      <a:round/>
-                      <a:headEnd type="none" w="med" len="med"/>
-                      <a:tailEnd type="none" w="med" len="med"/>
-                    </a:lnT>
-                    <a:lnB w="12700" cap="flat" cmpd="sng" algn="ctr">
-                      <a:noFill/>
-                      <a:prstDash val="solid"/>
-                      <a:round/>
-                      <a:headEnd type="none" w="med" len="med"/>
-                      <a:tailEnd type="none" w="med" len="med"/>
-                    </a:lnB>
-                    <a:lnTlToBr w="12700" cmpd="sng">
-                      <a:noFill/>
-                      <a:prstDash val="solid"/>
-                    </a:lnTlToBr>
-                    <a:lnBlToTr w="12700" cmpd="sng">
-                      <a:noFill/>
-                      <a:prstDash val="solid"/>
-                    </a:lnBlToTr>
-                  </a:tcPr>
-                </a:tc>
-                <a:tc>
-                  <a:txBody>
-                    <a:bodyPr/>
-                    <a:lstStyle/>
-                    <a:p>
-                      <a:pPr marL="342900" marR="0" lvl="0" indent="-342900" algn="l" defTabSz="914400" rtl="0" eaLnBrk="1" fontAlgn="auto" latinLnBrk="0" hangingPunct="1">
-                        <a:lnSpc>
-                          <a:spcPct val="100000"/>
-                        </a:lnSpc>
-                        <a:spcBef>
-                          <a:spcPts val="0"/>
-                        </a:spcBef>
-                        <a:spcAft>
-                          <a:spcPts val="0"/>
-                        </a:spcAft>
-                        <a:buClrTx/>
-                        <a:buSzTx/>
-                        <a:buFont typeface="Arial" panose="020B0604020202020204" pitchFamily="34" charset="0"/>
-                        <a:buChar char="•"/>
-                        <a:tabLst/>
-                        <a:defRPr/>
-                      </a:pPr>
-                      <a:r>
-                        <a:rPr lang="de-DE" sz="2000" dirty="0"/>
-                        <a:t>Änderung der Interaktivität</a:t>
-                      </a:r>
-                    </a:p>
-                    <a:p>
-                      <a:pPr marL="317500" marR="0" lvl="0" indent="0" algn="l" defTabSz="914400" rtl="0" eaLnBrk="1" fontAlgn="auto" latinLnBrk="0" hangingPunct="1">
-                        <a:lnSpc>
-                          <a:spcPct val="100000"/>
-                        </a:lnSpc>
-                        <a:spcBef>
-                          <a:spcPts val="0"/>
-                        </a:spcBef>
-                        <a:spcAft>
-                          <a:spcPts val="0"/>
-                        </a:spcAft>
-                        <a:buClrTx/>
-                        <a:buSzTx/>
-                        <a:buFont typeface="Arial" panose="020B0604020202020204" pitchFamily="34" charset="0"/>
-                        <a:buNone/>
-                        <a:tabLst/>
-                        <a:defRPr/>
-                      </a:pPr>
-                      <a:r>
-                        <a:rPr lang="de-CH" sz="1600" dirty="0">
-                          <a:latin typeface="Helvetica Neue" panose="02000503000000020004" pitchFamily="2" charset="0"/>
-                          <a:ea typeface="Helvetica Neue" panose="02000503000000020004" pitchFamily="2" charset="0"/>
-                          <a:cs typeface="Helvetica Neue" panose="02000503000000020004" pitchFamily="2" charset="0"/>
-                        </a:rPr>
-                        <a:t>Erde wird nicht per Maus gesteuert, sondern dreht eigenständig auf der Umlaufbahn, Maus soll für weitere Steuerungen zur Verfügung stehen</a:t>
-                      </a:r>
-                    </a:p>
-                    <a:p>
-                      <a:pPr marL="342900" indent="-342900">
-                        <a:buFont typeface="Arial" panose="020B0604020202020204" pitchFamily="34" charset="0"/>
-                        <a:buChar char="•"/>
-                      </a:pPr>
-                      <a:endParaRPr lang="de-DE" sz="2000" dirty="0"/>
-                    </a:p>
-                    <a:p>
-                      <a:pPr marL="342900" marR="0" lvl="0" indent="-342900" algn="l" defTabSz="914400" rtl="0" eaLnBrk="1" fontAlgn="auto" latinLnBrk="0" hangingPunct="1">
-                        <a:lnSpc>
-                          <a:spcPct val="100000"/>
-                        </a:lnSpc>
-                        <a:spcBef>
-                          <a:spcPts val="0"/>
-                        </a:spcBef>
-                        <a:spcAft>
-                          <a:spcPts val="0"/>
-                        </a:spcAft>
-                        <a:buClrTx/>
-                        <a:buSzTx/>
-                        <a:buFont typeface="Arial" panose="020B0604020202020204" pitchFamily="34" charset="0"/>
-                        <a:buChar char="•"/>
-                        <a:tabLst/>
-                        <a:defRPr/>
-                      </a:pPr>
-                      <a:r>
-                        <a:rPr lang="de-CH" sz="2000" b="0" dirty="0">
-                          <a:latin typeface="Helvetica Neue" panose="02000503000000020004" pitchFamily="2" charset="0"/>
-                          <a:ea typeface="Helvetica Neue" panose="02000503000000020004" pitchFamily="2" charset="0"/>
-                          <a:cs typeface="Helvetica Neue" panose="02000503000000020004" pitchFamily="2" charset="0"/>
-                        </a:rPr>
-                        <a:t>Einbau Start-Stopp-Button</a:t>
-                      </a:r>
-                    </a:p>
-                    <a:p>
-                      <a:pPr marL="317500" marR="0" lvl="0" indent="0" algn="l" defTabSz="914400" rtl="0" eaLnBrk="1" fontAlgn="auto" latinLnBrk="0" hangingPunct="1">
-                        <a:lnSpc>
-                          <a:spcPct val="100000"/>
-                        </a:lnSpc>
-                        <a:spcBef>
-                          <a:spcPts val="0"/>
-                        </a:spcBef>
-                        <a:spcAft>
-                          <a:spcPts val="0"/>
-                        </a:spcAft>
-                        <a:buClrTx/>
-                        <a:buSzTx/>
-                        <a:buFont typeface="Arial" panose="020B0604020202020204" pitchFamily="34" charset="0"/>
-                        <a:buNone/>
-                        <a:tabLst/>
-                        <a:defRPr/>
-                      </a:pPr>
-                      <a:r>
-                        <a:rPr lang="de-CH" sz="1600" b="0" dirty="0">
-                          <a:latin typeface="Helvetica Neue" panose="02000503000000020004" pitchFamily="2" charset="0"/>
-                          <a:ea typeface="Helvetica Neue" panose="02000503000000020004" pitchFamily="2" charset="0"/>
-                          <a:cs typeface="Helvetica Neue" panose="02000503000000020004" pitchFamily="2" charset="0"/>
-                        </a:rPr>
-                        <a:t>Einbau eines Buttons, um die Erde an gewünschter Position zu stoppen </a:t>
-                      </a:r>
-                      <a:r>
-                        <a:rPr lang="de-CH" sz="1600" b="0" dirty="0">
-                          <a:latin typeface="Helvetica Neue" panose="02000503000000020004" pitchFamily="2" charset="0"/>
-                          <a:ea typeface="Helvetica Neue" panose="02000503000000020004" pitchFamily="2" charset="0"/>
-                          <a:cs typeface="Helvetica Neue" panose="02000503000000020004" pitchFamily="2" charset="0"/>
-                          <a:sym typeface="Wingdings" pitchFamily="2" charset="2"/>
-                        </a:rPr>
-                        <a:t> hat bis dahin noch nicht funktioniert</a:t>
-                      </a:r>
-                      <a:endParaRPr lang="de-CH" sz="1600" b="0" dirty="0">
-                        <a:latin typeface="Helvetica Neue" panose="02000503000000020004" pitchFamily="2" charset="0"/>
-                        <a:ea typeface="Helvetica Neue" panose="02000503000000020004" pitchFamily="2" charset="0"/>
-                        <a:cs typeface="Helvetica Neue" panose="02000503000000020004" pitchFamily="2" charset="0"/>
-                      </a:endParaRPr>
-                    </a:p>
-                    <a:p>
-                      <a:pPr marL="342900" indent="-342900">
-                        <a:buFont typeface="Arial" panose="020B0604020202020204" pitchFamily="34" charset="0"/>
-                        <a:buChar char="•"/>
-                      </a:pPr>
-                      <a:endParaRPr lang="de-DE" sz="2000" dirty="0"/>
-                    </a:p>
-                    <a:p>
-                      <a:pPr marL="342900" indent="-342900">
-                        <a:buFont typeface="Arial" panose="020B0604020202020204" pitchFamily="34" charset="0"/>
-                        <a:buChar char="•"/>
-                      </a:pPr>
-                      <a:endParaRPr lang="de-DE" sz="2000" dirty="0"/>
-                    </a:p>
-                    <a:p>
-                      <a:pPr marL="342900" indent="-342900">
-                        <a:buFont typeface="Arial" panose="020B0604020202020204" pitchFamily="34" charset="0"/>
-                        <a:buChar char="•"/>
-                      </a:pPr>
-                      <a:endParaRPr lang="de-DE" sz="2000" dirty="0"/>
-                    </a:p>
-                  </a:txBody>
-                  <a:tcPr>
-                    <a:lnL w="12700" cap="flat" cmpd="sng" algn="ctr">
-                      <a:solidFill>
-                        <a:schemeClr val="tx1"/>
-                      </a:solidFill>
-                      <a:prstDash val="solid"/>
-                      <a:round/>
-                      <a:headEnd type="none" w="med" len="med"/>
-                      <a:tailEnd type="none" w="med" len="med"/>
-                    </a:lnL>
-                    <a:lnR w="12700" cap="flat" cmpd="sng" algn="ctr">
-                      <a:noFill/>
-                      <a:prstDash val="solid"/>
-                      <a:round/>
-                      <a:headEnd type="none" w="med" len="med"/>
-                      <a:tailEnd type="none" w="med" len="med"/>
-                    </a:lnR>
-                    <a:lnT w="12700" cap="flat" cmpd="sng" algn="ctr">
-                      <a:solidFill>
-                        <a:schemeClr val="tx1"/>
-                      </a:solidFill>
-                      <a:prstDash val="solid"/>
-                      <a:round/>
-                      <a:headEnd type="none" w="med" len="med"/>
-                      <a:tailEnd type="none" w="med" len="med"/>
-                    </a:lnT>
-                    <a:lnB w="12700" cap="flat" cmpd="sng" algn="ctr">
-                      <a:noFill/>
-                      <a:prstDash val="solid"/>
-                      <a:round/>
-                      <a:headEnd type="none" w="med" len="med"/>
-                      <a:tailEnd type="none" w="med" len="med"/>
-                    </a:lnB>
-                    <a:lnTlToBr w="12700" cmpd="sng">
-                      <a:noFill/>
-                      <a:prstDash val="solid"/>
-                    </a:lnTlToBr>
-                    <a:lnBlToTr w="12700" cmpd="sng">
-                      <a:noFill/>
-                      <a:prstDash val="solid"/>
-                    </a:lnBlToTr>
-                  </a:tcPr>
-                </a:tc>
-                <a:extLst>
-                  <a:ext uri="{0D108BD9-81ED-4DB2-BD59-A6C34878D82A}">
-                    <a16:rowId xmlns:a16="http://schemas.microsoft.com/office/drawing/2014/main" val="792890267"/>
-                  </a:ext>
-                </a:extLst>
-              </a:tr>
-            </a:tbl>
-          </a:graphicData>
-        </a:graphic>
-      </p:graphicFrame>
-      <p:pic>
-        <p:nvPicPr>
-          <p:cNvPr id="5" name="Grafik 4">
-            <a:extLst>
-              <a:ext uri="{FF2B5EF4-FFF2-40B4-BE49-F238E27FC236}">
-                <a16:creationId xmlns:a16="http://schemas.microsoft.com/office/drawing/2014/main" id="{5EC09808-F3C6-AB45-91DC-240DF3AC1685}"/>
-              </a:ext>
-            </a:extLst>
-          </p:cNvPr>
-          <p:cNvPicPr>
-            <a:picLocks noChangeAspect="1"/>
-          </p:cNvPicPr>
-          <p:nvPr/>
-        </p:nvPicPr>
-        <p:blipFill>
-          <a:blip r:embed="rId2"/>
-          <a:stretch>
-            <a:fillRect/>
-          </a:stretch>
-        </p:blipFill>
-        <p:spPr>
-          <a:xfrm>
-            <a:off x="1362972" y="3231634"/>
-            <a:ext cx="4492753" cy="2202330"/>
-          </a:xfrm>
-          <a:prstGeom prst="rect">
-            <a:avLst/>
-          </a:prstGeom>
-        </p:spPr>
-      </p:pic>
-    </p:spTree>
-    <p:extLst>
-      <p:ext uri="{BB962C8B-B14F-4D97-AF65-F5344CB8AC3E}">
-        <p14:creationId xmlns:p14="http://schemas.microsoft.com/office/powerpoint/2010/main" val="3283609911"/>
-      </p:ext>
-    </p:extLst>
-  </p:cSld>
-  <p:clrMapOvr>
-    <a:masterClrMapping/>
-  </p:clrMapOvr>
-</p:sld>
-</file>
-
-<file path=ppt/slides/slide11.xml><?xml version="1.0" encoding="utf-8"?>
-<p:sld xmlns:a="http://schemas.openxmlformats.org/drawingml/2006/main" xmlns:r="http://schemas.openxmlformats.org/officeDocument/2006/relationships" xmlns:p="http://schemas.openxmlformats.org/presentationml/2006/main">
-  <p:cSld>
-    <p:spTree>
-      <p:nvGrpSpPr>
-        <p:cNvPr id="1" name=""/>
-        <p:cNvGrpSpPr/>
-        <p:nvPr/>
-      </p:nvGrpSpPr>
-      <p:grpSpPr>
-        <a:xfrm>
-          <a:off x="0" y="0"/>
-          <a:ext cx="0" cy="0"/>
-          <a:chOff x="0" y="0"/>
-          <a:chExt cx="0" cy="0"/>
-        </a:xfrm>
-      </p:grpSpPr>
-      <p:sp>
-        <p:nvSpPr>
-          <p:cNvPr id="2" name="Titel 1">
-            <a:extLst>
-              <a:ext uri="{FF2B5EF4-FFF2-40B4-BE49-F238E27FC236}">
-                <a16:creationId xmlns:a16="http://schemas.microsoft.com/office/drawing/2014/main" id="{329661AE-AE3A-ED41-8526-830974868C9C}"/>
-              </a:ext>
-            </a:extLst>
-          </p:cNvPr>
-          <p:cNvSpPr>
-            <a:spLocks noGrp="1"/>
-          </p:cNvSpPr>
-          <p:nvPr>
-            <p:ph type="title"/>
-          </p:nvPr>
-        </p:nvSpPr>
-        <p:spPr/>
-        <p:txBody>
-          <a:bodyPr/>
-          <a:lstStyle/>
-          <a:p>
-            <a:r>
-              <a:rPr lang="de-DE" dirty="0"/>
               <a:t>Entwicklungen bis zur Abgabe</a:t>
             </a:r>
           </a:p>
@@ -4998,214 +4422,6 @@
           <p:cNvPr id="2" name="Titel 1">
             <a:extLst>
               <a:ext uri="{FF2B5EF4-FFF2-40B4-BE49-F238E27FC236}">
-                <a16:creationId xmlns:a16="http://schemas.microsoft.com/office/drawing/2014/main" id="{B03C5958-F8DE-C34C-8F50-660AFC579162}"/>
-              </a:ext>
-            </a:extLst>
-          </p:cNvPr>
-          <p:cNvSpPr>
-            <a:spLocks noGrp="1"/>
-          </p:cNvSpPr>
-          <p:nvPr>
-            <p:ph type="title"/>
-          </p:nvPr>
-        </p:nvSpPr>
-        <p:spPr/>
-        <p:txBody>
-          <a:bodyPr/>
-          <a:lstStyle/>
-          <a:p>
-            <a:r>
-              <a:rPr lang="de-DE" dirty="0"/>
-              <a:t>Struktur des Programms</a:t>
-            </a:r>
-          </a:p>
-        </p:txBody>
-      </p:sp>
-      <p:sp>
-        <p:nvSpPr>
-          <p:cNvPr id="3" name="Inhaltsplatzhalter 2">
-            <a:extLst>
-              <a:ext uri="{FF2B5EF4-FFF2-40B4-BE49-F238E27FC236}">
-                <a16:creationId xmlns:a16="http://schemas.microsoft.com/office/drawing/2014/main" id="{9E89B515-D5F3-6A4B-B163-9E1734A9DE26}"/>
-              </a:ext>
-            </a:extLst>
-          </p:cNvPr>
-          <p:cNvSpPr>
-            <a:spLocks noGrp="1"/>
-          </p:cNvSpPr>
-          <p:nvPr>
-            <p:ph idx="1"/>
-          </p:nvPr>
-        </p:nvSpPr>
-        <p:spPr/>
-        <p:txBody>
-          <a:bodyPr>
-            <a:normAutofit lnSpcReduction="10000"/>
-          </a:bodyPr>
-          <a:lstStyle/>
-          <a:p>
-            <a:r>
-              <a:rPr lang="de-DE" sz="1800" dirty="0"/>
-              <a:t>Deklaration globaler Variablen</a:t>
-            </a:r>
-          </a:p>
-          <a:p>
-            <a:r>
-              <a:rPr lang="de-DE" sz="1800" dirty="0"/>
-              <a:t>Setup:</a:t>
-            </a:r>
-          </a:p>
-          <a:p>
-            <a:pPr>
-              <a:buFont typeface="Wingdings" pitchFamily="2" charset="2"/>
-              <a:buChar char="Ø"/>
-            </a:pPr>
-            <a:r>
-              <a:rPr lang="de-DE" sz="1800" dirty="0" err="1"/>
-              <a:t>Bildschirmgrösse</a:t>
-            </a:r>
-            <a:r>
-              <a:rPr lang="de-DE" sz="1800" dirty="0"/>
-              <a:t> und Grundfarbe</a:t>
-            </a:r>
-          </a:p>
-          <a:p>
-            <a:pPr>
-              <a:buFont typeface="Wingdings" pitchFamily="2" charset="2"/>
-              <a:buChar char="Ø"/>
-            </a:pPr>
-            <a:endParaRPr lang="de-DE" sz="1800" dirty="0"/>
-          </a:p>
-          <a:p>
-            <a:r>
-              <a:rPr lang="de-DE" sz="1800" dirty="0"/>
-              <a:t>Draw:</a:t>
-            </a:r>
-          </a:p>
-          <a:p>
-            <a:pPr>
-              <a:buFont typeface="Wingdings" pitchFamily="2" charset="2"/>
-              <a:buChar char="Ø"/>
-            </a:pPr>
-            <a:r>
-              <a:rPr lang="de-DE" sz="1800" dirty="0"/>
-              <a:t>Globale Variablen</a:t>
-            </a:r>
-          </a:p>
-          <a:p>
-            <a:pPr>
-              <a:buFont typeface="Wingdings" pitchFamily="2" charset="2"/>
-              <a:buChar char="Ø"/>
-            </a:pPr>
-            <a:r>
-              <a:rPr lang="de-DE" sz="1800" dirty="0"/>
-              <a:t>Hintergrundbilder Weltraum und Sonne</a:t>
-            </a:r>
-          </a:p>
-          <a:p>
-            <a:pPr>
-              <a:buFont typeface="Wingdings" pitchFamily="2" charset="2"/>
-              <a:buChar char="Ø"/>
-            </a:pPr>
-            <a:r>
-              <a:rPr lang="de-DE" sz="1800" dirty="0"/>
-              <a:t>Titel, Umlaufbahn, Start-Stopp-Button und Schieberegler</a:t>
-            </a:r>
-          </a:p>
-          <a:p>
-            <a:pPr>
-              <a:buFont typeface="Wingdings" pitchFamily="2" charset="2"/>
-              <a:buChar char="Ø"/>
-            </a:pPr>
-            <a:r>
-              <a:rPr lang="de-DE" sz="1800" dirty="0"/>
-              <a:t>Einfügen und Bewegung der Erde um die Sonne</a:t>
-            </a:r>
-          </a:p>
-          <a:p>
-            <a:pPr>
-              <a:buFont typeface="Wingdings" pitchFamily="2" charset="2"/>
-              <a:buChar char="Ø"/>
-            </a:pPr>
-            <a:r>
-              <a:rPr lang="de-DE" sz="1800" dirty="0"/>
-              <a:t>….</a:t>
-            </a:r>
-          </a:p>
-          <a:p>
-            <a:pPr>
-              <a:buFont typeface="Wingdings" pitchFamily="2" charset="2"/>
-              <a:buChar char="Ø"/>
-            </a:pPr>
-            <a:r>
-              <a:rPr lang="de-DE" sz="1800" dirty="0"/>
-              <a:t>Interaktion Start-Stopp-Button</a:t>
-            </a:r>
-          </a:p>
-          <a:p>
-            <a:pPr>
-              <a:buFont typeface="Wingdings" pitchFamily="2" charset="2"/>
-              <a:buChar char="Ø"/>
-            </a:pPr>
-            <a:r>
-              <a:rPr lang="de-DE" sz="1800" dirty="0"/>
-              <a:t>Definitionen: </a:t>
-            </a:r>
-          </a:p>
-          <a:p>
-            <a:pPr>
-              <a:buFont typeface="Wingdings" pitchFamily="2" charset="2"/>
-              <a:buChar char="Ø"/>
-            </a:pPr>
-            <a:endParaRPr lang="de-DE" sz="1800" dirty="0"/>
-          </a:p>
-          <a:p>
-            <a:pPr>
-              <a:buFont typeface="Wingdings" pitchFamily="2" charset="2"/>
-              <a:buChar char="Ø"/>
-            </a:pPr>
-            <a:endParaRPr lang="de-DE" sz="1800" dirty="0"/>
-          </a:p>
-          <a:p>
-            <a:endParaRPr lang="de-DE" sz="1800" dirty="0"/>
-          </a:p>
-        </p:txBody>
-      </p:sp>
-    </p:spTree>
-    <p:extLst>
-      <p:ext uri="{BB962C8B-B14F-4D97-AF65-F5344CB8AC3E}">
-        <p14:creationId xmlns:p14="http://schemas.microsoft.com/office/powerpoint/2010/main" val="2850097573"/>
-      </p:ext>
-    </p:extLst>
-  </p:cSld>
-  <p:clrMapOvr>
-    <a:masterClrMapping/>
-  </p:clrMapOvr>
-</p:sld>
-</file>
-
-<file path=ppt/slides/slide6.xml><?xml version="1.0" encoding="utf-8"?>
-<p:sld xmlns:a="http://schemas.openxmlformats.org/drawingml/2006/main" xmlns:r="http://schemas.openxmlformats.org/officeDocument/2006/relationships" xmlns:p="http://schemas.openxmlformats.org/presentationml/2006/main">
-  <p:cSld>
-    <p:spTree>
-      <p:nvGrpSpPr>
-        <p:cNvPr id="1" name=""/>
-        <p:cNvGrpSpPr/>
-        <p:nvPr/>
-      </p:nvGrpSpPr>
-      <p:grpSpPr>
-        <a:xfrm>
-          <a:off x="0" y="0"/>
-          <a:ext cx="0" cy="0"/>
-          <a:chOff x="0" y="0"/>
-          <a:chExt cx="0" cy="0"/>
-        </a:xfrm>
-      </p:grpSpPr>
-      <p:sp>
-        <p:nvSpPr>
-          <p:cNvPr id="2" name="Titel 1">
-            <a:extLst>
-              <a:ext uri="{FF2B5EF4-FFF2-40B4-BE49-F238E27FC236}">
                 <a16:creationId xmlns:a16="http://schemas.microsoft.com/office/drawing/2014/main" id="{329661AE-AE3A-ED41-8526-830974868C9C}"/>
               </a:ext>
             </a:extLst>
@@ -5244,14 +4460,14 @@
           <p:nvPr>
             <p:extLst>
               <p:ext uri="{D42A27DB-BD31-4B8C-83A1-F6EECF244321}">
-                <p14:modId xmlns:p14="http://schemas.microsoft.com/office/powerpoint/2010/main" val="4037293786"/>
+                <p14:modId xmlns:p14="http://schemas.microsoft.com/office/powerpoint/2010/main" val="917577780"/>
               </p:ext>
             </p:extLst>
           </p:nvPr>
         </p:nvGraphicFramePr>
         <p:xfrm>
           <a:off x="949960" y="1685924"/>
-          <a:ext cx="10403840" cy="2322196"/>
+          <a:ext cx="10403840" cy="4943476"/>
         </p:xfrm>
         <a:graphic>
           <a:graphicData uri="http://schemas.openxmlformats.org/drawingml/2006/table">
@@ -5432,10 +4648,9 @@
                     <a:lstStyle/>
                     <a:p>
                       <a:r>
-                        <a:rPr lang="de-DE" sz="2000"/>
+                        <a:rPr lang="de-DE" sz="2000" dirty="0"/>
                         <a:t>Draw</a:t>
                       </a:r>
-                      <a:endParaRPr lang="de-DE" sz="2000" dirty="0"/>
                     </a:p>
                   </a:txBody>
                   <a:tcPr>
@@ -5593,7 +4808,7 @@
                       </a:pPr>
                       <a:r>
                         <a:rPr lang="de-DE" sz="2000" dirty="0"/>
-                        <a:t>Verwendung von Parametern</a:t>
+                        <a:t>Globale Variablen</a:t>
                       </a:r>
                     </a:p>
                     <a:p>
@@ -5601,14 +4816,125 @@
                         <a:buFont typeface="Arial" panose="020B0604020202020204" pitchFamily="34" charset="0"/>
                         <a:buChar char="•"/>
                       </a:pPr>
-                      <a:endParaRPr lang="de-DE" sz="2000" dirty="0"/>
-                    </a:p>
-                    <a:p>
-                      <a:pPr marL="342900" indent="-342900">
+                      <a:r>
+                        <a:rPr lang="de-DE" sz="2000" dirty="0"/>
+                        <a:t>Hintergrundbilder Weltraum und Sonne</a:t>
+                      </a:r>
+                    </a:p>
+                    <a:p>
+                      <a:pPr marL="342900" marR="0" lvl="0" indent="-342900" algn="l" defTabSz="914400" rtl="0" eaLnBrk="1" fontAlgn="auto" latinLnBrk="0" hangingPunct="1">
+                        <a:lnSpc>
+                          <a:spcPct val="100000"/>
+                        </a:lnSpc>
+                        <a:spcBef>
+                          <a:spcPts val="0"/>
+                        </a:spcBef>
+                        <a:spcAft>
+                          <a:spcPts val="0"/>
+                        </a:spcAft>
+                        <a:buClrTx/>
+                        <a:buSzTx/>
                         <a:buFont typeface="Arial" panose="020B0604020202020204" pitchFamily="34" charset="0"/>
                         <a:buChar char="•"/>
+                        <a:tabLst/>
+                        <a:defRPr/>
                       </a:pPr>
-                      <a:endParaRPr lang="de-DE" sz="2000" dirty="0"/>
+                      <a:r>
+                        <a:rPr lang="de-DE" sz="2000" dirty="0"/>
+                        <a:t>Titel, Umlaufbahn, Start-Stopp-Button und Schieberegler</a:t>
+                      </a:r>
+                    </a:p>
+                    <a:p>
+                      <a:pPr marL="342900" marR="0" lvl="0" indent="-342900" algn="l" defTabSz="914400" rtl="0" eaLnBrk="1" fontAlgn="auto" latinLnBrk="0" hangingPunct="1">
+                        <a:lnSpc>
+                          <a:spcPct val="100000"/>
+                        </a:lnSpc>
+                        <a:spcBef>
+                          <a:spcPts val="0"/>
+                        </a:spcBef>
+                        <a:spcAft>
+                          <a:spcPts val="0"/>
+                        </a:spcAft>
+                        <a:buClrTx/>
+                        <a:buSzTx/>
+                        <a:buFont typeface="Arial" panose="020B0604020202020204" pitchFamily="34" charset="0"/>
+                        <a:buChar char="•"/>
+                        <a:tabLst/>
+                        <a:defRPr/>
+                      </a:pPr>
+                      <a:r>
+                        <a:rPr lang="de-DE" sz="2000" dirty="0"/>
+                        <a:t>Einfügen und Bewegung der Erde um die Sonne</a:t>
+                      </a:r>
+                    </a:p>
+                    <a:p>
+                      <a:pPr marL="342900" marR="0" lvl="0" indent="-342900" algn="l" defTabSz="914400" rtl="0" eaLnBrk="1" fontAlgn="auto" latinLnBrk="0" hangingPunct="1">
+                        <a:lnSpc>
+                          <a:spcPct val="100000"/>
+                        </a:lnSpc>
+                        <a:spcBef>
+                          <a:spcPts val="0"/>
+                        </a:spcBef>
+                        <a:spcAft>
+                          <a:spcPts val="0"/>
+                        </a:spcAft>
+                        <a:buClrTx/>
+                        <a:buSzTx/>
+                        <a:buFont typeface="Arial" panose="020B0604020202020204" pitchFamily="34" charset="0"/>
+                        <a:buChar char="•"/>
+                        <a:tabLst/>
+                        <a:defRPr/>
+                      </a:pPr>
+                      <a:r>
+                        <a:rPr lang="de-DE" sz="2000" dirty="0"/>
+                        <a:t>Änderung des Erdwinkels für Umlaufbewegung</a:t>
+                      </a:r>
+                    </a:p>
+                    <a:p>
+                      <a:pPr marL="342900" marR="0" lvl="0" indent="-342900" algn="l" defTabSz="914400" rtl="0" eaLnBrk="1" fontAlgn="auto" latinLnBrk="0" hangingPunct="1">
+                        <a:lnSpc>
+                          <a:spcPct val="100000"/>
+                        </a:lnSpc>
+                        <a:spcBef>
+                          <a:spcPts val="0"/>
+                        </a:spcBef>
+                        <a:spcAft>
+                          <a:spcPts val="0"/>
+                        </a:spcAft>
+                        <a:buClrTx/>
+                        <a:buSzTx/>
+                        <a:buFont typeface="Arial" panose="020B0604020202020204" pitchFamily="34" charset="0"/>
+                        <a:buChar char="•"/>
+                        <a:tabLst/>
+                        <a:defRPr/>
+                      </a:pPr>
+                      <a:r>
+                        <a:rPr lang="de-DE" sz="2000" dirty="0"/>
+                        <a:t>Interaktion Start-Stopp-Button</a:t>
+                      </a:r>
+                    </a:p>
+                    <a:p>
+                      <a:pPr marL="342900" marR="0" lvl="0" indent="-342900" algn="l" defTabSz="914400" rtl="0" eaLnBrk="1" fontAlgn="auto" latinLnBrk="0" hangingPunct="1">
+                        <a:lnSpc>
+                          <a:spcPct val="100000"/>
+                        </a:lnSpc>
+                        <a:spcBef>
+                          <a:spcPts val="0"/>
+                        </a:spcBef>
+                        <a:spcAft>
+                          <a:spcPts val="0"/>
+                        </a:spcAft>
+                        <a:buClrTx/>
+                        <a:buSzTx/>
+                        <a:buFont typeface="Arial" panose="020B0604020202020204" pitchFamily="34" charset="0"/>
+                        <a:buChar char="•"/>
+                        <a:tabLst/>
+                        <a:defRPr/>
+                      </a:pPr>
+                      <a:r>
+                        <a:rPr lang="de-DE" sz="2000" dirty="0"/>
+                        <a:t>Definitionen: Überschriften, Erdumlaufbahn, Start-Stopp-Button, Text Jahreszeiten, Einblenden der Jahreszeiten nach Grad des Erdwinkel, Schieberegler</a:t>
+                      </a:r>
                     </a:p>
                   </a:txBody>
                   <a:tcPr>
@@ -5669,6 +4995,89 @@
 </p:sld>
 </file>
 
+<file path=ppt/slides/slide6.xml><?xml version="1.0" encoding="utf-8"?>
+<p:sld xmlns:a="http://schemas.openxmlformats.org/drawingml/2006/main" xmlns:r="http://schemas.openxmlformats.org/officeDocument/2006/relationships" xmlns:p="http://schemas.openxmlformats.org/presentationml/2006/main">
+  <p:cSld>
+    <p:spTree>
+      <p:nvGrpSpPr>
+        <p:cNvPr id="1" name=""/>
+        <p:cNvGrpSpPr/>
+        <p:nvPr/>
+      </p:nvGrpSpPr>
+      <p:grpSpPr>
+        <a:xfrm>
+          <a:off x="0" y="0"/>
+          <a:ext cx="0" cy="0"/>
+          <a:chOff x="0" y="0"/>
+          <a:chExt cx="0" cy="0"/>
+        </a:xfrm>
+      </p:grpSpPr>
+      <p:sp>
+        <p:nvSpPr>
+          <p:cNvPr id="2" name="Titel 1">
+            <a:extLst>
+              <a:ext uri="{FF2B5EF4-FFF2-40B4-BE49-F238E27FC236}">
+                <a16:creationId xmlns:a16="http://schemas.microsoft.com/office/drawing/2014/main" id="{07ECA07E-62EB-B144-B024-B64E66049EC4}"/>
+              </a:ext>
+            </a:extLst>
+          </p:cNvPr>
+          <p:cNvSpPr>
+            <a:spLocks noGrp="1"/>
+          </p:cNvSpPr>
+          <p:nvPr>
+            <p:ph type="title"/>
+          </p:nvPr>
+        </p:nvSpPr>
+        <p:spPr/>
+        <p:txBody>
+          <a:bodyPr/>
+          <a:lstStyle/>
+          <a:p>
+            <a:r>
+              <a:rPr lang="de-DE" dirty="0"/>
+              <a:t>Prozessbezogene Perspektive</a:t>
+            </a:r>
+          </a:p>
+        </p:txBody>
+      </p:sp>
+      <p:sp>
+        <p:nvSpPr>
+          <p:cNvPr id="3" name="Inhaltsplatzhalter 2">
+            <a:extLst>
+              <a:ext uri="{FF2B5EF4-FFF2-40B4-BE49-F238E27FC236}">
+                <a16:creationId xmlns:a16="http://schemas.microsoft.com/office/drawing/2014/main" id="{ADDD01E1-F0A4-454D-A7CE-90290F264EAA}"/>
+              </a:ext>
+            </a:extLst>
+          </p:cNvPr>
+          <p:cNvSpPr>
+            <a:spLocks noGrp="1"/>
+          </p:cNvSpPr>
+          <p:nvPr>
+            <p:ph idx="1"/>
+          </p:nvPr>
+        </p:nvSpPr>
+        <p:spPr/>
+        <p:txBody>
+          <a:bodyPr/>
+          <a:lstStyle/>
+          <a:p>
+            <a:endParaRPr lang="de-DE"/>
+          </a:p>
+        </p:txBody>
+      </p:sp>
+    </p:spTree>
+    <p:extLst>
+      <p:ext uri="{BB962C8B-B14F-4D97-AF65-F5344CB8AC3E}">
+        <p14:creationId xmlns:p14="http://schemas.microsoft.com/office/powerpoint/2010/main" val="1380823161"/>
+      </p:ext>
+    </p:extLst>
+  </p:cSld>
+  <p:clrMapOvr>
+    <a:masterClrMapping/>
+  </p:clrMapOvr>
+</p:sld>
+</file>
+
 <file path=ppt/slides/slide7.xml><?xml version="1.0" encoding="utf-8"?>
 <p:sld xmlns:a="http://schemas.openxmlformats.org/drawingml/2006/main" xmlns:r="http://schemas.openxmlformats.org/officeDocument/2006/relationships" xmlns:p="http://schemas.openxmlformats.org/presentationml/2006/main">
   <p:cSld>
@@ -5691,89 +5100,6 @@
           <p:cNvPr id="2" name="Titel 1">
             <a:extLst>
               <a:ext uri="{FF2B5EF4-FFF2-40B4-BE49-F238E27FC236}">
-                <a16:creationId xmlns:a16="http://schemas.microsoft.com/office/drawing/2014/main" id="{07ECA07E-62EB-B144-B024-B64E66049EC4}"/>
-              </a:ext>
-            </a:extLst>
-          </p:cNvPr>
-          <p:cNvSpPr>
-            <a:spLocks noGrp="1"/>
-          </p:cNvSpPr>
-          <p:nvPr>
-            <p:ph type="title"/>
-          </p:nvPr>
-        </p:nvSpPr>
-        <p:spPr/>
-        <p:txBody>
-          <a:bodyPr/>
-          <a:lstStyle/>
-          <a:p>
-            <a:r>
-              <a:rPr lang="de-DE" dirty="0"/>
-              <a:t>Prozessbezogene Perspektive</a:t>
-            </a:r>
-          </a:p>
-        </p:txBody>
-      </p:sp>
-      <p:sp>
-        <p:nvSpPr>
-          <p:cNvPr id="3" name="Inhaltsplatzhalter 2">
-            <a:extLst>
-              <a:ext uri="{FF2B5EF4-FFF2-40B4-BE49-F238E27FC236}">
-                <a16:creationId xmlns:a16="http://schemas.microsoft.com/office/drawing/2014/main" id="{ADDD01E1-F0A4-454D-A7CE-90290F264EAA}"/>
-              </a:ext>
-            </a:extLst>
-          </p:cNvPr>
-          <p:cNvSpPr>
-            <a:spLocks noGrp="1"/>
-          </p:cNvSpPr>
-          <p:nvPr>
-            <p:ph idx="1"/>
-          </p:nvPr>
-        </p:nvSpPr>
-        <p:spPr/>
-        <p:txBody>
-          <a:bodyPr/>
-          <a:lstStyle/>
-          <a:p>
-            <a:endParaRPr lang="de-DE"/>
-          </a:p>
-        </p:txBody>
-      </p:sp>
-    </p:spTree>
-    <p:extLst>
-      <p:ext uri="{BB962C8B-B14F-4D97-AF65-F5344CB8AC3E}">
-        <p14:creationId xmlns:p14="http://schemas.microsoft.com/office/powerpoint/2010/main" val="1380823161"/>
-      </p:ext>
-    </p:extLst>
-  </p:cSld>
-  <p:clrMapOvr>
-    <a:masterClrMapping/>
-  </p:clrMapOvr>
-</p:sld>
-</file>
-
-<file path=ppt/slides/slide8.xml><?xml version="1.0" encoding="utf-8"?>
-<p:sld xmlns:a="http://schemas.openxmlformats.org/drawingml/2006/main" xmlns:r="http://schemas.openxmlformats.org/officeDocument/2006/relationships" xmlns:p="http://schemas.openxmlformats.org/presentationml/2006/main">
-  <p:cSld>
-    <p:spTree>
-      <p:nvGrpSpPr>
-        <p:cNvPr id="1" name=""/>
-        <p:cNvGrpSpPr/>
-        <p:nvPr/>
-      </p:nvGrpSpPr>
-      <p:grpSpPr>
-        <a:xfrm>
-          <a:off x="0" y="0"/>
-          <a:ext cx="0" cy="0"/>
-          <a:chOff x="0" y="0"/>
-          <a:chExt cx="0" cy="0"/>
-        </a:xfrm>
-      </p:grpSpPr>
-      <p:sp>
-        <p:nvSpPr>
-          <p:cNvPr id="2" name="Titel 1">
-            <a:extLst>
-              <a:ext uri="{FF2B5EF4-FFF2-40B4-BE49-F238E27FC236}">
                 <a16:creationId xmlns:a16="http://schemas.microsoft.com/office/drawing/2014/main" id="{329661AE-AE3A-ED41-8526-830974868C9C}"/>
               </a:ext>
             </a:extLst>
@@ -5968,7 +5294,7 @@
 </p:sld>
 </file>
 
-<file path=ppt/slides/slide9.xml><?xml version="1.0" encoding="utf-8"?>
+<file path=ppt/slides/slide8.xml><?xml version="1.0" encoding="utf-8"?>
 <p:sld xmlns:a="http://schemas.openxmlformats.org/drawingml/2006/main" xmlns:r="http://schemas.openxmlformats.org/officeDocument/2006/relationships" xmlns:p="http://schemas.openxmlformats.org/presentationml/2006/main">
   <p:cSld>
     <p:spTree>
@@ -6445,6 +5771,581 @@
     <p:extLst>
       <p:ext uri="{BB962C8B-B14F-4D97-AF65-F5344CB8AC3E}">
         <p14:creationId xmlns:p14="http://schemas.microsoft.com/office/powerpoint/2010/main" val="2048878458"/>
+      </p:ext>
+    </p:extLst>
+  </p:cSld>
+  <p:clrMapOvr>
+    <a:masterClrMapping/>
+  </p:clrMapOvr>
+</p:sld>
+</file>
+
+<file path=ppt/slides/slide9.xml><?xml version="1.0" encoding="utf-8"?>
+<p:sld xmlns:a="http://schemas.openxmlformats.org/drawingml/2006/main" xmlns:r="http://schemas.openxmlformats.org/officeDocument/2006/relationships" xmlns:p="http://schemas.openxmlformats.org/presentationml/2006/main">
+  <p:cSld>
+    <p:spTree>
+      <p:nvGrpSpPr>
+        <p:cNvPr id="1" name=""/>
+        <p:cNvGrpSpPr/>
+        <p:nvPr/>
+      </p:nvGrpSpPr>
+      <p:grpSpPr>
+        <a:xfrm>
+          <a:off x="0" y="0"/>
+          <a:ext cx="0" cy="0"/>
+          <a:chOff x="0" y="0"/>
+          <a:chExt cx="0" cy="0"/>
+        </a:xfrm>
+      </p:grpSpPr>
+      <p:sp>
+        <p:nvSpPr>
+          <p:cNvPr id="2" name="Titel 1">
+            <a:extLst>
+              <a:ext uri="{FF2B5EF4-FFF2-40B4-BE49-F238E27FC236}">
+                <a16:creationId xmlns:a16="http://schemas.microsoft.com/office/drawing/2014/main" id="{329661AE-AE3A-ED41-8526-830974868C9C}"/>
+              </a:ext>
+            </a:extLst>
+          </p:cNvPr>
+          <p:cNvSpPr>
+            <a:spLocks noGrp="1"/>
+          </p:cNvSpPr>
+          <p:nvPr>
+            <p:ph type="title"/>
+          </p:nvPr>
+        </p:nvSpPr>
+        <p:spPr/>
+        <p:txBody>
+          <a:bodyPr/>
+          <a:lstStyle/>
+          <a:p>
+            <a:r>
+              <a:rPr lang="de-DE" dirty="0"/>
+              <a:t>Entwicklungen bis Checkpoint II</a:t>
+            </a:r>
+          </a:p>
+        </p:txBody>
+      </p:sp>
+      <p:graphicFrame>
+        <p:nvGraphicFramePr>
+          <p:cNvPr id="4" name="Tabelle 4">
+            <a:extLst>
+              <a:ext uri="{FF2B5EF4-FFF2-40B4-BE49-F238E27FC236}">
+                <a16:creationId xmlns:a16="http://schemas.microsoft.com/office/drawing/2014/main" id="{A22D4C1B-333B-5A40-AC92-658022E1C285}"/>
+              </a:ext>
+            </a:extLst>
+          </p:cNvPr>
+          <p:cNvGraphicFramePr>
+            <a:graphicFrameLocks noGrp="1"/>
+          </p:cNvGraphicFramePr>
+          <p:nvPr>
+            <p:extLst>
+              <p:ext uri="{D42A27DB-BD31-4B8C-83A1-F6EECF244321}">
+                <p14:modId xmlns:p14="http://schemas.microsoft.com/office/powerpoint/2010/main" val="2454393007"/>
+              </p:ext>
+            </p:extLst>
+          </p:nvPr>
+        </p:nvGraphicFramePr>
+        <p:xfrm>
+          <a:off x="949960" y="1685924"/>
+          <a:ext cx="10403840" cy="3828098"/>
+        </p:xfrm>
+        <a:graphic>
+          <a:graphicData uri="http://schemas.openxmlformats.org/drawingml/2006/table">
+            <a:tbl>
+              <a:tblPr firstRow="1" bandRow="1">
+                <a:tableStyleId>{5940675A-B579-460E-94D1-54222C63F5DA}</a:tableStyleId>
+              </a:tblPr>
+              <a:tblGrid>
+                <a:gridCol w="5201920">
+                  <a:extLst>
+                    <a:ext uri="{9D8B030D-6E8A-4147-A177-3AD203B41FA5}">
+                      <a16:colId xmlns:a16="http://schemas.microsoft.com/office/drawing/2014/main" val="1087203503"/>
+                    </a:ext>
+                  </a:extLst>
+                </a:gridCol>
+                <a:gridCol w="5201920">
+                  <a:extLst>
+                    <a:ext uri="{9D8B030D-6E8A-4147-A177-3AD203B41FA5}">
+                      <a16:colId xmlns:a16="http://schemas.microsoft.com/office/drawing/2014/main" val="2791348744"/>
+                    </a:ext>
+                  </a:extLst>
+                </a:gridCol>
+              </a:tblGrid>
+              <a:tr h="444818">
+                <a:tc>
+                  <a:txBody>
+                    <a:bodyPr/>
+                    <a:lstStyle/>
+                    <a:p>
+                      <a:r>
+                        <a:rPr lang="de-DE" sz="2000" dirty="0"/>
+                        <a:t>Layout</a:t>
+                      </a:r>
+                    </a:p>
+                  </a:txBody>
+                  <a:tcPr>
+                    <a:lnL w="12700" cap="flat" cmpd="sng" algn="ctr">
+                      <a:noFill/>
+                      <a:prstDash val="solid"/>
+                      <a:round/>
+                      <a:headEnd type="none" w="med" len="med"/>
+                      <a:tailEnd type="none" w="med" len="med"/>
+                    </a:lnL>
+                    <a:lnR w="12700" cap="flat" cmpd="sng" algn="ctr">
+                      <a:solidFill>
+                        <a:schemeClr val="tx1"/>
+                      </a:solidFill>
+                      <a:prstDash val="solid"/>
+                      <a:round/>
+                      <a:headEnd type="none" w="med" len="med"/>
+                      <a:tailEnd type="none" w="med" len="med"/>
+                    </a:lnR>
+                    <a:lnT w="12700" cap="flat" cmpd="sng" algn="ctr">
+                      <a:noFill/>
+                      <a:prstDash val="solid"/>
+                      <a:round/>
+                      <a:headEnd type="none" w="med" len="med"/>
+                      <a:tailEnd type="none" w="med" len="med"/>
+                    </a:lnT>
+                    <a:lnB w="12700" cap="flat" cmpd="sng" algn="ctr">
+                      <a:solidFill>
+                        <a:schemeClr val="tx1"/>
+                      </a:solidFill>
+                      <a:prstDash val="solid"/>
+                      <a:round/>
+                      <a:headEnd type="none" w="med" len="med"/>
+                      <a:tailEnd type="none" w="med" len="med"/>
+                    </a:lnB>
+                    <a:lnTlToBr w="12700" cmpd="sng">
+                      <a:noFill/>
+                      <a:prstDash val="solid"/>
+                    </a:lnTlToBr>
+                    <a:lnBlToTr w="12700" cmpd="sng">
+                      <a:noFill/>
+                      <a:prstDash val="solid"/>
+                    </a:lnBlToTr>
+                  </a:tcPr>
+                </a:tc>
+                <a:tc>
+                  <a:txBody>
+                    <a:bodyPr/>
+                    <a:lstStyle/>
+                    <a:p>
+                      <a:r>
+                        <a:rPr lang="de-DE" sz="2000" dirty="0"/>
+                        <a:t>Code</a:t>
+                      </a:r>
+                    </a:p>
+                  </a:txBody>
+                  <a:tcPr>
+                    <a:lnL w="12700" cap="flat" cmpd="sng" algn="ctr">
+                      <a:solidFill>
+                        <a:schemeClr val="tx1"/>
+                      </a:solidFill>
+                      <a:prstDash val="solid"/>
+                      <a:round/>
+                      <a:headEnd type="none" w="med" len="med"/>
+                      <a:tailEnd type="none" w="med" len="med"/>
+                    </a:lnL>
+                    <a:lnR w="12700" cap="flat" cmpd="sng" algn="ctr">
+                      <a:noFill/>
+                      <a:prstDash val="solid"/>
+                      <a:round/>
+                      <a:headEnd type="none" w="med" len="med"/>
+                      <a:tailEnd type="none" w="med" len="med"/>
+                    </a:lnR>
+                    <a:lnT w="12700" cap="flat" cmpd="sng" algn="ctr">
+                      <a:noFill/>
+                      <a:prstDash val="solid"/>
+                      <a:round/>
+                      <a:headEnd type="none" w="med" len="med"/>
+                      <a:tailEnd type="none" w="med" len="med"/>
+                    </a:lnT>
+                    <a:lnB w="12700" cap="flat" cmpd="sng" algn="ctr">
+                      <a:solidFill>
+                        <a:schemeClr val="tx1"/>
+                      </a:solidFill>
+                      <a:prstDash val="solid"/>
+                      <a:round/>
+                      <a:headEnd type="none" w="med" len="med"/>
+                      <a:tailEnd type="none" w="med" len="med"/>
+                    </a:lnB>
+                    <a:lnTlToBr w="12700" cmpd="sng">
+                      <a:noFill/>
+                      <a:prstDash val="solid"/>
+                    </a:lnTlToBr>
+                    <a:lnBlToTr w="12700" cmpd="sng">
+                      <a:noFill/>
+                      <a:prstDash val="solid"/>
+                    </a:lnBlToTr>
+                  </a:tcPr>
+                </a:tc>
+                <a:extLst>
+                  <a:ext uri="{0D108BD9-81ED-4DB2-BD59-A6C34878D82A}">
+                    <a16:rowId xmlns:a16="http://schemas.microsoft.com/office/drawing/2014/main" val="3316209001"/>
+                  </a:ext>
+                </a:extLst>
+              </a:tr>
+              <a:tr h="444818">
+                <a:tc>
+                  <a:txBody>
+                    <a:bodyPr/>
+                    <a:lstStyle/>
+                    <a:p>
+                      <a:pPr marL="342900" indent="-342900">
+                        <a:buFont typeface="Arial" panose="020B0604020202020204" pitchFamily="34" charset="0"/>
+                        <a:buChar char="•"/>
+                      </a:pPr>
+                      <a:r>
+                        <a:rPr lang="de-CH" sz="2000" b="0" dirty="0">
+                          <a:latin typeface="Helvetica Neue" panose="02000503000000020004" pitchFamily="2" charset="0"/>
+                          <a:ea typeface="Helvetica Neue" panose="02000503000000020004" pitchFamily="2" charset="0"/>
+                          <a:cs typeface="Helvetica Neue" panose="02000503000000020004" pitchFamily="2" charset="0"/>
+                        </a:rPr>
+                        <a:t>Bahn der Erde</a:t>
+                      </a:r>
+                    </a:p>
+                    <a:p>
+                      <a:pPr marL="361950" marR="0" lvl="0" indent="0" algn="l" defTabSz="914400" rtl="0" eaLnBrk="1" fontAlgn="auto" latinLnBrk="0" hangingPunct="1">
+                        <a:lnSpc>
+                          <a:spcPct val="100000"/>
+                        </a:lnSpc>
+                        <a:spcBef>
+                          <a:spcPts val="0"/>
+                        </a:spcBef>
+                        <a:spcAft>
+                          <a:spcPts val="0"/>
+                        </a:spcAft>
+                        <a:buClrTx/>
+                        <a:buSzTx/>
+                        <a:buFont typeface="Arial" panose="020B0604020202020204" pitchFamily="34" charset="0"/>
+                        <a:buNone/>
+                        <a:tabLst/>
+                        <a:defRPr/>
+                      </a:pPr>
+                      <a:r>
+                        <a:rPr lang="de-CH" sz="1600" dirty="0">
+                          <a:latin typeface="Helvetica Neue" panose="02000503000000020004" pitchFamily="2" charset="0"/>
+                          <a:ea typeface="Helvetica Neue" panose="02000503000000020004" pitchFamily="2" charset="0"/>
+                          <a:cs typeface="Helvetica Neue" panose="02000503000000020004" pitchFamily="2" charset="0"/>
+                        </a:rPr>
+                        <a:t>Sollte nicht ersichtlich sein und wurde bei Checkpoint II korrigiert</a:t>
+                      </a:r>
+                      <a:endParaRPr lang="de-CH" sz="2000" b="0" dirty="0">
+                        <a:latin typeface="Helvetica Neue" panose="02000503000000020004" pitchFamily="2" charset="0"/>
+                        <a:ea typeface="Helvetica Neue" panose="02000503000000020004" pitchFamily="2" charset="0"/>
+                        <a:cs typeface="Helvetica Neue" panose="02000503000000020004" pitchFamily="2" charset="0"/>
+                      </a:endParaRPr>
+                    </a:p>
+                    <a:p>
+                      <a:pPr marL="361950" marR="0" lvl="0" indent="0" algn="l" defTabSz="914400" rtl="0" eaLnBrk="1" fontAlgn="auto" latinLnBrk="0" hangingPunct="1">
+                        <a:lnSpc>
+                          <a:spcPct val="100000"/>
+                        </a:lnSpc>
+                        <a:spcBef>
+                          <a:spcPts val="0"/>
+                        </a:spcBef>
+                        <a:spcAft>
+                          <a:spcPts val="0"/>
+                        </a:spcAft>
+                        <a:buClrTx/>
+                        <a:buSzTx/>
+                        <a:buFont typeface="Arial" panose="020B0604020202020204" pitchFamily="34" charset="0"/>
+                        <a:buNone/>
+                        <a:tabLst/>
+                        <a:defRPr/>
+                      </a:pPr>
+                      <a:r>
+                        <a:rPr lang="de-CH" sz="1600" dirty="0">
+                          <a:latin typeface="Helvetica Neue" panose="02000503000000020004" pitchFamily="2" charset="0"/>
+                          <a:ea typeface="Helvetica Neue" panose="02000503000000020004" pitchFamily="2" charset="0"/>
+                          <a:cs typeface="Helvetica Neue" panose="02000503000000020004" pitchFamily="2" charset="0"/>
+                        </a:rPr>
+                        <a:t> </a:t>
+                      </a:r>
+                    </a:p>
+                  </a:txBody>
+                  <a:tcPr>
+                    <a:lnL w="12700" cap="flat" cmpd="sng" algn="ctr">
+                      <a:noFill/>
+                      <a:prstDash val="solid"/>
+                      <a:round/>
+                      <a:headEnd type="none" w="med" len="med"/>
+                      <a:tailEnd type="none" w="med" len="med"/>
+                    </a:lnL>
+                    <a:lnR w="12700" cap="flat" cmpd="sng" algn="ctr">
+                      <a:solidFill>
+                        <a:schemeClr val="tx1"/>
+                      </a:solidFill>
+                      <a:prstDash val="solid"/>
+                      <a:round/>
+                      <a:headEnd type="none" w="med" len="med"/>
+                      <a:tailEnd type="none" w="med" len="med"/>
+                    </a:lnR>
+                    <a:lnT w="12700" cap="flat" cmpd="sng" algn="ctr">
+                      <a:solidFill>
+                        <a:schemeClr val="tx1"/>
+                      </a:solidFill>
+                      <a:prstDash val="solid"/>
+                      <a:round/>
+                      <a:headEnd type="none" w="med" len="med"/>
+                      <a:tailEnd type="none" w="med" len="med"/>
+                    </a:lnT>
+                    <a:lnB w="12700" cap="flat" cmpd="sng" algn="ctr">
+                      <a:noFill/>
+                      <a:prstDash val="solid"/>
+                      <a:round/>
+                      <a:headEnd type="none" w="med" len="med"/>
+                      <a:tailEnd type="none" w="med" len="med"/>
+                    </a:lnB>
+                    <a:lnTlToBr w="12700" cmpd="sng">
+                      <a:noFill/>
+                      <a:prstDash val="solid"/>
+                    </a:lnTlToBr>
+                    <a:lnBlToTr w="12700" cmpd="sng">
+                      <a:noFill/>
+                      <a:prstDash val="solid"/>
+                    </a:lnBlToTr>
+                  </a:tcPr>
+                </a:tc>
+                <a:tc>
+                  <a:txBody>
+                    <a:bodyPr/>
+                    <a:lstStyle/>
+                    <a:p>
+                      <a:pPr marL="342900" marR="0" lvl="0" indent="-342900" algn="l" defTabSz="914400" rtl="0" eaLnBrk="1" fontAlgn="auto" latinLnBrk="0" hangingPunct="1">
+                        <a:lnSpc>
+                          <a:spcPct val="100000"/>
+                        </a:lnSpc>
+                        <a:spcBef>
+                          <a:spcPts val="0"/>
+                        </a:spcBef>
+                        <a:spcAft>
+                          <a:spcPts val="0"/>
+                        </a:spcAft>
+                        <a:buClrTx/>
+                        <a:buSzTx/>
+                        <a:buFont typeface="Arial" panose="020B0604020202020204" pitchFamily="34" charset="0"/>
+                        <a:buChar char="•"/>
+                        <a:tabLst/>
+                        <a:defRPr/>
+                      </a:pPr>
+                      <a:r>
+                        <a:rPr lang="de-DE" sz="2000" dirty="0"/>
+                        <a:t>Änderung der Interaktivität</a:t>
+                      </a:r>
+                    </a:p>
+                    <a:p>
+                      <a:pPr marL="317500" marR="0" lvl="0" indent="0" algn="l" defTabSz="914400" rtl="0" eaLnBrk="1" fontAlgn="auto" latinLnBrk="0" hangingPunct="1">
+                        <a:lnSpc>
+                          <a:spcPct val="100000"/>
+                        </a:lnSpc>
+                        <a:spcBef>
+                          <a:spcPts val="0"/>
+                        </a:spcBef>
+                        <a:spcAft>
+                          <a:spcPts val="0"/>
+                        </a:spcAft>
+                        <a:buClrTx/>
+                        <a:buSzTx/>
+                        <a:buFont typeface="Arial" panose="020B0604020202020204" pitchFamily="34" charset="0"/>
+                        <a:buNone/>
+                        <a:tabLst/>
+                        <a:defRPr/>
+                      </a:pPr>
+                      <a:r>
+                        <a:rPr lang="de-CH" sz="1600" dirty="0">
+                          <a:latin typeface="Helvetica Neue" panose="02000503000000020004" pitchFamily="2" charset="0"/>
+                          <a:ea typeface="Helvetica Neue" panose="02000503000000020004" pitchFamily="2" charset="0"/>
+                          <a:cs typeface="Helvetica Neue" panose="02000503000000020004" pitchFamily="2" charset="0"/>
+                        </a:rPr>
+                        <a:t>Erde wird nicht per Maus gesteuert, sondern dreht eigenständig auf der Umlaufbahn, Maus soll für weitere Steuerungen zur Verfügung stehen</a:t>
+                      </a:r>
+                    </a:p>
+                    <a:p>
+                      <a:pPr marL="342900" indent="-342900">
+                        <a:buFont typeface="Arial" panose="020B0604020202020204" pitchFamily="34" charset="0"/>
+                        <a:buChar char="•"/>
+                      </a:pPr>
+                      <a:endParaRPr lang="de-DE" sz="2000" dirty="0"/>
+                    </a:p>
+                    <a:p>
+                      <a:pPr marL="342900" marR="0" lvl="0" indent="-342900" algn="l" defTabSz="914400" rtl="0" eaLnBrk="1" fontAlgn="auto" latinLnBrk="0" hangingPunct="1">
+                        <a:lnSpc>
+                          <a:spcPct val="100000"/>
+                        </a:lnSpc>
+                        <a:spcBef>
+                          <a:spcPts val="0"/>
+                        </a:spcBef>
+                        <a:spcAft>
+                          <a:spcPts val="0"/>
+                        </a:spcAft>
+                        <a:buClrTx/>
+                        <a:buSzTx/>
+                        <a:buFont typeface="Arial" panose="020B0604020202020204" pitchFamily="34" charset="0"/>
+                        <a:buChar char="•"/>
+                        <a:tabLst/>
+                        <a:defRPr/>
+                      </a:pPr>
+                      <a:r>
+                        <a:rPr lang="de-CH" sz="2000" b="0" dirty="0">
+                          <a:latin typeface="Helvetica Neue" panose="02000503000000020004" pitchFamily="2" charset="0"/>
+                          <a:ea typeface="Helvetica Neue" panose="02000503000000020004" pitchFamily="2" charset="0"/>
+                          <a:cs typeface="Helvetica Neue" panose="02000503000000020004" pitchFamily="2" charset="0"/>
+                        </a:rPr>
+                        <a:t>Einbau Start-Stopp-Button</a:t>
+                      </a:r>
+                    </a:p>
+                    <a:p>
+                      <a:pPr marL="317500" marR="0" lvl="0" indent="0" algn="l" defTabSz="914400" rtl="0" eaLnBrk="1" fontAlgn="auto" latinLnBrk="0" hangingPunct="1">
+                        <a:lnSpc>
+                          <a:spcPct val="100000"/>
+                        </a:lnSpc>
+                        <a:spcBef>
+                          <a:spcPts val="0"/>
+                        </a:spcBef>
+                        <a:spcAft>
+                          <a:spcPts val="0"/>
+                        </a:spcAft>
+                        <a:buClrTx/>
+                        <a:buSzTx/>
+                        <a:buFont typeface="Arial" panose="020B0604020202020204" pitchFamily="34" charset="0"/>
+                        <a:buNone/>
+                        <a:tabLst/>
+                        <a:defRPr/>
+                      </a:pPr>
+                      <a:r>
+                        <a:rPr lang="de-CH" sz="1600" b="0" dirty="0">
+                          <a:latin typeface="Helvetica Neue" panose="02000503000000020004" pitchFamily="2" charset="0"/>
+                          <a:ea typeface="Helvetica Neue" panose="02000503000000020004" pitchFamily="2" charset="0"/>
+                          <a:cs typeface="Helvetica Neue" panose="02000503000000020004" pitchFamily="2" charset="0"/>
+                        </a:rPr>
+                        <a:t>Einbau eines Buttons, um die Erde an gewünschter Position zu stoppen </a:t>
+                      </a:r>
+                      <a:r>
+                        <a:rPr lang="de-CH" sz="1600" b="0" dirty="0">
+                          <a:latin typeface="Helvetica Neue" panose="02000503000000020004" pitchFamily="2" charset="0"/>
+                          <a:ea typeface="Helvetica Neue" panose="02000503000000020004" pitchFamily="2" charset="0"/>
+                          <a:cs typeface="Helvetica Neue" panose="02000503000000020004" pitchFamily="2" charset="0"/>
+                          <a:sym typeface="Wingdings" pitchFamily="2" charset="2"/>
+                        </a:rPr>
+                        <a:t> hat bis dahin noch nicht funktioniert</a:t>
+                      </a:r>
+                      <a:endParaRPr lang="de-CH" sz="1600" b="0" dirty="0">
+                        <a:latin typeface="Helvetica Neue" panose="02000503000000020004" pitchFamily="2" charset="0"/>
+                        <a:ea typeface="Helvetica Neue" panose="02000503000000020004" pitchFamily="2" charset="0"/>
+                        <a:cs typeface="Helvetica Neue" panose="02000503000000020004" pitchFamily="2" charset="0"/>
+                      </a:endParaRPr>
+                    </a:p>
+                    <a:p>
+                      <a:pPr marL="342900" indent="-342900">
+                        <a:buFont typeface="Arial" panose="020B0604020202020204" pitchFamily="34" charset="0"/>
+                        <a:buChar char="•"/>
+                      </a:pPr>
+                      <a:endParaRPr lang="de-DE" sz="2000" dirty="0"/>
+                    </a:p>
+                    <a:p>
+                      <a:pPr marL="342900" indent="-342900">
+                        <a:buFont typeface="Arial" panose="020B0604020202020204" pitchFamily="34" charset="0"/>
+                        <a:buChar char="•"/>
+                      </a:pPr>
+                      <a:endParaRPr lang="de-DE" sz="2000" dirty="0"/>
+                    </a:p>
+                    <a:p>
+                      <a:pPr marL="342900" indent="-342900">
+                        <a:buFont typeface="Arial" panose="020B0604020202020204" pitchFamily="34" charset="0"/>
+                        <a:buChar char="•"/>
+                      </a:pPr>
+                      <a:endParaRPr lang="de-DE" sz="2000" dirty="0"/>
+                    </a:p>
+                  </a:txBody>
+                  <a:tcPr>
+                    <a:lnL w="12700" cap="flat" cmpd="sng" algn="ctr">
+                      <a:solidFill>
+                        <a:schemeClr val="tx1"/>
+                      </a:solidFill>
+                      <a:prstDash val="solid"/>
+                      <a:round/>
+                      <a:headEnd type="none" w="med" len="med"/>
+                      <a:tailEnd type="none" w="med" len="med"/>
+                    </a:lnL>
+                    <a:lnR w="12700" cap="flat" cmpd="sng" algn="ctr">
+                      <a:noFill/>
+                      <a:prstDash val="solid"/>
+                      <a:round/>
+                      <a:headEnd type="none" w="med" len="med"/>
+                      <a:tailEnd type="none" w="med" len="med"/>
+                    </a:lnR>
+                    <a:lnT w="12700" cap="flat" cmpd="sng" algn="ctr">
+                      <a:solidFill>
+                        <a:schemeClr val="tx1"/>
+                      </a:solidFill>
+                      <a:prstDash val="solid"/>
+                      <a:round/>
+                      <a:headEnd type="none" w="med" len="med"/>
+                      <a:tailEnd type="none" w="med" len="med"/>
+                    </a:lnT>
+                    <a:lnB w="12700" cap="flat" cmpd="sng" algn="ctr">
+                      <a:noFill/>
+                      <a:prstDash val="solid"/>
+                      <a:round/>
+                      <a:headEnd type="none" w="med" len="med"/>
+                      <a:tailEnd type="none" w="med" len="med"/>
+                    </a:lnB>
+                    <a:lnTlToBr w="12700" cmpd="sng">
+                      <a:noFill/>
+                      <a:prstDash val="solid"/>
+                    </a:lnTlToBr>
+                    <a:lnBlToTr w="12700" cmpd="sng">
+                      <a:noFill/>
+                      <a:prstDash val="solid"/>
+                    </a:lnBlToTr>
+                  </a:tcPr>
+                </a:tc>
+                <a:extLst>
+                  <a:ext uri="{0D108BD9-81ED-4DB2-BD59-A6C34878D82A}">
+                    <a16:rowId xmlns:a16="http://schemas.microsoft.com/office/drawing/2014/main" val="792890267"/>
+                  </a:ext>
+                </a:extLst>
+              </a:tr>
+            </a:tbl>
+          </a:graphicData>
+        </a:graphic>
+      </p:graphicFrame>
+      <p:pic>
+        <p:nvPicPr>
+          <p:cNvPr id="5" name="Grafik 4">
+            <a:extLst>
+              <a:ext uri="{FF2B5EF4-FFF2-40B4-BE49-F238E27FC236}">
+                <a16:creationId xmlns:a16="http://schemas.microsoft.com/office/drawing/2014/main" id="{5EC09808-F3C6-AB45-91DC-240DF3AC1685}"/>
+              </a:ext>
+            </a:extLst>
+          </p:cNvPr>
+          <p:cNvPicPr>
+            <a:picLocks noChangeAspect="1"/>
+          </p:cNvPicPr>
+          <p:nvPr/>
+        </p:nvPicPr>
+        <p:blipFill>
+          <a:blip r:embed="rId2"/>
+          <a:stretch>
+            <a:fillRect/>
+          </a:stretch>
+        </p:blipFill>
+        <p:spPr>
+          <a:xfrm>
+            <a:off x="1362972" y="3231634"/>
+            <a:ext cx="4492753" cy="2202330"/>
+          </a:xfrm>
+          <a:prstGeom prst="rect">
+            <a:avLst/>
+          </a:prstGeom>
+        </p:spPr>
+      </p:pic>
+    </p:spTree>
+    <p:extLst>
+      <p:ext uri="{BB962C8B-B14F-4D97-AF65-F5344CB8AC3E}">
+        <p14:creationId xmlns:p14="http://schemas.microsoft.com/office/powerpoint/2010/main" val="3283609911"/>
       </p:ext>
     </p:extLst>
   </p:cSld>

--- a/Präsentation.pptx
+++ b/Präsentation.pptx
@@ -15,6 +15,7 @@
     <p:sldId id="261" r:id="rId9"/>
     <p:sldId id="264" r:id="rId10"/>
     <p:sldId id="265" r:id="rId11"/>
+    <p:sldId id="269" r:id="rId12"/>
   </p:sldIdLst>
   <p:sldSz cx="12192000" cy="6858000"/>
   <p:notesSz cx="6858000" cy="9144000"/>
@@ -3316,6 +3317,14 @@
 <file path=ppt/slides/slide1.xml><?xml version="1.0" encoding="utf-8"?>
 <p:sld xmlns:a="http://schemas.openxmlformats.org/drawingml/2006/main" xmlns:r="http://schemas.openxmlformats.org/officeDocument/2006/relationships" xmlns:p="http://schemas.openxmlformats.org/presentationml/2006/main">
   <p:cSld>
+    <p:bg>
+      <p:bgPr>
+        <a:solidFill>
+          <a:schemeClr val="bg1"/>
+        </a:solidFill>
+        <a:effectLst/>
+      </p:bgPr>
+    </p:bg>
     <p:spTree>
       <p:nvGrpSpPr>
         <p:cNvPr id="1" name=""/>
@@ -3330,6 +3339,401 @@
           <a:chExt cx="0" cy="0"/>
         </a:xfrm>
       </p:grpSpPr>
+      <p:sp useBgFill="1">
+        <p:nvSpPr>
+          <p:cNvPr id="15" name="Rectangle 7">
+            <a:extLst>
+              <a:ext uri="{FF2B5EF4-FFF2-40B4-BE49-F238E27FC236}">
+                <a16:creationId xmlns:a16="http://schemas.microsoft.com/office/drawing/2014/main" id="{F1C4E306-BC28-4A7B-871B-1926F6FA6EF3}"/>
+              </a:ext>
+              <a:ext uri="{C183D7F6-B498-43B3-948B-1728B52AA6E4}">
+                <adec:decorative xmlns:adec="http://schemas.microsoft.com/office/drawing/2017/decorative" val="1"/>
+              </a:ext>
+            </a:extLst>
+          </p:cNvPr>
+          <p:cNvSpPr>
+            <a:spLocks noGrp="1" noRot="1" noChangeAspect="1" noMove="1" noResize="1" noEditPoints="1" noAdjustHandles="1" noChangeArrowheads="1" noChangeShapeType="1" noTextEdit="1"/>
+          </p:cNvSpPr>
+          <p:nvPr>
+            <p:extLst>
+              <p:ext uri="{386F3935-93C4-4BCD-93E2-E3B085C9AB24}">
+                <p16:designElem xmlns:p16="http://schemas.microsoft.com/office/powerpoint/2015/main" val="1"/>
+              </p:ext>
+            </p:extLst>
+          </p:nvPr>
+        </p:nvSpPr>
+        <p:spPr>
+          <a:xfrm>
+            <a:off x="0" y="0"/>
+            <a:ext cx="12192000" cy="6858000"/>
+          </a:xfrm>
+          <a:prstGeom prst="rect">
+            <a:avLst/>
+          </a:prstGeom>
+          <a:ln>
+            <a:noFill/>
+          </a:ln>
+        </p:spPr>
+        <p:style>
+          <a:lnRef idx="2">
+            <a:schemeClr val="accent1">
+              <a:shade val="50000"/>
+            </a:schemeClr>
+          </a:lnRef>
+          <a:fillRef idx="1">
+            <a:schemeClr val="accent1"/>
+          </a:fillRef>
+          <a:effectRef idx="0">
+            <a:schemeClr val="accent1"/>
+          </a:effectRef>
+          <a:fontRef idx="minor">
+            <a:schemeClr val="lt1"/>
+          </a:fontRef>
+        </p:style>
+        <p:txBody>
+          <a:bodyPr rtlCol="0" anchor="ctr"/>
+          <a:lstStyle/>
+          <a:p>
+            <a:pPr algn="ctr"/>
+            <a:endParaRPr lang="en-US"/>
+          </a:p>
+        </p:txBody>
+      </p:sp>
+      <p:sp useBgFill="1">
+        <p:nvSpPr>
+          <p:cNvPr id="16" name="Freeform: Shape 9">
+            <a:extLst>
+              <a:ext uri="{FF2B5EF4-FFF2-40B4-BE49-F238E27FC236}">
+                <a16:creationId xmlns:a16="http://schemas.microsoft.com/office/drawing/2014/main" id="{C3ECC9B4-989C-4F71-A6BC-DEBC1D9FD0BD}"/>
+              </a:ext>
+              <a:ext uri="{C183D7F6-B498-43B3-948B-1728B52AA6E4}">
+                <adec:decorative xmlns:adec="http://schemas.microsoft.com/office/drawing/2017/decorative" val="1"/>
+              </a:ext>
+            </a:extLst>
+          </p:cNvPr>
+          <p:cNvSpPr>
+            <a:spLocks noGrp="1" noRot="1" noChangeAspect="1" noMove="1" noResize="1" noEditPoints="1" noAdjustHandles="1" noChangeArrowheads="1" noChangeShapeType="1" noTextEdit="1"/>
+          </p:cNvSpPr>
+          <p:nvPr>
+            <p:extLst>
+              <p:ext uri="{386F3935-93C4-4BCD-93E2-E3B085C9AB24}">
+                <p16:designElem xmlns:p16="http://schemas.microsoft.com/office/powerpoint/2015/main" val="1"/>
+              </p:ext>
+            </p:extLst>
+          </p:nvPr>
+        </p:nvSpPr>
+        <p:spPr>
+          <a:xfrm>
+            <a:off x="0" y="0"/>
+            <a:ext cx="8452322" cy="6858000"/>
+          </a:xfrm>
+          <a:custGeom>
+            <a:avLst/>
+            <a:gdLst>
+              <a:gd name="connsiteX0" fmla="*/ 0 w 8452322"/>
+              <a:gd name="connsiteY0" fmla="*/ 0 h 6858000"/>
+              <a:gd name="connsiteX1" fmla="*/ 7447992 w 8452322"/>
+              <a:gd name="connsiteY1" fmla="*/ 0 h 6858000"/>
+              <a:gd name="connsiteX2" fmla="*/ 7501089 w 8452322"/>
+              <a:gd name="connsiteY2" fmla="*/ 79009 h 6858000"/>
+              <a:gd name="connsiteX3" fmla="*/ 8452322 w 8452322"/>
+              <a:gd name="connsiteY3" fmla="*/ 3429001 h 6858000"/>
+              <a:gd name="connsiteX4" fmla="*/ 7501089 w 8452322"/>
+              <a:gd name="connsiteY4" fmla="*/ 6778993 h 6858000"/>
+              <a:gd name="connsiteX5" fmla="*/ 7447994 w 8452322"/>
+              <a:gd name="connsiteY5" fmla="*/ 6858000 h 6858000"/>
+              <a:gd name="connsiteX6" fmla="*/ 0 w 8452322"/>
+              <a:gd name="connsiteY6" fmla="*/ 6858000 h 6858000"/>
+            </a:gdLst>
+            <a:ahLst/>
+            <a:cxnLst>
+              <a:cxn ang="0">
+                <a:pos x="connsiteX0" y="connsiteY0"/>
+              </a:cxn>
+              <a:cxn ang="0">
+                <a:pos x="connsiteX1" y="connsiteY1"/>
+              </a:cxn>
+              <a:cxn ang="0">
+                <a:pos x="connsiteX2" y="connsiteY2"/>
+              </a:cxn>
+              <a:cxn ang="0">
+                <a:pos x="connsiteX3" y="connsiteY3"/>
+              </a:cxn>
+              <a:cxn ang="0">
+                <a:pos x="connsiteX4" y="connsiteY4"/>
+              </a:cxn>
+              <a:cxn ang="0">
+                <a:pos x="connsiteX5" y="connsiteY5"/>
+              </a:cxn>
+              <a:cxn ang="0">
+                <a:pos x="connsiteX6" y="connsiteY6"/>
+              </a:cxn>
+            </a:cxnLst>
+            <a:rect l="l" t="t" r="r" b="b"/>
+            <a:pathLst>
+              <a:path w="8452322" h="6858000">
+                <a:moveTo>
+                  <a:pt x="0" y="0"/>
+                </a:moveTo>
+                <a:lnTo>
+                  <a:pt x="7447992" y="0"/>
+                </a:lnTo>
+                <a:lnTo>
+                  <a:pt x="7501089" y="79009"/>
+                </a:lnTo>
+                <a:cubicBezTo>
+                  <a:pt x="8098524" y="1013167"/>
+                  <a:pt x="8452322" y="2172770"/>
+                  <a:pt x="8452322" y="3429001"/>
+                </a:cubicBezTo>
+                <a:cubicBezTo>
+                  <a:pt x="8452322" y="4685233"/>
+                  <a:pt x="8098524" y="5844836"/>
+                  <a:pt x="7501089" y="6778993"/>
+                </a:cubicBezTo>
+                <a:lnTo>
+                  <a:pt x="7447994" y="6858000"/>
+                </a:lnTo>
+                <a:lnTo>
+                  <a:pt x="0" y="6858000"/>
+                </a:lnTo>
+                <a:close/>
+              </a:path>
+            </a:pathLst>
+          </a:custGeom>
+          <a:ln w="9525">
+            <a:solidFill>
+              <a:srgbClr val="EFEFEF"/>
+            </a:solidFill>
+          </a:ln>
+          <a:effectLst>
+            <a:outerShdw blurRad="50800" dist="38100" algn="l" rotWithShape="0">
+              <a:schemeClr val="bg1">
+                <a:lumMod val="85000"/>
+                <a:alpha val="50000"/>
+              </a:schemeClr>
+            </a:outerShdw>
+          </a:effectLst>
+        </p:spPr>
+        <p:style>
+          <a:lnRef idx="2">
+            <a:schemeClr val="accent1">
+              <a:shade val="50000"/>
+            </a:schemeClr>
+          </a:lnRef>
+          <a:fillRef idx="1">
+            <a:schemeClr val="accent1"/>
+          </a:fillRef>
+          <a:effectRef idx="0">
+            <a:schemeClr val="accent1"/>
+          </a:effectRef>
+          <a:fontRef idx="minor">
+            <a:schemeClr val="lt1"/>
+          </a:fontRef>
+        </p:style>
+        <p:txBody>
+          <a:bodyPr wrap="square" rtlCol="0" anchor="ctr">
+            <a:noAutofit/>
+          </a:bodyPr>
+          <a:lstStyle/>
+          <a:p>
+            <a:pPr marL="0" marR="0" lvl="0" indent="0" algn="ctr" defTabSz="914400" rtl="0" eaLnBrk="1" fontAlgn="auto" latinLnBrk="0" hangingPunct="1">
+              <a:lnSpc>
+                <a:spcPct val="100000"/>
+              </a:lnSpc>
+              <a:spcBef>
+                <a:spcPts val="0"/>
+              </a:spcBef>
+              <a:spcAft>
+                <a:spcPts val="0"/>
+              </a:spcAft>
+              <a:buClrTx/>
+              <a:buSzTx/>
+              <a:buFontTx/>
+              <a:buNone/>
+              <a:tabLst/>
+              <a:defRPr/>
+            </a:pPr>
+            <a:endParaRPr kumimoji="0" lang="en-US" sz="1800" b="0" i="0" u="none" strike="noStrike" kern="1200" cap="none" spc="0" normalizeH="0" baseline="0" noProof="0">
+              <a:ln>
+                <a:noFill/>
+              </a:ln>
+              <a:solidFill>
+                <a:prstClr val="white"/>
+              </a:solidFill>
+              <a:effectLst/>
+              <a:uLnTx/>
+              <a:uFillTx/>
+              <a:latin typeface="Calibri" panose="020F0502020204030204"/>
+              <a:ea typeface="+mn-ea"/>
+              <a:cs typeface="+mn-cs"/>
+            </a:endParaRPr>
+          </a:p>
+        </p:txBody>
+      </p:sp>
+      <p:sp useBgFill="1">
+        <p:nvSpPr>
+          <p:cNvPr id="17" name="Freeform: Shape 11">
+            <a:extLst>
+              <a:ext uri="{FF2B5EF4-FFF2-40B4-BE49-F238E27FC236}">
+                <a16:creationId xmlns:a16="http://schemas.microsoft.com/office/drawing/2014/main" id="{E20AF01B-D099-4710-BF18-E2832A9B61CF}"/>
+              </a:ext>
+              <a:ext uri="{C183D7F6-B498-43B3-948B-1728B52AA6E4}">
+                <adec:decorative xmlns:adec="http://schemas.microsoft.com/office/drawing/2017/decorative" val="1"/>
+              </a:ext>
+            </a:extLst>
+          </p:cNvPr>
+          <p:cNvSpPr>
+            <a:spLocks noGrp="1" noRot="1" noChangeAspect="1" noMove="1" noResize="1" noEditPoints="1" noAdjustHandles="1" noChangeArrowheads="1" noChangeShapeType="1" noTextEdit="1"/>
+          </p:cNvSpPr>
+          <p:nvPr>
+            <p:extLst>
+              <p:ext uri="{386F3935-93C4-4BCD-93E2-E3B085C9AB24}">
+                <p16:designElem xmlns:p16="http://schemas.microsoft.com/office/powerpoint/2015/main" val="1"/>
+              </p:ext>
+            </p:extLst>
+          </p:nvPr>
+        </p:nvSpPr>
+        <p:spPr>
+          <a:xfrm>
+            <a:off x="0" y="0"/>
+            <a:ext cx="8443572" cy="6858000"/>
+          </a:xfrm>
+          <a:custGeom>
+            <a:avLst/>
+            <a:gdLst>
+              <a:gd name="connsiteX0" fmla="*/ 0 w 8443572"/>
+              <a:gd name="connsiteY0" fmla="*/ 0 h 6858000"/>
+              <a:gd name="connsiteX1" fmla="*/ 7439242 w 8443572"/>
+              <a:gd name="connsiteY1" fmla="*/ 0 h 6858000"/>
+              <a:gd name="connsiteX2" fmla="*/ 7492339 w 8443572"/>
+              <a:gd name="connsiteY2" fmla="*/ 79009 h 6858000"/>
+              <a:gd name="connsiteX3" fmla="*/ 8443572 w 8443572"/>
+              <a:gd name="connsiteY3" fmla="*/ 3429001 h 6858000"/>
+              <a:gd name="connsiteX4" fmla="*/ 7492339 w 8443572"/>
+              <a:gd name="connsiteY4" fmla="*/ 6778993 h 6858000"/>
+              <a:gd name="connsiteX5" fmla="*/ 7439244 w 8443572"/>
+              <a:gd name="connsiteY5" fmla="*/ 6858000 h 6858000"/>
+              <a:gd name="connsiteX6" fmla="*/ 0 w 8443572"/>
+              <a:gd name="connsiteY6" fmla="*/ 6858000 h 6858000"/>
+            </a:gdLst>
+            <a:ahLst/>
+            <a:cxnLst>
+              <a:cxn ang="0">
+                <a:pos x="connsiteX0" y="connsiteY0"/>
+              </a:cxn>
+              <a:cxn ang="0">
+                <a:pos x="connsiteX1" y="connsiteY1"/>
+              </a:cxn>
+              <a:cxn ang="0">
+                <a:pos x="connsiteX2" y="connsiteY2"/>
+              </a:cxn>
+              <a:cxn ang="0">
+                <a:pos x="connsiteX3" y="connsiteY3"/>
+              </a:cxn>
+              <a:cxn ang="0">
+                <a:pos x="connsiteX4" y="connsiteY4"/>
+              </a:cxn>
+              <a:cxn ang="0">
+                <a:pos x="connsiteX5" y="connsiteY5"/>
+              </a:cxn>
+              <a:cxn ang="0">
+                <a:pos x="connsiteX6" y="connsiteY6"/>
+              </a:cxn>
+            </a:cxnLst>
+            <a:rect l="l" t="t" r="r" b="b"/>
+            <a:pathLst>
+              <a:path w="8443572" h="6858000">
+                <a:moveTo>
+                  <a:pt x="0" y="0"/>
+                </a:moveTo>
+                <a:lnTo>
+                  <a:pt x="7439242" y="0"/>
+                </a:lnTo>
+                <a:lnTo>
+                  <a:pt x="7492339" y="79009"/>
+                </a:lnTo>
+                <a:cubicBezTo>
+                  <a:pt x="8089774" y="1013167"/>
+                  <a:pt x="8443572" y="2172770"/>
+                  <a:pt x="8443572" y="3429001"/>
+                </a:cubicBezTo>
+                <a:cubicBezTo>
+                  <a:pt x="8443572" y="4685233"/>
+                  <a:pt x="8089774" y="5844836"/>
+                  <a:pt x="7492339" y="6778993"/>
+                </a:cubicBezTo>
+                <a:lnTo>
+                  <a:pt x="7439244" y="6858000"/>
+                </a:lnTo>
+                <a:lnTo>
+                  <a:pt x="0" y="6858000"/>
+                </a:lnTo>
+                <a:close/>
+              </a:path>
+            </a:pathLst>
+          </a:custGeom>
+          <a:ln w="9525">
+            <a:noFill/>
+          </a:ln>
+          <a:effectLst/>
+        </p:spPr>
+        <p:style>
+          <a:lnRef idx="2">
+            <a:schemeClr val="accent1">
+              <a:shade val="50000"/>
+            </a:schemeClr>
+          </a:lnRef>
+          <a:fillRef idx="1">
+            <a:schemeClr val="accent1"/>
+          </a:fillRef>
+          <a:effectRef idx="0">
+            <a:schemeClr val="accent1"/>
+          </a:effectRef>
+          <a:fontRef idx="minor">
+            <a:schemeClr val="lt1"/>
+          </a:fontRef>
+        </p:style>
+        <p:txBody>
+          <a:bodyPr wrap="square" rtlCol="0" anchor="ctr">
+            <a:noAutofit/>
+          </a:bodyPr>
+          <a:lstStyle/>
+          <a:p>
+            <a:pPr marL="0" marR="0" lvl="0" indent="0" algn="ctr" defTabSz="914400" rtl="0" eaLnBrk="1" fontAlgn="auto" latinLnBrk="0" hangingPunct="1">
+              <a:lnSpc>
+                <a:spcPct val="100000"/>
+              </a:lnSpc>
+              <a:spcBef>
+                <a:spcPts val="0"/>
+              </a:spcBef>
+              <a:spcAft>
+                <a:spcPts val="0"/>
+              </a:spcAft>
+              <a:buClrTx/>
+              <a:buSzTx/>
+              <a:buFontTx/>
+              <a:buNone/>
+              <a:tabLst/>
+              <a:defRPr/>
+            </a:pPr>
+            <a:endParaRPr kumimoji="0" lang="en-US" sz="1800" b="0" i="0" u="none" strike="noStrike" kern="1200" cap="none" spc="0" normalizeH="0" baseline="0" noProof="0">
+              <a:ln>
+                <a:noFill/>
+              </a:ln>
+              <a:solidFill>
+                <a:prstClr val="white"/>
+              </a:solidFill>
+              <a:effectLst/>
+              <a:uLnTx/>
+              <a:uFillTx/>
+              <a:latin typeface="Calibri" panose="020F0502020204030204"/>
+              <a:ea typeface="+mn-ea"/>
+              <a:cs typeface="+mn-cs"/>
+            </a:endParaRPr>
+          </a:p>
+        </p:txBody>
+      </p:sp>
       <p:sp>
         <p:nvSpPr>
           <p:cNvPr id="2" name="Titel 1">
@@ -3346,13 +3750,21 @@
             <p:ph type="ctrTitle"/>
           </p:nvPr>
         </p:nvSpPr>
-        <p:spPr/>
-        <p:txBody>
-          <a:bodyPr/>
+        <p:spPr>
+          <a:xfrm>
+            <a:off x="616893" y="1238250"/>
+            <a:ext cx="7003107" cy="4381500"/>
+          </a:xfrm>
+        </p:spPr>
+        <p:txBody>
+          <a:bodyPr anchor="ctr">
+            <a:normAutofit/>
+          </a:bodyPr>
           <a:lstStyle/>
           <a:p>
-            <a:r>
-              <a:rPr lang="de-DE" dirty="0"/>
+            <a:pPr algn="l"/>
+            <a:r>
+              <a:rPr lang="de-DE" sz="7200"/>
               <a:t>Erdrevolution auf der Nordhalbkugel</a:t>
             </a:r>
           </a:p>
@@ -3374,26 +3786,170 @@
             <p:ph type="subTitle" idx="1"/>
           </p:nvPr>
         </p:nvSpPr>
-        <p:spPr/>
-        <p:txBody>
-          <a:bodyPr/>
+        <p:spPr>
+          <a:xfrm>
+            <a:off x="8791575" y="1238249"/>
+            <a:ext cx="3000375" cy="5222185"/>
+          </a:xfrm>
+        </p:spPr>
+        <p:txBody>
+          <a:bodyPr anchor="ctr">
+            <a:normAutofit/>
+          </a:bodyPr>
           <a:lstStyle/>
           <a:p>
-            <a:endParaRPr lang="de-DE" dirty="0"/>
-          </a:p>
-          <a:p>
-            <a:r>
-              <a:rPr lang="de-DE" dirty="0"/>
+            <a:pPr algn="l"/>
+            <a:endParaRPr lang="de-DE" sz="2800" dirty="0"/>
+          </a:p>
+          <a:p>
+            <a:pPr algn="l"/>
+            <a:endParaRPr lang="de-DE" sz="2800" dirty="0"/>
+          </a:p>
+          <a:p>
+            <a:pPr algn="l"/>
+            <a:endParaRPr lang="de-DE" sz="2800" dirty="0"/>
+          </a:p>
+          <a:p>
+            <a:pPr algn="l"/>
+            <a:endParaRPr lang="de-DE" sz="2800" dirty="0"/>
+          </a:p>
+          <a:p>
+            <a:pPr algn="l"/>
+            <a:endParaRPr lang="de-DE" sz="2800" dirty="0"/>
+          </a:p>
+          <a:p>
+            <a:pPr algn="l"/>
+            <a:endParaRPr lang="de-DE" sz="2800" dirty="0"/>
+          </a:p>
+          <a:p>
+            <a:pPr>
+              <a:spcBef>
+                <a:spcPts val="400"/>
+              </a:spcBef>
+            </a:pPr>
+            <a:r>
+              <a:rPr lang="de-DE" sz="2000" dirty="0"/>
               <a:t>Project </a:t>
             </a:r>
             <a:r>
-              <a:rPr lang="de-DE" dirty="0" err="1"/>
+              <a:rPr lang="de-DE" sz="2000" dirty="0" err="1"/>
               <a:t>Application</a:t>
             </a:r>
-            <a:r>
-              <a:rPr lang="de-DE" dirty="0"/>
-              <a:t> – Carmen Häfner</a:t>
-            </a:r>
+            <a:endParaRPr lang="de-DE" sz="2000" dirty="0"/>
+          </a:p>
+          <a:p>
+            <a:pPr>
+              <a:spcBef>
+                <a:spcPts val="400"/>
+              </a:spcBef>
+            </a:pPr>
+            <a:r>
+              <a:rPr lang="de-DE" sz="2000" dirty="0"/>
+              <a:t> Carmen Häfner</a:t>
+            </a:r>
+          </a:p>
+          <a:p>
+            <a:pPr>
+              <a:spcBef>
+                <a:spcPts val="400"/>
+              </a:spcBef>
+            </a:pPr>
+            <a:r>
+              <a:rPr lang="de-DE" sz="2000" dirty="0"/>
+              <a:t>HeS2021</a:t>
+            </a:r>
+          </a:p>
+        </p:txBody>
+      </p:sp>
+      <p:sp>
+        <p:nvSpPr>
+          <p:cNvPr id="14" name="Rectangle 13">
+            <a:extLst>
+              <a:ext uri="{FF2B5EF4-FFF2-40B4-BE49-F238E27FC236}">
+                <a16:creationId xmlns:a16="http://schemas.microsoft.com/office/drawing/2014/main" id="{B0E4BB4F-99AB-4C4E-A763-C5AC5273DF5D}"/>
+              </a:ext>
+              <a:ext uri="{C183D7F6-B498-43B3-948B-1728B52AA6E4}">
+                <adec:decorative xmlns:adec="http://schemas.microsoft.com/office/drawing/2017/decorative" val="1"/>
+              </a:ext>
+            </a:extLst>
+          </p:cNvPr>
+          <p:cNvSpPr>
+            <a:spLocks noGrp="1" noRot="1" noChangeAspect="1" noMove="1" noResize="1" noEditPoints="1" noAdjustHandles="1" noChangeArrowheads="1" noChangeShapeType="1" noTextEdit="1"/>
+          </p:cNvSpPr>
+          <p:nvPr>
+            <p:extLst>
+              <p:ext uri="{386F3935-93C4-4BCD-93E2-E3B085C9AB24}">
+                <p16:designElem xmlns:p16="http://schemas.microsoft.com/office/powerpoint/2015/main" val="1"/>
+              </p:ext>
+            </p:extLst>
+          </p:nvPr>
+        </p:nvSpPr>
+        <p:spPr>
+          <a:xfrm>
+            <a:off x="0" y="2827916"/>
+            <a:ext cx="128016" cy="1188720"/>
+          </a:xfrm>
+          <a:prstGeom prst="rect">
+            <a:avLst/>
+          </a:prstGeom>
+          <a:solidFill>
+            <a:schemeClr val="accent2"/>
+          </a:solidFill>
+          <a:ln>
+            <a:noFill/>
+          </a:ln>
+        </p:spPr>
+        <p:style>
+          <a:lnRef idx="2">
+            <a:schemeClr val="accent1">
+              <a:shade val="50000"/>
+            </a:schemeClr>
+          </a:lnRef>
+          <a:fillRef idx="1">
+            <a:schemeClr val="accent1"/>
+          </a:fillRef>
+          <a:effectRef idx="0">
+            <a:schemeClr val="accent1"/>
+          </a:effectRef>
+          <a:fontRef idx="minor">
+            <a:schemeClr val="lt1"/>
+          </a:fontRef>
+        </p:style>
+        <p:txBody>
+          <a:bodyPr rtlCol="0" anchor="ctr"/>
+          <a:lstStyle/>
+          <a:p>
+            <a:pPr marL="0" marR="0" lvl="0" indent="0" algn="ctr" defTabSz="914400" rtl="0" eaLnBrk="1" fontAlgn="auto" latinLnBrk="0" hangingPunct="1">
+              <a:lnSpc>
+                <a:spcPct val="100000"/>
+              </a:lnSpc>
+              <a:spcBef>
+                <a:spcPts val="0"/>
+              </a:spcBef>
+              <a:spcAft>
+                <a:spcPts val="0"/>
+              </a:spcAft>
+              <a:buClrTx/>
+              <a:buSzTx/>
+              <a:buFontTx/>
+              <a:buNone/>
+              <a:tabLst/>
+              <a:defRPr/>
+            </a:pPr>
+            <a:endParaRPr kumimoji="0" lang="en-US" sz="1800" b="0" i="0" u="none" strike="noStrike" kern="1200" cap="none" spc="0" normalizeH="0" baseline="0" noProof="0">
+              <a:ln>
+                <a:noFill/>
+              </a:ln>
+              <a:solidFill>
+                <a:prstClr val="white"/>
+              </a:solidFill>
+              <a:effectLst/>
+              <a:uLnTx/>
+              <a:uFillTx/>
+              <a:latin typeface="Calibri" panose="020F0502020204030204"/>
+              <a:ea typeface="+mn-ea"/>
+              <a:cs typeface="+mn-cs"/>
+            </a:endParaRPr>
           </a:p>
         </p:txBody>
       </p:sp>
@@ -3413,6 +3969,14 @@
 <file path=ppt/slides/slide10.xml><?xml version="1.0" encoding="utf-8"?>
 <p:sld xmlns:a="http://schemas.openxmlformats.org/drawingml/2006/main" xmlns:r="http://schemas.openxmlformats.org/officeDocument/2006/relationships" xmlns:p="http://schemas.openxmlformats.org/presentationml/2006/main">
   <p:cSld>
+    <p:bg>
+      <p:bgPr>
+        <a:solidFill>
+          <a:schemeClr val="bg1"/>
+        </a:solidFill>
+        <a:effectLst/>
+      </p:bgPr>
+    </p:bg>
     <p:spTree>
       <p:nvGrpSpPr>
         <p:cNvPr id="1" name=""/>
@@ -3429,6 +3993,69 @@
       </p:grpSpPr>
       <p:sp>
         <p:nvSpPr>
+          <p:cNvPr id="9" name="Rectangle 8">
+            <a:extLst>
+              <a:ext uri="{FF2B5EF4-FFF2-40B4-BE49-F238E27FC236}">
+                <a16:creationId xmlns:a16="http://schemas.microsoft.com/office/drawing/2014/main" id="{A4AC5506-6312-4701-8D3C-40187889A947}"/>
+              </a:ext>
+              <a:ext uri="{C183D7F6-B498-43B3-948B-1728B52AA6E4}">
+                <adec:decorative xmlns:adec="http://schemas.microsoft.com/office/drawing/2017/decorative" val="1"/>
+              </a:ext>
+            </a:extLst>
+          </p:cNvPr>
+          <p:cNvSpPr>
+            <a:spLocks noGrp="1" noRot="1" noChangeAspect="1" noMove="1" noResize="1" noEditPoints="1" noAdjustHandles="1" noChangeArrowheads="1" noChangeShapeType="1" noTextEdit="1"/>
+          </p:cNvSpPr>
+          <p:nvPr>
+            <p:extLst>
+              <p:ext uri="{386F3935-93C4-4BCD-93E2-E3B085C9AB24}">
+                <p16:designElem xmlns:p16="http://schemas.microsoft.com/office/powerpoint/2015/main" val="1"/>
+              </p:ext>
+            </p:extLst>
+          </p:nvPr>
+        </p:nvSpPr>
+        <p:spPr>
+          <a:xfrm>
+            <a:off x="0" y="651752"/>
+            <a:ext cx="12192000" cy="736551"/>
+          </a:xfrm>
+          <a:prstGeom prst="rect">
+            <a:avLst/>
+          </a:prstGeom>
+          <a:solidFill>
+            <a:schemeClr val="tx1"/>
+          </a:solidFill>
+          <a:ln>
+            <a:noFill/>
+          </a:ln>
+        </p:spPr>
+        <p:style>
+          <a:lnRef idx="2">
+            <a:schemeClr val="accent1">
+              <a:shade val="50000"/>
+            </a:schemeClr>
+          </a:lnRef>
+          <a:fillRef idx="1">
+            <a:schemeClr val="accent1"/>
+          </a:fillRef>
+          <a:effectRef idx="0">
+            <a:schemeClr val="accent1"/>
+          </a:effectRef>
+          <a:fontRef idx="minor">
+            <a:schemeClr val="lt1"/>
+          </a:fontRef>
+        </p:style>
+        <p:txBody>
+          <a:bodyPr rtlCol="0" anchor="ctr"/>
+          <a:lstStyle/>
+          <a:p>
+            <a:pPr algn="ctr"/>
+            <a:endParaRPr lang="en-US"/>
+          </a:p>
+        </p:txBody>
+      </p:sp>
+      <p:sp>
+        <p:nvSpPr>
           <p:cNvPr id="2" name="Titel 1">
             <a:extLst>
               <a:ext uri="{FF2B5EF4-FFF2-40B4-BE49-F238E27FC236}">
@@ -3443,13 +4070,28 @@
             <p:ph type="title"/>
           </p:nvPr>
         </p:nvSpPr>
-        <p:spPr/>
-        <p:txBody>
-          <a:bodyPr/>
+        <p:spPr>
+          <a:xfrm>
+            <a:off x="556532" y="643467"/>
+            <a:ext cx="11210925" cy="744836"/>
+          </a:xfrm>
+        </p:spPr>
+        <p:txBody>
+          <a:bodyPr vert="horz" lIns="91440" tIns="45720" rIns="91440" bIns="45720" rtlCol="0" anchor="ctr">
+            <a:normAutofit/>
+          </a:bodyPr>
           <a:lstStyle/>
           <a:p>
-            <a:r>
-              <a:rPr lang="de-DE" dirty="0"/>
+            <a:pPr algn="ctr"/>
+            <a:r>
+              <a:rPr lang="en-US" sz="3200" kern="1200">
+                <a:solidFill>
+                  <a:schemeClr val="bg1"/>
+                </a:solidFill>
+                <a:latin typeface="+mj-lt"/>
+                <a:ea typeface="+mj-ea"/>
+                <a:cs typeface="+mj-cs"/>
+              </a:rPr>
               <a:t>Entwicklungen bis zur Abgabe</a:t>
             </a:r>
           </a:p>
@@ -3470,14 +4112,14 @@
           <p:nvPr>
             <p:extLst>
               <p:ext uri="{D42A27DB-BD31-4B8C-83A1-F6EECF244321}">
-                <p14:modId xmlns:p14="http://schemas.microsoft.com/office/powerpoint/2010/main" val="3589863955"/>
+                <p14:modId xmlns:p14="http://schemas.microsoft.com/office/powerpoint/2010/main" val="2848007923"/>
               </p:ext>
             </p:extLst>
           </p:nvPr>
         </p:nvGraphicFramePr>
         <p:xfrm>
-          <a:off x="949960" y="1685924"/>
-          <a:ext cx="10403840" cy="4620578"/>
+          <a:off x="1175112" y="1675227"/>
+          <a:ext cx="9841776" cy="4656454"/>
         </p:xfrm>
         <a:graphic>
           <a:graphicData uri="http://schemas.openxmlformats.org/drawingml/2006/table">
@@ -3486,14 +4128,14 @@
                 <a:tableStyleId>{5940675A-B579-460E-94D1-54222C63F5DA}</a:tableStyleId>
               </a:tblPr>
               <a:tblGrid>
-                <a:gridCol w="5201920">
+                <a:gridCol w="4920888">
                   <a:extLst>
                     <a:ext uri="{9D8B030D-6E8A-4147-A177-3AD203B41FA5}">
                       <a16:colId xmlns:a16="http://schemas.microsoft.com/office/drawing/2014/main" val="1087203503"/>
                     </a:ext>
                   </a:extLst>
                 </a:gridCol>
-                <a:gridCol w="5201920">
+                <a:gridCol w="4920888">
                   <a:extLst>
                     <a:ext uri="{9D8B030D-6E8A-4147-A177-3AD203B41FA5}">
                       <a16:colId xmlns:a16="http://schemas.microsoft.com/office/drawing/2014/main" val="2791348744"/>
@@ -3501,19 +4143,19 @@
                   </a:extLst>
                 </a:gridCol>
               </a:tblGrid>
-              <a:tr h="444818">
+              <a:tr h="409434">
                 <a:tc>
                   <a:txBody>
                     <a:bodyPr/>
                     <a:lstStyle/>
                     <a:p>
                       <a:r>
-                        <a:rPr lang="de-DE" sz="2000" dirty="0"/>
+                        <a:rPr lang="de-DE" sz="1900"/>
                         <a:t>Layout</a:t>
                       </a:r>
                     </a:p>
                   </a:txBody>
-                  <a:tcPr>
+                  <a:tcPr marL="86500" marR="86500" marT="43250" marB="43250">
                     <a:lnL w="12700" cap="flat" cmpd="sng" algn="ctr">
                       <a:noFill/>
                       <a:prstDash val="solid"/>
@@ -3562,12 +4204,12 @@
                     <a:lstStyle/>
                     <a:p>
                       <a:r>
-                        <a:rPr lang="de-DE" sz="2000" dirty="0"/>
+                        <a:rPr lang="de-DE" sz="1900"/>
                         <a:t>Code</a:t>
                       </a:r>
                     </a:p>
                   </a:txBody>
-                  <a:tcPr>
+                  <a:tcPr marL="86500" marR="86500" marT="43250" marB="43250">
                     <a:lnL w="12700" cap="flat" cmpd="sng" algn="ctr">
                       <a:solidFill>
                         <a:schemeClr val="tx1"/>
@@ -3616,7 +4258,7 @@
                   </a:ext>
                 </a:extLst>
               </a:tr>
-              <a:tr h="444818">
+              <a:tr h="3984766">
                 <a:tc>
                   <a:txBody>
                     <a:bodyPr/>
@@ -3627,7 +4269,7 @@
                         <a:buChar char="•"/>
                       </a:pPr>
                       <a:r>
-                        <a:rPr lang="de-CH" sz="2000" b="0" dirty="0">
+                        <a:rPr lang="de-CH" sz="1900" b="0" dirty="0">
                           <a:latin typeface="Helvetica Neue" panose="02000503000000020004" pitchFamily="2" charset="0"/>
                           <a:ea typeface="Helvetica Neue" panose="02000503000000020004" pitchFamily="2" charset="0"/>
                           <a:cs typeface="Helvetica Neue" panose="02000503000000020004" pitchFamily="2" charset="0"/>
@@ -3654,7 +4296,7 @@
                         <a:defRPr/>
                       </a:pPr>
                       <a:r>
-                        <a:rPr lang="de-CH" sz="1600" dirty="0">
+                        <a:rPr lang="de-CH" sz="1500" dirty="0">
                           <a:latin typeface="Helvetica Neue" panose="02000503000000020004" pitchFamily="2" charset="0"/>
                           <a:ea typeface="Helvetica Neue" panose="02000503000000020004" pitchFamily="2" charset="0"/>
                           <a:cs typeface="Helvetica Neue" panose="02000503000000020004" pitchFamily="2" charset="0"/>
@@ -3680,7 +4322,7 @@
                         <a:tabLst/>
                         <a:defRPr/>
                       </a:pPr>
-                      <a:endParaRPr lang="de-CH" sz="1600" b="0" dirty="0">
+                      <a:endParaRPr lang="de-CH" sz="1500" b="0" dirty="0">
                         <a:latin typeface="Helvetica Neue" panose="02000503000000020004" pitchFamily="2" charset="0"/>
                         <a:ea typeface="Helvetica Neue" panose="02000503000000020004" pitchFamily="2" charset="0"/>
                         <a:cs typeface="Helvetica Neue" panose="02000503000000020004" pitchFamily="2" charset="0"/>
@@ -3692,7 +4334,7 @@
                         <a:buChar char="•"/>
                       </a:pPr>
                       <a:r>
-                        <a:rPr lang="de-CH" sz="2000" b="0" dirty="0">
+                        <a:rPr lang="de-CH" sz="1900" b="0" dirty="0">
                           <a:latin typeface="Helvetica Neue" panose="02000503000000020004" pitchFamily="2" charset="0"/>
                           <a:ea typeface="Helvetica Neue" panose="02000503000000020004" pitchFamily="2" charset="0"/>
                           <a:cs typeface="Helvetica Neue" panose="02000503000000020004" pitchFamily="2" charset="0"/>
@@ -3719,7 +4361,7 @@
                         <a:defRPr/>
                       </a:pPr>
                       <a:r>
-                        <a:rPr lang="de-CH" sz="1600" dirty="0">
+                        <a:rPr lang="de-CH" sz="1500" dirty="0">
                           <a:latin typeface="Helvetica Neue" panose="02000503000000020004" pitchFamily="2" charset="0"/>
                           <a:ea typeface="Helvetica Neue" panose="02000503000000020004" pitchFamily="2" charset="0"/>
                           <a:cs typeface="Helvetica Neue" panose="02000503000000020004" pitchFamily="2" charset="0"/>
@@ -3745,7 +4387,7 @@
                         <a:tabLst/>
                         <a:defRPr/>
                       </a:pPr>
-                      <a:endParaRPr lang="de-CH" sz="2000" b="0" dirty="0">
+                      <a:endParaRPr lang="de-CH" sz="1900" b="0" dirty="0">
                         <a:latin typeface="Helvetica Neue" panose="02000503000000020004" pitchFamily="2" charset="0"/>
                         <a:ea typeface="Helvetica Neue" panose="02000503000000020004" pitchFamily="2" charset="0"/>
                         <a:cs typeface="Helvetica Neue" panose="02000503000000020004" pitchFamily="2" charset="0"/>
@@ -3770,7 +4412,7 @@
                         <a:defRPr/>
                       </a:pPr>
                       <a:r>
-                        <a:rPr lang="de-CH" sz="1600" dirty="0">
+                        <a:rPr lang="de-CH" sz="1500" dirty="0">
                           <a:latin typeface="Helvetica Neue" panose="02000503000000020004" pitchFamily="2" charset="0"/>
                           <a:ea typeface="Helvetica Neue" panose="02000503000000020004" pitchFamily="2" charset="0"/>
                           <a:cs typeface="Helvetica Neue" panose="02000503000000020004" pitchFamily="2" charset="0"/>
@@ -3796,7 +4438,7 @@
                         <a:tabLst/>
                         <a:defRPr/>
                       </a:pPr>
-                      <a:endParaRPr lang="de-CH" sz="1600" dirty="0">
+                      <a:endParaRPr lang="de-CH" sz="1500" dirty="0">
                         <a:latin typeface="Helvetica Neue" panose="02000503000000020004" pitchFamily="2" charset="0"/>
                         <a:ea typeface="Helvetica Neue" panose="02000503000000020004" pitchFamily="2" charset="0"/>
                         <a:cs typeface="Helvetica Neue" panose="02000503000000020004" pitchFamily="2" charset="0"/>
@@ -3820,14 +4462,14 @@
                         <a:tabLst/>
                         <a:defRPr/>
                       </a:pPr>
-                      <a:endParaRPr lang="de-CH" sz="1600" dirty="0">
+                      <a:endParaRPr lang="de-CH" sz="1500" dirty="0">
                         <a:latin typeface="Helvetica Neue" panose="02000503000000020004" pitchFamily="2" charset="0"/>
                         <a:ea typeface="Helvetica Neue" panose="02000503000000020004" pitchFamily="2" charset="0"/>
                         <a:cs typeface="Helvetica Neue" panose="02000503000000020004" pitchFamily="2" charset="0"/>
                       </a:endParaRPr>
                     </a:p>
                   </a:txBody>
-                  <a:tcPr>
+                  <a:tcPr marL="86500" marR="86500" marT="43250" marB="43250">
                     <a:lnL w="12700" cap="flat" cmpd="sng" algn="ctr">
                       <a:noFill/>
                       <a:prstDash val="solid"/>
@@ -3893,7 +4535,7 @@
                         <a:defRPr/>
                       </a:pPr>
                       <a:r>
-                        <a:rPr lang="de-CH" sz="2000" b="0" dirty="0">
+                        <a:rPr lang="de-CH" sz="1900" b="0" dirty="0">
                           <a:latin typeface="Helvetica Neue" panose="02000503000000020004" pitchFamily="2" charset="0"/>
                           <a:ea typeface="Helvetica Neue" panose="02000503000000020004" pitchFamily="2" charset="0"/>
                           <a:cs typeface="Helvetica Neue" panose="02000503000000020004" pitchFamily="2" charset="0"/>
@@ -3920,7 +4562,7 @@
                         <a:defRPr/>
                       </a:pPr>
                       <a:r>
-                        <a:rPr lang="de-CH" sz="1600" b="0" dirty="0">
+                        <a:rPr lang="de-CH" sz="1500" b="0" dirty="0">
                           <a:latin typeface="Helvetica Neue" panose="02000503000000020004" pitchFamily="2" charset="0"/>
                           <a:ea typeface="Helvetica Neue" panose="02000503000000020004" pitchFamily="2" charset="0"/>
                           <a:cs typeface="Helvetica Neue" panose="02000503000000020004" pitchFamily="2" charset="0"/>
@@ -3946,7 +4588,7 @@
                         <a:tabLst/>
                         <a:defRPr/>
                       </a:pPr>
-                      <a:endParaRPr lang="de-DE" sz="2000" dirty="0"/>
+                      <a:endParaRPr lang="de-DE" sz="1900" dirty="0"/>
                     </a:p>
                     <a:p>
                       <a:pPr marL="342900" marR="0" lvl="0" indent="-342900" algn="l" defTabSz="914400" rtl="0" eaLnBrk="1" fontAlgn="auto" latinLnBrk="0" hangingPunct="1">
@@ -3967,7 +4609,7 @@
                         <a:defRPr/>
                       </a:pPr>
                       <a:r>
-                        <a:rPr lang="de-CH" sz="2000" b="0" dirty="0">
+                        <a:rPr lang="de-CH" sz="1900" b="0" dirty="0">
                           <a:latin typeface="Helvetica Neue" panose="02000503000000020004" pitchFamily="2" charset="0"/>
                           <a:ea typeface="Helvetica Neue" panose="02000503000000020004" pitchFamily="2" charset="0"/>
                           <a:cs typeface="Helvetica Neue" panose="02000503000000020004" pitchFamily="2" charset="0"/>
@@ -3980,7 +4622,7 @@
                         <a:tabLst/>
                       </a:pPr>
                       <a:r>
-                        <a:rPr lang="de-CH" sz="1600" dirty="0">
+                        <a:rPr lang="de-CH" sz="1500" dirty="0">
                           <a:latin typeface="Helvetica Neue" panose="02000503000000020004" pitchFamily="2" charset="0"/>
                           <a:ea typeface="Helvetica Neue" panose="02000503000000020004" pitchFamily="2" charset="0"/>
                           <a:cs typeface="Helvetica Neue" panose="02000503000000020004" pitchFamily="2" charset="0"/>
@@ -3993,59 +4635,66 @@
                         <a:buFont typeface="Arial" panose="020B0604020202020204" pitchFamily="34" charset="0"/>
                         <a:buChar char="•"/>
                       </a:pPr>
-                      <a:endParaRPr lang="de-DE" sz="2000" dirty="0"/>
+                      <a:endParaRPr lang="de-DE" sz="1900" dirty="0"/>
                     </a:p>
                     <a:p>
                       <a:pPr marL="342900" indent="-342900">
                         <a:buFont typeface="Arial" panose="020B0604020202020204" pitchFamily="34" charset="0"/>
                         <a:buChar char="•"/>
                       </a:pPr>
-                      <a:endParaRPr lang="de-DE" sz="2000" dirty="0"/>
+                      <a:endParaRPr lang="de-DE" sz="1900" dirty="0"/>
                     </a:p>
                     <a:p>
                       <a:pPr marL="342900" indent="-342900">
                         <a:buFont typeface="Arial" panose="020B0604020202020204" pitchFamily="34" charset="0"/>
                         <a:buChar char="•"/>
                       </a:pPr>
-                      <a:endParaRPr lang="de-DE" sz="2000" dirty="0"/>
+                      <a:endParaRPr lang="de-DE" sz="1900" dirty="0"/>
                     </a:p>
                     <a:p>
                       <a:pPr marL="342900" indent="-342900">
                         <a:buFont typeface="Arial" panose="020B0604020202020204" pitchFamily="34" charset="0"/>
                         <a:buChar char="•"/>
                       </a:pPr>
-                      <a:endParaRPr lang="de-DE" sz="2000" dirty="0"/>
+                      <a:endParaRPr lang="de-DE" sz="1900" dirty="0"/>
                     </a:p>
                     <a:p>
                       <a:pPr marL="342900" indent="-342900">
                         <a:buFont typeface="Arial" panose="020B0604020202020204" pitchFamily="34" charset="0"/>
                         <a:buChar char="•"/>
                       </a:pPr>
-                      <a:endParaRPr lang="de-DE" sz="2000" dirty="0"/>
+                      <a:endParaRPr lang="de-DE" sz="1900" dirty="0"/>
                     </a:p>
                     <a:p>
                       <a:pPr marL="342900" indent="-342900">
                         <a:buFont typeface="Arial" panose="020B0604020202020204" pitchFamily="34" charset="0"/>
                         <a:buChar char="•"/>
                       </a:pPr>
-                      <a:endParaRPr lang="de-DE" sz="2000" dirty="0"/>
+                      <a:endParaRPr lang="de-DE" sz="1900" dirty="0"/>
                     </a:p>
                     <a:p>
                       <a:pPr marL="342900" indent="-342900">
                         <a:buFont typeface="Arial" panose="020B0604020202020204" pitchFamily="34" charset="0"/>
                         <a:buChar char="•"/>
                       </a:pPr>
-                      <a:endParaRPr lang="de-DE" sz="2000" dirty="0"/>
+                      <a:endParaRPr lang="de-DE" sz="1900" dirty="0"/>
                     </a:p>
                     <a:p>
                       <a:pPr marL="342900" indent="-342900">
                         <a:buFont typeface="Arial" panose="020B0604020202020204" pitchFamily="34" charset="0"/>
                         <a:buChar char="•"/>
                       </a:pPr>
-                      <a:endParaRPr lang="de-DE" sz="2000" dirty="0"/>
+                      <a:endParaRPr lang="de-DE" sz="1900" dirty="0"/>
+                    </a:p>
+                    <a:p>
+                      <a:pPr marL="342900" indent="-342900">
+                        <a:buFont typeface="Arial" panose="020B0604020202020204" pitchFamily="34" charset="0"/>
+                        <a:buChar char="•"/>
+                      </a:pPr>
+                      <a:endParaRPr lang="de-DE" sz="1900" dirty="0"/>
                     </a:p>
                   </a:txBody>
-                  <a:tcPr>
+                  <a:tcPr marL="86500" marR="86500" marT="43250" marB="43250">
                     <a:lnL w="12700" cap="flat" cmpd="sng" algn="ctr">
                       <a:solidFill>
                         <a:schemeClr val="tx1"/>
@@ -4100,10 +4749,10 @@
       </p:graphicFrame>
       <p:pic>
         <p:nvPicPr>
-          <p:cNvPr id="6" name="Grafik 5">
-            <a:extLst>
-              <a:ext uri="{FF2B5EF4-FFF2-40B4-BE49-F238E27FC236}">
-                <a16:creationId xmlns:a16="http://schemas.microsoft.com/office/drawing/2014/main" id="{27D682ED-959F-974D-97F5-AB82436B84C8}"/>
+          <p:cNvPr id="11" name="Grafik 10">
+            <a:extLst>
+              <a:ext uri="{FF2B5EF4-FFF2-40B4-BE49-F238E27FC236}">
+                <a16:creationId xmlns:a16="http://schemas.microsoft.com/office/drawing/2014/main" id="{86A1F34F-C72A-F648-B145-2ECAFE191C28}"/>
               </a:ext>
             </a:extLst>
           </p:cNvPr>
@@ -4141,9 +4790,17 @@
 </p:sld>
 </file>
 
-<file path=ppt/slides/slide2.xml><?xml version="1.0" encoding="utf-8"?>
+<file path=ppt/slides/slide11.xml><?xml version="1.0" encoding="utf-8"?>
 <p:sld xmlns:a="http://schemas.openxmlformats.org/drawingml/2006/main" xmlns:r="http://schemas.openxmlformats.org/officeDocument/2006/relationships" xmlns:p="http://schemas.openxmlformats.org/presentationml/2006/main">
   <p:cSld>
+    <p:bg>
+      <p:bgPr>
+        <a:solidFill>
+          <a:schemeClr val="bg1"/>
+        </a:solidFill>
+        <a:effectLst/>
+      </p:bgPr>
+    </p:bg>
     <p:spTree>
       <p:nvGrpSpPr>
         <p:cNvPr id="1" name=""/>
@@ -4158,12 +4815,261 @@
           <a:chExt cx="0" cy="0"/>
         </a:xfrm>
       </p:grpSpPr>
+      <p:sp useBgFill="1">
+        <p:nvSpPr>
+          <p:cNvPr id="8" name="Rectangle 7">
+            <a:extLst>
+              <a:ext uri="{FF2B5EF4-FFF2-40B4-BE49-F238E27FC236}">
+                <a16:creationId xmlns:a16="http://schemas.microsoft.com/office/drawing/2014/main" id="{DAF1966E-FD40-4A4A-B61B-C4DF7FA05F06}"/>
+              </a:ext>
+              <a:ext uri="{C183D7F6-B498-43B3-948B-1728B52AA6E4}">
+                <adec:decorative xmlns:adec="http://schemas.microsoft.com/office/drawing/2017/decorative" val="1"/>
+              </a:ext>
+            </a:extLst>
+          </p:cNvPr>
+          <p:cNvSpPr>
+            <a:spLocks noGrp="1" noRot="1" noChangeAspect="1" noMove="1" noResize="1" noEditPoints="1" noAdjustHandles="1" noChangeArrowheads="1" noChangeShapeType="1" noTextEdit="1"/>
+          </p:cNvSpPr>
+          <p:nvPr>
+            <p:extLst>
+              <p:ext uri="{386F3935-93C4-4BCD-93E2-E3B085C9AB24}">
+                <p16:designElem xmlns:p16="http://schemas.microsoft.com/office/powerpoint/2015/main" val="1"/>
+              </p:ext>
+            </p:extLst>
+          </p:nvPr>
+        </p:nvSpPr>
+        <p:spPr>
+          <a:xfrm>
+            <a:off x="0" y="0"/>
+            <a:ext cx="12192000" cy="6858000"/>
+          </a:xfrm>
+          <a:prstGeom prst="rect">
+            <a:avLst/>
+          </a:prstGeom>
+          <a:ln>
+            <a:noFill/>
+          </a:ln>
+        </p:spPr>
+        <p:style>
+          <a:lnRef idx="2">
+            <a:schemeClr val="accent1">
+              <a:shade val="50000"/>
+            </a:schemeClr>
+          </a:lnRef>
+          <a:fillRef idx="1">
+            <a:schemeClr val="accent1"/>
+          </a:fillRef>
+          <a:effectRef idx="0">
+            <a:schemeClr val="accent1"/>
+          </a:effectRef>
+          <a:fontRef idx="minor">
+            <a:schemeClr val="lt1"/>
+          </a:fontRef>
+        </p:style>
+        <p:txBody>
+          <a:bodyPr rtlCol="0" anchor="ctr"/>
+          <a:lstStyle/>
+          <a:p>
+            <a:pPr algn="ctr"/>
+            <a:endParaRPr lang="en-US"/>
+          </a:p>
+        </p:txBody>
+      </p:sp>
+      <p:sp useBgFill="1">
+        <p:nvSpPr>
+          <p:cNvPr id="10" name="Rectangle 9">
+            <a:extLst>
+              <a:ext uri="{FF2B5EF4-FFF2-40B4-BE49-F238E27FC236}">
+                <a16:creationId xmlns:a16="http://schemas.microsoft.com/office/drawing/2014/main" id="{047BFA19-D45E-416B-A404-7AF2F3F27017}"/>
+              </a:ext>
+              <a:ext uri="{C183D7F6-B498-43B3-948B-1728B52AA6E4}">
+                <adec:decorative xmlns:adec="http://schemas.microsoft.com/office/drawing/2017/decorative" val="1"/>
+              </a:ext>
+            </a:extLst>
+          </p:cNvPr>
+          <p:cNvSpPr>
+            <a:spLocks noGrp="1" noRot="1" noChangeAspect="1" noMove="1" noResize="1" noEditPoints="1" noAdjustHandles="1" noChangeArrowheads="1" noChangeShapeType="1" noTextEdit="1"/>
+          </p:cNvSpPr>
+          <p:nvPr>
+            <p:extLst>
+              <p:ext uri="{386F3935-93C4-4BCD-93E2-E3B085C9AB24}">
+                <p16:designElem xmlns:p16="http://schemas.microsoft.com/office/powerpoint/2015/main" val="1"/>
+              </p:ext>
+            </p:extLst>
+          </p:nvPr>
+        </p:nvSpPr>
+        <p:spPr>
+          <a:xfrm>
+            <a:off x="558209" y="0"/>
+            <a:ext cx="11167447" cy="2018806"/>
+          </a:xfrm>
+          <a:prstGeom prst="rect">
+            <a:avLst/>
+          </a:prstGeom>
+          <a:ln w="9525">
+            <a:solidFill>
+              <a:srgbClr val="E1E1E1"/>
+            </a:solidFill>
+          </a:ln>
+          <a:effectLst>
+            <a:outerShdw blurRad="50800" dist="38100" dir="2700000" algn="tl" rotWithShape="0">
+              <a:schemeClr val="bg1">
+                <a:lumMod val="85000"/>
+                <a:alpha val="50000"/>
+              </a:schemeClr>
+            </a:outerShdw>
+          </a:effectLst>
+        </p:spPr>
+        <p:style>
+          <a:lnRef idx="2">
+            <a:schemeClr val="accent1">
+              <a:shade val="50000"/>
+            </a:schemeClr>
+          </a:lnRef>
+          <a:fillRef idx="1">
+            <a:schemeClr val="accent1"/>
+          </a:fillRef>
+          <a:effectRef idx="0">
+            <a:schemeClr val="accent1"/>
+          </a:effectRef>
+          <a:fontRef idx="minor">
+            <a:schemeClr val="lt1"/>
+          </a:fontRef>
+        </p:style>
+        <p:txBody>
+          <a:bodyPr rtlCol="0" anchor="ctr"/>
+          <a:lstStyle/>
+          <a:p>
+            <a:pPr marL="0" marR="0" lvl="0" indent="0" algn="ctr" defTabSz="914400" rtl="0" eaLnBrk="1" fontAlgn="auto" latinLnBrk="0" hangingPunct="1">
+              <a:lnSpc>
+                <a:spcPct val="100000"/>
+              </a:lnSpc>
+              <a:spcBef>
+                <a:spcPts val="0"/>
+              </a:spcBef>
+              <a:spcAft>
+                <a:spcPts val="0"/>
+              </a:spcAft>
+              <a:buClrTx/>
+              <a:buSzTx/>
+              <a:buFontTx/>
+              <a:buNone/>
+              <a:tabLst/>
+              <a:defRPr/>
+            </a:pPr>
+            <a:endParaRPr kumimoji="0" lang="en-US" sz="1800" b="0" i="0" u="none" strike="noStrike" kern="1200" cap="none" spc="0" normalizeH="0" baseline="0" noProof="0">
+              <a:ln>
+                <a:noFill/>
+              </a:ln>
+              <a:solidFill>
+                <a:prstClr val="white"/>
+              </a:solidFill>
+              <a:effectLst/>
+              <a:uLnTx/>
+              <a:uFillTx/>
+              <a:latin typeface="Calibri" panose="020F0502020204030204"/>
+              <a:ea typeface="+mn-ea"/>
+              <a:cs typeface="+mn-cs"/>
+            </a:endParaRPr>
+          </a:p>
+        </p:txBody>
+      </p:sp>
+      <p:sp useBgFill="1">
+        <p:nvSpPr>
+          <p:cNvPr id="12" name="Rectangle 11">
+            <a:extLst>
+              <a:ext uri="{FF2B5EF4-FFF2-40B4-BE49-F238E27FC236}">
+                <a16:creationId xmlns:a16="http://schemas.microsoft.com/office/drawing/2014/main" id="{8E0105E7-23DB-4CF2-8258-FF47C7620F6E}"/>
+              </a:ext>
+              <a:ext uri="{C183D7F6-B498-43B3-948B-1728B52AA6E4}">
+                <adec:decorative xmlns:adec="http://schemas.microsoft.com/office/drawing/2017/decorative" val="1"/>
+              </a:ext>
+            </a:extLst>
+          </p:cNvPr>
+          <p:cNvSpPr>
+            <a:spLocks noGrp="1" noRot="1" noChangeAspect="1" noMove="1" noResize="1" noEditPoints="1" noAdjustHandles="1" noChangeArrowheads="1" noChangeShapeType="1" noTextEdit="1"/>
+          </p:cNvSpPr>
+          <p:nvPr>
+            <p:extLst>
+              <p:ext uri="{386F3935-93C4-4BCD-93E2-E3B085C9AB24}">
+                <p16:designElem xmlns:p16="http://schemas.microsoft.com/office/powerpoint/2015/main" val="1"/>
+              </p:ext>
+            </p:extLst>
+          </p:nvPr>
+        </p:nvSpPr>
+        <p:spPr>
+          <a:xfrm>
+            <a:off x="566928" y="0"/>
+            <a:ext cx="11155680" cy="2011680"/>
+          </a:xfrm>
+          <a:prstGeom prst="rect">
+            <a:avLst/>
+          </a:prstGeom>
+          <a:ln w="9525">
+            <a:noFill/>
+          </a:ln>
+          <a:effectLst/>
+        </p:spPr>
+        <p:style>
+          <a:lnRef idx="2">
+            <a:schemeClr val="accent1">
+              <a:shade val="50000"/>
+            </a:schemeClr>
+          </a:lnRef>
+          <a:fillRef idx="1">
+            <a:schemeClr val="accent1"/>
+          </a:fillRef>
+          <a:effectRef idx="0">
+            <a:schemeClr val="accent1"/>
+          </a:effectRef>
+          <a:fontRef idx="minor">
+            <a:schemeClr val="lt1"/>
+          </a:fontRef>
+        </p:style>
+        <p:txBody>
+          <a:bodyPr rtlCol="0" anchor="ctr"/>
+          <a:lstStyle/>
+          <a:p>
+            <a:pPr marL="0" marR="0" lvl="0" indent="0" algn="ctr" defTabSz="914400" rtl="0" eaLnBrk="1" fontAlgn="auto" latinLnBrk="0" hangingPunct="1">
+              <a:lnSpc>
+                <a:spcPct val="100000"/>
+              </a:lnSpc>
+              <a:spcBef>
+                <a:spcPts val="0"/>
+              </a:spcBef>
+              <a:spcAft>
+                <a:spcPts val="0"/>
+              </a:spcAft>
+              <a:buClrTx/>
+              <a:buSzTx/>
+              <a:buFontTx/>
+              <a:buNone/>
+              <a:tabLst/>
+              <a:defRPr/>
+            </a:pPr>
+            <a:endParaRPr kumimoji="0" lang="en-US" sz="1800" b="0" i="0" u="none" strike="noStrike" kern="1200" cap="none" spc="0" normalizeH="0" baseline="0" noProof="0">
+              <a:ln>
+                <a:noFill/>
+              </a:ln>
+              <a:solidFill>
+                <a:prstClr val="white"/>
+              </a:solidFill>
+              <a:effectLst/>
+              <a:uLnTx/>
+              <a:uFillTx/>
+              <a:latin typeface="Calibri" panose="020F0502020204030204"/>
+              <a:ea typeface="+mn-ea"/>
+              <a:cs typeface="+mn-cs"/>
+            </a:endParaRPr>
+          </a:p>
+        </p:txBody>
+      </p:sp>
       <p:sp>
         <p:nvSpPr>
           <p:cNvPr id="2" name="Titel 1">
             <a:extLst>
               <a:ext uri="{FF2B5EF4-FFF2-40B4-BE49-F238E27FC236}">
-                <a16:creationId xmlns:a16="http://schemas.microsoft.com/office/drawing/2014/main" id="{C2978682-310A-2C47-A278-91D37BF40464}"/>
+                <a16:creationId xmlns:a16="http://schemas.microsoft.com/office/drawing/2014/main" id="{329661AE-AE3A-ED41-8526-830974868C9C}"/>
               </a:ext>
             </a:extLst>
           </p:cNvPr>
@@ -4174,45 +5080,678 @@
             <p:ph type="title"/>
           </p:nvPr>
         </p:nvSpPr>
-        <p:spPr/>
-        <p:txBody>
-          <a:bodyPr/>
-          <a:lstStyle/>
-          <a:p>
-            <a:r>
-              <a:rPr lang="de-DE" dirty="0"/>
-              <a:t>Anwendungsbezogene Perspektive</a:t>
-            </a:r>
-          </a:p>
-        </p:txBody>
-      </p:sp>
-      <p:sp>
-        <p:nvSpPr>
-          <p:cNvPr id="3" name="Inhaltsplatzhalter 2">
-            <a:extLst>
-              <a:ext uri="{FF2B5EF4-FFF2-40B4-BE49-F238E27FC236}">
-                <a16:creationId xmlns:a16="http://schemas.microsoft.com/office/drawing/2014/main" id="{9DAC09FE-9A8F-7643-BF68-B0CF606712A2}"/>
-              </a:ext>
-            </a:extLst>
-          </p:cNvPr>
-          <p:cNvSpPr>
-            <a:spLocks noGrp="1"/>
-          </p:cNvSpPr>
-          <p:nvPr>
-            <p:ph idx="1"/>
-          </p:nvPr>
-        </p:nvSpPr>
-        <p:spPr/>
+        <p:spPr>
+          <a:xfrm>
+            <a:off x="1115568" y="548640"/>
+            <a:ext cx="10168128" cy="1179576"/>
+          </a:xfrm>
+        </p:spPr>
         <p:txBody>
           <a:bodyPr>
             <a:normAutofit/>
           </a:bodyPr>
           <a:lstStyle/>
           <a:p>
+            <a:r>
+              <a:rPr lang="de-DE" sz="4000" dirty="0"/>
+              <a:t>Projektvorhaben Evaluation</a:t>
+            </a:r>
+          </a:p>
+        </p:txBody>
+      </p:sp>
+      <p:sp>
+        <p:nvSpPr>
+          <p:cNvPr id="14" name="Rectangle 13">
+            <a:extLst>
+              <a:ext uri="{FF2B5EF4-FFF2-40B4-BE49-F238E27FC236}">
+                <a16:creationId xmlns:a16="http://schemas.microsoft.com/office/drawing/2014/main" id="{074B4F7D-14B2-478B-8BF5-01E4E0C5D263}"/>
+              </a:ext>
+              <a:ext uri="{C183D7F6-B498-43B3-948B-1728B52AA6E4}">
+                <adec:decorative xmlns:adec="http://schemas.microsoft.com/office/drawing/2017/decorative" val="1"/>
+              </a:ext>
+            </a:extLst>
+          </p:cNvPr>
+          <p:cNvSpPr>
+            <a:spLocks noGrp="1" noRot="1" noChangeAspect="1" noMove="1" noResize="1" noEditPoints="1" noAdjustHandles="1" noChangeArrowheads="1" noChangeShapeType="1" noTextEdit="1"/>
+          </p:cNvSpPr>
+          <p:nvPr>
+            <p:extLst>
+              <p:ext uri="{386F3935-93C4-4BCD-93E2-E3B085C9AB24}">
+                <p16:designElem xmlns:p16="http://schemas.microsoft.com/office/powerpoint/2015/main" val="1"/>
+              </p:ext>
+            </p:extLst>
+          </p:nvPr>
+        </p:nvSpPr>
+        <p:spPr>
+          <a:xfrm>
+            <a:off x="498834" y="758952"/>
+            <a:ext cx="128016" cy="704088"/>
+          </a:xfrm>
+          <a:prstGeom prst="rect">
+            <a:avLst/>
+          </a:prstGeom>
+          <a:solidFill>
+            <a:schemeClr val="accent2"/>
+          </a:solidFill>
+          <a:ln>
+            <a:noFill/>
+          </a:ln>
+        </p:spPr>
+        <p:style>
+          <a:lnRef idx="2">
+            <a:schemeClr val="accent1">
+              <a:shade val="50000"/>
+            </a:schemeClr>
+          </a:lnRef>
+          <a:fillRef idx="1">
+            <a:schemeClr val="accent1"/>
+          </a:fillRef>
+          <a:effectRef idx="0">
+            <a:schemeClr val="accent1"/>
+          </a:effectRef>
+          <a:fontRef idx="minor">
+            <a:schemeClr val="lt1"/>
+          </a:fontRef>
+        </p:style>
+        <p:txBody>
+          <a:bodyPr rtlCol="0" anchor="ctr"/>
+          <a:lstStyle/>
+          <a:p>
+            <a:pPr algn="ctr"/>
+            <a:endParaRPr lang="en-US">
+              <a:solidFill>
+                <a:prstClr val="white"/>
+              </a:solidFill>
+              <a:latin typeface="Calibri" panose="020F0502020204030204"/>
+            </a:endParaRPr>
+          </a:p>
+        </p:txBody>
+      </p:sp>
+      <p:sp>
+        <p:nvSpPr>
+          <p:cNvPr id="3" name="Inhaltsplatzhalter 2">
+            <a:extLst>
+              <a:ext uri="{FF2B5EF4-FFF2-40B4-BE49-F238E27FC236}">
+                <a16:creationId xmlns:a16="http://schemas.microsoft.com/office/drawing/2014/main" id="{DBC179A3-FA57-6941-8067-ABC9ED6135E5}"/>
+              </a:ext>
+            </a:extLst>
+          </p:cNvPr>
+          <p:cNvSpPr>
+            <a:spLocks noGrp="1"/>
+          </p:cNvSpPr>
+          <p:nvPr>
+            <p:ph idx="1"/>
+          </p:nvPr>
+        </p:nvSpPr>
+        <p:spPr>
+          <a:xfrm>
+            <a:off x="1115568" y="2481943"/>
+            <a:ext cx="10168128" cy="3695020"/>
+          </a:xfrm>
+        </p:spPr>
+        <p:txBody>
+          <a:bodyPr>
+            <a:normAutofit/>
+          </a:bodyPr>
+          <a:lstStyle/>
+          <a:p>
+            <a:r>
+              <a:rPr lang="de-CH" sz="1400" b="1" dirty="0">
+                <a:latin typeface="Helvetica Neue" panose="02000503000000020004" pitchFamily="2" charset="0"/>
+                <a:ea typeface="Helvetica Neue" panose="02000503000000020004" pitchFamily="2" charset="0"/>
+                <a:cs typeface="Helvetica Neue" panose="02000503000000020004" pitchFamily="2" charset="0"/>
+              </a:rPr>
+              <a:t>Thema: </a:t>
+            </a:r>
+            <a:r>
+              <a:rPr lang="de-CH" sz="1400" dirty="0">
+                <a:latin typeface="Helvetica Neue" panose="02000503000000020004" pitchFamily="2" charset="0"/>
+                <a:ea typeface="Helvetica Neue" panose="02000503000000020004" pitchFamily="2" charset="0"/>
+                <a:cs typeface="Helvetica Neue" panose="02000503000000020004" pitchFamily="2" charset="0"/>
+              </a:rPr>
+              <a:t>Simulation der Erdrevolution</a:t>
+            </a:r>
+          </a:p>
+          <a:p>
+            <a:endParaRPr lang="de-CH" sz="1400" dirty="0">
+              <a:latin typeface="Helvetica Neue" panose="02000503000000020004" pitchFamily="2" charset="0"/>
+              <a:ea typeface="Helvetica Neue" panose="02000503000000020004" pitchFamily="2" charset="0"/>
+              <a:cs typeface="Helvetica Neue" panose="02000503000000020004" pitchFamily="2" charset="0"/>
+            </a:endParaRPr>
+          </a:p>
+          <a:p>
+            <a:r>
+              <a:rPr lang="de-CH" sz="1400" b="1" dirty="0">
+                <a:latin typeface="Helvetica Neue" panose="02000503000000020004" pitchFamily="2" charset="0"/>
+                <a:ea typeface="Helvetica Neue" panose="02000503000000020004" pitchFamily="2" charset="0"/>
+                <a:cs typeface="Helvetica Neue" panose="02000503000000020004" pitchFamily="2" charset="0"/>
+              </a:rPr>
+              <a:t>Gründe für Projektwahl: </a:t>
+            </a:r>
+            <a:r>
+              <a:rPr lang="de-CH" sz="1400" dirty="0">
+                <a:latin typeface="Helvetica Neue" panose="02000503000000020004" pitchFamily="2" charset="0"/>
+                <a:ea typeface="Helvetica Neue" panose="02000503000000020004" pitchFamily="2" charset="0"/>
+                <a:cs typeface="Helvetica Neue" panose="02000503000000020004" pitchFamily="2" charset="0"/>
+              </a:rPr>
+              <a:t>Tellurium der Schule oft umständlich zu organisieren, keine passenden Videos oder Simulationen für Schülerinnen und Schüler online</a:t>
+            </a:r>
+          </a:p>
+          <a:p>
             <a:pPr marL="0" indent="0">
               <a:buNone/>
             </a:pPr>
-            <a:endParaRPr lang="de-DE" sz="2000" dirty="0"/>
+            <a:endParaRPr lang="de-CH" sz="1400" dirty="0">
+              <a:latin typeface="Helvetica Neue" panose="02000503000000020004" pitchFamily="2" charset="0"/>
+              <a:ea typeface="Helvetica Neue" panose="02000503000000020004" pitchFamily="2" charset="0"/>
+              <a:cs typeface="Helvetica Neue" panose="02000503000000020004" pitchFamily="2" charset="0"/>
+            </a:endParaRPr>
+          </a:p>
+          <a:p>
+            <a:r>
+              <a:rPr lang="de-CH" sz="1400" b="1" dirty="0">
+                <a:latin typeface="Helvetica Neue" panose="02000503000000020004" pitchFamily="2" charset="0"/>
+                <a:ea typeface="Helvetica Neue" panose="02000503000000020004" pitchFamily="2" charset="0"/>
+                <a:cs typeface="Helvetica Neue" panose="02000503000000020004" pitchFamily="2" charset="0"/>
+              </a:rPr>
+              <a:t>Umschreibung der Idee &amp; Interaktion: </a:t>
+            </a:r>
+            <a:r>
+              <a:rPr lang="de-CH" sz="1400" dirty="0">
+                <a:solidFill>
+                  <a:schemeClr val="accent6"/>
+                </a:solidFill>
+                <a:latin typeface="Helvetica Neue" panose="02000503000000020004" pitchFamily="2" charset="0"/>
+                <a:ea typeface="Helvetica Neue" panose="02000503000000020004" pitchFamily="2" charset="0"/>
+                <a:cs typeface="Helvetica Neue" panose="02000503000000020004" pitchFamily="2" charset="0"/>
+              </a:rPr>
+              <a:t>Die Erde befindet sich auf ihrer Umlaufbahn um die Sonne</a:t>
+            </a:r>
+            <a:r>
+              <a:rPr lang="de-CH" sz="1400" dirty="0">
+                <a:latin typeface="Helvetica Neue" panose="02000503000000020004" pitchFamily="2" charset="0"/>
+                <a:ea typeface="Helvetica Neue" panose="02000503000000020004" pitchFamily="2" charset="0"/>
+                <a:cs typeface="Helvetica Neue" panose="02000503000000020004" pitchFamily="2" charset="0"/>
+              </a:rPr>
+              <a:t>. </a:t>
+            </a:r>
+            <a:r>
+              <a:rPr lang="de-CH" sz="1400" dirty="0">
+                <a:solidFill>
+                  <a:srgbClr val="FF0000"/>
+                </a:solidFill>
+                <a:latin typeface="Helvetica Neue" panose="02000503000000020004" pitchFamily="2" charset="0"/>
+                <a:ea typeface="Helvetica Neue" panose="02000503000000020004" pitchFamily="2" charset="0"/>
+                <a:cs typeface="Helvetica Neue" panose="02000503000000020004" pitchFamily="2" charset="0"/>
+              </a:rPr>
+              <a:t>Mit der Maus wird die Erde auf ihrer Bahn bewegt</a:t>
+            </a:r>
+            <a:r>
+              <a:rPr lang="de-CH" sz="1400" dirty="0">
+                <a:latin typeface="Helvetica Neue" panose="02000503000000020004" pitchFamily="2" charset="0"/>
+                <a:ea typeface="Helvetica Neue" panose="02000503000000020004" pitchFamily="2" charset="0"/>
+                <a:cs typeface="Helvetica Neue" panose="02000503000000020004" pitchFamily="2" charset="0"/>
+              </a:rPr>
+              <a:t>. </a:t>
+            </a:r>
+            <a:r>
+              <a:rPr lang="de-CH" sz="1400" dirty="0">
+                <a:solidFill>
+                  <a:schemeClr val="accent6"/>
+                </a:solidFill>
+                <a:latin typeface="Helvetica Neue" panose="02000503000000020004" pitchFamily="2" charset="0"/>
+                <a:ea typeface="Helvetica Neue" panose="02000503000000020004" pitchFamily="2" charset="0"/>
+                <a:cs typeface="Helvetica Neue" panose="02000503000000020004" pitchFamily="2" charset="0"/>
+              </a:rPr>
+              <a:t>Je nach Einfallswinkel der Sonne werden die unterschiedlichen Jahreszeiten auf der Erde simuliert.</a:t>
+            </a:r>
+            <a:endParaRPr lang="de-CH" sz="1400" dirty="0">
+              <a:latin typeface="Helvetica Neue" panose="02000503000000020004" pitchFamily="2" charset="0"/>
+              <a:ea typeface="Helvetica Neue" panose="02000503000000020004" pitchFamily="2" charset="0"/>
+              <a:cs typeface="Helvetica Neue" panose="02000503000000020004" pitchFamily="2" charset="0"/>
+            </a:endParaRPr>
+          </a:p>
+          <a:p>
+            <a:pPr marL="0" indent="0">
+              <a:buNone/>
+            </a:pPr>
+            <a:endParaRPr lang="de-CH" sz="1400" dirty="0">
+              <a:latin typeface="Helvetica Neue" panose="02000503000000020004" pitchFamily="2" charset="0"/>
+              <a:ea typeface="Helvetica Neue" panose="02000503000000020004" pitchFamily="2" charset="0"/>
+              <a:cs typeface="Helvetica Neue" panose="02000503000000020004" pitchFamily="2" charset="0"/>
+            </a:endParaRPr>
+          </a:p>
+          <a:p>
+            <a:r>
+              <a:rPr lang="de-CH" sz="1400" b="1" dirty="0">
+                <a:latin typeface="Helvetica Neue" panose="02000503000000020004" pitchFamily="2" charset="0"/>
+                <a:ea typeface="Helvetica Neue" panose="02000503000000020004" pitchFamily="2" charset="0"/>
+                <a:cs typeface="Helvetica Neue" panose="02000503000000020004" pitchFamily="2" charset="0"/>
+              </a:rPr>
+              <a:t>Erwartete Schwierigkeiten: </a:t>
+            </a:r>
+            <a:r>
+              <a:rPr lang="de-CH" sz="1400" dirty="0">
+                <a:solidFill>
+                  <a:srgbClr val="FF0000"/>
+                </a:solidFill>
+                <a:latin typeface="Helvetica Neue" panose="02000503000000020004" pitchFamily="2" charset="0"/>
+                <a:ea typeface="Helvetica Neue" panose="02000503000000020004" pitchFamily="2" charset="0"/>
+                <a:cs typeface="Helvetica Neue" panose="02000503000000020004" pitchFamily="2" charset="0"/>
+              </a:rPr>
+              <a:t>korrekt beleuchtete Erde</a:t>
+            </a:r>
+            <a:r>
+              <a:rPr lang="de-CH" sz="1400" dirty="0">
+                <a:latin typeface="Helvetica Neue" panose="02000503000000020004" pitchFamily="2" charset="0"/>
+                <a:ea typeface="Helvetica Neue" panose="02000503000000020004" pitchFamily="2" charset="0"/>
+                <a:cs typeface="Helvetica Neue" panose="02000503000000020004" pitchFamily="2" charset="0"/>
+              </a:rPr>
+              <a:t>, </a:t>
+            </a:r>
+            <a:r>
+              <a:rPr lang="de-CH" sz="1400" dirty="0">
+                <a:solidFill>
+                  <a:schemeClr val="accent6"/>
+                </a:solidFill>
+                <a:latin typeface="Helvetica Neue" panose="02000503000000020004" pitchFamily="2" charset="0"/>
+                <a:ea typeface="Helvetica Neue" panose="02000503000000020004" pitchFamily="2" charset="0"/>
+                <a:cs typeface="Helvetica Neue" panose="02000503000000020004" pitchFamily="2" charset="0"/>
+              </a:rPr>
+              <a:t>Simulation der Bewegung der Erde auf der Umlaufbahn</a:t>
+            </a:r>
+            <a:r>
+              <a:rPr lang="de-CH" sz="1400" dirty="0">
+                <a:latin typeface="Helvetica Neue" panose="02000503000000020004" pitchFamily="2" charset="0"/>
+                <a:ea typeface="Helvetica Neue" panose="02000503000000020004" pitchFamily="2" charset="0"/>
+                <a:cs typeface="Helvetica Neue" panose="02000503000000020004" pitchFamily="2" charset="0"/>
+              </a:rPr>
+              <a:t>, </a:t>
+            </a:r>
+            <a:r>
+              <a:rPr lang="de-CH" sz="1400" dirty="0">
+                <a:solidFill>
+                  <a:schemeClr val="accent2"/>
+                </a:solidFill>
+                <a:latin typeface="Helvetica Neue" panose="02000503000000020004" pitchFamily="2" charset="0"/>
+                <a:ea typeface="Helvetica Neue" panose="02000503000000020004" pitchFamily="2" charset="0"/>
+                <a:cs typeface="Helvetica Neue" panose="02000503000000020004" pitchFamily="2" charset="0"/>
+              </a:rPr>
+              <a:t>Zusatzfunktionen wie Beschriftungen, Pfeile, Erdrotation</a:t>
+            </a:r>
+            <a:r>
+              <a:rPr lang="de-CH" sz="1400" dirty="0">
+                <a:latin typeface="Helvetica Neue" panose="02000503000000020004" pitchFamily="2" charset="0"/>
+                <a:ea typeface="Helvetica Neue" panose="02000503000000020004" pitchFamily="2" charset="0"/>
+                <a:cs typeface="Helvetica Neue" panose="02000503000000020004" pitchFamily="2" charset="0"/>
+              </a:rPr>
+              <a:t>, etc.</a:t>
+            </a:r>
+          </a:p>
+          <a:p>
+            <a:pPr marL="0" indent="0">
+              <a:buNone/>
+            </a:pPr>
+            <a:endParaRPr lang="de-CH" sz="1400" b="1" dirty="0">
+              <a:latin typeface="Helvetica Neue" panose="02000503000000020004" pitchFamily="2" charset="0"/>
+              <a:ea typeface="Helvetica Neue" panose="02000503000000020004" pitchFamily="2" charset="0"/>
+              <a:cs typeface="Helvetica Neue" panose="02000503000000020004" pitchFamily="2" charset="0"/>
+            </a:endParaRPr>
+          </a:p>
+          <a:p>
+            <a:r>
+              <a:rPr lang="de-CH" sz="1400" b="1" dirty="0">
+                <a:latin typeface="Helvetica Neue" panose="02000503000000020004" pitchFamily="2" charset="0"/>
+                <a:ea typeface="Helvetica Neue" panose="02000503000000020004" pitchFamily="2" charset="0"/>
+                <a:cs typeface="Helvetica Neue" panose="02000503000000020004" pitchFamily="2" charset="0"/>
+              </a:rPr>
+              <a:t>Team:</a:t>
+            </a:r>
+            <a:r>
+              <a:rPr lang="de-CH" sz="1400" dirty="0">
+                <a:latin typeface="Helvetica Neue" panose="02000503000000020004" pitchFamily="2" charset="0"/>
+                <a:ea typeface="Helvetica Neue" panose="02000503000000020004" pitchFamily="2" charset="0"/>
+                <a:cs typeface="Helvetica Neue" panose="02000503000000020004" pitchFamily="2" charset="0"/>
+              </a:rPr>
+              <a:t> Einzelarbeit</a:t>
+            </a:r>
+          </a:p>
+          <a:p>
+            <a:pPr marL="0" indent="0">
+              <a:buNone/>
+            </a:pPr>
+            <a:endParaRPr lang="de-DE" sz="1400" dirty="0"/>
+          </a:p>
+        </p:txBody>
+      </p:sp>
+    </p:spTree>
+    <p:extLst>
+      <p:ext uri="{BB962C8B-B14F-4D97-AF65-F5344CB8AC3E}">
+        <p14:creationId xmlns:p14="http://schemas.microsoft.com/office/powerpoint/2010/main" val="1150437907"/>
+      </p:ext>
+    </p:extLst>
+  </p:cSld>
+  <p:clrMapOvr>
+    <a:masterClrMapping/>
+  </p:clrMapOvr>
+</p:sld>
+</file>
+
+<file path=ppt/slides/slide2.xml><?xml version="1.0" encoding="utf-8"?>
+<p:sld xmlns:a="http://schemas.openxmlformats.org/drawingml/2006/main" xmlns:r="http://schemas.openxmlformats.org/officeDocument/2006/relationships" xmlns:p="http://schemas.openxmlformats.org/presentationml/2006/main">
+  <p:cSld>
+    <p:bg>
+      <p:bgPr>
+        <a:solidFill>
+          <a:schemeClr val="bg1"/>
+        </a:solidFill>
+        <a:effectLst/>
+      </p:bgPr>
+    </p:bg>
+    <p:spTree>
+      <p:nvGrpSpPr>
+        <p:cNvPr id="1" name=""/>
+        <p:cNvGrpSpPr/>
+        <p:nvPr/>
+      </p:nvGrpSpPr>
+      <p:grpSpPr>
+        <a:xfrm>
+          <a:off x="0" y="0"/>
+          <a:ext cx="0" cy="0"/>
+          <a:chOff x="0" y="0"/>
+          <a:chExt cx="0" cy="0"/>
+        </a:xfrm>
+      </p:grpSpPr>
+      <p:sp useBgFill="1">
+        <p:nvSpPr>
+          <p:cNvPr id="22" name="Rectangle 21">
+            <a:extLst>
+              <a:ext uri="{FF2B5EF4-FFF2-40B4-BE49-F238E27FC236}">
+                <a16:creationId xmlns:a16="http://schemas.microsoft.com/office/drawing/2014/main" id="{BAD76F3E-3A97-486B-B402-44400A8B9173}"/>
+              </a:ext>
+              <a:ext uri="{C183D7F6-B498-43B3-948B-1728B52AA6E4}">
+                <adec:decorative xmlns:adec="http://schemas.microsoft.com/office/drawing/2017/decorative" val="1"/>
+              </a:ext>
+            </a:extLst>
+          </p:cNvPr>
+          <p:cNvSpPr>
+            <a:spLocks noGrp="1" noRot="1" noChangeAspect="1" noMove="1" noResize="1" noEditPoints="1" noAdjustHandles="1" noChangeArrowheads="1" noChangeShapeType="1" noTextEdit="1"/>
+          </p:cNvSpPr>
+          <p:nvPr>
+            <p:extLst>
+              <p:ext uri="{386F3935-93C4-4BCD-93E2-E3B085C9AB24}">
+                <p16:designElem xmlns:p16="http://schemas.microsoft.com/office/powerpoint/2015/main" val="1"/>
+              </p:ext>
+            </p:extLst>
+          </p:nvPr>
+        </p:nvSpPr>
+        <p:spPr>
+          <a:xfrm>
+            <a:off x="0" y="0"/>
+            <a:ext cx="12192000" cy="6858000"/>
+          </a:xfrm>
+          <a:prstGeom prst="rect">
+            <a:avLst/>
+          </a:prstGeom>
+          <a:ln>
+            <a:noFill/>
+          </a:ln>
+        </p:spPr>
+        <p:style>
+          <a:lnRef idx="2">
+            <a:schemeClr val="accent1">
+              <a:shade val="50000"/>
+            </a:schemeClr>
+          </a:lnRef>
+          <a:fillRef idx="1">
+            <a:schemeClr val="accent1"/>
+          </a:fillRef>
+          <a:effectRef idx="0">
+            <a:schemeClr val="accent1"/>
+          </a:effectRef>
+          <a:fontRef idx="minor">
+            <a:schemeClr val="lt1"/>
+          </a:fontRef>
+        </p:style>
+        <p:txBody>
+          <a:bodyPr rtlCol="0" anchor="ctr"/>
+          <a:lstStyle/>
+          <a:p>
+            <a:pPr algn="ctr"/>
+            <a:endParaRPr lang="en-US"/>
+          </a:p>
+        </p:txBody>
+      </p:sp>
+      <p:sp>
+        <p:nvSpPr>
+          <p:cNvPr id="2" name="Titel 1">
+            <a:extLst>
+              <a:ext uri="{FF2B5EF4-FFF2-40B4-BE49-F238E27FC236}">
+                <a16:creationId xmlns:a16="http://schemas.microsoft.com/office/drawing/2014/main" id="{C2978682-310A-2C47-A278-91D37BF40464}"/>
+              </a:ext>
+            </a:extLst>
+          </p:cNvPr>
+          <p:cNvSpPr>
+            <a:spLocks noGrp="1"/>
+          </p:cNvSpPr>
+          <p:nvPr>
+            <p:ph type="title"/>
+          </p:nvPr>
+        </p:nvSpPr>
+        <p:spPr>
+          <a:xfrm>
+            <a:off x="838199" y="1093788"/>
+            <a:ext cx="10506455" cy="2967208"/>
+          </a:xfrm>
+        </p:spPr>
+        <p:txBody>
+          <a:bodyPr vert="horz" lIns="91440" tIns="45720" rIns="91440" bIns="45720" rtlCol="0" anchor="b">
+            <a:normAutofit/>
+          </a:bodyPr>
+          <a:lstStyle/>
+          <a:p>
+            <a:r>
+              <a:rPr lang="en-US" sz="8000" kern="1200" dirty="0" err="1">
+                <a:solidFill>
+                  <a:schemeClr val="tx1"/>
+                </a:solidFill>
+                <a:latin typeface="+mj-lt"/>
+                <a:ea typeface="+mj-ea"/>
+                <a:cs typeface="+mj-cs"/>
+              </a:rPr>
+              <a:t>Anwendungsbezogene</a:t>
+            </a:r>
+            <a:r>
+              <a:rPr lang="en-US" sz="8000" kern="1200" dirty="0">
+                <a:solidFill>
+                  <a:schemeClr val="tx1"/>
+                </a:solidFill>
+                <a:latin typeface="+mj-lt"/>
+                <a:ea typeface="+mj-ea"/>
+                <a:cs typeface="+mj-cs"/>
+              </a:rPr>
+              <a:t> </a:t>
+            </a:r>
+            <a:r>
+              <a:rPr lang="en-US" sz="8000" kern="1200" dirty="0" err="1">
+                <a:solidFill>
+                  <a:schemeClr val="tx1"/>
+                </a:solidFill>
+                <a:latin typeface="+mj-lt"/>
+                <a:ea typeface="+mj-ea"/>
+                <a:cs typeface="+mj-cs"/>
+              </a:rPr>
+              <a:t>Perspektive</a:t>
+            </a:r>
+            <a:endParaRPr lang="en-US" sz="8000" kern="1200" dirty="0">
+              <a:solidFill>
+                <a:schemeClr val="tx1"/>
+              </a:solidFill>
+              <a:latin typeface="+mj-lt"/>
+              <a:ea typeface="+mj-ea"/>
+              <a:cs typeface="+mj-cs"/>
+            </a:endParaRPr>
+          </a:p>
+        </p:txBody>
+      </p:sp>
+      <p:sp>
+        <p:nvSpPr>
+          <p:cNvPr id="24" name="Rectangle 23">
+            <a:extLst>
+              <a:ext uri="{FF2B5EF4-FFF2-40B4-BE49-F238E27FC236}">
+                <a16:creationId xmlns:a16="http://schemas.microsoft.com/office/drawing/2014/main" id="{391F6B52-91F4-4AEB-B6DB-29FEBCF28C8B}"/>
+              </a:ext>
+              <a:ext uri="{C183D7F6-B498-43B3-948B-1728B52AA6E4}">
+                <adec:decorative xmlns:adec="http://schemas.microsoft.com/office/drawing/2017/decorative" val="1"/>
+              </a:ext>
+            </a:extLst>
+          </p:cNvPr>
+          <p:cNvSpPr>
+            <a:spLocks noGrp="1" noRot="1" noChangeAspect="1" noMove="1" noResize="1" noEditPoints="1" noAdjustHandles="1" noChangeArrowheads="1" noChangeShapeType="1" noTextEdit="1"/>
+          </p:cNvSpPr>
+          <p:nvPr>
+            <p:extLst>
+              <p:ext uri="{386F3935-93C4-4BCD-93E2-E3B085C9AB24}">
+                <p16:designElem xmlns:p16="http://schemas.microsoft.com/office/powerpoint/2015/main" val="1"/>
+              </p:ext>
+            </p:extLst>
+          </p:nvPr>
+        </p:nvSpPr>
+        <p:spPr>
+          <a:xfrm>
+            <a:off x="841248" y="4331166"/>
+            <a:ext cx="10506456" cy="18288"/>
+          </a:xfrm>
+          <a:prstGeom prst="rect">
+            <a:avLst/>
+          </a:prstGeom>
+          <a:solidFill>
+            <a:srgbClr val="D5D5D5"/>
+          </a:solidFill>
+          <a:ln w="3175">
+            <a:noFill/>
+          </a:ln>
+          <a:effectLst/>
+        </p:spPr>
+        <p:style>
+          <a:lnRef idx="2">
+            <a:schemeClr val="accent1">
+              <a:shade val="50000"/>
+            </a:schemeClr>
+          </a:lnRef>
+          <a:fillRef idx="1">
+            <a:schemeClr val="accent1"/>
+          </a:fillRef>
+          <a:effectRef idx="0">
+            <a:schemeClr val="accent1"/>
+          </a:effectRef>
+          <a:fontRef idx="minor">
+            <a:schemeClr val="lt1"/>
+          </a:fontRef>
+        </p:style>
+        <p:txBody>
+          <a:bodyPr rtlCol="0" anchor="ctr"/>
+          <a:lstStyle/>
+          <a:p>
+            <a:pPr algn="ctr"/>
+            <a:endParaRPr lang="en-US">
+              <a:solidFill>
+                <a:prstClr val="white"/>
+              </a:solidFill>
+              <a:latin typeface="Calibri" panose="020F0502020204030204"/>
+            </a:endParaRPr>
+          </a:p>
+        </p:txBody>
+      </p:sp>
+      <p:sp>
+        <p:nvSpPr>
+          <p:cNvPr id="26" name="Rectangle 25">
+            <a:extLst>
+              <a:ext uri="{FF2B5EF4-FFF2-40B4-BE49-F238E27FC236}">
+                <a16:creationId xmlns:a16="http://schemas.microsoft.com/office/drawing/2014/main" id="{2CD6F061-7C53-44F4-9794-953DB70A451B}"/>
+              </a:ext>
+              <a:ext uri="{C183D7F6-B498-43B3-948B-1728B52AA6E4}">
+                <adec:decorative xmlns:adec="http://schemas.microsoft.com/office/drawing/2017/decorative" val="1"/>
+              </a:ext>
+            </a:extLst>
+          </p:cNvPr>
+          <p:cNvSpPr>
+            <a:spLocks noGrp="1" noRot="1" noChangeAspect="1" noMove="1" noResize="1" noEditPoints="1" noAdjustHandles="1" noChangeArrowheads="1" noChangeShapeType="1" noTextEdit="1"/>
+          </p:cNvSpPr>
+          <p:nvPr>
+            <p:extLst>
+              <p:ext uri="{386F3935-93C4-4BCD-93E2-E3B085C9AB24}">
+                <p16:designElem xmlns:p16="http://schemas.microsoft.com/office/powerpoint/2015/main" val="1"/>
+              </p:ext>
+            </p:extLst>
+          </p:nvPr>
+        </p:nvSpPr>
+        <p:spPr>
+          <a:xfrm rot="5400000">
+            <a:off x="9346882" y="2348839"/>
+            <a:ext cx="54864" cy="3946779"/>
+          </a:xfrm>
+          <a:prstGeom prst="rect">
+            <a:avLst/>
+          </a:prstGeom>
+          <a:solidFill>
+            <a:schemeClr val="accent2"/>
+          </a:solidFill>
+          <a:ln>
+            <a:noFill/>
+          </a:ln>
+        </p:spPr>
+        <p:style>
+          <a:lnRef idx="2">
+            <a:schemeClr val="accent1">
+              <a:shade val="50000"/>
+            </a:schemeClr>
+          </a:lnRef>
+          <a:fillRef idx="1">
+            <a:schemeClr val="accent1"/>
+          </a:fillRef>
+          <a:effectRef idx="0">
+            <a:schemeClr val="accent1"/>
+          </a:effectRef>
+          <a:fontRef idx="minor">
+            <a:schemeClr val="lt1"/>
+          </a:fontRef>
+        </p:style>
+        <p:txBody>
+          <a:bodyPr rtlCol="0" anchor="ctr"/>
+          <a:lstStyle/>
+          <a:p>
+            <a:pPr marL="0" marR="0" lvl="0" indent="0" algn="ctr" defTabSz="914400" rtl="0" eaLnBrk="1" fontAlgn="auto" latinLnBrk="0" hangingPunct="1">
+              <a:lnSpc>
+                <a:spcPct val="100000"/>
+              </a:lnSpc>
+              <a:spcBef>
+                <a:spcPts val="0"/>
+              </a:spcBef>
+              <a:spcAft>
+                <a:spcPts val="0"/>
+              </a:spcAft>
+              <a:buClrTx/>
+              <a:buSzTx/>
+              <a:buFontTx/>
+              <a:buNone/>
+              <a:tabLst/>
+              <a:defRPr/>
+            </a:pPr>
+            <a:endParaRPr kumimoji="0" lang="en-US" sz="1800" b="0" i="0" u="none" strike="noStrike" kern="1200" cap="none" spc="0" normalizeH="0" baseline="0" noProof="0">
+              <a:ln>
+                <a:noFill/>
+              </a:ln>
+              <a:solidFill>
+                <a:prstClr val="white"/>
+              </a:solidFill>
+              <a:effectLst/>
+              <a:uLnTx/>
+              <a:uFillTx/>
+              <a:latin typeface="Calibri" panose="020F0502020204030204"/>
+              <a:ea typeface="+mn-ea"/>
+              <a:cs typeface="+mn-cs"/>
+            </a:endParaRPr>
           </a:p>
         </p:txBody>
       </p:sp>
@@ -4232,6 +5771,14 @@
 <file path=ppt/slides/slide3.xml><?xml version="1.0" encoding="utf-8"?>
 <p:sld xmlns:a="http://schemas.openxmlformats.org/drawingml/2006/main" xmlns:r="http://schemas.openxmlformats.org/officeDocument/2006/relationships" xmlns:p="http://schemas.openxmlformats.org/presentationml/2006/main">
   <p:cSld>
+    <p:bg>
+      <p:bgPr>
+        <a:solidFill>
+          <a:schemeClr val="bg1"/>
+        </a:solidFill>
+        <a:effectLst/>
+      </p:bgPr>
+    </p:bg>
     <p:spTree>
       <p:nvGrpSpPr>
         <p:cNvPr id="1" name=""/>
@@ -4248,6 +5795,69 @@
       </p:grpSpPr>
       <p:sp>
         <p:nvSpPr>
+          <p:cNvPr id="8" name="Rectangle 7">
+            <a:extLst>
+              <a:ext uri="{FF2B5EF4-FFF2-40B4-BE49-F238E27FC236}">
+                <a16:creationId xmlns:a16="http://schemas.microsoft.com/office/drawing/2014/main" id="{A4AC5506-6312-4701-8D3C-40187889A947}"/>
+              </a:ext>
+              <a:ext uri="{C183D7F6-B498-43B3-948B-1728B52AA6E4}">
+                <adec:decorative xmlns:adec="http://schemas.microsoft.com/office/drawing/2017/decorative" val="1"/>
+              </a:ext>
+            </a:extLst>
+          </p:cNvPr>
+          <p:cNvSpPr>
+            <a:spLocks noGrp="1" noRot="1" noChangeAspect="1" noMove="1" noResize="1" noEditPoints="1" noAdjustHandles="1" noChangeArrowheads="1" noChangeShapeType="1" noTextEdit="1"/>
+          </p:cNvSpPr>
+          <p:nvPr>
+            <p:extLst>
+              <p:ext uri="{386F3935-93C4-4BCD-93E2-E3B085C9AB24}">
+                <p16:designElem xmlns:p16="http://schemas.microsoft.com/office/powerpoint/2015/main" val="1"/>
+              </p:ext>
+            </p:extLst>
+          </p:nvPr>
+        </p:nvSpPr>
+        <p:spPr>
+          <a:xfrm>
+            <a:off x="0" y="651752"/>
+            <a:ext cx="12192000" cy="736551"/>
+          </a:xfrm>
+          <a:prstGeom prst="rect">
+            <a:avLst/>
+          </a:prstGeom>
+          <a:solidFill>
+            <a:schemeClr val="tx1"/>
+          </a:solidFill>
+          <a:ln>
+            <a:noFill/>
+          </a:ln>
+        </p:spPr>
+        <p:style>
+          <a:lnRef idx="2">
+            <a:schemeClr val="accent1">
+              <a:shade val="50000"/>
+            </a:schemeClr>
+          </a:lnRef>
+          <a:fillRef idx="1">
+            <a:schemeClr val="accent1"/>
+          </a:fillRef>
+          <a:effectRef idx="0">
+            <a:schemeClr val="accent1"/>
+          </a:effectRef>
+          <a:fontRef idx="minor">
+            <a:schemeClr val="lt1"/>
+          </a:fontRef>
+        </p:style>
+        <p:txBody>
+          <a:bodyPr rtlCol="0" anchor="ctr"/>
+          <a:lstStyle/>
+          <a:p>
+            <a:pPr algn="ctr"/>
+            <a:endParaRPr lang="en-US"/>
+          </a:p>
+        </p:txBody>
+      </p:sp>
+      <p:sp>
+        <p:nvSpPr>
           <p:cNvPr id="2" name="Titel 1">
             <a:extLst>
               <a:ext uri="{FF2B5EF4-FFF2-40B4-BE49-F238E27FC236}">
@@ -4262,13 +5872,25 @@
             <p:ph type="title"/>
           </p:nvPr>
         </p:nvSpPr>
-        <p:spPr/>
-        <p:txBody>
-          <a:bodyPr/>
+        <p:spPr>
+          <a:xfrm>
+            <a:off x="556532" y="643467"/>
+            <a:ext cx="11210925" cy="744836"/>
+          </a:xfrm>
+        </p:spPr>
+        <p:txBody>
+          <a:bodyPr>
+            <a:normAutofit/>
+          </a:bodyPr>
           <a:lstStyle/>
           <a:p>
-            <a:r>
-              <a:rPr lang="de-DE" dirty="0"/>
+            <a:pPr algn="ctr"/>
+            <a:r>
+              <a:rPr lang="de-DE" sz="3200">
+                <a:solidFill>
+                  <a:schemeClr val="bg1"/>
+                </a:solidFill>
+              </a:rPr>
               <a:t>Demo in Processing</a:t>
             </a:r>
           </a:p>
@@ -4296,8 +5918,8 @@
         </p:blipFill>
         <p:spPr>
           <a:xfrm>
-            <a:off x="960120" y="1690688"/>
-            <a:ext cx="8991600" cy="4480637"/>
+            <a:off x="1679719" y="1675227"/>
+            <a:ext cx="8832562" cy="4394199"/>
           </a:xfrm>
           <a:prstGeom prst="rect">
             <a:avLst/>
@@ -4320,6 +5942,14 @@
 <file path=ppt/slides/slide4.xml><?xml version="1.0" encoding="utf-8"?>
 <p:sld xmlns:a="http://schemas.openxmlformats.org/drawingml/2006/main" xmlns:r="http://schemas.openxmlformats.org/officeDocument/2006/relationships" xmlns:p="http://schemas.openxmlformats.org/presentationml/2006/main">
   <p:cSld>
+    <p:bg>
+      <p:bgPr>
+        <a:solidFill>
+          <a:schemeClr val="bg1"/>
+        </a:solidFill>
+        <a:effectLst/>
+      </p:bgPr>
+    </p:bg>
     <p:spTree>
       <p:nvGrpSpPr>
         <p:cNvPr id="1" name=""/>
@@ -4334,6 +5964,66 @@
           <a:chExt cx="0" cy="0"/>
         </a:xfrm>
       </p:grpSpPr>
+      <p:sp useBgFill="1">
+        <p:nvSpPr>
+          <p:cNvPr id="7" name="Rectangle 6">
+            <a:extLst>
+              <a:ext uri="{FF2B5EF4-FFF2-40B4-BE49-F238E27FC236}">
+                <a16:creationId xmlns:a16="http://schemas.microsoft.com/office/drawing/2014/main" id="{B35D3C1D-A6AE-4FCA-BB76-A4748CE5DE55}"/>
+              </a:ext>
+              <a:ext uri="{C183D7F6-B498-43B3-948B-1728B52AA6E4}">
+                <adec:decorative xmlns:adec="http://schemas.microsoft.com/office/drawing/2017/decorative" val="1"/>
+              </a:ext>
+            </a:extLst>
+          </p:cNvPr>
+          <p:cNvSpPr>
+            <a:spLocks noGrp="1" noRot="1" noChangeAspect="1" noMove="1" noResize="1" noEditPoints="1" noAdjustHandles="1" noChangeArrowheads="1" noChangeShapeType="1" noTextEdit="1"/>
+          </p:cNvSpPr>
+          <p:nvPr>
+            <p:extLst>
+              <p:ext uri="{386F3935-93C4-4BCD-93E2-E3B085C9AB24}">
+                <p16:designElem xmlns:p16="http://schemas.microsoft.com/office/powerpoint/2015/main" val="1"/>
+              </p:ext>
+            </p:extLst>
+          </p:nvPr>
+        </p:nvSpPr>
+        <p:spPr>
+          <a:xfrm>
+            <a:off x="0" y="0"/>
+            <a:ext cx="12192000" cy="6858000"/>
+          </a:xfrm>
+          <a:prstGeom prst="rect">
+            <a:avLst/>
+          </a:prstGeom>
+          <a:ln>
+            <a:noFill/>
+          </a:ln>
+        </p:spPr>
+        <p:style>
+          <a:lnRef idx="2">
+            <a:schemeClr val="accent1">
+              <a:shade val="50000"/>
+            </a:schemeClr>
+          </a:lnRef>
+          <a:fillRef idx="1">
+            <a:schemeClr val="accent1"/>
+          </a:fillRef>
+          <a:effectRef idx="0">
+            <a:schemeClr val="accent1"/>
+          </a:effectRef>
+          <a:fontRef idx="minor">
+            <a:schemeClr val="lt1"/>
+          </a:fontRef>
+        </p:style>
+        <p:txBody>
+          <a:bodyPr rtlCol="0" anchor="ctr"/>
+          <a:lstStyle/>
+          <a:p>
+            <a:pPr algn="ctr"/>
+            <a:endParaRPr lang="en-US"/>
+          </a:p>
+        </p:txBody>
+      </p:sp>
       <p:sp>
         <p:nvSpPr>
           <p:cNvPr id="2" name="Titel 1">
@@ -4350,40 +6040,220 @@
             <p:ph type="title"/>
           </p:nvPr>
         </p:nvSpPr>
-        <p:spPr/>
-        <p:txBody>
-          <a:bodyPr/>
+        <p:spPr>
+          <a:xfrm>
+            <a:off x="558210" y="1365472"/>
+            <a:ext cx="10978470" cy="3564636"/>
+          </a:xfrm>
+        </p:spPr>
+        <p:txBody>
+          <a:bodyPr vert="horz" lIns="91440" tIns="45720" rIns="91440" bIns="45720" rtlCol="0" anchor="ctr">
+            <a:normAutofit/>
+          </a:bodyPr>
           <a:lstStyle/>
           <a:p>
             <a:r>
-              <a:rPr lang="de-DE" dirty="0"/>
-              <a:t>Entwicklungsbezogene Perspektive</a:t>
-            </a:r>
+              <a:rPr lang="en-US" sz="8000" kern="1200" dirty="0" err="1">
+                <a:solidFill>
+                  <a:schemeClr val="tx1"/>
+                </a:solidFill>
+                <a:latin typeface="+mj-lt"/>
+                <a:ea typeface="+mj-ea"/>
+                <a:cs typeface="+mj-cs"/>
+              </a:rPr>
+              <a:t>Entwicklungsbezogene</a:t>
+            </a:r>
+            <a:r>
+              <a:rPr lang="en-US" sz="8000" kern="1200" dirty="0">
+                <a:solidFill>
+                  <a:schemeClr val="tx1"/>
+                </a:solidFill>
+                <a:latin typeface="+mj-lt"/>
+                <a:ea typeface="+mj-ea"/>
+                <a:cs typeface="+mj-cs"/>
+              </a:rPr>
+              <a:t> </a:t>
+            </a:r>
+            <a:r>
+              <a:rPr lang="en-US" sz="8000" kern="1200" dirty="0" err="1">
+                <a:solidFill>
+                  <a:schemeClr val="tx1"/>
+                </a:solidFill>
+                <a:latin typeface="+mj-lt"/>
+                <a:ea typeface="+mj-ea"/>
+                <a:cs typeface="+mj-cs"/>
+              </a:rPr>
+              <a:t>Perspektive</a:t>
+            </a:r>
+            <a:endParaRPr lang="en-US" sz="8000" kern="1200" dirty="0">
+              <a:solidFill>
+                <a:schemeClr val="tx1"/>
+              </a:solidFill>
+              <a:latin typeface="+mj-lt"/>
+              <a:ea typeface="+mj-ea"/>
+              <a:cs typeface="+mj-cs"/>
+            </a:endParaRPr>
           </a:p>
         </p:txBody>
       </p:sp>
       <p:sp>
         <p:nvSpPr>
-          <p:cNvPr id="3" name="Inhaltsplatzhalter 2">
-            <a:extLst>
-              <a:ext uri="{FF2B5EF4-FFF2-40B4-BE49-F238E27FC236}">
-                <a16:creationId xmlns:a16="http://schemas.microsoft.com/office/drawing/2014/main" id="{129F58C5-5B88-F944-BEE8-0E5694361B90}"/>
-              </a:ext>
-            </a:extLst>
-          </p:cNvPr>
-          <p:cNvSpPr>
-            <a:spLocks noGrp="1"/>
-          </p:cNvSpPr>
-          <p:nvPr>
-            <p:ph idx="1"/>
-          </p:nvPr>
-        </p:nvSpPr>
-        <p:spPr/>
-        <p:txBody>
-          <a:bodyPr/>
+          <p:cNvPr id="9" name="Rectangle 8">
+            <a:extLst>
+              <a:ext uri="{FF2B5EF4-FFF2-40B4-BE49-F238E27FC236}">
+                <a16:creationId xmlns:a16="http://schemas.microsoft.com/office/drawing/2014/main" id="{6D5BF818-2283-4CC9-A120-9225CEDFA6D2}"/>
+              </a:ext>
+              <a:ext uri="{C183D7F6-B498-43B3-948B-1728B52AA6E4}">
+                <adec:decorative xmlns:adec="http://schemas.microsoft.com/office/drawing/2017/decorative" val="1"/>
+              </a:ext>
+            </a:extLst>
+          </p:cNvPr>
+          <p:cNvSpPr>
+            <a:spLocks noGrp="1" noRot="1" noChangeAspect="1" noMove="1" noResize="1" noEditPoints="1" noAdjustHandles="1" noChangeArrowheads="1" noChangeShapeType="1" noTextEdit="1"/>
+          </p:cNvSpPr>
+          <p:nvPr>
+            <p:extLst>
+              <p:ext uri="{386F3935-93C4-4BCD-93E2-E3B085C9AB24}">
+                <p16:designElem xmlns:p16="http://schemas.microsoft.com/office/powerpoint/2015/main" val="1"/>
+              </p:ext>
+            </p:extLst>
+          </p:nvPr>
+        </p:nvSpPr>
+        <p:spPr>
+          <a:xfrm>
+            <a:off x="0" y="1913350"/>
+            <a:ext cx="128016" cy="2468880"/>
+          </a:xfrm>
+          <a:prstGeom prst="rect">
+            <a:avLst/>
+          </a:prstGeom>
+          <a:solidFill>
+            <a:schemeClr val="accent2"/>
+          </a:solidFill>
+          <a:ln>
+            <a:noFill/>
+          </a:ln>
+        </p:spPr>
+        <p:style>
+          <a:lnRef idx="2">
+            <a:schemeClr val="accent1">
+              <a:shade val="50000"/>
+            </a:schemeClr>
+          </a:lnRef>
+          <a:fillRef idx="1">
+            <a:schemeClr val="accent1"/>
+          </a:fillRef>
+          <a:effectRef idx="0">
+            <a:schemeClr val="accent1"/>
+          </a:effectRef>
+          <a:fontRef idx="minor">
+            <a:schemeClr val="lt1"/>
+          </a:fontRef>
+        </p:style>
+        <p:txBody>
+          <a:bodyPr rtlCol="0" anchor="ctr"/>
           <a:lstStyle/>
           <a:p>
-            <a:endParaRPr lang="de-DE"/>
+            <a:pPr marL="0" marR="0" lvl="0" indent="0" algn="ctr" defTabSz="914400" rtl="0" eaLnBrk="1" fontAlgn="auto" latinLnBrk="0" hangingPunct="1">
+              <a:lnSpc>
+                <a:spcPct val="100000"/>
+              </a:lnSpc>
+              <a:spcBef>
+                <a:spcPts val="0"/>
+              </a:spcBef>
+              <a:spcAft>
+                <a:spcPts val="0"/>
+              </a:spcAft>
+              <a:buClrTx/>
+              <a:buSzTx/>
+              <a:buFontTx/>
+              <a:buNone/>
+              <a:tabLst/>
+              <a:defRPr/>
+            </a:pPr>
+            <a:endParaRPr kumimoji="0" lang="en-US" sz="1800" b="0" i="0" u="none" strike="noStrike" kern="1200" cap="none" spc="0" normalizeH="0" baseline="0" noProof="0" dirty="0">
+              <a:ln>
+                <a:noFill/>
+              </a:ln>
+              <a:solidFill>
+                <a:prstClr val="white"/>
+              </a:solidFill>
+              <a:effectLst/>
+              <a:uLnTx/>
+              <a:uFillTx/>
+              <a:latin typeface="Calibri" panose="020F0502020204030204"/>
+              <a:ea typeface="+mn-ea"/>
+              <a:cs typeface="+mn-cs"/>
+            </a:endParaRPr>
+          </a:p>
+        </p:txBody>
+      </p:sp>
+      <p:sp>
+        <p:nvSpPr>
+          <p:cNvPr id="11" name="Rectangle 10">
+            <a:extLst>
+              <a:ext uri="{FF2B5EF4-FFF2-40B4-BE49-F238E27FC236}">
+                <a16:creationId xmlns:a16="http://schemas.microsoft.com/office/drawing/2014/main" id="{063A42EF-20CC-4BCC-9D0B-222CF3AAE8C9}"/>
+              </a:ext>
+              <a:ext uri="{C183D7F6-B498-43B3-948B-1728B52AA6E4}">
+                <adec:decorative xmlns:adec="http://schemas.microsoft.com/office/drawing/2017/decorative" val="1"/>
+              </a:ext>
+            </a:extLst>
+          </p:cNvPr>
+          <p:cNvSpPr>
+            <a:spLocks noGrp="1" noRot="1" noChangeAspect="1" noMove="1" noResize="1" noEditPoints="1" noAdjustHandles="1" noChangeArrowheads="1" noChangeShapeType="1" noTextEdit="1"/>
+          </p:cNvSpPr>
+          <p:nvPr>
+            <p:extLst>
+              <p:ext uri="{386F3935-93C4-4BCD-93E2-E3B085C9AB24}">
+                <p16:designElem xmlns:p16="http://schemas.microsoft.com/office/powerpoint/2015/main" val="1"/>
+              </p:ext>
+            </p:extLst>
+          </p:nvPr>
+        </p:nvSpPr>
+        <p:spPr>
+          <a:xfrm>
+            <a:off x="650945" y="5831269"/>
+            <a:ext cx="10927080" cy="18288"/>
+          </a:xfrm>
+          <a:prstGeom prst="rect">
+            <a:avLst/>
+          </a:prstGeom>
+          <a:solidFill>
+            <a:srgbClr val="D5D5D5"/>
+          </a:solidFill>
+          <a:ln w="3175">
+            <a:noFill/>
+          </a:ln>
+          <a:effectLst/>
+        </p:spPr>
+        <p:style>
+          <a:lnRef idx="2">
+            <a:schemeClr val="accent1">
+              <a:shade val="50000"/>
+            </a:schemeClr>
+          </a:lnRef>
+          <a:fillRef idx="1">
+            <a:schemeClr val="accent1"/>
+          </a:fillRef>
+          <a:effectRef idx="0">
+            <a:schemeClr val="accent1"/>
+          </a:effectRef>
+          <a:fontRef idx="minor">
+            <a:schemeClr val="lt1"/>
+          </a:fontRef>
+        </p:style>
+        <p:txBody>
+          <a:bodyPr rtlCol="0" anchor="ctr"/>
+          <a:lstStyle/>
+          <a:p>
+            <a:pPr algn="ctr"/>
+            <a:endParaRPr lang="en-US">
+              <a:solidFill>
+                <a:prstClr val="white"/>
+              </a:solidFill>
+              <a:latin typeface="Calibri" panose="020F0502020204030204"/>
+            </a:endParaRPr>
           </a:p>
         </p:txBody>
       </p:sp>
@@ -4403,6 +6273,14 @@
 <file path=ppt/slides/slide5.xml><?xml version="1.0" encoding="utf-8"?>
 <p:sld xmlns:a="http://schemas.openxmlformats.org/drawingml/2006/main" xmlns:r="http://schemas.openxmlformats.org/officeDocument/2006/relationships" xmlns:p="http://schemas.openxmlformats.org/presentationml/2006/main">
   <p:cSld>
+    <p:bg>
+      <p:bgPr>
+        <a:solidFill>
+          <a:schemeClr val="bg1"/>
+        </a:solidFill>
+        <a:effectLst/>
+      </p:bgPr>
+    </p:bg>
     <p:spTree>
       <p:nvGrpSpPr>
         <p:cNvPr id="1" name=""/>
@@ -4419,6 +6297,69 @@
       </p:grpSpPr>
       <p:sp>
         <p:nvSpPr>
+          <p:cNvPr id="9" name="Rectangle 8">
+            <a:extLst>
+              <a:ext uri="{FF2B5EF4-FFF2-40B4-BE49-F238E27FC236}">
+                <a16:creationId xmlns:a16="http://schemas.microsoft.com/office/drawing/2014/main" id="{A4AC5506-6312-4701-8D3C-40187889A947}"/>
+              </a:ext>
+              <a:ext uri="{C183D7F6-B498-43B3-948B-1728B52AA6E4}">
+                <adec:decorative xmlns:adec="http://schemas.microsoft.com/office/drawing/2017/decorative" val="1"/>
+              </a:ext>
+            </a:extLst>
+          </p:cNvPr>
+          <p:cNvSpPr>
+            <a:spLocks noGrp="1" noRot="1" noChangeAspect="1" noMove="1" noResize="1" noEditPoints="1" noAdjustHandles="1" noChangeArrowheads="1" noChangeShapeType="1" noTextEdit="1"/>
+          </p:cNvSpPr>
+          <p:nvPr>
+            <p:extLst>
+              <p:ext uri="{386F3935-93C4-4BCD-93E2-E3B085C9AB24}">
+                <p16:designElem xmlns:p16="http://schemas.microsoft.com/office/powerpoint/2015/main" val="1"/>
+              </p:ext>
+            </p:extLst>
+          </p:nvPr>
+        </p:nvSpPr>
+        <p:spPr>
+          <a:xfrm>
+            <a:off x="0" y="651752"/>
+            <a:ext cx="12192000" cy="736551"/>
+          </a:xfrm>
+          <a:prstGeom prst="rect">
+            <a:avLst/>
+          </a:prstGeom>
+          <a:solidFill>
+            <a:schemeClr val="tx1"/>
+          </a:solidFill>
+          <a:ln>
+            <a:noFill/>
+          </a:ln>
+        </p:spPr>
+        <p:style>
+          <a:lnRef idx="2">
+            <a:schemeClr val="accent1">
+              <a:shade val="50000"/>
+            </a:schemeClr>
+          </a:lnRef>
+          <a:fillRef idx="1">
+            <a:schemeClr val="accent1"/>
+          </a:fillRef>
+          <a:effectRef idx="0">
+            <a:schemeClr val="accent1"/>
+          </a:effectRef>
+          <a:fontRef idx="minor">
+            <a:schemeClr val="lt1"/>
+          </a:fontRef>
+        </p:style>
+        <p:txBody>
+          <a:bodyPr rtlCol="0" anchor="ctr"/>
+          <a:lstStyle/>
+          <a:p>
+            <a:pPr algn="ctr"/>
+            <a:endParaRPr lang="en-US"/>
+          </a:p>
+        </p:txBody>
+      </p:sp>
+      <p:sp>
+        <p:nvSpPr>
           <p:cNvPr id="2" name="Titel 1">
             <a:extLst>
               <a:ext uri="{FF2B5EF4-FFF2-40B4-BE49-F238E27FC236}">
@@ -4433,13 +6374,28 @@
             <p:ph type="title"/>
           </p:nvPr>
         </p:nvSpPr>
-        <p:spPr/>
-        <p:txBody>
-          <a:bodyPr/>
+        <p:spPr>
+          <a:xfrm>
+            <a:off x="556532" y="643467"/>
+            <a:ext cx="11210925" cy="744836"/>
+          </a:xfrm>
+        </p:spPr>
+        <p:txBody>
+          <a:bodyPr vert="horz" lIns="91440" tIns="45720" rIns="91440" bIns="45720" rtlCol="0" anchor="ctr">
+            <a:normAutofit/>
+          </a:bodyPr>
           <a:lstStyle/>
           <a:p>
-            <a:r>
-              <a:rPr lang="de-DE" dirty="0"/>
+            <a:pPr algn="ctr"/>
+            <a:r>
+              <a:rPr lang="en-US" sz="3200" kern="1200">
+                <a:solidFill>
+                  <a:schemeClr val="bg1"/>
+                </a:solidFill>
+                <a:latin typeface="+mj-lt"/>
+                <a:ea typeface="+mj-ea"/>
+                <a:cs typeface="+mj-cs"/>
+              </a:rPr>
               <a:t>Struktur des Programms</a:t>
             </a:r>
           </a:p>
@@ -4460,30 +6416,30 @@
           <p:nvPr>
             <p:extLst>
               <p:ext uri="{D42A27DB-BD31-4B8C-83A1-F6EECF244321}">
-                <p14:modId xmlns:p14="http://schemas.microsoft.com/office/powerpoint/2010/main" val="917577780"/>
+                <p14:modId xmlns:p14="http://schemas.microsoft.com/office/powerpoint/2010/main" val="2419519"/>
               </p:ext>
             </p:extLst>
           </p:nvPr>
         </p:nvGraphicFramePr>
         <p:xfrm>
-          <a:off x="949960" y="1685924"/>
-          <a:ext cx="10403840" cy="4943476"/>
+          <a:off x="643467" y="1754145"/>
+          <a:ext cx="10905067" cy="4236363"/>
         </p:xfrm>
         <a:graphic>
           <a:graphicData uri="http://schemas.openxmlformats.org/drawingml/2006/table">
             <a:tbl>
               <a:tblPr firstRow="1" bandRow="1">
-                <a:tableStyleId>{5940675A-B579-460E-94D1-54222C63F5DA}</a:tableStyleId>
+                <a:tableStyleId>{9D7B26C5-4107-4FEC-AEDC-1716B250A1EF}</a:tableStyleId>
               </a:tblPr>
               <a:tblGrid>
-                <a:gridCol w="5201920">
+                <a:gridCol w="3963227">
                   <a:extLst>
                     <a:ext uri="{9D8B030D-6E8A-4147-A177-3AD203B41FA5}">
                       <a16:colId xmlns:a16="http://schemas.microsoft.com/office/drawing/2014/main" val="1087203503"/>
                     </a:ext>
                   </a:extLst>
                 </a:gridCol>
-                <a:gridCol w="5201920">
+                <a:gridCol w="6941840">
                   <a:extLst>
                     <a:ext uri="{9D8B030D-6E8A-4147-A177-3AD203B41FA5}">
                       <a16:colId xmlns:a16="http://schemas.microsoft.com/office/drawing/2014/main" val="2791348744"/>
@@ -4491,50 +6447,19 @@
                   </a:extLst>
                 </a:gridCol>
               </a:tblGrid>
-              <a:tr h="444818">
+              <a:tr h="453668">
                 <a:tc gridSpan="2">
                   <a:txBody>
                     <a:bodyPr/>
                     <a:lstStyle/>
                     <a:p>
                       <a:r>
-                        <a:rPr lang="de-DE" sz="2000" dirty="0"/>
+                        <a:rPr lang="de-DE" sz="2100"/>
                         <a:t>Deklaration globaler Variablen</a:t>
                       </a:r>
                     </a:p>
                   </a:txBody>
-                  <a:tcPr>
-                    <a:lnL w="12700" cap="flat" cmpd="sng" algn="ctr">
-                      <a:noFill/>
-                      <a:prstDash val="solid"/>
-                      <a:round/>
-                      <a:headEnd type="none" w="med" len="med"/>
-                      <a:tailEnd type="none" w="med" len="med"/>
-                    </a:lnL>
-                    <a:lnR w="12700" cap="flat" cmpd="sng" algn="ctr">
-                      <a:noFill/>
-                      <a:prstDash val="solid"/>
-                      <a:round/>
-                      <a:headEnd type="none" w="med" len="med"/>
-                      <a:tailEnd type="none" w="med" len="med"/>
-                    </a:lnR>
-                    <a:lnT w="12700" cap="flat" cmpd="sng" algn="ctr">
-                      <a:noFill/>
-                      <a:prstDash val="solid"/>
-                      <a:round/>
-                      <a:headEnd type="none" w="med" len="med"/>
-                      <a:tailEnd type="none" w="med" len="med"/>
-                    </a:lnT>
-                    <a:lnB w="12700" cap="flat" cmpd="sng" algn="ctr">
-                      <a:solidFill>
-                        <a:schemeClr val="tx1"/>
-                      </a:solidFill>
-                      <a:prstDash val="solid"/>
-                      <a:round/>
-                      <a:headEnd type="none" w="med" len="med"/>
-                      <a:tailEnd type="none" w="med" len="med"/>
-                    </a:lnB>
-                  </a:tcPr>
+                  <a:tcPr marL="95845" marR="95845" marT="47923" marB="47923"/>
                 </a:tc>
                 <a:tc hMerge="1">
                   <a:txBody>
@@ -4593,54 +6518,19 @@
                   </a:ext>
                 </a:extLst>
               </a:tr>
-              <a:tr h="444818">
+              <a:tr h="453668">
                 <a:tc>
                   <a:txBody>
                     <a:bodyPr/>
                     <a:lstStyle/>
                     <a:p>
                       <a:r>
-                        <a:rPr lang="de-DE" sz="2000" dirty="0"/>
+                        <a:rPr lang="de-DE" sz="2100"/>
                         <a:t>Setup</a:t>
                       </a:r>
                     </a:p>
                   </a:txBody>
-                  <a:tcPr>
-                    <a:lnL w="12700" cap="flat" cmpd="sng" algn="ctr">
-                      <a:noFill/>
-                      <a:prstDash val="solid"/>
-                      <a:round/>
-                      <a:headEnd type="none" w="med" len="med"/>
-                      <a:tailEnd type="none" w="med" len="med"/>
-                    </a:lnL>
-                    <a:lnR w="12700" cap="flat" cmpd="sng" algn="ctr">
-                      <a:solidFill>
-                        <a:schemeClr val="tx1"/>
-                      </a:solidFill>
-                      <a:prstDash val="solid"/>
-                      <a:round/>
-                      <a:headEnd type="none" w="med" len="med"/>
-                      <a:tailEnd type="none" w="med" len="med"/>
-                    </a:lnR>
-                    <a:lnT w="12700" cap="flat" cmpd="sng" algn="ctr">
-                      <a:solidFill>
-                        <a:schemeClr val="tx1"/>
-                      </a:solidFill>
-                      <a:prstDash val="solid"/>
-                      <a:round/>
-                      <a:headEnd type="none" w="med" len="med"/>
-                      <a:tailEnd type="none" w="med" len="med"/>
-                    </a:lnT>
-                    <a:lnB w="12700" cap="flat" cmpd="sng" algn="ctr">
-                      <a:solidFill>
-                        <a:schemeClr val="tx1"/>
-                      </a:solidFill>
-                      <a:prstDash val="solid"/>
-                      <a:round/>
-                      <a:headEnd type="none" w="med" len="med"/>
-                      <a:tailEnd type="none" w="med" len="med"/>
-                    </a:lnB>
-                  </a:tcPr>
+                  <a:tcPr marL="95845" marR="95845" marT="47923" marB="47923"/>
                 </a:tc>
                 <a:tc>
                   <a:txBody>
@@ -4648,55 +6538,12 @@
                     <a:lstStyle/>
                     <a:p>
                       <a:r>
-                        <a:rPr lang="de-DE" sz="2000" dirty="0"/>
+                        <a:rPr lang="de-DE" sz="2100"/>
                         <a:t>Draw</a:t>
                       </a:r>
                     </a:p>
                   </a:txBody>
-                  <a:tcPr>
-                    <a:lnL w="12700" cap="flat" cmpd="sng" algn="ctr">
-                      <a:solidFill>
-                        <a:schemeClr val="tx1"/>
-                      </a:solidFill>
-                      <a:prstDash val="solid"/>
-                      <a:round/>
-                      <a:headEnd type="none" w="med" len="med"/>
-                      <a:tailEnd type="none" w="med" len="med"/>
-                    </a:lnL>
-                    <a:lnR w="12700" cap="flat" cmpd="sng" algn="ctr">
-                      <a:noFill/>
-                      <a:prstDash val="solid"/>
-                      <a:round/>
-                      <a:headEnd type="none" w="med" len="med"/>
-                      <a:tailEnd type="none" w="med" len="med"/>
-                    </a:lnR>
-                    <a:lnT w="12700" cap="flat" cmpd="sng" algn="ctr">
-                      <a:solidFill>
-                        <a:schemeClr val="tx1"/>
-                      </a:solidFill>
-                      <a:prstDash val="solid"/>
-                      <a:round/>
-                      <a:headEnd type="none" w="med" len="med"/>
-                      <a:tailEnd type="none" w="med" len="med"/>
-                    </a:lnT>
-                    <a:lnB w="12700" cap="flat" cmpd="sng" algn="ctr">
-                      <a:solidFill>
-                        <a:schemeClr val="tx1"/>
-                      </a:solidFill>
-                      <a:prstDash val="solid"/>
-                      <a:round/>
-                      <a:headEnd type="none" w="med" len="med"/>
-                      <a:tailEnd type="none" w="med" len="med"/>
-                    </a:lnB>
-                    <a:lnTlToBr w="12700" cmpd="sng">
-                      <a:noFill/>
-                      <a:prstDash val="solid"/>
-                    </a:lnTlToBr>
-                    <a:lnBlToTr w="12700" cmpd="sng">
-                      <a:noFill/>
-                      <a:prstDash val="solid"/>
-                    </a:lnBlToTr>
-                  </a:tcPr>
+                  <a:tcPr marL="95845" marR="95845" marT="47923" marB="47923"/>
                 </a:tc>
                 <a:extLst>
                   <a:ext uri="{0D108BD9-81ED-4DB2-BD59-A6C34878D82A}">
@@ -4704,7 +6551,7 @@
                   </a:ext>
                 </a:extLst>
               </a:tr>
-              <a:tr h="444818">
+              <a:tr h="3329027">
                 <a:tc>
                   <a:txBody>
                     <a:bodyPr/>
@@ -4715,10 +6562,10 @@
                         <a:buChar char="•"/>
                       </a:pPr>
                       <a:r>
-                        <a:rPr lang="de-DE" sz="2000" dirty="0" err="1"/>
+                        <a:rPr lang="de-DE" sz="2100" dirty="0" err="1"/>
                         <a:t>Bildschirmgrösse</a:t>
                       </a:r>
-                      <a:endParaRPr lang="de-DE" sz="2000" dirty="0"/>
+                      <a:endParaRPr lang="de-DE" sz="2100" dirty="0"/>
                     </a:p>
                     <a:p>
                       <a:pPr marL="342900" indent="-342900">
@@ -4726,10 +6573,10 @@
                         <a:buChar char="•"/>
                       </a:pPr>
                       <a:r>
-                        <a:rPr lang="de-DE" sz="2000" dirty="0"/>
+                        <a:rPr lang="de-DE" sz="2100" dirty="0"/>
                         <a:t>Grundfarbe</a:t>
                       </a:r>
-                      <a:endParaRPr lang="de-DE" sz="1600" dirty="0">
+                      <a:endParaRPr lang="de-DE" sz="1700" dirty="0">
                         <a:sym typeface="Wingdings" pitchFamily="2" charset="2"/>
                       </a:endParaRPr>
                     </a:p>
@@ -4739,7 +6586,7 @@
                         <a:buNone/>
                         <a:tabLst/>
                       </a:pPr>
-                      <a:endParaRPr lang="de-DE" sz="1600" dirty="0">
+                      <a:endParaRPr lang="de-DE" sz="1700" dirty="0">
                         <a:sym typeface="Wingdings" pitchFamily="2" charset="2"/>
                       </a:endParaRPr>
                     </a:p>
@@ -4749,7 +6596,7 @@
                         <a:buNone/>
                         <a:tabLst/>
                       </a:pPr>
-                      <a:endParaRPr lang="de-DE" sz="1600" dirty="0">
+                      <a:endParaRPr lang="de-DE" sz="1700" dirty="0">
                         <a:sym typeface="Wingdings" pitchFamily="2" charset="2"/>
                       </a:endParaRPr>
                     </a:p>
@@ -4759,43 +6606,10 @@
                         <a:buNone/>
                         <a:tabLst/>
                       </a:pPr>
-                      <a:endParaRPr lang="de-DE" sz="1600" dirty="0"/>
+                      <a:endParaRPr lang="de-DE" sz="1700" dirty="0"/>
                     </a:p>
                   </a:txBody>
-                  <a:tcPr>
-                    <a:lnL w="12700" cap="flat" cmpd="sng" algn="ctr">
-                      <a:noFill/>
-                      <a:prstDash val="solid"/>
-                      <a:round/>
-                      <a:headEnd type="none" w="med" len="med"/>
-                      <a:tailEnd type="none" w="med" len="med"/>
-                    </a:lnL>
-                    <a:lnR w="12700" cap="flat" cmpd="sng" algn="ctr">
-                      <a:solidFill>
-                        <a:schemeClr val="tx1"/>
-                      </a:solidFill>
-                      <a:prstDash val="solid"/>
-                      <a:round/>
-                      <a:headEnd type="none" w="med" len="med"/>
-                      <a:tailEnd type="none" w="med" len="med"/>
-                    </a:lnR>
-                    <a:lnT w="12700" cap="flat" cmpd="sng" algn="ctr">
-                      <a:solidFill>
-                        <a:schemeClr val="tx1"/>
-                      </a:solidFill>
-                      <a:prstDash val="solid"/>
-                      <a:round/>
-                      <a:headEnd type="none" w="med" len="med"/>
-                      <a:tailEnd type="none" w="med" len="med"/>
-                    </a:lnT>
-                    <a:lnB w="12700" cap="flat" cmpd="sng" algn="ctr">
-                      <a:noFill/>
-                      <a:prstDash val="solid"/>
-                      <a:round/>
-                      <a:headEnd type="none" w="med" len="med"/>
-                      <a:tailEnd type="none" w="med" len="med"/>
-                    </a:lnB>
-                  </a:tcPr>
+                  <a:tcPr marL="95845" marR="95845" marT="47923" marB="47923"/>
                 </a:tc>
                 <a:tc>
                   <a:txBody>
@@ -4807,8 +6621,8 @@
                         <a:buChar char="•"/>
                       </a:pPr>
                       <a:r>
-                        <a:rPr lang="de-DE" sz="2000" dirty="0"/>
-                        <a:t>Globale Variablen</a:t>
+                        <a:rPr lang="de-DE" sz="2100" dirty="0"/>
+                        <a:t>Globale Variable Erdwinkel</a:t>
                       </a:r>
                     </a:p>
                     <a:p>
@@ -4817,7 +6631,7 @@
                         <a:buChar char="•"/>
                       </a:pPr>
                       <a:r>
-                        <a:rPr lang="de-DE" sz="2000" dirty="0"/>
+                        <a:rPr lang="de-DE" sz="2100" dirty="0"/>
                         <a:t>Hintergrundbilder Weltraum und Sonne</a:t>
                       </a:r>
                     </a:p>
@@ -4840,8 +6654,8 @@
                         <a:defRPr/>
                       </a:pPr>
                       <a:r>
-                        <a:rPr lang="de-DE" sz="2000" dirty="0"/>
-                        <a:t>Titel, Umlaufbahn, Start-Stopp-Button und Schieberegler</a:t>
+                        <a:rPr lang="de-DE" sz="2100" dirty="0"/>
+                        <a:t>Titel, Umlaufbahn, Start-Stopp-Button und Schieberegler als Funktion</a:t>
                       </a:r>
                     </a:p>
                     <a:p>
@@ -4863,7 +6677,7 @@
                         <a:defRPr/>
                       </a:pPr>
                       <a:r>
-                        <a:rPr lang="de-DE" sz="2000" dirty="0"/>
+                        <a:rPr lang="de-DE" sz="2100" dirty="0"/>
                         <a:t>Einfügen und Bewegung der Erde um die Sonne</a:t>
                       </a:r>
                     </a:p>
@@ -4886,7 +6700,7 @@
                         <a:defRPr/>
                       </a:pPr>
                       <a:r>
-                        <a:rPr lang="de-DE" sz="2000" dirty="0"/>
+                        <a:rPr lang="de-DE" sz="2100" dirty="0"/>
                         <a:t>Änderung des Erdwinkels für Umlaufbewegung</a:t>
                       </a:r>
                     </a:p>
@@ -4909,7 +6723,7 @@
                         <a:defRPr/>
                       </a:pPr>
                       <a:r>
-                        <a:rPr lang="de-DE" sz="2000" dirty="0"/>
+                        <a:rPr lang="de-DE" sz="2100" dirty="0"/>
                         <a:t>Interaktion Start-Stopp-Button</a:t>
                       </a:r>
                     </a:p>
@@ -4932,45 +6746,12 @@
                         <a:defRPr/>
                       </a:pPr>
                       <a:r>
-                        <a:rPr lang="de-DE" sz="2000" dirty="0"/>
-                        <a:t>Definitionen: Überschriften, Erdumlaufbahn, Start-Stopp-Button, Text Jahreszeiten, Einblenden der Jahreszeiten nach Grad des Erdwinkel, Schieberegler</a:t>
+                        <a:rPr lang="de-DE" sz="2100" dirty="0"/>
+                        <a:t>Funktionen: Überschriften, Erdumlaufbahn, Start-Stopp-Button, Text Jahreszeiten, Einblenden der Jahreszeiten nach Grad des Erdwinkels, Schieberegler</a:t>
                       </a:r>
                     </a:p>
                   </a:txBody>
-                  <a:tcPr>
-                    <a:lnL w="12700" cap="flat" cmpd="sng" algn="ctr">
-                      <a:solidFill>
-                        <a:schemeClr val="tx1"/>
-                      </a:solidFill>
-                      <a:prstDash val="solid"/>
-                      <a:round/>
-                      <a:headEnd type="none" w="med" len="med"/>
-                      <a:tailEnd type="none" w="med" len="med"/>
-                    </a:lnL>
-                    <a:lnR w="12700" cap="flat" cmpd="sng" algn="ctr">
-                      <a:noFill/>
-                      <a:prstDash val="solid"/>
-                      <a:round/>
-                      <a:headEnd type="none" w="med" len="med"/>
-                      <a:tailEnd type="none" w="med" len="med"/>
-                    </a:lnR>
-                    <a:lnT w="12700" cap="flat" cmpd="sng" algn="ctr">
-                      <a:solidFill>
-                        <a:schemeClr val="tx1"/>
-                      </a:solidFill>
-                      <a:prstDash val="solid"/>
-                      <a:round/>
-                      <a:headEnd type="none" w="med" len="med"/>
-                      <a:tailEnd type="none" w="med" len="med"/>
-                    </a:lnT>
-                    <a:lnB w="12700" cap="flat" cmpd="sng" algn="ctr">
-                      <a:noFill/>
-                      <a:prstDash val="solid"/>
-                      <a:round/>
-                      <a:headEnd type="none" w="med" len="med"/>
-                      <a:tailEnd type="none" w="med" len="med"/>
-                    </a:lnB>
-                  </a:tcPr>
+                  <a:tcPr marL="95845" marR="95845" marT="47923" marB="47923"/>
                 </a:tc>
                 <a:extLst>
                   <a:ext uri="{0D108BD9-81ED-4DB2-BD59-A6C34878D82A}">
@@ -4998,6 +6779,14 @@
 <file path=ppt/slides/slide6.xml><?xml version="1.0" encoding="utf-8"?>
 <p:sld xmlns:a="http://schemas.openxmlformats.org/drawingml/2006/main" xmlns:r="http://schemas.openxmlformats.org/officeDocument/2006/relationships" xmlns:p="http://schemas.openxmlformats.org/presentationml/2006/main">
   <p:cSld>
+    <p:bg>
+      <p:bgPr>
+        <a:solidFill>
+          <a:schemeClr val="bg1"/>
+        </a:solidFill>
+        <a:effectLst/>
+      </p:bgPr>
+    </p:bg>
     <p:spTree>
       <p:nvGrpSpPr>
         <p:cNvPr id="1" name=""/>
@@ -5012,6 +6801,66 @@
           <a:chExt cx="0" cy="0"/>
         </a:xfrm>
       </p:grpSpPr>
+      <p:sp useBgFill="1">
+        <p:nvSpPr>
+          <p:cNvPr id="7" name="Rectangle 6">
+            <a:extLst>
+              <a:ext uri="{FF2B5EF4-FFF2-40B4-BE49-F238E27FC236}">
+                <a16:creationId xmlns:a16="http://schemas.microsoft.com/office/drawing/2014/main" id="{5463EB0A-3D7C-4AA5-BFA5-8EE5B4BA5624}"/>
+              </a:ext>
+              <a:ext uri="{C183D7F6-B498-43B3-948B-1728B52AA6E4}">
+                <adec:decorative xmlns:adec="http://schemas.microsoft.com/office/drawing/2017/decorative" val="1"/>
+              </a:ext>
+            </a:extLst>
+          </p:cNvPr>
+          <p:cNvSpPr>
+            <a:spLocks noGrp="1" noRot="1" noChangeAspect="1" noMove="1" noResize="1" noEditPoints="1" noAdjustHandles="1" noChangeArrowheads="1" noChangeShapeType="1" noTextEdit="1"/>
+          </p:cNvSpPr>
+          <p:nvPr>
+            <p:extLst>
+              <p:ext uri="{386F3935-93C4-4BCD-93E2-E3B085C9AB24}">
+                <p16:designElem xmlns:p16="http://schemas.microsoft.com/office/powerpoint/2015/main" val="1"/>
+              </p:ext>
+            </p:extLst>
+          </p:nvPr>
+        </p:nvSpPr>
+        <p:spPr>
+          <a:xfrm>
+            <a:off x="0" y="0"/>
+            <a:ext cx="12192000" cy="6858000"/>
+          </a:xfrm>
+          <a:prstGeom prst="rect">
+            <a:avLst/>
+          </a:prstGeom>
+          <a:ln>
+            <a:noFill/>
+          </a:ln>
+        </p:spPr>
+        <p:style>
+          <a:lnRef idx="2">
+            <a:schemeClr val="accent1">
+              <a:shade val="50000"/>
+            </a:schemeClr>
+          </a:lnRef>
+          <a:fillRef idx="1">
+            <a:schemeClr val="accent1"/>
+          </a:fillRef>
+          <a:effectRef idx="0">
+            <a:schemeClr val="accent1"/>
+          </a:effectRef>
+          <a:fontRef idx="minor">
+            <a:schemeClr val="lt1"/>
+          </a:fontRef>
+        </p:style>
+        <p:txBody>
+          <a:bodyPr rtlCol="0" anchor="ctr"/>
+          <a:lstStyle/>
+          <a:p>
+            <a:pPr algn="ctr"/>
+            <a:endParaRPr lang="en-US"/>
+          </a:p>
+        </p:txBody>
+      </p:sp>
       <p:sp>
         <p:nvSpPr>
           <p:cNvPr id="2" name="Titel 1">
@@ -5028,40 +6877,220 @@
             <p:ph type="title"/>
           </p:nvPr>
         </p:nvSpPr>
-        <p:spPr/>
-        <p:txBody>
-          <a:bodyPr/>
+        <p:spPr>
+          <a:xfrm>
+            <a:off x="578651" y="1122363"/>
+            <a:ext cx="11034695" cy="3174690"/>
+          </a:xfrm>
+        </p:spPr>
+        <p:txBody>
+          <a:bodyPr vert="horz" lIns="91440" tIns="45720" rIns="91440" bIns="45720" rtlCol="0" anchor="b">
+            <a:normAutofit/>
+          </a:bodyPr>
           <a:lstStyle/>
           <a:p>
             <a:r>
-              <a:rPr lang="de-DE" dirty="0"/>
-              <a:t>Prozessbezogene Perspektive</a:t>
-            </a:r>
+              <a:rPr lang="en-US" sz="8000" kern="1200" dirty="0" err="1">
+                <a:solidFill>
+                  <a:schemeClr val="tx1"/>
+                </a:solidFill>
+                <a:latin typeface="+mj-lt"/>
+                <a:ea typeface="+mj-ea"/>
+                <a:cs typeface="+mj-cs"/>
+              </a:rPr>
+              <a:t>Prozessbezogene</a:t>
+            </a:r>
+            <a:r>
+              <a:rPr lang="en-US" sz="8000" kern="1200" dirty="0">
+                <a:solidFill>
+                  <a:schemeClr val="tx1"/>
+                </a:solidFill>
+                <a:latin typeface="+mj-lt"/>
+                <a:ea typeface="+mj-ea"/>
+                <a:cs typeface="+mj-cs"/>
+              </a:rPr>
+              <a:t> </a:t>
+            </a:r>
+            <a:r>
+              <a:rPr lang="en-US" sz="8000" kern="1200" dirty="0" err="1">
+                <a:solidFill>
+                  <a:schemeClr val="tx1"/>
+                </a:solidFill>
+                <a:latin typeface="+mj-lt"/>
+                <a:ea typeface="+mj-ea"/>
+                <a:cs typeface="+mj-cs"/>
+              </a:rPr>
+              <a:t>Perspektive</a:t>
+            </a:r>
+            <a:endParaRPr lang="en-US" sz="8000" kern="1200" dirty="0">
+              <a:solidFill>
+                <a:schemeClr val="tx1"/>
+              </a:solidFill>
+              <a:latin typeface="+mj-lt"/>
+              <a:ea typeface="+mj-ea"/>
+              <a:cs typeface="+mj-cs"/>
+            </a:endParaRPr>
           </a:p>
         </p:txBody>
       </p:sp>
       <p:sp>
         <p:nvSpPr>
-          <p:cNvPr id="3" name="Inhaltsplatzhalter 2">
-            <a:extLst>
-              <a:ext uri="{FF2B5EF4-FFF2-40B4-BE49-F238E27FC236}">
-                <a16:creationId xmlns:a16="http://schemas.microsoft.com/office/drawing/2014/main" id="{ADDD01E1-F0A4-454D-A7CE-90290F264EAA}"/>
-              </a:ext>
-            </a:extLst>
-          </p:cNvPr>
-          <p:cNvSpPr>
-            <a:spLocks noGrp="1"/>
-          </p:cNvSpPr>
-          <p:nvPr>
-            <p:ph idx="1"/>
-          </p:nvPr>
-        </p:nvSpPr>
-        <p:spPr/>
-        <p:txBody>
-          <a:bodyPr/>
+          <p:cNvPr id="9" name="Rectangle 8">
+            <a:extLst>
+              <a:ext uri="{FF2B5EF4-FFF2-40B4-BE49-F238E27FC236}">
+                <a16:creationId xmlns:a16="http://schemas.microsoft.com/office/drawing/2014/main" id="{7945AD00-F967-454D-A4B2-39ABA5C88C20}"/>
+              </a:ext>
+              <a:ext uri="{C183D7F6-B498-43B3-948B-1728B52AA6E4}">
+                <adec:decorative xmlns:adec="http://schemas.microsoft.com/office/drawing/2017/decorative" val="1"/>
+              </a:ext>
+            </a:extLst>
+          </p:cNvPr>
+          <p:cNvSpPr>
+            <a:spLocks noGrp="1" noRot="1" noChangeAspect="1" noMove="1" noResize="1" noEditPoints="1" noAdjustHandles="1" noChangeArrowheads="1" noChangeShapeType="1" noTextEdit="1"/>
+          </p:cNvSpPr>
+          <p:nvPr>
+            <p:extLst>
+              <p:ext uri="{386F3935-93C4-4BCD-93E2-E3B085C9AB24}">
+                <p16:designElem xmlns:p16="http://schemas.microsoft.com/office/powerpoint/2015/main" val="1"/>
+              </p:ext>
+            </p:extLst>
+          </p:nvPr>
+        </p:nvSpPr>
+        <p:spPr>
+          <a:xfrm rot="5400000">
+            <a:off x="857544" y="346791"/>
+            <a:ext cx="146304" cy="704088"/>
+          </a:xfrm>
+          <a:prstGeom prst="rect">
+            <a:avLst/>
+          </a:prstGeom>
+          <a:solidFill>
+            <a:schemeClr val="accent2"/>
+          </a:solidFill>
+          <a:ln>
+            <a:noFill/>
+          </a:ln>
+        </p:spPr>
+        <p:style>
+          <a:lnRef idx="2">
+            <a:schemeClr val="accent1">
+              <a:shade val="50000"/>
+            </a:schemeClr>
+          </a:lnRef>
+          <a:fillRef idx="1">
+            <a:schemeClr val="accent1"/>
+          </a:fillRef>
+          <a:effectRef idx="0">
+            <a:schemeClr val="accent1"/>
+          </a:effectRef>
+          <a:fontRef idx="minor">
+            <a:schemeClr val="lt1"/>
+          </a:fontRef>
+        </p:style>
+        <p:txBody>
+          <a:bodyPr rtlCol="0" anchor="ctr"/>
           <a:lstStyle/>
           <a:p>
-            <a:endParaRPr lang="de-DE"/>
+            <a:pPr marL="0" marR="0" lvl="0" indent="0" algn="ctr" defTabSz="914400" rtl="0" eaLnBrk="1" fontAlgn="auto" latinLnBrk="0" hangingPunct="1">
+              <a:lnSpc>
+                <a:spcPct val="100000"/>
+              </a:lnSpc>
+              <a:spcBef>
+                <a:spcPts val="0"/>
+              </a:spcBef>
+              <a:spcAft>
+                <a:spcPts val="0"/>
+              </a:spcAft>
+              <a:buClrTx/>
+              <a:buSzTx/>
+              <a:buFontTx/>
+              <a:buNone/>
+              <a:tabLst/>
+              <a:defRPr/>
+            </a:pPr>
+            <a:endParaRPr kumimoji="0" lang="en-US" sz="1800" b="0" i="0" u="none" strike="noStrike" kern="1200" cap="none" spc="0" normalizeH="0" baseline="0" noProof="0">
+              <a:ln>
+                <a:noFill/>
+              </a:ln>
+              <a:solidFill>
+                <a:prstClr val="white"/>
+              </a:solidFill>
+              <a:effectLst/>
+              <a:uLnTx/>
+              <a:uFillTx/>
+              <a:latin typeface="Calibri" panose="020F0502020204030204"/>
+              <a:ea typeface="+mn-ea"/>
+              <a:cs typeface="+mn-cs"/>
+            </a:endParaRPr>
+          </a:p>
+        </p:txBody>
+      </p:sp>
+      <p:sp>
+        <p:nvSpPr>
+          <p:cNvPr id="11" name="Rectangle 10">
+            <a:extLst>
+              <a:ext uri="{FF2B5EF4-FFF2-40B4-BE49-F238E27FC236}">
+                <a16:creationId xmlns:a16="http://schemas.microsoft.com/office/drawing/2014/main" id="{E9BC5B79-B912-427C-8219-E3E50943FCDE}"/>
+              </a:ext>
+              <a:ext uri="{C183D7F6-B498-43B3-948B-1728B52AA6E4}">
+                <adec:decorative xmlns:adec="http://schemas.microsoft.com/office/drawing/2017/decorative" val="1"/>
+              </a:ext>
+            </a:extLst>
+          </p:cNvPr>
+          <p:cNvSpPr>
+            <a:spLocks noGrp="1" noRot="1" noChangeAspect="1" noMove="1" noResize="1" noEditPoints="1" noAdjustHandles="1" noChangeArrowheads="1" noChangeShapeType="1" noTextEdit="1"/>
+          </p:cNvSpPr>
+          <p:nvPr>
+            <p:extLst>
+              <p:ext uri="{386F3935-93C4-4BCD-93E2-E3B085C9AB24}">
+                <p16:designElem xmlns:p16="http://schemas.microsoft.com/office/powerpoint/2015/main" val="1"/>
+              </p:ext>
+            </p:extLst>
+          </p:nvPr>
+        </p:nvSpPr>
+        <p:spPr>
+          <a:xfrm flipV="1">
+            <a:off x="578652" y="4501201"/>
+            <a:ext cx="11034696" cy="18288"/>
+          </a:xfrm>
+          <a:prstGeom prst="rect">
+            <a:avLst/>
+          </a:prstGeom>
+          <a:solidFill>
+            <a:srgbClr val="D5D5D5"/>
+          </a:solidFill>
+          <a:ln w="3175">
+            <a:noFill/>
+          </a:ln>
+          <a:effectLst/>
+        </p:spPr>
+        <p:style>
+          <a:lnRef idx="2">
+            <a:schemeClr val="accent1">
+              <a:shade val="50000"/>
+            </a:schemeClr>
+          </a:lnRef>
+          <a:fillRef idx="1">
+            <a:schemeClr val="accent1"/>
+          </a:fillRef>
+          <a:effectRef idx="0">
+            <a:schemeClr val="accent1"/>
+          </a:effectRef>
+          <a:fontRef idx="minor">
+            <a:schemeClr val="lt1"/>
+          </a:fontRef>
+        </p:style>
+        <p:txBody>
+          <a:bodyPr rtlCol="0" anchor="ctr"/>
+          <a:lstStyle/>
+          <a:p>
+            <a:pPr algn="ctr"/>
+            <a:endParaRPr lang="en-US">
+              <a:solidFill>
+                <a:prstClr val="white"/>
+              </a:solidFill>
+              <a:latin typeface="Calibri" panose="020F0502020204030204"/>
+            </a:endParaRPr>
           </a:p>
         </p:txBody>
       </p:sp>
@@ -5081,6 +7110,14 @@
 <file path=ppt/slides/slide7.xml><?xml version="1.0" encoding="utf-8"?>
 <p:sld xmlns:a="http://schemas.openxmlformats.org/drawingml/2006/main" xmlns:r="http://schemas.openxmlformats.org/officeDocument/2006/relationships" xmlns:p="http://schemas.openxmlformats.org/presentationml/2006/main">
   <p:cSld>
+    <p:bg>
+      <p:bgPr>
+        <a:solidFill>
+          <a:schemeClr val="bg1"/>
+        </a:solidFill>
+        <a:effectLst/>
+      </p:bgPr>
+    </p:bg>
     <p:spTree>
       <p:nvGrpSpPr>
         <p:cNvPr id="1" name=""/>
@@ -5095,6 +7132,255 @@
           <a:chExt cx="0" cy="0"/>
         </a:xfrm>
       </p:grpSpPr>
+      <p:sp useBgFill="1">
+        <p:nvSpPr>
+          <p:cNvPr id="19" name="Rectangle 18">
+            <a:extLst>
+              <a:ext uri="{FF2B5EF4-FFF2-40B4-BE49-F238E27FC236}">
+                <a16:creationId xmlns:a16="http://schemas.microsoft.com/office/drawing/2014/main" id="{DAF1966E-FD40-4A4A-B61B-C4DF7FA05F06}"/>
+              </a:ext>
+              <a:ext uri="{C183D7F6-B498-43B3-948B-1728B52AA6E4}">
+                <adec:decorative xmlns:adec="http://schemas.microsoft.com/office/drawing/2017/decorative" val="1"/>
+              </a:ext>
+            </a:extLst>
+          </p:cNvPr>
+          <p:cNvSpPr>
+            <a:spLocks noGrp="1" noRot="1" noChangeAspect="1" noMove="1" noResize="1" noEditPoints="1" noAdjustHandles="1" noChangeArrowheads="1" noChangeShapeType="1" noTextEdit="1"/>
+          </p:cNvSpPr>
+          <p:nvPr>
+            <p:extLst>
+              <p:ext uri="{386F3935-93C4-4BCD-93E2-E3B085C9AB24}">
+                <p16:designElem xmlns:p16="http://schemas.microsoft.com/office/powerpoint/2015/main" val="1"/>
+              </p:ext>
+            </p:extLst>
+          </p:nvPr>
+        </p:nvSpPr>
+        <p:spPr>
+          <a:xfrm>
+            <a:off x="0" y="0"/>
+            <a:ext cx="12192000" cy="6858000"/>
+          </a:xfrm>
+          <a:prstGeom prst="rect">
+            <a:avLst/>
+          </a:prstGeom>
+          <a:ln>
+            <a:noFill/>
+          </a:ln>
+        </p:spPr>
+        <p:style>
+          <a:lnRef idx="2">
+            <a:schemeClr val="accent1">
+              <a:shade val="50000"/>
+            </a:schemeClr>
+          </a:lnRef>
+          <a:fillRef idx="1">
+            <a:schemeClr val="accent1"/>
+          </a:fillRef>
+          <a:effectRef idx="0">
+            <a:schemeClr val="accent1"/>
+          </a:effectRef>
+          <a:fontRef idx="minor">
+            <a:schemeClr val="lt1"/>
+          </a:fontRef>
+        </p:style>
+        <p:txBody>
+          <a:bodyPr rtlCol="0" anchor="ctr"/>
+          <a:lstStyle/>
+          <a:p>
+            <a:pPr algn="ctr"/>
+            <a:endParaRPr lang="en-US"/>
+          </a:p>
+        </p:txBody>
+      </p:sp>
+      <p:sp useBgFill="1">
+        <p:nvSpPr>
+          <p:cNvPr id="21" name="Rectangle 20">
+            <a:extLst>
+              <a:ext uri="{FF2B5EF4-FFF2-40B4-BE49-F238E27FC236}">
+                <a16:creationId xmlns:a16="http://schemas.microsoft.com/office/drawing/2014/main" id="{047BFA19-D45E-416B-A404-7AF2F3F27017}"/>
+              </a:ext>
+              <a:ext uri="{C183D7F6-B498-43B3-948B-1728B52AA6E4}">
+                <adec:decorative xmlns:adec="http://schemas.microsoft.com/office/drawing/2017/decorative" val="1"/>
+              </a:ext>
+            </a:extLst>
+          </p:cNvPr>
+          <p:cNvSpPr>
+            <a:spLocks noGrp="1" noRot="1" noChangeAspect="1" noMove="1" noResize="1" noEditPoints="1" noAdjustHandles="1" noChangeArrowheads="1" noChangeShapeType="1" noTextEdit="1"/>
+          </p:cNvSpPr>
+          <p:nvPr>
+            <p:extLst>
+              <p:ext uri="{386F3935-93C4-4BCD-93E2-E3B085C9AB24}">
+                <p16:designElem xmlns:p16="http://schemas.microsoft.com/office/powerpoint/2015/main" val="1"/>
+              </p:ext>
+            </p:extLst>
+          </p:nvPr>
+        </p:nvSpPr>
+        <p:spPr>
+          <a:xfrm>
+            <a:off x="558209" y="0"/>
+            <a:ext cx="11167447" cy="2018806"/>
+          </a:xfrm>
+          <a:prstGeom prst="rect">
+            <a:avLst/>
+          </a:prstGeom>
+          <a:ln w="9525">
+            <a:solidFill>
+              <a:srgbClr val="E1E1E1"/>
+            </a:solidFill>
+          </a:ln>
+          <a:effectLst>
+            <a:outerShdw blurRad="50800" dist="38100" dir="2700000" algn="tl" rotWithShape="0">
+              <a:schemeClr val="bg1">
+                <a:lumMod val="85000"/>
+                <a:alpha val="50000"/>
+              </a:schemeClr>
+            </a:outerShdw>
+          </a:effectLst>
+        </p:spPr>
+        <p:style>
+          <a:lnRef idx="2">
+            <a:schemeClr val="accent1">
+              <a:shade val="50000"/>
+            </a:schemeClr>
+          </a:lnRef>
+          <a:fillRef idx="1">
+            <a:schemeClr val="accent1"/>
+          </a:fillRef>
+          <a:effectRef idx="0">
+            <a:schemeClr val="accent1"/>
+          </a:effectRef>
+          <a:fontRef idx="minor">
+            <a:schemeClr val="lt1"/>
+          </a:fontRef>
+        </p:style>
+        <p:txBody>
+          <a:bodyPr rtlCol="0" anchor="ctr"/>
+          <a:lstStyle/>
+          <a:p>
+            <a:pPr marL="0" marR="0" lvl="0" indent="0" algn="ctr" defTabSz="914400" rtl="0" eaLnBrk="1" fontAlgn="auto" latinLnBrk="0" hangingPunct="1">
+              <a:lnSpc>
+                <a:spcPct val="100000"/>
+              </a:lnSpc>
+              <a:spcBef>
+                <a:spcPts val="0"/>
+              </a:spcBef>
+              <a:spcAft>
+                <a:spcPts val="0"/>
+              </a:spcAft>
+              <a:buClrTx/>
+              <a:buSzTx/>
+              <a:buFontTx/>
+              <a:buNone/>
+              <a:tabLst/>
+              <a:defRPr/>
+            </a:pPr>
+            <a:endParaRPr kumimoji="0" lang="en-US" sz="1800" b="0" i="0" u="none" strike="noStrike" kern="1200" cap="none" spc="0" normalizeH="0" baseline="0" noProof="0">
+              <a:ln>
+                <a:noFill/>
+              </a:ln>
+              <a:solidFill>
+                <a:prstClr val="white"/>
+              </a:solidFill>
+              <a:effectLst/>
+              <a:uLnTx/>
+              <a:uFillTx/>
+              <a:latin typeface="Calibri" panose="020F0502020204030204"/>
+              <a:ea typeface="+mn-ea"/>
+              <a:cs typeface="+mn-cs"/>
+            </a:endParaRPr>
+          </a:p>
+        </p:txBody>
+      </p:sp>
+      <p:sp useBgFill="1">
+        <p:nvSpPr>
+          <p:cNvPr id="23" name="Rectangle 22">
+            <a:extLst>
+              <a:ext uri="{FF2B5EF4-FFF2-40B4-BE49-F238E27FC236}">
+                <a16:creationId xmlns:a16="http://schemas.microsoft.com/office/drawing/2014/main" id="{8E0105E7-23DB-4CF2-8258-FF47C7620F6E}"/>
+              </a:ext>
+              <a:ext uri="{C183D7F6-B498-43B3-948B-1728B52AA6E4}">
+                <adec:decorative xmlns:adec="http://schemas.microsoft.com/office/drawing/2017/decorative" val="1"/>
+              </a:ext>
+            </a:extLst>
+          </p:cNvPr>
+          <p:cNvSpPr>
+            <a:spLocks noGrp="1" noRot="1" noChangeAspect="1" noMove="1" noResize="1" noEditPoints="1" noAdjustHandles="1" noChangeArrowheads="1" noChangeShapeType="1" noTextEdit="1"/>
+          </p:cNvSpPr>
+          <p:nvPr>
+            <p:extLst>
+              <p:ext uri="{386F3935-93C4-4BCD-93E2-E3B085C9AB24}">
+                <p16:designElem xmlns:p16="http://schemas.microsoft.com/office/powerpoint/2015/main" val="1"/>
+              </p:ext>
+            </p:extLst>
+          </p:nvPr>
+        </p:nvSpPr>
+        <p:spPr>
+          <a:xfrm>
+            <a:off x="566928" y="0"/>
+            <a:ext cx="11155680" cy="2011680"/>
+          </a:xfrm>
+          <a:prstGeom prst="rect">
+            <a:avLst/>
+          </a:prstGeom>
+          <a:ln w="9525">
+            <a:noFill/>
+          </a:ln>
+          <a:effectLst/>
+        </p:spPr>
+        <p:style>
+          <a:lnRef idx="2">
+            <a:schemeClr val="accent1">
+              <a:shade val="50000"/>
+            </a:schemeClr>
+          </a:lnRef>
+          <a:fillRef idx="1">
+            <a:schemeClr val="accent1"/>
+          </a:fillRef>
+          <a:effectRef idx="0">
+            <a:schemeClr val="accent1"/>
+          </a:effectRef>
+          <a:fontRef idx="minor">
+            <a:schemeClr val="lt1"/>
+          </a:fontRef>
+        </p:style>
+        <p:txBody>
+          <a:bodyPr rtlCol="0" anchor="ctr"/>
+          <a:lstStyle/>
+          <a:p>
+            <a:pPr marL="0" marR="0" lvl="0" indent="0" algn="ctr" defTabSz="914400" rtl="0" eaLnBrk="1" fontAlgn="auto" latinLnBrk="0" hangingPunct="1">
+              <a:lnSpc>
+                <a:spcPct val="100000"/>
+              </a:lnSpc>
+              <a:spcBef>
+                <a:spcPts val="0"/>
+              </a:spcBef>
+              <a:spcAft>
+                <a:spcPts val="0"/>
+              </a:spcAft>
+              <a:buClrTx/>
+              <a:buSzTx/>
+              <a:buFontTx/>
+              <a:buNone/>
+              <a:tabLst/>
+              <a:defRPr/>
+            </a:pPr>
+            <a:endParaRPr kumimoji="0" lang="en-US" sz="1800" b="0" i="0" u="none" strike="noStrike" kern="1200" cap="none" spc="0" normalizeH="0" baseline="0" noProof="0">
+              <a:ln>
+                <a:noFill/>
+              </a:ln>
+              <a:solidFill>
+                <a:prstClr val="white"/>
+              </a:solidFill>
+              <a:effectLst/>
+              <a:uLnTx/>
+              <a:uFillTx/>
+              <a:latin typeface="Calibri" panose="020F0502020204030204"/>
+              <a:ea typeface="+mn-ea"/>
+              <a:cs typeface="+mn-cs"/>
+            </a:endParaRPr>
+          </a:p>
+        </p:txBody>
+      </p:sp>
       <p:sp>
         <p:nvSpPr>
           <p:cNvPr id="2" name="Titel 1">
@@ -5111,44 +7397,123 @@
             <p:ph type="title"/>
           </p:nvPr>
         </p:nvSpPr>
-        <p:spPr/>
-        <p:txBody>
-          <a:bodyPr/>
-          <a:lstStyle/>
-          <a:p>
-            <a:r>
-              <a:rPr lang="de-DE"/>
-              <a:t>Projektvorhaben</a:t>
-            </a:r>
-            <a:endParaRPr lang="de-DE" dirty="0"/>
-          </a:p>
-        </p:txBody>
-      </p:sp>
-      <p:sp>
-        <p:nvSpPr>
-          <p:cNvPr id="3" name="Inhaltsplatzhalter 2">
-            <a:extLst>
-              <a:ext uri="{FF2B5EF4-FFF2-40B4-BE49-F238E27FC236}">
-                <a16:creationId xmlns:a16="http://schemas.microsoft.com/office/drawing/2014/main" id="{DBC179A3-FA57-6941-8067-ABC9ED6135E5}"/>
-              </a:ext>
-            </a:extLst>
-          </p:cNvPr>
-          <p:cNvSpPr>
-            <a:spLocks noGrp="1"/>
-          </p:cNvSpPr>
-          <p:nvPr>
-            <p:ph idx="1"/>
-          </p:nvPr>
-        </p:nvSpPr>
-        <p:spPr/>
+        <p:spPr>
+          <a:xfrm>
+            <a:off x="1115568" y="548640"/>
+            <a:ext cx="10168128" cy="1179576"/>
+          </a:xfrm>
+        </p:spPr>
         <p:txBody>
           <a:bodyPr>
-            <a:normAutofit lnSpcReduction="10000"/>
+            <a:normAutofit/>
           </a:bodyPr>
           <a:lstStyle/>
           <a:p>
             <a:r>
-              <a:rPr lang="de-CH" sz="2000" b="1" dirty="0">
+              <a:rPr lang="de-DE" sz="4000"/>
+              <a:t>Projektvorhaben</a:t>
+            </a:r>
+          </a:p>
+        </p:txBody>
+      </p:sp>
+      <p:sp>
+        <p:nvSpPr>
+          <p:cNvPr id="25" name="Rectangle 24">
+            <a:extLst>
+              <a:ext uri="{FF2B5EF4-FFF2-40B4-BE49-F238E27FC236}">
+                <a16:creationId xmlns:a16="http://schemas.microsoft.com/office/drawing/2014/main" id="{074B4F7D-14B2-478B-8BF5-01E4E0C5D263}"/>
+              </a:ext>
+              <a:ext uri="{C183D7F6-B498-43B3-948B-1728B52AA6E4}">
+                <adec:decorative xmlns:adec="http://schemas.microsoft.com/office/drawing/2017/decorative" val="1"/>
+              </a:ext>
+            </a:extLst>
+          </p:cNvPr>
+          <p:cNvSpPr>
+            <a:spLocks noGrp="1" noRot="1" noChangeAspect="1" noMove="1" noResize="1" noEditPoints="1" noAdjustHandles="1" noChangeArrowheads="1" noChangeShapeType="1" noTextEdit="1"/>
+          </p:cNvSpPr>
+          <p:nvPr>
+            <p:extLst>
+              <p:ext uri="{386F3935-93C4-4BCD-93E2-E3B085C9AB24}">
+                <p16:designElem xmlns:p16="http://schemas.microsoft.com/office/powerpoint/2015/main" val="1"/>
+              </p:ext>
+            </p:extLst>
+          </p:nvPr>
+        </p:nvSpPr>
+        <p:spPr>
+          <a:xfrm>
+            <a:off x="498834" y="758952"/>
+            <a:ext cx="128016" cy="704088"/>
+          </a:xfrm>
+          <a:prstGeom prst="rect">
+            <a:avLst/>
+          </a:prstGeom>
+          <a:solidFill>
+            <a:schemeClr val="accent2"/>
+          </a:solidFill>
+          <a:ln>
+            <a:noFill/>
+          </a:ln>
+        </p:spPr>
+        <p:style>
+          <a:lnRef idx="2">
+            <a:schemeClr val="accent1">
+              <a:shade val="50000"/>
+            </a:schemeClr>
+          </a:lnRef>
+          <a:fillRef idx="1">
+            <a:schemeClr val="accent1"/>
+          </a:fillRef>
+          <a:effectRef idx="0">
+            <a:schemeClr val="accent1"/>
+          </a:effectRef>
+          <a:fontRef idx="minor">
+            <a:schemeClr val="lt1"/>
+          </a:fontRef>
+        </p:style>
+        <p:txBody>
+          <a:bodyPr rtlCol="0" anchor="ctr"/>
+          <a:lstStyle/>
+          <a:p>
+            <a:pPr algn="ctr"/>
+            <a:endParaRPr lang="en-US">
+              <a:solidFill>
+                <a:prstClr val="white"/>
+              </a:solidFill>
+              <a:latin typeface="Calibri" panose="020F0502020204030204"/>
+            </a:endParaRPr>
+          </a:p>
+        </p:txBody>
+      </p:sp>
+      <p:sp>
+        <p:nvSpPr>
+          <p:cNvPr id="3" name="Inhaltsplatzhalter 2">
+            <a:extLst>
+              <a:ext uri="{FF2B5EF4-FFF2-40B4-BE49-F238E27FC236}">
+                <a16:creationId xmlns:a16="http://schemas.microsoft.com/office/drawing/2014/main" id="{DBC179A3-FA57-6941-8067-ABC9ED6135E5}"/>
+              </a:ext>
+            </a:extLst>
+          </p:cNvPr>
+          <p:cNvSpPr>
+            <a:spLocks noGrp="1"/>
+          </p:cNvSpPr>
+          <p:nvPr>
+            <p:ph idx="1"/>
+          </p:nvPr>
+        </p:nvSpPr>
+        <p:spPr>
+          <a:xfrm>
+            <a:off x="1115568" y="2481943"/>
+            <a:ext cx="10168128" cy="3695020"/>
+          </a:xfrm>
+        </p:spPr>
+        <p:txBody>
+          <a:bodyPr>
+            <a:normAutofit/>
+          </a:bodyPr>
+          <a:lstStyle/>
+          <a:p>
+            <a:r>
+              <a:rPr lang="de-CH" sz="1400" b="1" dirty="0">
                 <a:latin typeface="Helvetica Neue" panose="02000503000000020004" pitchFamily="2" charset="0"/>
                 <a:ea typeface="Helvetica Neue" panose="02000503000000020004" pitchFamily="2" charset="0"/>
                 <a:cs typeface="Helvetica Neue" panose="02000503000000020004" pitchFamily="2" charset="0"/>
@@ -5156,7 +7521,7 @@
               <a:t>Thema: </a:t>
             </a:r>
             <a:r>
-              <a:rPr lang="de-CH" sz="2000" dirty="0">
+              <a:rPr lang="de-CH" sz="1400" dirty="0">
                 <a:latin typeface="Helvetica Neue" panose="02000503000000020004" pitchFamily="2" charset="0"/>
                 <a:ea typeface="Helvetica Neue" panose="02000503000000020004" pitchFamily="2" charset="0"/>
                 <a:cs typeface="Helvetica Neue" panose="02000503000000020004" pitchFamily="2" charset="0"/>
@@ -5165,7 +7530,7 @@
             </a:r>
           </a:p>
           <a:p>
-            <a:endParaRPr lang="de-CH" sz="2000" dirty="0">
+            <a:endParaRPr lang="de-CH" sz="1400" dirty="0">
               <a:latin typeface="Helvetica Neue" panose="02000503000000020004" pitchFamily="2" charset="0"/>
               <a:ea typeface="Helvetica Neue" panose="02000503000000020004" pitchFamily="2" charset="0"/>
               <a:cs typeface="Helvetica Neue" panose="02000503000000020004" pitchFamily="2" charset="0"/>
@@ -5173,7 +7538,7 @@
           </a:p>
           <a:p>
             <a:r>
-              <a:rPr lang="de-CH" sz="2000" b="1" dirty="0">
+              <a:rPr lang="de-CH" sz="1400" b="1" dirty="0">
                 <a:latin typeface="Helvetica Neue" panose="02000503000000020004" pitchFamily="2" charset="0"/>
                 <a:ea typeface="Helvetica Neue" panose="02000503000000020004" pitchFamily="2" charset="0"/>
                 <a:cs typeface="Helvetica Neue" panose="02000503000000020004" pitchFamily="2" charset="0"/>
@@ -5181,19 +7546,19 @@
               <a:t>Gründe für Projektwahl: </a:t>
             </a:r>
             <a:r>
-              <a:rPr lang="de-CH" sz="2000" dirty="0">
+              <a:rPr lang="de-CH" sz="1400" dirty="0">
                 <a:latin typeface="Helvetica Neue" panose="02000503000000020004" pitchFamily="2" charset="0"/>
                 <a:ea typeface="Helvetica Neue" panose="02000503000000020004" pitchFamily="2" charset="0"/>
                 <a:cs typeface="Helvetica Neue" panose="02000503000000020004" pitchFamily="2" charset="0"/>
               </a:rPr>
-              <a:t>Tellurium der Schule oft umständlich zu organisieren, keine passenden Videos oder Interaktionen für Schülerinnen und Schüler</a:t>
+              <a:t>Tellurium der Schule oft umständlich zu organisieren, keine passenden Videos oder Simulationen für Schülerinnen und Schüler online</a:t>
             </a:r>
           </a:p>
           <a:p>
             <a:pPr marL="0" indent="0">
               <a:buNone/>
             </a:pPr>
-            <a:endParaRPr lang="de-CH" sz="2000" dirty="0">
+            <a:endParaRPr lang="de-CH" sz="1400" dirty="0">
               <a:latin typeface="Helvetica Neue" panose="02000503000000020004" pitchFamily="2" charset="0"/>
               <a:ea typeface="Helvetica Neue" panose="02000503000000020004" pitchFamily="2" charset="0"/>
               <a:cs typeface="Helvetica Neue" panose="02000503000000020004" pitchFamily="2" charset="0"/>
@@ -5201,7 +7566,7 @@
           </a:p>
           <a:p>
             <a:r>
-              <a:rPr lang="de-CH" sz="2000" b="1" dirty="0">
+              <a:rPr lang="de-CH" sz="1400" b="1" dirty="0">
                 <a:latin typeface="Helvetica Neue" panose="02000503000000020004" pitchFamily="2" charset="0"/>
                 <a:ea typeface="Helvetica Neue" panose="02000503000000020004" pitchFamily="2" charset="0"/>
                 <a:cs typeface="Helvetica Neue" panose="02000503000000020004" pitchFamily="2" charset="0"/>
@@ -5209,7 +7574,7 @@
               <a:t>Umschreibung der Idee &amp; Interaktion: </a:t>
             </a:r>
             <a:r>
-              <a:rPr lang="de-CH" sz="2000" dirty="0">
+              <a:rPr lang="de-CH" sz="1400" dirty="0">
                 <a:latin typeface="Helvetica Neue" panose="02000503000000020004" pitchFamily="2" charset="0"/>
                 <a:ea typeface="Helvetica Neue" panose="02000503000000020004" pitchFamily="2" charset="0"/>
                 <a:cs typeface="Helvetica Neue" panose="02000503000000020004" pitchFamily="2" charset="0"/>
@@ -5221,7 +7586,7 @@
             <a:pPr marL="0" indent="0">
               <a:buNone/>
             </a:pPr>
-            <a:endParaRPr lang="de-CH" sz="2000" dirty="0">
+            <a:endParaRPr lang="de-CH" sz="1400" dirty="0">
               <a:latin typeface="Helvetica Neue" panose="02000503000000020004" pitchFamily="2" charset="0"/>
               <a:ea typeface="Helvetica Neue" panose="02000503000000020004" pitchFamily="2" charset="0"/>
               <a:cs typeface="Helvetica Neue" panose="02000503000000020004" pitchFamily="2" charset="0"/>
@@ -5229,7 +7594,7 @@
           </a:p>
           <a:p>
             <a:r>
-              <a:rPr lang="de-CH" sz="2000" b="1" dirty="0">
+              <a:rPr lang="de-CH" sz="1400" b="1" dirty="0">
                 <a:latin typeface="Helvetica Neue" panose="02000503000000020004" pitchFamily="2" charset="0"/>
                 <a:ea typeface="Helvetica Neue" panose="02000503000000020004" pitchFamily="2" charset="0"/>
                 <a:cs typeface="Helvetica Neue" panose="02000503000000020004" pitchFamily="2" charset="0"/>
@@ -5237,7 +7602,7 @@
               <a:t>Erwartete Schwierigkeiten: </a:t>
             </a:r>
             <a:r>
-              <a:rPr lang="de-CH" sz="2000" dirty="0">
+              <a:rPr lang="de-CH" sz="1400" dirty="0">
                 <a:latin typeface="Helvetica Neue" panose="02000503000000020004" pitchFamily="2" charset="0"/>
                 <a:ea typeface="Helvetica Neue" panose="02000503000000020004" pitchFamily="2" charset="0"/>
                 <a:cs typeface="Helvetica Neue" panose="02000503000000020004" pitchFamily="2" charset="0"/>
@@ -5249,7 +7614,7 @@
             <a:pPr marL="0" indent="0">
               <a:buNone/>
             </a:pPr>
-            <a:endParaRPr lang="de-CH" sz="2000" b="1" dirty="0">
+            <a:endParaRPr lang="de-CH" sz="1400" b="1" dirty="0">
               <a:latin typeface="Helvetica Neue" panose="02000503000000020004" pitchFamily="2" charset="0"/>
               <a:ea typeface="Helvetica Neue" panose="02000503000000020004" pitchFamily="2" charset="0"/>
               <a:cs typeface="Helvetica Neue" panose="02000503000000020004" pitchFamily="2" charset="0"/>
@@ -5257,7 +7622,7 @@
           </a:p>
           <a:p>
             <a:r>
-              <a:rPr lang="de-CH" sz="2000" b="1" dirty="0">
+              <a:rPr lang="de-CH" sz="1400" b="1" dirty="0">
                 <a:latin typeface="Helvetica Neue" panose="02000503000000020004" pitchFamily="2" charset="0"/>
                 <a:ea typeface="Helvetica Neue" panose="02000503000000020004" pitchFamily="2" charset="0"/>
                 <a:cs typeface="Helvetica Neue" panose="02000503000000020004" pitchFamily="2" charset="0"/>
@@ -5265,7 +7630,7 @@
               <a:t>Team:</a:t>
             </a:r>
             <a:r>
-              <a:rPr lang="de-CH" sz="2000" dirty="0">
+              <a:rPr lang="de-CH" sz="1400" dirty="0">
                 <a:latin typeface="Helvetica Neue" panose="02000503000000020004" pitchFamily="2" charset="0"/>
                 <a:ea typeface="Helvetica Neue" panose="02000503000000020004" pitchFamily="2" charset="0"/>
                 <a:cs typeface="Helvetica Neue" panose="02000503000000020004" pitchFamily="2" charset="0"/>
@@ -5277,7 +7642,7 @@
             <a:pPr marL="0" indent="0">
               <a:buNone/>
             </a:pPr>
-            <a:endParaRPr lang="de-DE" dirty="0"/>
+            <a:endParaRPr lang="de-DE" sz="1400" dirty="0"/>
           </a:p>
         </p:txBody>
       </p:sp>
@@ -5297,6 +7662,14 @@
 <file path=ppt/slides/slide8.xml><?xml version="1.0" encoding="utf-8"?>
 <p:sld xmlns:a="http://schemas.openxmlformats.org/drawingml/2006/main" xmlns:r="http://schemas.openxmlformats.org/officeDocument/2006/relationships" xmlns:p="http://schemas.openxmlformats.org/presentationml/2006/main">
   <p:cSld>
+    <p:bg>
+      <p:bgPr>
+        <a:solidFill>
+          <a:schemeClr val="bg1"/>
+        </a:solidFill>
+        <a:effectLst/>
+      </p:bgPr>
+    </p:bg>
     <p:spTree>
       <p:nvGrpSpPr>
         <p:cNvPr id="1" name=""/>
@@ -5313,6 +7686,69 @@
       </p:grpSpPr>
       <p:sp>
         <p:nvSpPr>
+          <p:cNvPr id="9" name="Rectangle 8">
+            <a:extLst>
+              <a:ext uri="{FF2B5EF4-FFF2-40B4-BE49-F238E27FC236}">
+                <a16:creationId xmlns:a16="http://schemas.microsoft.com/office/drawing/2014/main" id="{A4AC5506-6312-4701-8D3C-40187889A947}"/>
+              </a:ext>
+              <a:ext uri="{C183D7F6-B498-43B3-948B-1728B52AA6E4}">
+                <adec:decorative xmlns:adec="http://schemas.microsoft.com/office/drawing/2017/decorative" val="1"/>
+              </a:ext>
+            </a:extLst>
+          </p:cNvPr>
+          <p:cNvSpPr>
+            <a:spLocks noGrp="1" noRot="1" noChangeAspect="1" noMove="1" noResize="1" noEditPoints="1" noAdjustHandles="1" noChangeArrowheads="1" noChangeShapeType="1" noTextEdit="1"/>
+          </p:cNvSpPr>
+          <p:nvPr>
+            <p:extLst>
+              <p:ext uri="{386F3935-93C4-4BCD-93E2-E3B085C9AB24}">
+                <p16:designElem xmlns:p16="http://schemas.microsoft.com/office/powerpoint/2015/main" val="1"/>
+              </p:ext>
+            </p:extLst>
+          </p:nvPr>
+        </p:nvSpPr>
+        <p:spPr>
+          <a:xfrm>
+            <a:off x="0" y="651752"/>
+            <a:ext cx="12192000" cy="736551"/>
+          </a:xfrm>
+          <a:prstGeom prst="rect">
+            <a:avLst/>
+          </a:prstGeom>
+          <a:solidFill>
+            <a:schemeClr val="tx1"/>
+          </a:solidFill>
+          <a:ln>
+            <a:noFill/>
+          </a:ln>
+        </p:spPr>
+        <p:style>
+          <a:lnRef idx="2">
+            <a:schemeClr val="accent1">
+              <a:shade val="50000"/>
+            </a:schemeClr>
+          </a:lnRef>
+          <a:fillRef idx="1">
+            <a:schemeClr val="accent1"/>
+          </a:fillRef>
+          <a:effectRef idx="0">
+            <a:schemeClr val="accent1"/>
+          </a:effectRef>
+          <a:fontRef idx="minor">
+            <a:schemeClr val="lt1"/>
+          </a:fontRef>
+        </p:style>
+        <p:txBody>
+          <a:bodyPr rtlCol="0" anchor="ctr"/>
+          <a:lstStyle/>
+          <a:p>
+            <a:pPr algn="ctr"/>
+            <a:endParaRPr lang="en-US"/>
+          </a:p>
+        </p:txBody>
+      </p:sp>
+      <p:sp>
+        <p:nvSpPr>
           <p:cNvPr id="2" name="Titel 1">
             <a:extLst>
               <a:ext uri="{FF2B5EF4-FFF2-40B4-BE49-F238E27FC236}">
@@ -5327,13 +7763,28 @@
             <p:ph type="title"/>
           </p:nvPr>
         </p:nvSpPr>
-        <p:spPr/>
-        <p:txBody>
-          <a:bodyPr/>
+        <p:spPr>
+          <a:xfrm>
+            <a:off x="556532" y="643467"/>
+            <a:ext cx="11210925" cy="744836"/>
+          </a:xfrm>
+        </p:spPr>
+        <p:txBody>
+          <a:bodyPr vert="horz" lIns="91440" tIns="45720" rIns="91440" bIns="45720" rtlCol="0" anchor="ctr">
+            <a:normAutofit/>
+          </a:bodyPr>
           <a:lstStyle/>
           <a:p>
-            <a:r>
-              <a:rPr lang="de-DE" dirty="0"/>
+            <a:pPr algn="ctr"/>
+            <a:r>
+              <a:rPr lang="en-US" sz="3200" kern="1200">
+                <a:solidFill>
+                  <a:schemeClr val="bg1"/>
+                </a:solidFill>
+                <a:latin typeface="+mj-lt"/>
+                <a:ea typeface="+mj-ea"/>
+                <a:cs typeface="+mj-cs"/>
+              </a:rPr>
               <a:t>Entwicklungen bis Checkpoint I</a:t>
             </a:r>
           </a:p>
@@ -5354,14 +7805,14 @@
           <p:nvPr>
             <p:extLst>
               <p:ext uri="{D42A27DB-BD31-4B8C-83A1-F6EECF244321}">
-                <p14:modId xmlns:p14="http://schemas.microsoft.com/office/powerpoint/2010/main" val="1406198109"/>
+                <p14:modId xmlns:p14="http://schemas.microsoft.com/office/powerpoint/2010/main" val="4142568101"/>
               </p:ext>
             </p:extLst>
           </p:nvPr>
         </p:nvGraphicFramePr>
         <p:xfrm>
-          <a:off x="949960" y="1685924"/>
-          <a:ext cx="10403840" cy="4681538"/>
+          <a:off x="1442722" y="1675227"/>
+          <a:ext cx="9306557" cy="4394200"/>
         </p:xfrm>
         <a:graphic>
           <a:graphicData uri="http://schemas.openxmlformats.org/drawingml/2006/table">
@@ -5370,14 +7821,14 @@
                 <a:tableStyleId>{5940675A-B579-460E-94D1-54222C63F5DA}</a:tableStyleId>
               </a:tblPr>
               <a:tblGrid>
-                <a:gridCol w="5201920">
+                <a:gridCol w="4688679">
                   <a:extLst>
                     <a:ext uri="{9D8B030D-6E8A-4147-A177-3AD203B41FA5}">
                       <a16:colId xmlns:a16="http://schemas.microsoft.com/office/drawing/2014/main" val="1087203503"/>
                     </a:ext>
                   </a:extLst>
                 </a:gridCol>
-                <a:gridCol w="5201920">
+                <a:gridCol w="4617878">
                   <a:extLst>
                     <a:ext uri="{9D8B030D-6E8A-4147-A177-3AD203B41FA5}">
                       <a16:colId xmlns:a16="http://schemas.microsoft.com/office/drawing/2014/main" val="2791348744"/>
@@ -5385,19 +7836,19 @@
                   </a:extLst>
                 </a:gridCol>
               </a:tblGrid>
-              <a:tr h="444818">
+              <a:tr h="384222">
                 <a:tc>
                   <a:txBody>
                     <a:bodyPr/>
                     <a:lstStyle/>
                     <a:p>
                       <a:r>
-                        <a:rPr lang="de-DE" sz="2000" dirty="0"/>
+                        <a:rPr lang="de-DE" sz="1800"/>
                         <a:t>Layout</a:t>
                       </a:r>
                     </a:p>
                   </a:txBody>
-                  <a:tcPr>
+                  <a:tcPr marL="81174" marR="81174" marT="40587" marB="40587">
                     <a:lnL w="12700" cap="flat" cmpd="sng" algn="ctr">
                       <a:noFill/>
                       <a:prstDash val="solid"/>
@@ -5438,12 +7889,12 @@
                     <a:lstStyle/>
                     <a:p>
                       <a:r>
-                        <a:rPr lang="de-DE" sz="2000" dirty="0"/>
+                        <a:rPr lang="de-DE" sz="1800"/>
                         <a:t>Code</a:t>
                       </a:r>
                     </a:p>
                   </a:txBody>
-                  <a:tcPr>
+                  <a:tcPr marL="81174" marR="81174" marT="40587" marB="40587">
                     <a:lnL w="12700" cap="flat" cmpd="sng" algn="ctr">
                       <a:solidFill>
                         <a:schemeClr val="tx1"/>
@@ -5492,7 +7943,7 @@
                   </a:ext>
                 </a:extLst>
               </a:tr>
-              <a:tr h="444818">
+              <a:tr h="4009978">
                 <a:tc>
                   <a:txBody>
                     <a:bodyPr/>
@@ -5503,7 +7954,7 @@
                         <a:buChar char="•"/>
                       </a:pPr>
                       <a:r>
-                        <a:rPr lang="de-DE" sz="2000" dirty="0"/>
+                        <a:rPr lang="de-DE" sz="1800"/>
                         <a:t>Definiert und bis zum Schluss beibehalten</a:t>
                       </a:r>
                     </a:p>
@@ -5512,7 +7963,7 @@
                         <a:buFontTx/>
                         <a:buNone/>
                       </a:pPr>
-                      <a:endParaRPr lang="de-DE" sz="2000" dirty="0"/>
+                      <a:endParaRPr lang="de-DE" sz="1800"/>
                     </a:p>
                     <a:p>
                       <a:pPr marL="342900" indent="-342900">
@@ -5520,10 +7971,10 @@
                         <a:buChar char="•"/>
                       </a:pPr>
                       <a:r>
-                        <a:rPr lang="de-DE" sz="2000" dirty="0"/>
+                        <a:rPr lang="de-DE" sz="1800"/>
                         <a:t>Umlaufbahn in Form eines Kreises statt einer Ellipse</a:t>
                       </a:r>
-                      <a:endParaRPr lang="de-DE" sz="1600" dirty="0"/>
+                      <a:endParaRPr lang="de-DE" sz="1400"/>
                     </a:p>
                     <a:p>
                       <a:pPr marL="361950" indent="0">
@@ -5532,19 +7983,11 @@
                         <a:tabLst/>
                       </a:pPr>
                       <a:r>
-                        <a:rPr lang="de-DE" sz="1600" dirty="0"/>
-                        <a:t>Gründe: Kreis ist einfacher und übersichtlicher, weitere Faktoren (Neigung der Erdachse, Nord- und Südhalbkugel, </a:t>
+                        <a:rPr lang="de-DE" sz="1400"/>
+                        <a:t>Gründe: Kreis ist einfacher und übersichtlicher, weitere Faktoren (Neigung der Erdachse, Nord- und Südhalbkugel, Grössenverhältnisse des Sonnensystems, etc.) wurden ebenfalls vernachlässigt </a:t>
                       </a:r>
                       <a:r>
-                        <a:rPr lang="de-DE" sz="1600" dirty="0" err="1"/>
-                        <a:t>Grössenverhältnisse</a:t>
-                      </a:r>
-                      <a:r>
-                        <a:rPr lang="de-DE" sz="1600" dirty="0"/>
-                        <a:t> des Sonnensystems, etc.) wurden ebenfalls vernachlässigt </a:t>
-                      </a:r>
-                      <a:r>
-                        <a:rPr lang="de-DE" sz="1600" dirty="0">
+                        <a:rPr lang="de-DE" sz="1400">
                           <a:sym typeface="Wingdings" pitchFamily="2" charset="2"/>
                         </a:rPr>
                         <a:t> Simulation</a:t>
@@ -5556,7 +7999,7 @@
                         <a:buNone/>
                         <a:tabLst/>
                       </a:pPr>
-                      <a:endParaRPr lang="de-DE" sz="1600" dirty="0">
+                      <a:endParaRPr lang="de-DE" sz="1400">
                         <a:sym typeface="Wingdings" pitchFamily="2" charset="2"/>
                       </a:endParaRPr>
                     </a:p>
@@ -5566,7 +8009,7 @@
                         <a:buNone/>
                         <a:tabLst/>
                       </a:pPr>
-                      <a:endParaRPr lang="de-DE" sz="1600" dirty="0">
+                      <a:endParaRPr lang="de-DE" sz="1400">
                         <a:sym typeface="Wingdings" pitchFamily="2" charset="2"/>
                       </a:endParaRPr>
                     </a:p>
@@ -5576,7 +8019,7 @@
                         <a:buNone/>
                         <a:tabLst/>
                       </a:pPr>
-                      <a:endParaRPr lang="de-DE" sz="1600" dirty="0">
+                      <a:endParaRPr lang="de-DE" sz="1400">
                         <a:sym typeface="Wingdings" pitchFamily="2" charset="2"/>
                       </a:endParaRPr>
                     </a:p>
@@ -5586,7 +8029,7 @@
                         <a:buNone/>
                         <a:tabLst/>
                       </a:pPr>
-                      <a:endParaRPr lang="de-DE" sz="1600" dirty="0">
+                      <a:endParaRPr lang="de-DE" sz="1400">
                         <a:sym typeface="Wingdings" pitchFamily="2" charset="2"/>
                       </a:endParaRPr>
                     </a:p>
@@ -5596,7 +8039,7 @@
                         <a:buNone/>
                         <a:tabLst/>
                       </a:pPr>
-                      <a:endParaRPr lang="de-DE" sz="1600" dirty="0">
+                      <a:endParaRPr lang="de-DE" sz="1400">
                         <a:sym typeface="Wingdings" pitchFamily="2" charset="2"/>
                       </a:endParaRPr>
                     </a:p>
@@ -5606,7 +8049,7 @@
                         <a:buNone/>
                         <a:tabLst/>
                       </a:pPr>
-                      <a:endParaRPr lang="de-DE" sz="1600" dirty="0">
+                      <a:endParaRPr lang="de-DE" sz="1400">
                         <a:sym typeface="Wingdings" pitchFamily="2" charset="2"/>
                       </a:endParaRPr>
                     </a:p>
@@ -5616,7 +8059,7 @@
                         <a:buNone/>
                         <a:tabLst/>
                       </a:pPr>
-                      <a:endParaRPr lang="de-DE" sz="1600" dirty="0">
+                      <a:endParaRPr lang="de-DE" sz="1400">
                         <a:sym typeface="Wingdings" pitchFamily="2" charset="2"/>
                       </a:endParaRPr>
                     </a:p>
@@ -5626,10 +8069,10 @@
                         <a:buNone/>
                         <a:tabLst/>
                       </a:pPr>
-                      <a:endParaRPr lang="de-DE" sz="1600" dirty="0"/>
+                      <a:endParaRPr lang="de-DE" sz="1400"/>
                     </a:p>
                   </a:txBody>
-                  <a:tcPr>
+                  <a:tcPr marL="81174" marR="81174" marT="40587" marB="40587">
                     <a:lnL w="12700" cap="flat" cmpd="sng" algn="ctr">
                       <a:noFill/>
                       <a:prstDash val="solid"/>
@@ -5674,8 +8117,8 @@
                         <a:buChar char="•"/>
                       </a:pPr>
                       <a:r>
-                        <a:rPr lang="de-DE" sz="2000" dirty="0"/>
-                        <a:t>Verwendung von Parametern</a:t>
+                        <a:rPr lang="de-DE" sz="1800" dirty="0"/>
+                        <a:t>Verwendung von Variablen</a:t>
                       </a:r>
                     </a:p>
                     <a:p>
@@ -5683,17 +8126,17 @@
                         <a:buFont typeface="Arial" panose="020B0604020202020204" pitchFamily="34" charset="0"/>
                         <a:buChar char="•"/>
                       </a:pPr>
-                      <a:endParaRPr lang="de-DE" sz="2000" dirty="0"/>
+                      <a:endParaRPr lang="de-DE" sz="1800" dirty="0"/>
                     </a:p>
                     <a:p>
                       <a:pPr marL="342900" indent="-342900">
                         <a:buFont typeface="Arial" panose="020B0604020202020204" pitchFamily="34" charset="0"/>
                         <a:buChar char="•"/>
                       </a:pPr>
-                      <a:endParaRPr lang="de-DE" sz="2000" dirty="0"/>
+                      <a:endParaRPr lang="de-DE" sz="1800" dirty="0"/>
                     </a:p>
                   </a:txBody>
-                  <a:tcPr>
+                  <a:tcPr marL="81174" marR="81174" marT="40587" marB="40587">
                     <a:lnL w="12700" cap="flat" cmpd="sng" algn="ctr">
                       <a:solidFill>
                         <a:schemeClr val="tx1"/>
@@ -5740,10 +8183,10 @@
       </p:graphicFrame>
       <p:pic>
         <p:nvPicPr>
-          <p:cNvPr id="7" name="Grafik 6">
-            <a:extLst>
-              <a:ext uri="{FF2B5EF4-FFF2-40B4-BE49-F238E27FC236}">
-                <a16:creationId xmlns:a16="http://schemas.microsoft.com/office/drawing/2014/main" id="{368F8494-5625-344E-B932-A6CED093628F}"/>
+          <p:cNvPr id="11" name="Grafik 10">
+            <a:extLst>
+              <a:ext uri="{FF2B5EF4-FFF2-40B4-BE49-F238E27FC236}">
+                <a16:creationId xmlns:a16="http://schemas.microsoft.com/office/drawing/2014/main" id="{746B1C65-BEB2-BF40-93F1-494A37795D0E}"/>
               </a:ext>
             </a:extLst>
           </p:cNvPr>
@@ -5783,6 +8226,14 @@
 <file path=ppt/slides/slide9.xml><?xml version="1.0" encoding="utf-8"?>
 <p:sld xmlns:a="http://schemas.openxmlformats.org/drawingml/2006/main" xmlns:r="http://schemas.openxmlformats.org/officeDocument/2006/relationships" xmlns:p="http://schemas.openxmlformats.org/presentationml/2006/main">
   <p:cSld>
+    <p:bg>
+      <p:bgPr>
+        <a:solidFill>
+          <a:schemeClr val="bg1"/>
+        </a:solidFill>
+        <a:effectLst/>
+      </p:bgPr>
+    </p:bg>
     <p:spTree>
       <p:nvGrpSpPr>
         <p:cNvPr id="1" name=""/>
@@ -5799,6 +8250,69 @@
       </p:grpSpPr>
       <p:sp>
         <p:nvSpPr>
+          <p:cNvPr id="9" name="Rectangle 8">
+            <a:extLst>
+              <a:ext uri="{FF2B5EF4-FFF2-40B4-BE49-F238E27FC236}">
+                <a16:creationId xmlns:a16="http://schemas.microsoft.com/office/drawing/2014/main" id="{A4AC5506-6312-4701-8D3C-40187889A947}"/>
+              </a:ext>
+              <a:ext uri="{C183D7F6-B498-43B3-948B-1728B52AA6E4}">
+                <adec:decorative xmlns:adec="http://schemas.microsoft.com/office/drawing/2017/decorative" val="1"/>
+              </a:ext>
+            </a:extLst>
+          </p:cNvPr>
+          <p:cNvSpPr>
+            <a:spLocks noGrp="1" noRot="1" noChangeAspect="1" noMove="1" noResize="1" noEditPoints="1" noAdjustHandles="1" noChangeArrowheads="1" noChangeShapeType="1" noTextEdit="1"/>
+          </p:cNvSpPr>
+          <p:nvPr>
+            <p:extLst>
+              <p:ext uri="{386F3935-93C4-4BCD-93E2-E3B085C9AB24}">
+                <p16:designElem xmlns:p16="http://schemas.microsoft.com/office/powerpoint/2015/main" val="1"/>
+              </p:ext>
+            </p:extLst>
+          </p:nvPr>
+        </p:nvSpPr>
+        <p:spPr>
+          <a:xfrm>
+            <a:off x="0" y="651752"/>
+            <a:ext cx="12192000" cy="736551"/>
+          </a:xfrm>
+          <a:prstGeom prst="rect">
+            <a:avLst/>
+          </a:prstGeom>
+          <a:solidFill>
+            <a:schemeClr val="tx1"/>
+          </a:solidFill>
+          <a:ln>
+            <a:noFill/>
+          </a:ln>
+        </p:spPr>
+        <p:style>
+          <a:lnRef idx="2">
+            <a:schemeClr val="accent1">
+              <a:shade val="50000"/>
+            </a:schemeClr>
+          </a:lnRef>
+          <a:fillRef idx="1">
+            <a:schemeClr val="accent1"/>
+          </a:fillRef>
+          <a:effectRef idx="0">
+            <a:schemeClr val="accent1"/>
+          </a:effectRef>
+          <a:fontRef idx="minor">
+            <a:schemeClr val="lt1"/>
+          </a:fontRef>
+        </p:style>
+        <p:txBody>
+          <a:bodyPr rtlCol="0" anchor="ctr"/>
+          <a:lstStyle/>
+          <a:p>
+            <a:pPr algn="ctr"/>
+            <a:endParaRPr lang="en-US"/>
+          </a:p>
+        </p:txBody>
+      </p:sp>
+      <p:sp>
+        <p:nvSpPr>
           <p:cNvPr id="2" name="Titel 1">
             <a:extLst>
               <a:ext uri="{FF2B5EF4-FFF2-40B4-BE49-F238E27FC236}">
@@ -5813,13 +8327,28 @@
             <p:ph type="title"/>
           </p:nvPr>
         </p:nvSpPr>
-        <p:spPr/>
-        <p:txBody>
-          <a:bodyPr/>
+        <p:spPr>
+          <a:xfrm>
+            <a:off x="556532" y="643467"/>
+            <a:ext cx="11210925" cy="744836"/>
+          </a:xfrm>
+        </p:spPr>
+        <p:txBody>
+          <a:bodyPr vert="horz" lIns="91440" tIns="45720" rIns="91440" bIns="45720" rtlCol="0" anchor="ctr">
+            <a:normAutofit/>
+          </a:bodyPr>
           <a:lstStyle/>
           <a:p>
-            <a:r>
-              <a:rPr lang="de-DE" dirty="0"/>
+            <a:pPr algn="ctr"/>
+            <a:r>
+              <a:rPr lang="en-US" sz="3200" kern="1200">
+                <a:solidFill>
+                  <a:schemeClr val="bg1"/>
+                </a:solidFill>
+                <a:latin typeface="+mj-lt"/>
+                <a:ea typeface="+mj-ea"/>
+                <a:cs typeface="+mj-cs"/>
+              </a:rPr>
               <a:t>Entwicklungen bis Checkpoint II</a:t>
             </a:r>
           </a:p>
@@ -5840,14 +8369,14 @@
           <p:nvPr>
             <p:extLst>
               <p:ext uri="{D42A27DB-BD31-4B8C-83A1-F6EECF244321}">
-                <p14:modId xmlns:p14="http://schemas.microsoft.com/office/powerpoint/2010/main" val="2454393007"/>
+                <p14:modId xmlns:p14="http://schemas.microsoft.com/office/powerpoint/2010/main" val="991040100"/>
               </p:ext>
             </p:extLst>
           </p:nvPr>
         </p:nvGraphicFramePr>
         <p:xfrm>
-          <a:off x="949960" y="1685924"/>
-          <a:ext cx="10403840" cy="3828098"/>
+          <a:off x="643467" y="1861348"/>
+          <a:ext cx="10905067" cy="4022012"/>
         </p:xfrm>
         <a:graphic>
           <a:graphicData uri="http://schemas.openxmlformats.org/drawingml/2006/table">
@@ -5856,14 +8385,14 @@
                 <a:tableStyleId>{5940675A-B579-460E-94D1-54222C63F5DA}</a:tableStyleId>
               </a:tblPr>
               <a:tblGrid>
-                <a:gridCol w="5201920">
+                <a:gridCol w="5430492">
                   <a:extLst>
                     <a:ext uri="{9D8B030D-6E8A-4147-A177-3AD203B41FA5}">
                       <a16:colId xmlns:a16="http://schemas.microsoft.com/office/drawing/2014/main" val="1087203503"/>
                     </a:ext>
                   </a:extLst>
                 </a:gridCol>
-                <a:gridCol w="5201920">
+                <a:gridCol w="5474575">
                   <a:extLst>
                     <a:ext uri="{9D8B030D-6E8A-4147-A177-3AD203B41FA5}">
                       <a16:colId xmlns:a16="http://schemas.microsoft.com/office/drawing/2014/main" val="2791348744"/>
@@ -5871,19 +8400,19 @@
                   </a:extLst>
                 </a:gridCol>
               </a:tblGrid>
-              <a:tr h="444818">
+              <a:tr h="451834">
                 <a:tc>
                   <a:txBody>
                     <a:bodyPr/>
                     <a:lstStyle/>
                     <a:p>
                       <a:r>
-                        <a:rPr lang="de-DE" sz="2000" dirty="0"/>
+                        <a:rPr lang="de-DE" sz="2100"/>
                         <a:t>Layout</a:t>
                       </a:r>
                     </a:p>
                   </a:txBody>
-                  <a:tcPr>
+                  <a:tcPr marL="95458" marR="95458" marT="47729" marB="47729">
                     <a:lnL w="12700" cap="flat" cmpd="sng" algn="ctr">
                       <a:noFill/>
                       <a:prstDash val="solid"/>
@@ -5932,12 +8461,12 @@
                     <a:lstStyle/>
                     <a:p>
                       <a:r>
-                        <a:rPr lang="de-DE" sz="2000" dirty="0"/>
+                        <a:rPr lang="de-DE" sz="2100"/>
                         <a:t>Code</a:t>
                       </a:r>
                     </a:p>
                   </a:txBody>
-                  <a:tcPr>
+                  <a:tcPr marL="95458" marR="95458" marT="47729" marB="47729">
                     <a:lnL w="12700" cap="flat" cmpd="sng" algn="ctr">
                       <a:solidFill>
                         <a:schemeClr val="tx1"/>
@@ -5986,7 +8515,7 @@
                   </a:ext>
                 </a:extLst>
               </a:tr>
-              <a:tr h="444818">
+              <a:tr h="3570124">
                 <a:tc>
                   <a:txBody>
                     <a:bodyPr/>
@@ -5997,7 +8526,7 @@
                         <a:buChar char="•"/>
                       </a:pPr>
                       <a:r>
-                        <a:rPr lang="de-CH" sz="2000" b="0" dirty="0">
+                        <a:rPr lang="de-CH" sz="2100" b="0" dirty="0">
                           <a:latin typeface="Helvetica Neue" panose="02000503000000020004" pitchFamily="2" charset="0"/>
                           <a:ea typeface="Helvetica Neue" panose="02000503000000020004" pitchFamily="2" charset="0"/>
                           <a:cs typeface="Helvetica Neue" panose="02000503000000020004" pitchFamily="2" charset="0"/>
@@ -6024,14 +8553,14 @@
                         <a:defRPr/>
                       </a:pPr>
                       <a:r>
-                        <a:rPr lang="de-CH" sz="1600" dirty="0">
+                        <a:rPr lang="de-CH" sz="1700" dirty="0">
                           <a:latin typeface="Helvetica Neue" panose="02000503000000020004" pitchFamily="2" charset="0"/>
                           <a:ea typeface="Helvetica Neue" panose="02000503000000020004" pitchFamily="2" charset="0"/>
                           <a:cs typeface="Helvetica Neue" panose="02000503000000020004" pitchFamily="2" charset="0"/>
                         </a:rPr>
                         <a:t>Sollte nicht ersichtlich sein und wurde bei Checkpoint II korrigiert</a:t>
                       </a:r>
-                      <a:endParaRPr lang="de-CH" sz="2000" b="0" dirty="0">
+                      <a:endParaRPr lang="de-CH" sz="2100" b="0" dirty="0">
                         <a:latin typeface="Helvetica Neue" panose="02000503000000020004" pitchFamily="2" charset="0"/>
                         <a:ea typeface="Helvetica Neue" panose="02000503000000020004" pitchFamily="2" charset="0"/>
                         <a:cs typeface="Helvetica Neue" panose="02000503000000020004" pitchFamily="2" charset="0"/>
@@ -6056,7 +8585,7 @@
                         <a:defRPr/>
                       </a:pPr>
                       <a:r>
-                        <a:rPr lang="de-CH" sz="1600" dirty="0">
+                        <a:rPr lang="de-CH" sz="1700" dirty="0">
                           <a:latin typeface="Helvetica Neue" panose="02000503000000020004" pitchFamily="2" charset="0"/>
                           <a:ea typeface="Helvetica Neue" panose="02000503000000020004" pitchFamily="2" charset="0"/>
                           <a:cs typeface="Helvetica Neue" panose="02000503000000020004" pitchFamily="2" charset="0"/>
@@ -6064,8 +8593,32 @@
                         <a:t> </a:t>
                       </a:r>
                     </a:p>
+                    <a:p>
+                      <a:pPr marL="361950" marR="0" lvl="0" indent="0" algn="l" defTabSz="914400" rtl="0" eaLnBrk="1" fontAlgn="auto" latinLnBrk="0" hangingPunct="1">
+                        <a:lnSpc>
+                          <a:spcPct val="100000"/>
+                        </a:lnSpc>
+                        <a:spcBef>
+                          <a:spcPts val="0"/>
+                        </a:spcBef>
+                        <a:spcAft>
+                          <a:spcPts val="0"/>
+                        </a:spcAft>
+                        <a:buClrTx/>
+                        <a:buSzTx/>
+                        <a:buFont typeface="Arial" panose="020B0604020202020204" pitchFamily="34" charset="0"/>
+                        <a:buNone/>
+                        <a:tabLst/>
+                        <a:defRPr/>
+                      </a:pPr>
+                      <a:endParaRPr lang="de-CH" sz="1700" dirty="0">
+                        <a:latin typeface="Helvetica Neue" panose="02000503000000020004" pitchFamily="2" charset="0"/>
+                        <a:ea typeface="Helvetica Neue" panose="02000503000000020004" pitchFamily="2" charset="0"/>
+                        <a:cs typeface="Helvetica Neue" panose="02000503000000020004" pitchFamily="2" charset="0"/>
+                      </a:endParaRPr>
+                    </a:p>
                   </a:txBody>
-                  <a:tcPr>
+                  <a:tcPr marL="95458" marR="95458" marT="47729" marB="47729">
                     <a:lnL w="12700" cap="flat" cmpd="sng" algn="ctr">
                       <a:noFill/>
                       <a:prstDash val="solid"/>
@@ -6131,7 +8684,7 @@
                         <a:defRPr/>
                       </a:pPr>
                       <a:r>
-                        <a:rPr lang="de-DE" sz="2000" dirty="0"/>
+                        <a:rPr lang="de-DE" sz="2100" dirty="0"/>
                         <a:t>Änderung der Interaktivität</a:t>
                       </a:r>
                     </a:p>
@@ -6154,7 +8707,7 @@
                         <a:defRPr/>
                       </a:pPr>
                       <a:r>
-                        <a:rPr lang="de-CH" sz="1600" dirty="0">
+                        <a:rPr lang="de-CH" sz="1700" dirty="0">
                           <a:latin typeface="Helvetica Neue" panose="02000503000000020004" pitchFamily="2" charset="0"/>
                           <a:ea typeface="Helvetica Neue" panose="02000503000000020004" pitchFamily="2" charset="0"/>
                           <a:cs typeface="Helvetica Neue" panose="02000503000000020004" pitchFamily="2" charset="0"/>
@@ -6167,7 +8720,7 @@
                         <a:buFont typeface="Arial" panose="020B0604020202020204" pitchFamily="34" charset="0"/>
                         <a:buChar char="•"/>
                       </a:pPr>
-                      <a:endParaRPr lang="de-DE" sz="2000" dirty="0"/>
+                      <a:endParaRPr lang="de-DE" sz="2100" dirty="0"/>
                     </a:p>
                     <a:p>
                       <a:pPr marL="342900" marR="0" lvl="0" indent="-342900" algn="l" defTabSz="914400" rtl="0" eaLnBrk="1" fontAlgn="auto" latinLnBrk="0" hangingPunct="1">
@@ -6188,7 +8741,7 @@
                         <a:defRPr/>
                       </a:pPr>
                       <a:r>
-                        <a:rPr lang="de-CH" sz="2000" b="0" dirty="0">
+                        <a:rPr lang="de-CH" sz="2100" b="0" dirty="0">
                           <a:latin typeface="Helvetica Neue" panose="02000503000000020004" pitchFamily="2" charset="0"/>
                           <a:ea typeface="Helvetica Neue" panose="02000503000000020004" pitchFamily="2" charset="0"/>
                           <a:cs typeface="Helvetica Neue" panose="02000503000000020004" pitchFamily="2" charset="0"/>
@@ -6215,7 +8768,7 @@
                         <a:defRPr/>
                       </a:pPr>
                       <a:r>
-                        <a:rPr lang="de-CH" sz="1600" b="0" dirty="0">
+                        <a:rPr lang="de-CH" sz="1700" b="0" dirty="0">
                           <a:latin typeface="Helvetica Neue" panose="02000503000000020004" pitchFamily="2" charset="0"/>
                           <a:ea typeface="Helvetica Neue" panose="02000503000000020004" pitchFamily="2" charset="0"/>
                           <a:cs typeface="Helvetica Neue" panose="02000503000000020004" pitchFamily="2" charset="0"/>
@@ -6223,7 +8776,7 @@
                         <a:t>Einbau eines Buttons, um die Erde an gewünschter Position zu stoppen </a:t>
                       </a:r>
                       <a:r>
-                        <a:rPr lang="de-CH" sz="1600" b="0" dirty="0">
+                        <a:rPr lang="de-CH" sz="1700" b="0" dirty="0">
                           <a:latin typeface="Helvetica Neue" panose="02000503000000020004" pitchFamily="2" charset="0"/>
                           <a:ea typeface="Helvetica Neue" panose="02000503000000020004" pitchFamily="2" charset="0"/>
                           <a:cs typeface="Helvetica Neue" panose="02000503000000020004" pitchFamily="2" charset="0"/>
@@ -6231,7 +8784,7 @@
                         </a:rPr>
                         <a:t> hat bis dahin noch nicht funktioniert</a:t>
                       </a:r>
-                      <a:endParaRPr lang="de-CH" sz="1600" b="0" dirty="0">
+                      <a:endParaRPr lang="de-CH" sz="1700" b="0" dirty="0">
                         <a:latin typeface="Helvetica Neue" panose="02000503000000020004" pitchFamily="2" charset="0"/>
                         <a:ea typeface="Helvetica Neue" panose="02000503000000020004" pitchFamily="2" charset="0"/>
                         <a:cs typeface="Helvetica Neue" panose="02000503000000020004" pitchFamily="2" charset="0"/>
@@ -6242,24 +8795,24 @@
                         <a:buFont typeface="Arial" panose="020B0604020202020204" pitchFamily="34" charset="0"/>
                         <a:buChar char="•"/>
                       </a:pPr>
-                      <a:endParaRPr lang="de-DE" sz="2000" dirty="0"/>
+                      <a:endParaRPr lang="de-DE" sz="2100" dirty="0"/>
                     </a:p>
                     <a:p>
                       <a:pPr marL="342900" indent="-342900">
                         <a:buFont typeface="Arial" panose="020B0604020202020204" pitchFamily="34" charset="0"/>
                         <a:buChar char="•"/>
                       </a:pPr>
-                      <a:endParaRPr lang="de-DE" sz="2000" dirty="0"/>
+                      <a:endParaRPr lang="de-DE" sz="2100" dirty="0"/>
                     </a:p>
                     <a:p>
                       <a:pPr marL="342900" indent="-342900">
                         <a:buFont typeface="Arial" panose="020B0604020202020204" pitchFamily="34" charset="0"/>
                         <a:buChar char="•"/>
                       </a:pPr>
-                      <a:endParaRPr lang="de-DE" sz="2000" dirty="0"/>
+                      <a:endParaRPr lang="de-DE" sz="2100" dirty="0"/>
                     </a:p>
                   </a:txBody>
-                  <a:tcPr>
+                  <a:tcPr marL="95458" marR="95458" marT="47729" marB="47729">
                     <a:lnL w="12700" cap="flat" cmpd="sng" algn="ctr">
                       <a:solidFill>
                         <a:schemeClr val="tx1"/>
@@ -6314,10 +8867,10 @@
       </p:graphicFrame>
       <p:pic>
         <p:nvPicPr>
-          <p:cNvPr id="5" name="Grafik 4">
-            <a:extLst>
-              <a:ext uri="{FF2B5EF4-FFF2-40B4-BE49-F238E27FC236}">
-                <a16:creationId xmlns:a16="http://schemas.microsoft.com/office/drawing/2014/main" id="{5EC09808-F3C6-AB45-91DC-240DF3AC1685}"/>
+          <p:cNvPr id="7" name="Grafik 6">
+            <a:extLst>
+              <a:ext uri="{FF2B5EF4-FFF2-40B4-BE49-F238E27FC236}">
+                <a16:creationId xmlns:a16="http://schemas.microsoft.com/office/drawing/2014/main" id="{36B2A074-9C5F-294F-8A60-17BB66B198C1}"/>
               </a:ext>
             </a:extLst>
           </p:cNvPr>
@@ -6334,7 +8887,7 @@
         </p:blipFill>
         <p:spPr>
           <a:xfrm>
-            <a:off x="1362972" y="3231634"/>
+            <a:off x="1124433" y="3681030"/>
             <a:ext cx="4492753" cy="2202330"/>
           </a:xfrm>
           <a:prstGeom prst="rect">
